--- a/documentation/AppDesign.pptx
+++ b/documentation/AppDesign.pptx
@@ -4,8 +4,12 @@
   <p:sldMasterIdLst>
     <p:sldMasterId id="2147483648" r:id="rId1"/>
   </p:sldMasterIdLst>
+  <p:notesMasterIdLst>
+    <p:notesMasterId r:id="rId4"/>
+  </p:notesMasterIdLst>
   <p:sldIdLst>
     <p:sldId id="256" r:id="rId2"/>
+    <p:sldId id="257" r:id="rId3"/>
   </p:sldIdLst>
   <p:sldSz cx="12192000" cy="6858000"/>
   <p:notesSz cx="6858000" cy="9144000"/>
@@ -220,6 +224,436 @@
 </inkml:ink>
 </file>
 
+<file path=ppt/notesMasters/notesMaster1.xml><?xml version="1.0" encoding="utf-8"?>
+<p:notesMaster xmlns:a="http://schemas.openxmlformats.org/drawingml/2006/main" xmlns:r="http://schemas.openxmlformats.org/officeDocument/2006/relationships" xmlns:p="http://schemas.openxmlformats.org/presentationml/2006/main">
+  <p:cSld>
+    <p:bg>
+      <p:bgRef idx="1001">
+        <a:schemeClr val="bg1"/>
+      </p:bgRef>
+    </p:bg>
+    <p:spTree>
+      <p:nvGrpSpPr>
+        <p:cNvPr id="1" name=""/>
+        <p:cNvGrpSpPr/>
+        <p:nvPr/>
+      </p:nvGrpSpPr>
+      <p:grpSpPr>
+        <a:xfrm>
+          <a:off x="0" y="0"/>
+          <a:ext cx="0" cy="0"/>
+          <a:chOff x="0" y="0"/>
+          <a:chExt cx="0" cy="0"/>
+        </a:xfrm>
+      </p:grpSpPr>
+      <p:sp>
+        <p:nvSpPr>
+          <p:cNvPr id="2" name="Header Placeholder 1"/>
+          <p:cNvSpPr>
+            <a:spLocks noGrp="1"/>
+          </p:cNvSpPr>
+          <p:nvPr>
+            <p:ph type="hdr" sz="quarter"/>
+          </p:nvPr>
+        </p:nvSpPr>
+        <p:spPr>
+          <a:xfrm>
+            <a:off x="0" y="0"/>
+            <a:ext cx="2971800" cy="458788"/>
+          </a:xfrm>
+          <a:prstGeom prst="rect">
+            <a:avLst/>
+          </a:prstGeom>
+        </p:spPr>
+        <p:txBody>
+          <a:bodyPr vert="horz" lIns="91440" tIns="45720" rIns="91440" bIns="45720" rtlCol="0"/>
+          <a:lstStyle>
+            <a:lvl1pPr algn="l">
+              <a:defRPr sz="1200"/>
+            </a:lvl1pPr>
+          </a:lstStyle>
+          <a:p>
+            <a:endParaRPr lang="en-US"/>
+          </a:p>
+        </p:txBody>
+      </p:sp>
+      <p:sp>
+        <p:nvSpPr>
+          <p:cNvPr id="3" name="Date Placeholder 2"/>
+          <p:cNvSpPr>
+            <a:spLocks noGrp="1"/>
+          </p:cNvSpPr>
+          <p:nvPr>
+            <p:ph type="dt" idx="1"/>
+          </p:nvPr>
+        </p:nvSpPr>
+        <p:spPr>
+          <a:xfrm>
+            <a:off x="3884613" y="0"/>
+            <a:ext cx="2971800" cy="458788"/>
+          </a:xfrm>
+          <a:prstGeom prst="rect">
+            <a:avLst/>
+          </a:prstGeom>
+        </p:spPr>
+        <p:txBody>
+          <a:bodyPr vert="horz" lIns="91440" tIns="45720" rIns="91440" bIns="45720" rtlCol="0"/>
+          <a:lstStyle>
+            <a:lvl1pPr algn="r">
+              <a:defRPr sz="1200"/>
+            </a:lvl1pPr>
+          </a:lstStyle>
+          <a:p>
+            <a:fld id="{7258A54E-126E-9F44-BB91-7E6D295A013E}" type="datetimeFigureOut">
+              <a:t>11/9/23</a:t>
+            </a:fld>
+            <a:endParaRPr lang="en-US"/>
+          </a:p>
+        </p:txBody>
+      </p:sp>
+      <p:sp>
+        <p:nvSpPr>
+          <p:cNvPr id="4" name="Slide Image Placeholder 3"/>
+          <p:cNvSpPr>
+            <a:spLocks noGrp="1" noRot="1" noChangeAspect="1"/>
+          </p:cNvSpPr>
+          <p:nvPr>
+            <p:ph type="sldImg" idx="2"/>
+          </p:nvPr>
+        </p:nvSpPr>
+        <p:spPr>
+          <a:xfrm>
+            <a:off x="685800" y="1143000"/>
+            <a:ext cx="5486400" cy="3086100"/>
+          </a:xfrm>
+          <a:prstGeom prst="rect">
+            <a:avLst/>
+          </a:prstGeom>
+          <a:noFill/>
+          <a:ln w="12700">
+            <a:solidFill>
+              <a:prstClr val="black"/>
+            </a:solidFill>
+          </a:ln>
+        </p:spPr>
+        <p:txBody>
+          <a:bodyPr vert="horz" lIns="91440" tIns="45720" rIns="91440" bIns="45720" rtlCol="0" anchor="ctr"/>
+          <a:lstStyle/>
+          <a:p>
+            <a:endParaRPr lang="en-US"/>
+          </a:p>
+        </p:txBody>
+      </p:sp>
+      <p:sp>
+        <p:nvSpPr>
+          <p:cNvPr id="5" name="Notes Placeholder 4"/>
+          <p:cNvSpPr>
+            <a:spLocks noGrp="1"/>
+          </p:cNvSpPr>
+          <p:nvPr>
+            <p:ph type="body" sz="quarter" idx="3"/>
+          </p:nvPr>
+        </p:nvSpPr>
+        <p:spPr>
+          <a:xfrm>
+            <a:off x="685800" y="4400550"/>
+            <a:ext cx="5486400" cy="3600450"/>
+          </a:xfrm>
+          <a:prstGeom prst="rect">
+            <a:avLst/>
+          </a:prstGeom>
+        </p:spPr>
+        <p:txBody>
+          <a:bodyPr vert="horz" lIns="91440" tIns="45720" rIns="91440" bIns="45720" rtlCol="0"/>
+          <a:lstStyle/>
+          <a:p>
+            <a:pPr lvl="0"/>
+            <a:r>
+              <a:rPr lang="en-US"/>
+              <a:t>Click to edit Master text styles</a:t>
+            </a:r>
+          </a:p>
+          <a:p>
+            <a:pPr lvl="1"/>
+            <a:r>
+              <a:rPr lang="en-US"/>
+              <a:t>Second level</a:t>
+            </a:r>
+          </a:p>
+          <a:p>
+            <a:pPr lvl="2"/>
+            <a:r>
+              <a:rPr lang="en-US"/>
+              <a:t>Third level</a:t>
+            </a:r>
+          </a:p>
+          <a:p>
+            <a:pPr lvl="3"/>
+            <a:r>
+              <a:rPr lang="en-US"/>
+              <a:t>Fourth level</a:t>
+            </a:r>
+          </a:p>
+          <a:p>
+            <a:pPr lvl="4"/>
+            <a:r>
+              <a:rPr lang="en-US"/>
+              <a:t>Fifth level</a:t>
+            </a:r>
+          </a:p>
+        </p:txBody>
+      </p:sp>
+      <p:sp>
+        <p:nvSpPr>
+          <p:cNvPr id="6" name="Footer Placeholder 5"/>
+          <p:cNvSpPr>
+            <a:spLocks noGrp="1"/>
+          </p:cNvSpPr>
+          <p:nvPr>
+            <p:ph type="ftr" sz="quarter" idx="4"/>
+          </p:nvPr>
+        </p:nvSpPr>
+        <p:spPr>
+          <a:xfrm>
+            <a:off x="0" y="8685213"/>
+            <a:ext cx="2971800" cy="458787"/>
+          </a:xfrm>
+          <a:prstGeom prst="rect">
+            <a:avLst/>
+          </a:prstGeom>
+        </p:spPr>
+        <p:txBody>
+          <a:bodyPr vert="horz" lIns="91440" tIns="45720" rIns="91440" bIns="45720" rtlCol="0" anchor="b"/>
+          <a:lstStyle>
+            <a:lvl1pPr algn="l">
+              <a:defRPr sz="1200"/>
+            </a:lvl1pPr>
+          </a:lstStyle>
+          <a:p>
+            <a:endParaRPr lang="en-US"/>
+          </a:p>
+        </p:txBody>
+      </p:sp>
+      <p:sp>
+        <p:nvSpPr>
+          <p:cNvPr id="7" name="Slide Number Placeholder 6"/>
+          <p:cNvSpPr>
+            <a:spLocks noGrp="1"/>
+          </p:cNvSpPr>
+          <p:nvPr>
+            <p:ph type="sldNum" sz="quarter" idx="5"/>
+          </p:nvPr>
+        </p:nvSpPr>
+        <p:spPr>
+          <a:xfrm>
+            <a:off x="3884613" y="8685213"/>
+            <a:ext cx="2971800" cy="458787"/>
+          </a:xfrm>
+          <a:prstGeom prst="rect">
+            <a:avLst/>
+          </a:prstGeom>
+        </p:spPr>
+        <p:txBody>
+          <a:bodyPr vert="horz" lIns="91440" tIns="45720" rIns="91440" bIns="45720" rtlCol="0" anchor="b"/>
+          <a:lstStyle>
+            <a:lvl1pPr algn="r">
+              <a:defRPr sz="1200"/>
+            </a:lvl1pPr>
+          </a:lstStyle>
+          <a:p>
+            <a:fld id="{01B7AB9F-F68F-EB40-AB1E-7E27BB726B65}" type="slidenum">
+              <a:t>‹#›</a:t>
+            </a:fld>
+            <a:endParaRPr lang="en-US"/>
+          </a:p>
+        </p:txBody>
+      </p:sp>
+    </p:spTree>
+    <p:extLst>
+      <p:ext uri="{BB962C8B-B14F-4D97-AF65-F5344CB8AC3E}">
+        <p14:creationId xmlns:p14="http://schemas.microsoft.com/office/powerpoint/2010/main" val="2031649062"/>
+      </p:ext>
+    </p:extLst>
+  </p:cSld>
+  <p:clrMap bg1="lt1" tx1="dk1" bg2="lt2" tx2="dk2" accent1="accent1" accent2="accent2" accent3="accent3" accent4="accent4" accent5="accent5" accent6="accent6" hlink="hlink" folHlink="folHlink"/>
+  <p:notesStyle>
+    <a:lvl1pPr marL="0" algn="l" defTabSz="914400" rtl="0" eaLnBrk="1" latinLnBrk="0" hangingPunct="1">
+      <a:defRPr sz="1200" kern="1200">
+        <a:solidFill>
+          <a:schemeClr val="tx1"/>
+        </a:solidFill>
+        <a:latin typeface="+mn-lt"/>
+        <a:ea typeface="+mn-ea"/>
+        <a:cs typeface="+mn-cs"/>
+      </a:defRPr>
+    </a:lvl1pPr>
+    <a:lvl2pPr marL="457200" algn="l" defTabSz="914400" rtl="0" eaLnBrk="1" latinLnBrk="0" hangingPunct="1">
+      <a:defRPr sz="1200" kern="1200">
+        <a:solidFill>
+          <a:schemeClr val="tx1"/>
+        </a:solidFill>
+        <a:latin typeface="+mn-lt"/>
+        <a:ea typeface="+mn-ea"/>
+        <a:cs typeface="+mn-cs"/>
+      </a:defRPr>
+    </a:lvl2pPr>
+    <a:lvl3pPr marL="914400" algn="l" defTabSz="914400" rtl="0" eaLnBrk="1" latinLnBrk="0" hangingPunct="1">
+      <a:defRPr sz="1200" kern="1200">
+        <a:solidFill>
+          <a:schemeClr val="tx1"/>
+        </a:solidFill>
+        <a:latin typeface="+mn-lt"/>
+        <a:ea typeface="+mn-ea"/>
+        <a:cs typeface="+mn-cs"/>
+      </a:defRPr>
+    </a:lvl3pPr>
+    <a:lvl4pPr marL="1371600" algn="l" defTabSz="914400" rtl="0" eaLnBrk="1" latinLnBrk="0" hangingPunct="1">
+      <a:defRPr sz="1200" kern="1200">
+        <a:solidFill>
+          <a:schemeClr val="tx1"/>
+        </a:solidFill>
+        <a:latin typeface="+mn-lt"/>
+        <a:ea typeface="+mn-ea"/>
+        <a:cs typeface="+mn-cs"/>
+      </a:defRPr>
+    </a:lvl4pPr>
+    <a:lvl5pPr marL="1828800" algn="l" defTabSz="914400" rtl="0" eaLnBrk="1" latinLnBrk="0" hangingPunct="1">
+      <a:defRPr sz="1200" kern="1200">
+        <a:solidFill>
+          <a:schemeClr val="tx1"/>
+        </a:solidFill>
+        <a:latin typeface="+mn-lt"/>
+        <a:ea typeface="+mn-ea"/>
+        <a:cs typeface="+mn-cs"/>
+      </a:defRPr>
+    </a:lvl5pPr>
+    <a:lvl6pPr marL="2286000" algn="l" defTabSz="914400" rtl="0" eaLnBrk="1" latinLnBrk="0" hangingPunct="1">
+      <a:defRPr sz="1200" kern="1200">
+        <a:solidFill>
+          <a:schemeClr val="tx1"/>
+        </a:solidFill>
+        <a:latin typeface="+mn-lt"/>
+        <a:ea typeface="+mn-ea"/>
+        <a:cs typeface="+mn-cs"/>
+      </a:defRPr>
+    </a:lvl6pPr>
+    <a:lvl7pPr marL="2743200" algn="l" defTabSz="914400" rtl="0" eaLnBrk="1" latinLnBrk="0" hangingPunct="1">
+      <a:defRPr sz="1200" kern="1200">
+        <a:solidFill>
+          <a:schemeClr val="tx1"/>
+        </a:solidFill>
+        <a:latin typeface="+mn-lt"/>
+        <a:ea typeface="+mn-ea"/>
+        <a:cs typeface="+mn-cs"/>
+      </a:defRPr>
+    </a:lvl7pPr>
+    <a:lvl8pPr marL="3200400" algn="l" defTabSz="914400" rtl="0" eaLnBrk="1" latinLnBrk="0" hangingPunct="1">
+      <a:defRPr sz="1200" kern="1200">
+        <a:solidFill>
+          <a:schemeClr val="tx1"/>
+        </a:solidFill>
+        <a:latin typeface="+mn-lt"/>
+        <a:ea typeface="+mn-ea"/>
+        <a:cs typeface="+mn-cs"/>
+      </a:defRPr>
+    </a:lvl8pPr>
+    <a:lvl9pPr marL="3657600" algn="l" defTabSz="914400" rtl="0" eaLnBrk="1" latinLnBrk="0" hangingPunct="1">
+      <a:defRPr sz="1200" kern="1200">
+        <a:solidFill>
+          <a:schemeClr val="tx1"/>
+        </a:solidFill>
+        <a:latin typeface="+mn-lt"/>
+        <a:ea typeface="+mn-ea"/>
+        <a:cs typeface="+mn-cs"/>
+      </a:defRPr>
+    </a:lvl9pPr>
+  </p:notesStyle>
+</p:notesMaster>
+</file>
+
+<file path=ppt/notesSlides/notesSlide1.xml><?xml version="1.0" encoding="utf-8"?>
+<p:notes xmlns:a="http://schemas.openxmlformats.org/drawingml/2006/main" xmlns:r="http://schemas.openxmlformats.org/officeDocument/2006/relationships" xmlns:p="http://schemas.openxmlformats.org/presentationml/2006/main">
+  <p:cSld>
+    <p:spTree>
+      <p:nvGrpSpPr>
+        <p:cNvPr id="1" name=""/>
+        <p:cNvGrpSpPr/>
+        <p:nvPr/>
+      </p:nvGrpSpPr>
+      <p:grpSpPr>
+        <a:xfrm>
+          <a:off x="0" y="0"/>
+          <a:ext cx="0" cy="0"/>
+          <a:chOff x="0" y="0"/>
+          <a:chExt cx="0" cy="0"/>
+        </a:xfrm>
+      </p:grpSpPr>
+      <p:sp>
+        <p:nvSpPr>
+          <p:cNvPr id="2" name="Slide Image Placeholder 1"/>
+          <p:cNvSpPr>
+            <a:spLocks noGrp="1" noRot="1" noChangeAspect="1"/>
+          </p:cNvSpPr>
+          <p:nvPr>
+            <p:ph type="sldImg"/>
+          </p:nvPr>
+        </p:nvSpPr>
+        <p:spPr/>
+      </p:sp>
+      <p:sp>
+        <p:nvSpPr>
+          <p:cNvPr id="3" name="Notes Placeholder 2"/>
+          <p:cNvSpPr>
+            <a:spLocks noGrp="1"/>
+          </p:cNvSpPr>
+          <p:nvPr>
+            <p:ph type="body" idx="1"/>
+          </p:nvPr>
+        </p:nvSpPr>
+        <p:spPr/>
+        <p:txBody>
+          <a:bodyPr/>
+          <a:lstStyle/>
+          <a:p>
+            <a:endParaRPr lang="en-US"/>
+          </a:p>
+        </p:txBody>
+      </p:sp>
+      <p:sp>
+        <p:nvSpPr>
+          <p:cNvPr id="4" name="Slide Number Placeholder 3"/>
+          <p:cNvSpPr>
+            <a:spLocks noGrp="1"/>
+          </p:cNvSpPr>
+          <p:nvPr>
+            <p:ph type="sldNum" sz="quarter" idx="5"/>
+          </p:nvPr>
+        </p:nvSpPr>
+        <p:spPr/>
+        <p:txBody>
+          <a:bodyPr/>
+          <a:lstStyle/>
+          <a:p>
+            <a:fld id="{01B7AB9F-F68F-EB40-AB1E-7E27BB726B65}" type="slidenum">
+              <a:t>2</a:t>
+            </a:fld>
+            <a:endParaRPr lang="en-US"/>
+          </a:p>
+        </p:txBody>
+      </p:sp>
+    </p:spTree>
+    <p:extLst>
+      <p:ext uri="{BB962C8B-B14F-4D97-AF65-F5344CB8AC3E}">
+        <p14:creationId xmlns:p14="http://schemas.microsoft.com/office/powerpoint/2010/main" val="2478432978"/>
+      </p:ext>
+    </p:extLst>
+  </p:cSld>
+  <p:clrMapOvr>
+    <a:masterClrMapping/>
+  </p:clrMapOvr>
+</p:notes>
+</file>
+
 <file path=ppt/slideLayouts/slideLayout1.xml><?xml version="1.0" encoding="utf-8"?>
 <p:sldLayout xmlns:a="http://schemas.openxmlformats.org/drawingml/2006/main" xmlns:r="http://schemas.openxmlformats.org/officeDocument/2006/relationships" xmlns:p="http://schemas.openxmlformats.org/presentationml/2006/main" type="title" preserve="1">
   <p:cSld name="Title Slide">
@@ -366,7 +800,7 @@
           <a:lstStyle/>
           <a:p>
             <a:fld id="{814779F6-DF54-A74A-B093-E4E0AB693425}" type="datetimeFigureOut">
-              <a:t>11/6/23</a:t>
+              <a:t>11/9/23</a:t>
             </a:fld>
             <a:endParaRPr lang="en-US"/>
           </a:p>
@@ -562,7 +996,7 @@
           <a:lstStyle/>
           <a:p>
             <a:fld id="{814779F6-DF54-A74A-B093-E4E0AB693425}" type="datetimeFigureOut">
-              <a:t>11/6/23</a:t>
+              <a:t>11/9/23</a:t>
             </a:fld>
             <a:endParaRPr lang="en-US"/>
           </a:p>
@@ -768,7 +1202,7 @@
           <a:lstStyle/>
           <a:p>
             <a:fld id="{814779F6-DF54-A74A-B093-E4E0AB693425}" type="datetimeFigureOut">
-              <a:t>11/6/23</a:t>
+              <a:t>11/9/23</a:t>
             </a:fld>
             <a:endParaRPr lang="en-US"/>
           </a:p>
@@ -964,7 +1398,7 @@
           <a:lstStyle/>
           <a:p>
             <a:fld id="{814779F6-DF54-A74A-B093-E4E0AB693425}" type="datetimeFigureOut">
-              <a:t>11/6/23</a:t>
+              <a:t>11/9/23</a:t>
             </a:fld>
             <a:endParaRPr lang="en-US"/>
           </a:p>
@@ -1237,7 +1671,7 @@
           <a:lstStyle/>
           <a:p>
             <a:fld id="{814779F6-DF54-A74A-B093-E4E0AB693425}" type="datetimeFigureOut">
-              <a:t>11/6/23</a:t>
+              <a:t>11/9/23</a:t>
             </a:fld>
             <a:endParaRPr lang="en-US"/>
           </a:p>
@@ -1500,7 +1934,7 @@
           <a:lstStyle/>
           <a:p>
             <a:fld id="{814779F6-DF54-A74A-B093-E4E0AB693425}" type="datetimeFigureOut">
-              <a:t>11/6/23</a:t>
+              <a:t>11/9/23</a:t>
             </a:fld>
             <a:endParaRPr lang="en-US"/>
           </a:p>
@@ -1910,7 +2344,7 @@
           <a:lstStyle/>
           <a:p>
             <a:fld id="{814779F6-DF54-A74A-B093-E4E0AB693425}" type="datetimeFigureOut">
-              <a:t>11/6/23</a:t>
+              <a:t>11/9/23</a:t>
             </a:fld>
             <a:endParaRPr lang="en-US"/>
           </a:p>
@@ -2049,7 +2483,7 @@
           <a:lstStyle/>
           <a:p>
             <a:fld id="{814779F6-DF54-A74A-B093-E4E0AB693425}" type="datetimeFigureOut">
-              <a:t>11/6/23</a:t>
+              <a:t>11/9/23</a:t>
             </a:fld>
             <a:endParaRPr lang="en-US"/>
           </a:p>
@@ -2160,7 +2594,7 @@
           <a:lstStyle/>
           <a:p>
             <a:fld id="{814779F6-DF54-A74A-B093-E4E0AB693425}" type="datetimeFigureOut">
-              <a:t>11/6/23</a:t>
+              <a:t>11/9/23</a:t>
             </a:fld>
             <a:endParaRPr lang="en-US"/>
           </a:p>
@@ -2469,7 +2903,7 @@
           <a:lstStyle/>
           <a:p>
             <a:fld id="{814779F6-DF54-A74A-B093-E4E0AB693425}" type="datetimeFigureOut">
-              <a:t>11/6/23</a:t>
+              <a:t>11/9/23</a:t>
             </a:fld>
             <a:endParaRPr lang="en-US"/>
           </a:p>
@@ -2755,7 +3189,7 @@
           <a:lstStyle/>
           <a:p>
             <a:fld id="{814779F6-DF54-A74A-B093-E4E0AB693425}" type="datetimeFigureOut">
-              <a:t>11/6/23</a:t>
+              <a:t>11/9/23</a:t>
             </a:fld>
             <a:endParaRPr lang="en-US"/>
           </a:p>
@@ -2994,7 +3428,7 @@
           </a:lstStyle>
           <a:p>
             <a:fld id="{814779F6-DF54-A74A-B093-E4E0AB693425}" type="datetimeFigureOut">
-              <a:t>11/6/23</a:t>
+              <a:t>11/9/23</a:t>
             </a:fld>
             <a:endParaRPr lang="en-US"/>
           </a:p>
@@ -3754,8 +4188,8 @@
           </a:p>
         </p:txBody>
       </p:sp>
-      <mc:AlternateContent xmlns:mc="http://schemas.openxmlformats.org/markup-compatibility/2006">
-        <mc:Choice xmlns:p14="http://schemas.microsoft.com/office/powerpoint/2010/main" Requires="p14">
+      <mc:AlternateContent xmlns:mc="http://schemas.openxmlformats.org/markup-compatibility/2006" xmlns:p14="http://schemas.microsoft.com/office/powerpoint/2010/main">
+        <mc:Choice Requires="p14">
           <p:contentPart p14:bwMode="auto" r:id="rId2">
             <p14:nvContentPartPr>
               <p14:cNvPr id="15" name="Ink 14">
@@ -3774,7 +4208,7 @@
             </p14:xfrm>
           </p:contentPart>
         </mc:Choice>
-        <mc:Fallback>
+        <mc:Fallback xmlns="">
           <p:pic>
             <p:nvPicPr>
               <p:cNvPr id="15" name="Ink 14">
@@ -4002,8 +4436,8 @@
             <a:chExt cx="578520" cy="1850040"/>
           </a:xfrm>
         </p:grpSpPr>
-        <mc:AlternateContent xmlns:mc="http://schemas.openxmlformats.org/markup-compatibility/2006">
-          <mc:Choice xmlns:p14="http://schemas.microsoft.com/office/powerpoint/2010/main" Requires="p14">
+        <mc:AlternateContent xmlns:mc="http://schemas.openxmlformats.org/markup-compatibility/2006" xmlns:p14="http://schemas.microsoft.com/office/powerpoint/2010/main">
+          <mc:Choice Requires="p14">
             <p:contentPart p14:bwMode="auto" r:id="rId4">
               <p14:nvContentPartPr>
                 <p14:cNvPr id="19" name="Ink 18">
@@ -4022,7 +4456,7 @@
               </p14:xfrm>
             </p:contentPart>
           </mc:Choice>
-          <mc:Fallback>
+          <mc:Fallback xmlns="">
             <p:pic>
               <p:nvPicPr>
                 <p:cNvPr id="19" name="Ink 18">
@@ -4053,8 +4487,8 @@
             </p:pic>
           </mc:Fallback>
         </mc:AlternateContent>
-        <mc:AlternateContent xmlns:mc="http://schemas.openxmlformats.org/markup-compatibility/2006">
-          <mc:Choice xmlns:p14="http://schemas.microsoft.com/office/powerpoint/2010/main" Requires="p14">
+        <mc:AlternateContent xmlns:mc="http://schemas.openxmlformats.org/markup-compatibility/2006" xmlns:p14="http://schemas.microsoft.com/office/powerpoint/2010/main">
+          <mc:Choice Requires="p14">
             <p:contentPart p14:bwMode="auto" r:id="rId6">
               <p14:nvContentPartPr>
                 <p14:cNvPr id="20" name="Ink 19">
@@ -4073,7 +4507,7 @@
               </p14:xfrm>
             </p:contentPart>
           </mc:Choice>
-          <mc:Fallback>
+          <mc:Fallback xmlns="">
             <p:pic>
               <p:nvPicPr>
                 <p:cNvPr id="20" name="Ink 19">
@@ -4105,8 +4539,8 @@
           </mc:Fallback>
         </mc:AlternateContent>
       </p:grpSp>
-      <mc:AlternateContent xmlns:mc="http://schemas.openxmlformats.org/markup-compatibility/2006">
-        <mc:Choice xmlns:p14="http://schemas.microsoft.com/office/powerpoint/2010/main" Requires="p14">
+      <mc:AlternateContent xmlns:mc="http://schemas.openxmlformats.org/markup-compatibility/2006" xmlns:p14="http://schemas.microsoft.com/office/powerpoint/2010/main">
+        <mc:Choice Requires="p14">
           <p:contentPart p14:bwMode="auto" r:id="rId8">
             <p14:nvContentPartPr>
               <p14:cNvPr id="22" name="Ink 21">
@@ -4125,7 +4559,7 @@
             </p14:xfrm>
           </p:contentPart>
         </mc:Choice>
-        <mc:Fallback>
+        <mc:Fallback xmlns="">
           <p:pic>
             <p:nvPicPr>
               <p:cNvPr id="22" name="Ink 21">
@@ -4160,6 +4594,1879 @@
     <p:extLst>
       <p:ext uri="{BB962C8B-B14F-4D97-AF65-F5344CB8AC3E}">
         <p14:creationId xmlns:p14="http://schemas.microsoft.com/office/powerpoint/2010/main" val="3561617039"/>
+      </p:ext>
+    </p:extLst>
+  </p:cSld>
+  <p:clrMapOvr>
+    <a:masterClrMapping/>
+  </p:clrMapOvr>
+</p:sld>
+</file>
+
+<file path=ppt/slides/slide2.xml><?xml version="1.0" encoding="utf-8"?>
+<p:sld xmlns:a="http://schemas.openxmlformats.org/drawingml/2006/main" xmlns:r="http://schemas.openxmlformats.org/officeDocument/2006/relationships" xmlns:p="http://schemas.openxmlformats.org/presentationml/2006/main">
+  <p:cSld>
+    <p:spTree>
+      <p:nvGrpSpPr>
+        <p:cNvPr id="1" name=""/>
+        <p:cNvGrpSpPr/>
+        <p:nvPr/>
+      </p:nvGrpSpPr>
+      <p:grpSpPr>
+        <a:xfrm>
+          <a:off x="0" y="0"/>
+          <a:ext cx="0" cy="0"/>
+          <a:chOff x="0" y="0"/>
+          <a:chExt cx="0" cy="0"/>
+        </a:xfrm>
+      </p:grpSpPr>
+      <p:sp>
+        <p:nvSpPr>
+          <p:cNvPr id="2" name="TextBox 1">
+            <a:extLst>
+              <a:ext uri="{FF2B5EF4-FFF2-40B4-BE49-F238E27FC236}">
+                <a16:creationId xmlns:a16="http://schemas.microsoft.com/office/drawing/2014/main" id="{EBEA3E00-2C1E-1FD4-6D92-AF6C1F07D949}"/>
+              </a:ext>
+            </a:extLst>
+          </p:cNvPr>
+          <p:cNvSpPr txBox="1"/>
+          <p:nvPr/>
+        </p:nvSpPr>
+        <p:spPr>
+          <a:xfrm>
+            <a:off x="2094411" y="0"/>
+            <a:ext cx="8003177" cy="523220"/>
+          </a:xfrm>
+          <a:prstGeom prst="rect">
+            <a:avLst/>
+          </a:prstGeom>
+          <a:noFill/>
+        </p:spPr>
+        <p:txBody>
+          <a:bodyPr wrap="square" rtlCol="0">
+            <a:spAutoFit/>
+          </a:bodyPr>
+          <a:lstStyle/>
+          <a:p>
+            <a:pPr algn="ctr"/>
+            <a:r>
+              <a:rPr lang="en-US" sz="1400"/>
+              <a:t>USX01: As someone who loves to do projects myself, I want a way to organize the costs so that I can make a guided decision regarding expenses.</a:t>
+            </a:r>
+          </a:p>
+        </p:txBody>
+      </p:sp>
+      <p:sp>
+        <p:nvSpPr>
+          <p:cNvPr id="3" name="Rectangle 2">
+            <a:extLst>
+              <a:ext uri="{FF2B5EF4-FFF2-40B4-BE49-F238E27FC236}">
+                <a16:creationId xmlns:a16="http://schemas.microsoft.com/office/drawing/2014/main" id="{B2E1DC27-AB21-8B54-E892-1AA96ECFDE35}"/>
+              </a:ext>
+            </a:extLst>
+          </p:cNvPr>
+          <p:cNvSpPr/>
+          <p:nvPr/>
+        </p:nvSpPr>
+        <p:spPr>
+          <a:xfrm>
+            <a:off x="0" y="523220"/>
+            <a:ext cx="1325971" cy="494492"/>
+          </a:xfrm>
+          <a:prstGeom prst="rect">
+            <a:avLst/>
+          </a:prstGeom>
+          <a:noFill/>
+          <a:ln w="38100">
+            <a:solidFill>
+              <a:schemeClr val="accent1"/>
+            </a:solidFill>
+          </a:ln>
+        </p:spPr>
+        <p:style>
+          <a:lnRef idx="2">
+            <a:schemeClr val="accent1">
+              <a:shade val="15000"/>
+            </a:schemeClr>
+          </a:lnRef>
+          <a:fillRef idx="1">
+            <a:schemeClr val="accent1"/>
+          </a:fillRef>
+          <a:effectRef idx="0">
+            <a:schemeClr val="accent1"/>
+          </a:effectRef>
+          <a:fontRef idx="minor">
+            <a:schemeClr val="lt1"/>
+          </a:fontRef>
+        </p:style>
+        <p:txBody>
+          <a:bodyPr rtlCol="0" anchor="ctr"/>
+          <a:lstStyle/>
+          <a:p>
+            <a:pPr algn="ctr"/>
+            <a:r>
+              <a:rPr lang="en-US" sz="1200">
+                <a:solidFill>
+                  <a:schemeClr val="tx1"/>
+                </a:solidFill>
+              </a:rPr>
+              <a:t>ApplicationView</a:t>
+            </a:r>
+          </a:p>
+        </p:txBody>
+      </p:sp>
+      <p:sp>
+        <p:nvSpPr>
+          <p:cNvPr id="4" name="Rectangle 3">
+            <a:extLst>
+              <a:ext uri="{FF2B5EF4-FFF2-40B4-BE49-F238E27FC236}">
+                <a16:creationId xmlns:a16="http://schemas.microsoft.com/office/drawing/2014/main" id="{0816C600-1A57-6126-2494-67817D31F143}"/>
+              </a:ext>
+            </a:extLst>
+          </p:cNvPr>
+          <p:cNvSpPr/>
+          <p:nvPr/>
+        </p:nvSpPr>
+        <p:spPr>
+          <a:xfrm>
+            <a:off x="1545772" y="523220"/>
+            <a:ext cx="1325971" cy="494492"/>
+          </a:xfrm>
+          <a:prstGeom prst="rect">
+            <a:avLst/>
+          </a:prstGeom>
+          <a:noFill/>
+          <a:ln w="38100">
+            <a:solidFill>
+              <a:schemeClr val="accent1"/>
+            </a:solidFill>
+          </a:ln>
+        </p:spPr>
+        <p:style>
+          <a:lnRef idx="2">
+            <a:schemeClr val="accent1">
+              <a:shade val="15000"/>
+            </a:schemeClr>
+          </a:lnRef>
+          <a:fillRef idx="1">
+            <a:schemeClr val="accent1"/>
+          </a:fillRef>
+          <a:effectRef idx="0">
+            <a:schemeClr val="accent1"/>
+          </a:effectRef>
+          <a:fontRef idx="minor">
+            <a:schemeClr val="lt1"/>
+          </a:fontRef>
+        </p:style>
+        <p:txBody>
+          <a:bodyPr rtlCol="0" anchor="ctr"/>
+          <a:lstStyle/>
+          <a:p>
+            <a:pPr algn="ctr"/>
+            <a:r>
+              <a:rPr lang="en-US" sz="1200">
+                <a:solidFill>
+                  <a:schemeClr val="tx1"/>
+                </a:solidFill>
+              </a:rPr>
+              <a:t>ProjectController</a:t>
+            </a:r>
+          </a:p>
+        </p:txBody>
+      </p:sp>
+      <p:sp>
+        <p:nvSpPr>
+          <p:cNvPr id="5" name="Rectangle 4">
+            <a:extLst>
+              <a:ext uri="{FF2B5EF4-FFF2-40B4-BE49-F238E27FC236}">
+                <a16:creationId xmlns:a16="http://schemas.microsoft.com/office/drawing/2014/main" id="{7BC51680-E948-C36F-C1AA-5D2957FB752D}"/>
+              </a:ext>
+            </a:extLst>
+          </p:cNvPr>
+          <p:cNvSpPr/>
+          <p:nvPr/>
+        </p:nvSpPr>
+        <p:spPr>
+          <a:xfrm>
+            <a:off x="4637313" y="523220"/>
+            <a:ext cx="1325971" cy="494492"/>
+          </a:xfrm>
+          <a:prstGeom prst="rect">
+            <a:avLst/>
+          </a:prstGeom>
+          <a:noFill/>
+          <a:ln w="38100">
+            <a:solidFill>
+              <a:schemeClr val="accent1"/>
+            </a:solidFill>
+          </a:ln>
+        </p:spPr>
+        <p:style>
+          <a:lnRef idx="2">
+            <a:schemeClr val="accent1">
+              <a:shade val="15000"/>
+            </a:schemeClr>
+          </a:lnRef>
+          <a:fillRef idx="1">
+            <a:schemeClr val="accent1"/>
+          </a:fillRef>
+          <a:effectRef idx="0">
+            <a:schemeClr val="accent1"/>
+          </a:effectRef>
+          <a:fontRef idx="minor">
+            <a:schemeClr val="lt1"/>
+          </a:fontRef>
+        </p:style>
+        <p:txBody>
+          <a:bodyPr rtlCol="0" anchor="ctr"/>
+          <a:lstStyle/>
+          <a:p>
+            <a:pPr algn="ctr"/>
+            <a:r>
+              <a:rPr lang="en-US" sz="1200">
+                <a:solidFill>
+                  <a:schemeClr val="tx1"/>
+                </a:solidFill>
+              </a:rPr>
+              <a:t>ProjectView</a:t>
+            </a:r>
+          </a:p>
+        </p:txBody>
+      </p:sp>
+      <p:sp>
+        <p:nvSpPr>
+          <p:cNvPr id="6" name="Rectangle 5">
+            <a:extLst>
+              <a:ext uri="{FF2B5EF4-FFF2-40B4-BE49-F238E27FC236}">
+                <a16:creationId xmlns:a16="http://schemas.microsoft.com/office/drawing/2014/main" id="{BCAB8685-902F-0BFF-F75D-030E2D3A404C}"/>
+              </a:ext>
+            </a:extLst>
+          </p:cNvPr>
+          <p:cNvSpPr/>
+          <p:nvPr/>
+        </p:nvSpPr>
+        <p:spPr>
+          <a:xfrm>
+            <a:off x="6183085" y="523220"/>
+            <a:ext cx="1325971" cy="494492"/>
+          </a:xfrm>
+          <a:prstGeom prst="rect">
+            <a:avLst/>
+          </a:prstGeom>
+          <a:noFill/>
+          <a:ln w="38100">
+            <a:solidFill>
+              <a:schemeClr val="accent1"/>
+            </a:solidFill>
+          </a:ln>
+        </p:spPr>
+        <p:style>
+          <a:lnRef idx="2">
+            <a:schemeClr val="accent1">
+              <a:shade val="15000"/>
+            </a:schemeClr>
+          </a:lnRef>
+          <a:fillRef idx="1">
+            <a:schemeClr val="accent1"/>
+          </a:fillRef>
+          <a:effectRef idx="0">
+            <a:schemeClr val="accent1"/>
+          </a:effectRef>
+          <a:fontRef idx="minor">
+            <a:schemeClr val="lt1"/>
+          </a:fontRef>
+        </p:style>
+        <p:txBody>
+          <a:bodyPr rtlCol="0" anchor="ctr"/>
+          <a:lstStyle/>
+          <a:p>
+            <a:pPr algn="ctr"/>
+            <a:r>
+              <a:rPr lang="en-US" sz="1200">
+                <a:solidFill>
+                  <a:schemeClr val="tx1"/>
+                </a:solidFill>
+              </a:rPr>
+              <a:t>BudgetView</a:t>
+            </a:r>
+          </a:p>
+        </p:txBody>
+      </p:sp>
+      <p:sp>
+        <p:nvSpPr>
+          <p:cNvPr id="7" name="Rectangle 6">
+            <a:extLst>
+              <a:ext uri="{FF2B5EF4-FFF2-40B4-BE49-F238E27FC236}">
+                <a16:creationId xmlns:a16="http://schemas.microsoft.com/office/drawing/2014/main" id="{CD1D4CA1-6BBB-94F9-43ED-D1A98C2DB13C}"/>
+              </a:ext>
+            </a:extLst>
+          </p:cNvPr>
+          <p:cNvSpPr/>
+          <p:nvPr/>
+        </p:nvSpPr>
+        <p:spPr>
+          <a:xfrm>
+            <a:off x="7728857" y="523220"/>
+            <a:ext cx="1325971" cy="494492"/>
+          </a:xfrm>
+          <a:prstGeom prst="rect">
+            <a:avLst/>
+          </a:prstGeom>
+          <a:noFill/>
+          <a:ln w="38100">
+            <a:solidFill>
+              <a:schemeClr val="accent1"/>
+            </a:solidFill>
+          </a:ln>
+        </p:spPr>
+        <p:style>
+          <a:lnRef idx="2">
+            <a:schemeClr val="accent1">
+              <a:shade val="15000"/>
+            </a:schemeClr>
+          </a:lnRef>
+          <a:fillRef idx="1">
+            <a:schemeClr val="accent1"/>
+          </a:fillRef>
+          <a:effectRef idx="0">
+            <a:schemeClr val="accent1"/>
+          </a:effectRef>
+          <a:fontRef idx="minor">
+            <a:schemeClr val="lt1"/>
+          </a:fontRef>
+        </p:style>
+        <p:txBody>
+          <a:bodyPr rtlCol="0" anchor="ctr"/>
+          <a:lstStyle/>
+          <a:p>
+            <a:pPr algn="ctr"/>
+            <a:r>
+              <a:rPr lang="en-US" sz="1200">
+                <a:solidFill>
+                  <a:schemeClr val="tx1"/>
+                </a:solidFill>
+              </a:rPr>
+              <a:t>BudgetController</a:t>
+            </a:r>
+          </a:p>
+        </p:txBody>
+      </p:sp>
+      <p:sp>
+        <p:nvSpPr>
+          <p:cNvPr id="8" name="Rectangle 7">
+            <a:extLst>
+              <a:ext uri="{FF2B5EF4-FFF2-40B4-BE49-F238E27FC236}">
+                <a16:creationId xmlns:a16="http://schemas.microsoft.com/office/drawing/2014/main" id="{B544BF9E-BE1B-965A-FDAF-87252A518D67}"/>
+              </a:ext>
+            </a:extLst>
+          </p:cNvPr>
+          <p:cNvSpPr/>
+          <p:nvPr/>
+        </p:nvSpPr>
+        <p:spPr>
+          <a:xfrm>
+            <a:off x="9301887" y="523220"/>
+            <a:ext cx="1325971" cy="494492"/>
+          </a:xfrm>
+          <a:prstGeom prst="rect">
+            <a:avLst/>
+          </a:prstGeom>
+          <a:noFill/>
+          <a:ln w="38100">
+            <a:solidFill>
+              <a:schemeClr val="accent1"/>
+            </a:solidFill>
+          </a:ln>
+        </p:spPr>
+        <p:style>
+          <a:lnRef idx="2">
+            <a:schemeClr val="accent1">
+              <a:shade val="15000"/>
+            </a:schemeClr>
+          </a:lnRef>
+          <a:fillRef idx="1">
+            <a:schemeClr val="accent1"/>
+          </a:fillRef>
+          <a:effectRef idx="0">
+            <a:schemeClr val="accent1"/>
+          </a:effectRef>
+          <a:fontRef idx="minor">
+            <a:schemeClr val="lt1"/>
+          </a:fontRef>
+        </p:style>
+        <p:txBody>
+          <a:bodyPr rtlCol="0" anchor="ctr"/>
+          <a:lstStyle/>
+          <a:p>
+            <a:pPr algn="ctr"/>
+            <a:r>
+              <a:rPr lang="en-US" sz="1200">
+                <a:solidFill>
+                  <a:schemeClr val="tx1"/>
+                </a:solidFill>
+              </a:rPr>
+              <a:t>Budget</a:t>
+            </a:r>
+          </a:p>
+        </p:txBody>
+      </p:sp>
+      <p:cxnSp>
+        <p:nvCxnSpPr>
+          <p:cNvPr id="10" name="Straight Connector 9">
+            <a:extLst>
+              <a:ext uri="{FF2B5EF4-FFF2-40B4-BE49-F238E27FC236}">
+                <a16:creationId xmlns:a16="http://schemas.microsoft.com/office/drawing/2014/main" id="{9A50B79C-EE4D-1A17-57A0-F0B87B63841F}"/>
+              </a:ext>
+            </a:extLst>
+          </p:cNvPr>
+          <p:cNvCxnSpPr>
+            <a:cxnSpLocks/>
+          </p:cNvCxnSpPr>
+          <p:nvPr/>
+        </p:nvCxnSpPr>
+        <p:spPr>
+          <a:xfrm>
+            <a:off x="662985" y="1367246"/>
+            <a:ext cx="1" cy="5490754"/>
+          </a:xfrm>
+          <a:prstGeom prst="line">
+            <a:avLst/>
+          </a:prstGeom>
+          <a:ln w="38100">
+            <a:prstDash val="dash"/>
+          </a:ln>
+        </p:spPr>
+        <p:style>
+          <a:lnRef idx="1">
+            <a:schemeClr val="accent1"/>
+          </a:lnRef>
+          <a:fillRef idx="0">
+            <a:schemeClr val="accent1"/>
+          </a:fillRef>
+          <a:effectRef idx="0">
+            <a:schemeClr val="accent1"/>
+          </a:effectRef>
+          <a:fontRef idx="minor">
+            <a:schemeClr val="tx1"/>
+          </a:fontRef>
+        </p:style>
+      </p:cxnSp>
+      <p:cxnSp>
+        <p:nvCxnSpPr>
+          <p:cNvPr id="13" name="Straight Connector 12">
+            <a:extLst>
+              <a:ext uri="{FF2B5EF4-FFF2-40B4-BE49-F238E27FC236}">
+                <a16:creationId xmlns:a16="http://schemas.microsoft.com/office/drawing/2014/main" id="{C18658D6-7771-A32A-068F-37D54C16FD8A}"/>
+              </a:ext>
+            </a:extLst>
+          </p:cNvPr>
+          <p:cNvCxnSpPr>
+            <a:cxnSpLocks/>
+          </p:cNvCxnSpPr>
+          <p:nvPr/>
+        </p:nvCxnSpPr>
+        <p:spPr>
+          <a:xfrm>
+            <a:off x="2208757" y="1367246"/>
+            <a:ext cx="1" cy="5490754"/>
+          </a:xfrm>
+          <a:prstGeom prst="line">
+            <a:avLst/>
+          </a:prstGeom>
+          <a:ln w="38100">
+            <a:prstDash val="dash"/>
+          </a:ln>
+        </p:spPr>
+        <p:style>
+          <a:lnRef idx="1">
+            <a:schemeClr val="accent1"/>
+          </a:lnRef>
+          <a:fillRef idx="0">
+            <a:schemeClr val="accent1"/>
+          </a:fillRef>
+          <a:effectRef idx="0">
+            <a:schemeClr val="accent1"/>
+          </a:effectRef>
+          <a:fontRef idx="minor">
+            <a:schemeClr val="tx1"/>
+          </a:fontRef>
+        </p:style>
+      </p:cxnSp>
+      <p:cxnSp>
+        <p:nvCxnSpPr>
+          <p:cNvPr id="14" name="Straight Connector 13">
+            <a:extLst>
+              <a:ext uri="{FF2B5EF4-FFF2-40B4-BE49-F238E27FC236}">
+                <a16:creationId xmlns:a16="http://schemas.microsoft.com/office/drawing/2014/main" id="{9B29D4B6-083E-7436-DFB1-B4BD81C61A86}"/>
+              </a:ext>
+            </a:extLst>
+          </p:cNvPr>
+          <p:cNvCxnSpPr>
+            <a:cxnSpLocks/>
+          </p:cNvCxnSpPr>
+          <p:nvPr/>
+        </p:nvCxnSpPr>
+        <p:spPr>
+          <a:xfrm>
+            <a:off x="5300298" y="1367246"/>
+            <a:ext cx="1" cy="5490754"/>
+          </a:xfrm>
+          <a:prstGeom prst="line">
+            <a:avLst/>
+          </a:prstGeom>
+          <a:ln w="38100">
+            <a:prstDash val="dash"/>
+          </a:ln>
+        </p:spPr>
+        <p:style>
+          <a:lnRef idx="1">
+            <a:schemeClr val="accent1"/>
+          </a:lnRef>
+          <a:fillRef idx="0">
+            <a:schemeClr val="accent1"/>
+          </a:fillRef>
+          <a:effectRef idx="0">
+            <a:schemeClr val="accent1"/>
+          </a:effectRef>
+          <a:fontRef idx="minor">
+            <a:schemeClr val="tx1"/>
+          </a:fontRef>
+        </p:style>
+      </p:cxnSp>
+      <p:cxnSp>
+        <p:nvCxnSpPr>
+          <p:cNvPr id="15" name="Straight Connector 14">
+            <a:extLst>
+              <a:ext uri="{FF2B5EF4-FFF2-40B4-BE49-F238E27FC236}">
+                <a16:creationId xmlns:a16="http://schemas.microsoft.com/office/drawing/2014/main" id="{B28628B0-0C41-AC2E-C548-538C7642A8D7}"/>
+              </a:ext>
+            </a:extLst>
+          </p:cNvPr>
+          <p:cNvCxnSpPr>
+            <a:cxnSpLocks/>
+          </p:cNvCxnSpPr>
+          <p:nvPr/>
+        </p:nvCxnSpPr>
+        <p:spPr>
+          <a:xfrm>
+            <a:off x="6846070" y="1367246"/>
+            <a:ext cx="1" cy="5490754"/>
+          </a:xfrm>
+          <a:prstGeom prst="line">
+            <a:avLst/>
+          </a:prstGeom>
+          <a:ln w="38100">
+            <a:prstDash val="dash"/>
+          </a:ln>
+        </p:spPr>
+        <p:style>
+          <a:lnRef idx="1">
+            <a:schemeClr val="accent1"/>
+          </a:lnRef>
+          <a:fillRef idx="0">
+            <a:schemeClr val="accent1"/>
+          </a:fillRef>
+          <a:effectRef idx="0">
+            <a:schemeClr val="accent1"/>
+          </a:effectRef>
+          <a:fontRef idx="minor">
+            <a:schemeClr val="tx1"/>
+          </a:fontRef>
+        </p:style>
+      </p:cxnSp>
+      <p:cxnSp>
+        <p:nvCxnSpPr>
+          <p:cNvPr id="16" name="Straight Connector 15">
+            <a:extLst>
+              <a:ext uri="{FF2B5EF4-FFF2-40B4-BE49-F238E27FC236}">
+                <a16:creationId xmlns:a16="http://schemas.microsoft.com/office/drawing/2014/main" id="{94152CFA-14F3-BA22-29B6-4920B18E1380}"/>
+              </a:ext>
+            </a:extLst>
+          </p:cNvPr>
+          <p:cNvCxnSpPr>
+            <a:cxnSpLocks/>
+          </p:cNvCxnSpPr>
+          <p:nvPr/>
+        </p:nvCxnSpPr>
+        <p:spPr>
+          <a:xfrm>
+            <a:off x="8391842" y="1367246"/>
+            <a:ext cx="1" cy="5490754"/>
+          </a:xfrm>
+          <a:prstGeom prst="line">
+            <a:avLst/>
+          </a:prstGeom>
+          <a:ln w="38100">
+            <a:prstDash val="dash"/>
+          </a:ln>
+        </p:spPr>
+        <p:style>
+          <a:lnRef idx="1">
+            <a:schemeClr val="accent1"/>
+          </a:lnRef>
+          <a:fillRef idx="0">
+            <a:schemeClr val="accent1"/>
+          </a:fillRef>
+          <a:effectRef idx="0">
+            <a:schemeClr val="accent1"/>
+          </a:effectRef>
+          <a:fontRef idx="minor">
+            <a:schemeClr val="tx1"/>
+          </a:fontRef>
+        </p:style>
+      </p:cxnSp>
+      <p:cxnSp>
+        <p:nvCxnSpPr>
+          <p:cNvPr id="17" name="Straight Connector 16">
+            <a:extLst>
+              <a:ext uri="{FF2B5EF4-FFF2-40B4-BE49-F238E27FC236}">
+                <a16:creationId xmlns:a16="http://schemas.microsoft.com/office/drawing/2014/main" id="{591F444D-AB1F-9B35-3F55-E93EBE8A1018}"/>
+              </a:ext>
+            </a:extLst>
+          </p:cNvPr>
+          <p:cNvCxnSpPr>
+            <a:cxnSpLocks/>
+          </p:cNvCxnSpPr>
+          <p:nvPr/>
+        </p:nvCxnSpPr>
+        <p:spPr>
+          <a:xfrm>
+            <a:off x="9964871" y="1367246"/>
+            <a:ext cx="1" cy="5490754"/>
+          </a:xfrm>
+          <a:prstGeom prst="line">
+            <a:avLst/>
+          </a:prstGeom>
+          <a:ln w="38100">
+            <a:prstDash val="dash"/>
+          </a:ln>
+        </p:spPr>
+        <p:style>
+          <a:lnRef idx="1">
+            <a:schemeClr val="accent1"/>
+          </a:lnRef>
+          <a:fillRef idx="0">
+            <a:schemeClr val="accent1"/>
+          </a:fillRef>
+          <a:effectRef idx="0">
+            <a:schemeClr val="accent1"/>
+          </a:effectRef>
+          <a:fontRef idx="minor">
+            <a:schemeClr val="tx1"/>
+          </a:fontRef>
+        </p:style>
+      </p:cxnSp>
+      <p:sp>
+        <p:nvSpPr>
+          <p:cNvPr id="19" name="Rectangle 18">
+            <a:extLst>
+              <a:ext uri="{FF2B5EF4-FFF2-40B4-BE49-F238E27FC236}">
+                <a16:creationId xmlns:a16="http://schemas.microsoft.com/office/drawing/2014/main" id="{9A4E3029-9733-0F03-3CE8-E9101C934F7C}"/>
+              </a:ext>
+            </a:extLst>
+          </p:cNvPr>
+          <p:cNvSpPr/>
+          <p:nvPr/>
+        </p:nvSpPr>
+        <p:spPr>
+          <a:xfrm>
+            <a:off x="3091543" y="523220"/>
+            <a:ext cx="1325971" cy="494492"/>
+          </a:xfrm>
+          <a:prstGeom prst="rect">
+            <a:avLst/>
+          </a:prstGeom>
+          <a:noFill/>
+          <a:ln w="38100">
+            <a:solidFill>
+              <a:schemeClr val="accent1"/>
+            </a:solidFill>
+          </a:ln>
+        </p:spPr>
+        <p:style>
+          <a:lnRef idx="2">
+            <a:schemeClr val="accent1">
+              <a:shade val="15000"/>
+            </a:schemeClr>
+          </a:lnRef>
+          <a:fillRef idx="1">
+            <a:schemeClr val="accent1"/>
+          </a:fillRef>
+          <a:effectRef idx="0">
+            <a:schemeClr val="accent1"/>
+          </a:effectRef>
+          <a:fontRef idx="minor">
+            <a:schemeClr val="lt1"/>
+          </a:fontRef>
+        </p:style>
+        <p:txBody>
+          <a:bodyPr rtlCol="0" anchor="ctr"/>
+          <a:lstStyle/>
+          <a:p>
+            <a:pPr algn="ctr"/>
+            <a:r>
+              <a:rPr lang="en-US" sz="1200">
+                <a:solidFill>
+                  <a:schemeClr val="tx1"/>
+                </a:solidFill>
+              </a:rPr>
+              <a:t>Project</a:t>
+            </a:r>
+          </a:p>
+          <a:p>
+            <a:pPr algn="ctr"/>
+            <a:r>
+              <a:rPr lang="en-US" sz="1200">
+                <a:solidFill>
+                  <a:schemeClr val="tx1"/>
+                </a:solidFill>
+              </a:rPr>
+              <a:t>(LinkedList Node)</a:t>
+            </a:r>
+          </a:p>
+        </p:txBody>
+      </p:sp>
+      <p:cxnSp>
+        <p:nvCxnSpPr>
+          <p:cNvPr id="20" name="Straight Connector 19">
+            <a:extLst>
+              <a:ext uri="{FF2B5EF4-FFF2-40B4-BE49-F238E27FC236}">
+                <a16:creationId xmlns:a16="http://schemas.microsoft.com/office/drawing/2014/main" id="{31FFCC4A-3D1B-84B5-5C51-D18A3E811358}"/>
+              </a:ext>
+            </a:extLst>
+          </p:cNvPr>
+          <p:cNvCxnSpPr>
+            <a:cxnSpLocks/>
+          </p:cNvCxnSpPr>
+          <p:nvPr/>
+        </p:nvCxnSpPr>
+        <p:spPr>
+          <a:xfrm>
+            <a:off x="3754528" y="1367246"/>
+            <a:ext cx="1" cy="5490754"/>
+          </a:xfrm>
+          <a:prstGeom prst="line">
+            <a:avLst/>
+          </a:prstGeom>
+          <a:ln w="38100">
+            <a:prstDash val="dash"/>
+          </a:ln>
+        </p:spPr>
+        <p:style>
+          <a:lnRef idx="1">
+            <a:schemeClr val="accent1"/>
+          </a:lnRef>
+          <a:fillRef idx="0">
+            <a:schemeClr val="accent1"/>
+          </a:fillRef>
+          <a:effectRef idx="0">
+            <a:schemeClr val="accent1"/>
+          </a:effectRef>
+          <a:fontRef idx="minor">
+            <a:schemeClr val="tx1"/>
+          </a:fontRef>
+        </p:style>
+      </p:cxnSp>
+      <p:cxnSp>
+        <p:nvCxnSpPr>
+          <p:cNvPr id="22" name="Straight Arrow Connector 21">
+            <a:extLst>
+              <a:ext uri="{FF2B5EF4-FFF2-40B4-BE49-F238E27FC236}">
+                <a16:creationId xmlns:a16="http://schemas.microsoft.com/office/drawing/2014/main" id="{9770C1FB-52E8-EC2C-3A0C-7B7CF907C22A}"/>
+              </a:ext>
+            </a:extLst>
+          </p:cNvPr>
+          <p:cNvCxnSpPr/>
+          <p:nvPr/>
+        </p:nvCxnSpPr>
+        <p:spPr>
+          <a:xfrm>
+            <a:off x="662985" y="1872343"/>
+            <a:ext cx="1545772" cy="0"/>
+          </a:xfrm>
+          <a:prstGeom prst="straightConnector1">
+            <a:avLst/>
+          </a:prstGeom>
+          <a:ln w="38100">
+            <a:tailEnd type="triangle"/>
+          </a:ln>
+        </p:spPr>
+        <p:style>
+          <a:lnRef idx="1">
+            <a:schemeClr val="accent1"/>
+          </a:lnRef>
+          <a:fillRef idx="0">
+            <a:schemeClr val="accent1"/>
+          </a:fillRef>
+          <a:effectRef idx="0">
+            <a:schemeClr val="accent1"/>
+          </a:effectRef>
+          <a:fontRef idx="minor">
+            <a:schemeClr val="tx1"/>
+          </a:fontRef>
+        </p:style>
+      </p:cxnSp>
+      <p:sp>
+        <p:nvSpPr>
+          <p:cNvPr id="24" name="TextBox 23">
+            <a:extLst>
+              <a:ext uri="{FF2B5EF4-FFF2-40B4-BE49-F238E27FC236}">
+                <a16:creationId xmlns:a16="http://schemas.microsoft.com/office/drawing/2014/main" id="{323FF782-4104-DD2A-B2AB-FAEC0DAAC6E7}"/>
+              </a:ext>
+            </a:extLst>
+          </p:cNvPr>
+          <p:cNvSpPr txBox="1"/>
+          <p:nvPr/>
+        </p:nvSpPr>
+        <p:spPr>
+          <a:xfrm>
+            <a:off x="690248" y="1595344"/>
+            <a:ext cx="1213217" cy="276999"/>
+          </a:xfrm>
+          <a:prstGeom prst="rect">
+            <a:avLst/>
+          </a:prstGeom>
+          <a:noFill/>
+        </p:spPr>
+        <p:txBody>
+          <a:bodyPr wrap="none" rtlCol="0">
+            <a:spAutoFit/>
+          </a:bodyPr>
+          <a:lstStyle/>
+          <a:p>
+            <a:r>
+              <a:rPr lang="en-US" sz="1200"/>
+              <a:t>displayProjects()</a:t>
+            </a:r>
+          </a:p>
+        </p:txBody>
+      </p:sp>
+      <p:cxnSp>
+        <p:nvCxnSpPr>
+          <p:cNvPr id="25" name="Straight Arrow Connector 24">
+            <a:extLst>
+              <a:ext uri="{FF2B5EF4-FFF2-40B4-BE49-F238E27FC236}">
+                <a16:creationId xmlns:a16="http://schemas.microsoft.com/office/drawing/2014/main" id="{17B903B2-CE59-F5AD-ADE0-EC5BF75D6667}"/>
+              </a:ext>
+            </a:extLst>
+          </p:cNvPr>
+          <p:cNvCxnSpPr/>
+          <p:nvPr/>
+        </p:nvCxnSpPr>
+        <p:spPr>
+          <a:xfrm>
+            <a:off x="2207619" y="2196389"/>
+            <a:ext cx="1545772" cy="0"/>
+          </a:xfrm>
+          <a:prstGeom prst="straightConnector1">
+            <a:avLst/>
+          </a:prstGeom>
+          <a:ln w="38100">
+            <a:tailEnd type="triangle"/>
+          </a:ln>
+        </p:spPr>
+        <p:style>
+          <a:lnRef idx="1">
+            <a:schemeClr val="accent1"/>
+          </a:lnRef>
+          <a:fillRef idx="0">
+            <a:schemeClr val="accent1"/>
+          </a:fillRef>
+          <a:effectRef idx="0">
+            <a:schemeClr val="accent1"/>
+          </a:effectRef>
+          <a:fontRef idx="minor">
+            <a:schemeClr val="tx1"/>
+          </a:fontRef>
+        </p:style>
+      </p:cxnSp>
+      <p:sp>
+        <p:nvSpPr>
+          <p:cNvPr id="26" name="TextBox 25">
+            <a:extLst>
+              <a:ext uri="{FF2B5EF4-FFF2-40B4-BE49-F238E27FC236}">
+                <a16:creationId xmlns:a16="http://schemas.microsoft.com/office/drawing/2014/main" id="{1F9534FE-41C9-7F5E-E9BB-721D6EDDF448}"/>
+              </a:ext>
+            </a:extLst>
+          </p:cNvPr>
+          <p:cNvSpPr txBox="1"/>
+          <p:nvPr/>
+        </p:nvSpPr>
+        <p:spPr>
+          <a:xfrm>
+            <a:off x="2208755" y="1919390"/>
+            <a:ext cx="919034" cy="276999"/>
+          </a:xfrm>
+          <a:prstGeom prst="rect">
+            <a:avLst/>
+          </a:prstGeom>
+          <a:noFill/>
+        </p:spPr>
+        <p:txBody>
+          <a:bodyPr wrap="none" rtlCol="0">
+            <a:spAutoFit/>
+          </a:bodyPr>
+          <a:lstStyle/>
+          <a:p>
+            <a:r>
+              <a:rPr lang="en-US" sz="1200"/>
+              <a:t>getProject()</a:t>
+            </a:r>
+          </a:p>
+        </p:txBody>
+      </p:sp>
+      <p:cxnSp>
+        <p:nvCxnSpPr>
+          <p:cNvPr id="27" name="Straight Arrow Connector 26">
+            <a:extLst>
+              <a:ext uri="{FF2B5EF4-FFF2-40B4-BE49-F238E27FC236}">
+                <a16:creationId xmlns:a16="http://schemas.microsoft.com/office/drawing/2014/main" id="{F11E677F-956F-9DD2-CC4C-3B9DFA9BDFF8}"/>
+              </a:ext>
+            </a:extLst>
+          </p:cNvPr>
+          <p:cNvCxnSpPr/>
+          <p:nvPr/>
+        </p:nvCxnSpPr>
+        <p:spPr>
+          <a:xfrm>
+            <a:off x="2202319" y="2545923"/>
+            <a:ext cx="1545772" cy="0"/>
+          </a:xfrm>
+          <a:prstGeom prst="straightConnector1">
+            <a:avLst/>
+          </a:prstGeom>
+          <a:ln w="38100">
+            <a:prstDash val="dash"/>
+            <a:headEnd type="triangle"/>
+            <a:tailEnd type="none"/>
+          </a:ln>
+        </p:spPr>
+        <p:style>
+          <a:lnRef idx="1">
+            <a:schemeClr val="accent1"/>
+          </a:lnRef>
+          <a:fillRef idx="0">
+            <a:schemeClr val="accent1"/>
+          </a:fillRef>
+          <a:effectRef idx="0">
+            <a:schemeClr val="accent1"/>
+          </a:effectRef>
+          <a:fontRef idx="minor">
+            <a:schemeClr val="tx1"/>
+          </a:fontRef>
+        </p:style>
+      </p:cxnSp>
+      <p:sp>
+        <p:nvSpPr>
+          <p:cNvPr id="28" name="TextBox 27">
+            <a:extLst>
+              <a:ext uri="{FF2B5EF4-FFF2-40B4-BE49-F238E27FC236}">
+                <a16:creationId xmlns:a16="http://schemas.microsoft.com/office/drawing/2014/main" id="{DEB56BA3-74F0-52D4-AC57-804F93439A72}"/>
+              </a:ext>
+            </a:extLst>
+          </p:cNvPr>
+          <p:cNvSpPr txBox="1"/>
+          <p:nvPr/>
+        </p:nvSpPr>
+        <p:spPr>
+          <a:xfrm>
+            <a:off x="2829056" y="2268924"/>
+            <a:ext cx="919034" cy="276999"/>
+          </a:xfrm>
+          <a:prstGeom prst="rect">
+            <a:avLst/>
+          </a:prstGeom>
+          <a:noFill/>
+        </p:spPr>
+        <p:txBody>
+          <a:bodyPr wrap="none" rtlCol="0">
+            <a:spAutoFit/>
+          </a:bodyPr>
+          <a:lstStyle/>
+          <a:p>
+            <a:pPr algn="r"/>
+            <a:r>
+              <a:rPr lang="en-US" sz="1200"/>
+              <a:t>getProject()</a:t>
+            </a:r>
+          </a:p>
+        </p:txBody>
+      </p:sp>
+      <p:cxnSp>
+        <p:nvCxnSpPr>
+          <p:cNvPr id="29" name="Straight Arrow Connector 28">
+            <a:extLst>
+              <a:ext uri="{FF2B5EF4-FFF2-40B4-BE49-F238E27FC236}">
+                <a16:creationId xmlns:a16="http://schemas.microsoft.com/office/drawing/2014/main" id="{FE07BC42-1133-6272-4A86-24AA7A2BE3F0}"/>
+              </a:ext>
+            </a:extLst>
+          </p:cNvPr>
+          <p:cNvCxnSpPr/>
+          <p:nvPr/>
+        </p:nvCxnSpPr>
+        <p:spPr>
+          <a:xfrm>
+            <a:off x="668288" y="2929802"/>
+            <a:ext cx="1545772" cy="0"/>
+          </a:xfrm>
+          <a:prstGeom prst="straightConnector1">
+            <a:avLst/>
+          </a:prstGeom>
+          <a:ln w="38100">
+            <a:tailEnd type="triangle"/>
+          </a:ln>
+        </p:spPr>
+        <p:style>
+          <a:lnRef idx="1">
+            <a:schemeClr val="accent1"/>
+          </a:lnRef>
+          <a:fillRef idx="0">
+            <a:schemeClr val="accent1"/>
+          </a:fillRef>
+          <a:effectRef idx="0">
+            <a:schemeClr val="accent1"/>
+          </a:effectRef>
+          <a:fontRef idx="minor">
+            <a:schemeClr val="tx1"/>
+          </a:fontRef>
+        </p:style>
+      </p:cxnSp>
+      <p:sp>
+        <p:nvSpPr>
+          <p:cNvPr id="30" name="TextBox 29">
+            <a:extLst>
+              <a:ext uri="{FF2B5EF4-FFF2-40B4-BE49-F238E27FC236}">
+                <a16:creationId xmlns:a16="http://schemas.microsoft.com/office/drawing/2014/main" id="{3FE2AE8F-8237-0622-0F64-07DC40B5CA2D}"/>
+              </a:ext>
+            </a:extLst>
+          </p:cNvPr>
+          <p:cNvSpPr txBox="1"/>
+          <p:nvPr/>
+        </p:nvSpPr>
+        <p:spPr>
+          <a:xfrm>
+            <a:off x="690248" y="2652803"/>
+            <a:ext cx="1087862" cy="276999"/>
+          </a:xfrm>
+          <a:prstGeom prst="rect">
+            <a:avLst/>
+          </a:prstGeom>
+          <a:noFill/>
+        </p:spPr>
+        <p:txBody>
+          <a:bodyPr wrap="none" rtlCol="0">
+            <a:spAutoFit/>
+          </a:bodyPr>
+          <a:lstStyle/>
+          <a:p>
+            <a:r>
+              <a:rPr lang="en-US" sz="1200"/>
+              <a:t>selectProject()</a:t>
+            </a:r>
+          </a:p>
+        </p:txBody>
+      </p:sp>
+      <p:cxnSp>
+        <p:nvCxnSpPr>
+          <p:cNvPr id="31" name="Straight Arrow Connector 30">
+            <a:extLst>
+              <a:ext uri="{FF2B5EF4-FFF2-40B4-BE49-F238E27FC236}">
+                <a16:creationId xmlns:a16="http://schemas.microsoft.com/office/drawing/2014/main" id="{6FCA5939-4CE9-F54A-DEE1-4D5CDC37F998}"/>
+              </a:ext>
+            </a:extLst>
+          </p:cNvPr>
+          <p:cNvCxnSpPr>
+            <a:cxnSpLocks/>
+          </p:cNvCxnSpPr>
+          <p:nvPr/>
+        </p:nvCxnSpPr>
+        <p:spPr>
+          <a:xfrm>
+            <a:off x="669426" y="3350337"/>
+            <a:ext cx="1539329" cy="0"/>
+          </a:xfrm>
+          <a:prstGeom prst="straightConnector1">
+            <a:avLst/>
+          </a:prstGeom>
+          <a:ln w="38100">
+            <a:tailEnd type="triangle"/>
+          </a:ln>
+        </p:spPr>
+        <p:style>
+          <a:lnRef idx="1">
+            <a:schemeClr val="accent1"/>
+          </a:lnRef>
+          <a:fillRef idx="0">
+            <a:schemeClr val="accent1"/>
+          </a:fillRef>
+          <a:effectRef idx="0">
+            <a:schemeClr val="accent1"/>
+          </a:effectRef>
+          <a:fontRef idx="minor">
+            <a:schemeClr val="tx1"/>
+          </a:fontRef>
+        </p:style>
+      </p:cxnSp>
+      <p:sp>
+        <p:nvSpPr>
+          <p:cNvPr id="32" name="TextBox 31">
+            <a:extLst>
+              <a:ext uri="{FF2B5EF4-FFF2-40B4-BE49-F238E27FC236}">
+                <a16:creationId xmlns:a16="http://schemas.microsoft.com/office/drawing/2014/main" id="{474E4AC8-20E6-4300-FC2D-7CCA734085A8}"/>
+              </a:ext>
+            </a:extLst>
+          </p:cNvPr>
+          <p:cNvSpPr txBox="1"/>
+          <p:nvPr/>
+        </p:nvSpPr>
+        <p:spPr>
+          <a:xfrm>
+            <a:off x="691386" y="3073338"/>
+            <a:ext cx="1460913" cy="276999"/>
+          </a:xfrm>
+          <a:prstGeom prst="rect">
+            <a:avLst/>
+          </a:prstGeom>
+          <a:noFill/>
+        </p:spPr>
+        <p:txBody>
+          <a:bodyPr wrap="none" rtlCol="0">
+            <a:spAutoFit/>
+          </a:bodyPr>
+          <a:lstStyle/>
+          <a:p>
+            <a:r>
+              <a:rPr lang="en-US" sz="1200"/>
+              <a:t>displayProjectView()</a:t>
+            </a:r>
+          </a:p>
+        </p:txBody>
+      </p:sp>
+      <p:cxnSp>
+        <p:nvCxnSpPr>
+          <p:cNvPr id="37" name="Straight Arrow Connector 36">
+            <a:extLst>
+              <a:ext uri="{FF2B5EF4-FFF2-40B4-BE49-F238E27FC236}">
+                <a16:creationId xmlns:a16="http://schemas.microsoft.com/office/drawing/2014/main" id="{5CEE47E0-4F02-9D5F-3F4C-69474ECB9725}"/>
+              </a:ext>
+            </a:extLst>
+          </p:cNvPr>
+          <p:cNvCxnSpPr>
+            <a:cxnSpLocks/>
+          </p:cNvCxnSpPr>
+          <p:nvPr/>
+        </p:nvCxnSpPr>
+        <p:spPr>
+          <a:xfrm>
+            <a:off x="2208755" y="3350337"/>
+            <a:ext cx="3086242" cy="0"/>
+          </a:xfrm>
+          <a:prstGeom prst="straightConnector1">
+            <a:avLst/>
+          </a:prstGeom>
+          <a:ln w="38100">
+            <a:tailEnd type="triangle"/>
+          </a:ln>
+        </p:spPr>
+        <p:style>
+          <a:lnRef idx="1">
+            <a:schemeClr val="accent1"/>
+          </a:lnRef>
+          <a:fillRef idx="0">
+            <a:schemeClr val="accent1"/>
+          </a:fillRef>
+          <a:effectRef idx="0">
+            <a:schemeClr val="accent1"/>
+          </a:effectRef>
+          <a:fontRef idx="minor">
+            <a:schemeClr val="tx1"/>
+          </a:fontRef>
+        </p:style>
+      </p:cxnSp>
+      <p:sp>
+        <p:nvSpPr>
+          <p:cNvPr id="38" name="TextBox 37">
+            <a:extLst>
+              <a:ext uri="{FF2B5EF4-FFF2-40B4-BE49-F238E27FC236}">
+                <a16:creationId xmlns:a16="http://schemas.microsoft.com/office/drawing/2014/main" id="{38C2E777-F88E-CB5D-B3F5-A6E074C30C93}"/>
+              </a:ext>
+            </a:extLst>
+          </p:cNvPr>
+          <p:cNvSpPr txBox="1"/>
+          <p:nvPr/>
+        </p:nvSpPr>
+        <p:spPr>
+          <a:xfrm>
+            <a:off x="2253446" y="3073338"/>
+            <a:ext cx="1460907" cy="276999"/>
+          </a:xfrm>
+          <a:prstGeom prst="rect">
+            <a:avLst/>
+          </a:prstGeom>
+          <a:noFill/>
+        </p:spPr>
+        <p:txBody>
+          <a:bodyPr wrap="square" rtlCol="0">
+            <a:spAutoFit/>
+          </a:bodyPr>
+          <a:lstStyle/>
+          <a:p>
+            <a:r>
+              <a:rPr lang="en-US" sz="1200"/>
+              <a:t>displayProjectView()</a:t>
+            </a:r>
+          </a:p>
+        </p:txBody>
+      </p:sp>
+      <p:cxnSp>
+        <p:nvCxnSpPr>
+          <p:cNvPr id="40" name="Straight Arrow Connector 39">
+            <a:extLst>
+              <a:ext uri="{FF2B5EF4-FFF2-40B4-BE49-F238E27FC236}">
+                <a16:creationId xmlns:a16="http://schemas.microsoft.com/office/drawing/2014/main" id="{DFFB0CEE-9BA7-14B2-CA02-1F3C070B9249}"/>
+              </a:ext>
+            </a:extLst>
+          </p:cNvPr>
+          <p:cNvCxnSpPr>
+            <a:cxnSpLocks/>
+          </p:cNvCxnSpPr>
+          <p:nvPr/>
+        </p:nvCxnSpPr>
+        <p:spPr>
+          <a:xfrm>
+            <a:off x="5305597" y="3705999"/>
+            <a:ext cx="1539329" cy="0"/>
+          </a:xfrm>
+          <a:prstGeom prst="straightConnector1">
+            <a:avLst/>
+          </a:prstGeom>
+          <a:ln w="38100">
+            <a:tailEnd type="triangle"/>
+          </a:ln>
+        </p:spPr>
+        <p:style>
+          <a:lnRef idx="1">
+            <a:schemeClr val="accent1"/>
+          </a:lnRef>
+          <a:fillRef idx="0">
+            <a:schemeClr val="accent1"/>
+          </a:fillRef>
+          <a:effectRef idx="0">
+            <a:schemeClr val="accent1"/>
+          </a:effectRef>
+          <a:fontRef idx="minor">
+            <a:schemeClr val="tx1"/>
+          </a:fontRef>
+        </p:style>
+      </p:cxnSp>
+      <p:sp>
+        <p:nvSpPr>
+          <p:cNvPr id="41" name="TextBox 40">
+            <a:extLst>
+              <a:ext uri="{FF2B5EF4-FFF2-40B4-BE49-F238E27FC236}">
+                <a16:creationId xmlns:a16="http://schemas.microsoft.com/office/drawing/2014/main" id="{B76C3523-7AB2-EF97-FEF8-904DF6E55872}"/>
+              </a:ext>
+            </a:extLst>
+          </p:cNvPr>
+          <p:cNvSpPr txBox="1"/>
+          <p:nvPr/>
+        </p:nvSpPr>
+        <p:spPr>
+          <a:xfrm>
+            <a:off x="5327558" y="3464281"/>
+            <a:ext cx="1491256" cy="230832"/>
+          </a:xfrm>
+          <a:prstGeom prst="rect">
+            <a:avLst/>
+          </a:prstGeom>
+          <a:noFill/>
+        </p:spPr>
+        <p:txBody>
+          <a:bodyPr wrap="square" rtlCol="0">
+            <a:spAutoFit/>
+          </a:bodyPr>
+          <a:lstStyle/>
+          <a:p>
+            <a:r>
+              <a:rPr lang="en-US" sz="900"/>
+              <a:t>displayBudgetView(Project)</a:t>
+            </a:r>
+          </a:p>
+        </p:txBody>
+      </p:sp>
+      <p:cxnSp>
+        <p:nvCxnSpPr>
+          <p:cNvPr id="45" name="Straight Arrow Connector 44">
+            <a:extLst>
+              <a:ext uri="{FF2B5EF4-FFF2-40B4-BE49-F238E27FC236}">
+                <a16:creationId xmlns:a16="http://schemas.microsoft.com/office/drawing/2014/main" id="{2FF5D4A1-6396-506A-A8EE-BBC0E58BD81F}"/>
+              </a:ext>
+            </a:extLst>
+          </p:cNvPr>
+          <p:cNvCxnSpPr>
+            <a:cxnSpLocks/>
+          </p:cNvCxnSpPr>
+          <p:nvPr/>
+        </p:nvCxnSpPr>
+        <p:spPr>
+          <a:xfrm>
+            <a:off x="6842623" y="5075390"/>
+            <a:ext cx="1539329" cy="0"/>
+          </a:xfrm>
+          <a:prstGeom prst="straightConnector1">
+            <a:avLst/>
+          </a:prstGeom>
+          <a:ln w="38100">
+            <a:tailEnd type="triangle"/>
+          </a:ln>
+        </p:spPr>
+        <p:style>
+          <a:lnRef idx="1">
+            <a:schemeClr val="accent1"/>
+          </a:lnRef>
+          <a:fillRef idx="0">
+            <a:schemeClr val="accent1"/>
+          </a:fillRef>
+          <a:effectRef idx="0">
+            <a:schemeClr val="accent1"/>
+          </a:effectRef>
+          <a:fontRef idx="minor">
+            <a:schemeClr val="tx1"/>
+          </a:fontRef>
+        </p:style>
+      </p:cxnSp>
+      <p:sp>
+        <p:nvSpPr>
+          <p:cNvPr id="46" name="TextBox 45">
+            <a:extLst>
+              <a:ext uri="{FF2B5EF4-FFF2-40B4-BE49-F238E27FC236}">
+                <a16:creationId xmlns:a16="http://schemas.microsoft.com/office/drawing/2014/main" id="{5C5C9326-1477-B5D7-499B-3EBCE5557DCD}"/>
+              </a:ext>
+            </a:extLst>
+          </p:cNvPr>
+          <p:cNvSpPr txBox="1"/>
+          <p:nvPr/>
+        </p:nvSpPr>
+        <p:spPr>
+          <a:xfrm>
+            <a:off x="6864583" y="4798391"/>
+            <a:ext cx="1508746" cy="246221"/>
+          </a:xfrm>
+          <a:prstGeom prst="rect">
+            <a:avLst/>
+          </a:prstGeom>
+          <a:noFill/>
+        </p:spPr>
+        <p:txBody>
+          <a:bodyPr wrap="none" rtlCol="0">
+            <a:spAutoFit/>
+          </a:bodyPr>
+          <a:lstStyle/>
+          <a:p>
+            <a:r>
+              <a:rPr lang="en-US" sz="1000"/>
+              <a:t>addNewItem(cost, name)</a:t>
+            </a:r>
+          </a:p>
+        </p:txBody>
+      </p:sp>
+      <p:cxnSp>
+        <p:nvCxnSpPr>
+          <p:cNvPr id="49" name="Straight Arrow Connector 48">
+            <a:extLst>
+              <a:ext uri="{FF2B5EF4-FFF2-40B4-BE49-F238E27FC236}">
+                <a16:creationId xmlns:a16="http://schemas.microsoft.com/office/drawing/2014/main" id="{6176B197-71FF-8048-8B44-9821B5FB178A}"/>
+              </a:ext>
+            </a:extLst>
+          </p:cNvPr>
+          <p:cNvCxnSpPr/>
+          <p:nvPr/>
+        </p:nvCxnSpPr>
+        <p:spPr>
+          <a:xfrm>
+            <a:off x="6836181" y="5736205"/>
+            <a:ext cx="1545772" cy="0"/>
+          </a:xfrm>
+          <a:prstGeom prst="straightConnector1">
+            <a:avLst/>
+          </a:prstGeom>
+          <a:ln w="38100">
+            <a:prstDash val="dash"/>
+            <a:headEnd type="triangle"/>
+            <a:tailEnd type="none"/>
+          </a:ln>
+        </p:spPr>
+        <p:style>
+          <a:lnRef idx="1">
+            <a:schemeClr val="accent1"/>
+          </a:lnRef>
+          <a:fillRef idx="0">
+            <a:schemeClr val="accent1"/>
+          </a:fillRef>
+          <a:effectRef idx="0">
+            <a:schemeClr val="accent1"/>
+          </a:effectRef>
+          <a:fontRef idx="minor">
+            <a:schemeClr val="tx1"/>
+          </a:fontRef>
+        </p:style>
+      </p:cxnSp>
+      <p:sp>
+        <p:nvSpPr>
+          <p:cNvPr id="50" name="TextBox 49">
+            <a:extLst>
+              <a:ext uri="{FF2B5EF4-FFF2-40B4-BE49-F238E27FC236}">
+                <a16:creationId xmlns:a16="http://schemas.microsoft.com/office/drawing/2014/main" id="{FFCAFF18-628F-89BA-D60F-C094D3564D42}"/>
+              </a:ext>
+            </a:extLst>
+          </p:cNvPr>
+          <p:cNvSpPr txBox="1"/>
+          <p:nvPr/>
+        </p:nvSpPr>
+        <p:spPr>
+          <a:xfrm>
+            <a:off x="6882350" y="5459206"/>
+            <a:ext cx="1467518" cy="276999"/>
+          </a:xfrm>
+          <a:prstGeom prst="rect">
+            <a:avLst/>
+          </a:prstGeom>
+          <a:noFill/>
+        </p:spPr>
+        <p:txBody>
+          <a:bodyPr wrap="none" rtlCol="0">
+            <a:spAutoFit/>
+          </a:bodyPr>
+          <a:lstStyle/>
+          <a:p>
+            <a:pPr algn="r"/>
+            <a:r>
+              <a:rPr lang="en-US" sz="1200"/>
+              <a:t>updateBudgetView()</a:t>
+            </a:r>
+          </a:p>
+        </p:txBody>
+      </p:sp>
+      <p:sp>
+        <p:nvSpPr>
+          <p:cNvPr id="51" name="Rectangle 50">
+            <a:extLst>
+              <a:ext uri="{FF2B5EF4-FFF2-40B4-BE49-F238E27FC236}">
+                <a16:creationId xmlns:a16="http://schemas.microsoft.com/office/drawing/2014/main" id="{4EB267CD-7D05-A05D-3907-5A5E0F65BEDB}"/>
+              </a:ext>
+            </a:extLst>
+          </p:cNvPr>
+          <p:cNvSpPr/>
+          <p:nvPr/>
+        </p:nvSpPr>
+        <p:spPr>
+          <a:xfrm>
+            <a:off x="10874917" y="523220"/>
+            <a:ext cx="1325971" cy="494492"/>
+          </a:xfrm>
+          <a:prstGeom prst="rect">
+            <a:avLst/>
+          </a:prstGeom>
+          <a:noFill/>
+          <a:ln w="38100">
+            <a:solidFill>
+              <a:schemeClr val="accent1"/>
+            </a:solidFill>
+          </a:ln>
+        </p:spPr>
+        <p:style>
+          <a:lnRef idx="2">
+            <a:schemeClr val="accent1">
+              <a:shade val="15000"/>
+            </a:schemeClr>
+          </a:lnRef>
+          <a:fillRef idx="1">
+            <a:schemeClr val="accent1"/>
+          </a:fillRef>
+          <a:effectRef idx="0">
+            <a:schemeClr val="accent1"/>
+          </a:effectRef>
+          <a:fontRef idx="minor">
+            <a:schemeClr val="lt1"/>
+          </a:fontRef>
+        </p:style>
+        <p:txBody>
+          <a:bodyPr rtlCol="0" anchor="ctr"/>
+          <a:lstStyle/>
+          <a:p>
+            <a:pPr algn="ctr"/>
+            <a:r>
+              <a:rPr lang="en-US" sz="1200">
+                <a:solidFill>
+                  <a:schemeClr val="tx1"/>
+                </a:solidFill>
+              </a:rPr>
+              <a:t>Item</a:t>
+            </a:r>
+          </a:p>
+          <a:p>
+            <a:pPr algn="ctr"/>
+            <a:r>
+              <a:rPr lang="en-US" sz="1200">
+                <a:solidFill>
+                  <a:schemeClr val="tx1"/>
+                </a:solidFill>
+              </a:rPr>
+              <a:t>(LinkedList Node)</a:t>
+            </a:r>
+          </a:p>
+        </p:txBody>
+      </p:sp>
+      <p:cxnSp>
+        <p:nvCxnSpPr>
+          <p:cNvPr id="52" name="Straight Connector 51">
+            <a:extLst>
+              <a:ext uri="{FF2B5EF4-FFF2-40B4-BE49-F238E27FC236}">
+                <a16:creationId xmlns:a16="http://schemas.microsoft.com/office/drawing/2014/main" id="{D7EB0975-C728-CBDC-0095-10CA4237FD23}"/>
+              </a:ext>
+            </a:extLst>
+          </p:cNvPr>
+          <p:cNvCxnSpPr>
+            <a:cxnSpLocks/>
+          </p:cNvCxnSpPr>
+          <p:nvPr/>
+        </p:nvCxnSpPr>
+        <p:spPr>
+          <a:xfrm>
+            <a:off x="11537901" y="1367246"/>
+            <a:ext cx="1" cy="5490754"/>
+          </a:xfrm>
+          <a:prstGeom prst="line">
+            <a:avLst/>
+          </a:prstGeom>
+          <a:ln w="38100">
+            <a:prstDash val="dash"/>
+          </a:ln>
+        </p:spPr>
+        <p:style>
+          <a:lnRef idx="1">
+            <a:schemeClr val="accent1"/>
+          </a:lnRef>
+          <a:fillRef idx="0">
+            <a:schemeClr val="accent1"/>
+          </a:fillRef>
+          <a:effectRef idx="0">
+            <a:schemeClr val="accent1"/>
+          </a:effectRef>
+          <a:fontRef idx="minor">
+            <a:schemeClr val="tx1"/>
+          </a:fontRef>
+        </p:style>
+      </p:cxnSp>
+      <p:cxnSp>
+        <p:nvCxnSpPr>
+          <p:cNvPr id="53" name="Straight Arrow Connector 52">
+            <a:extLst>
+              <a:ext uri="{FF2B5EF4-FFF2-40B4-BE49-F238E27FC236}">
+                <a16:creationId xmlns:a16="http://schemas.microsoft.com/office/drawing/2014/main" id="{29AE5B82-535F-2774-66CD-8A90705C8F30}"/>
+              </a:ext>
+            </a:extLst>
+          </p:cNvPr>
+          <p:cNvCxnSpPr/>
+          <p:nvPr/>
+        </p:nvCxnSpPr>
+        <p:spPr>
+          <a:xfrm>
+            <a:off x="6853155" y="4043135"/>
+            <a:ext cx="1545772" cy="0"/>
+          </a:xfrm>
+          <a:prstGeom prst="straightConnector1">
+            <a:avLst/>
+          </a:prstGeom>
+          <a:ln w="38100">
+            <a:tailEnd type="triangle"/>
+          </a:ln>
+        </p:spPr>
+        <p:style>
+          <a:lnRef idx="1">
+            <a:schemeClr val="accent1"/>
+          </a:lnRef>
+          <a:fillRef idx="0">
+            <a:schemeClr val="accent1"/>
+          </a:fillRef>
+          <a:effectRef idx="0">
+            <a:schemeClr val="accent1"/>
+          </a:effectRef>
+          <a:fontRef idx="minor">
+            <a:schemeClr val="tx1"/>
+          </a:fontRef>
+        </p:style>
+      </p:cxnSp>
+      <p:sp>
+        <p:nvSpPr>
+          <p:cNvPr id="54" name="TextBox 53">
+            <a:extLst>
+              <a:ext uri="{FF2B5EF4-FFF2-40B4-BE49-F238E27FC236}">
+                <a16:creationId xmlns:a16="http://schemas.microsoft.com/office/drawing/2014/main" id="{6C2E117C-AC19-E42A-C4BC-904655AD618C}"/>
+              </a:ext>
+            </a:extLst>
+          </p:cNvPr>
+          <p:cNvSpPr txBox="1"/>
+          <p:nvPr/>
+        </p:nvSpPr>
+        <p:spPr>
+          <a:xfrm>
+            <a:off x="6880418" y="3766136"/>
+            <a:ext cx="1058560" cy="276999"/>
+          </a:xfrm>
+          <a:prstGeom prst="rect">
+            <a:avLst/>
+          </a:prstGeom>
+          <a:noFill/>
+        </p:spPr>
+        <p:txBody>
+          <a:bodyPr wrap="none" rtlCol="0">
+            <a:spAutoFit/>
+          </a:bodyPr>
+          <a:lstStyle/>
+          <a:p>
+            <a:r>
+              <a:rPr lang="en-US" sz="1200"/>
+              <a:t>displayItems()</a:t>
+            </a:r>
+          </a:p>
+        </p:txBody>
+      </p:sp>
+      <p:cxnSp>
+        <p:nvCxnSpPr>
+          <p:cNvPr id="55" name="Straight Arrow Connector 54">
+            <a:extLst>
+              <a:ext uri="{FF2B5EF4-FFF2-40B4-BE49-F238E27FC236}">
+                <a16:creationId xmlns:a16="http://schemas.microsoft.com/office/drawing/2014/main" id="{2C94AC4B-70D0-D8AD-B553-67A9FEAC8869}"/>
+              </a:ext>
+            </a:extLst>
+          </p:cNvPr>
+          <p:cNvCxnSpPr>
+            <a:cxnSpLocks/>
+          </p:cNvCxnSpPr>
+          <p:nvPr/>
+        </p:nvCxnSpPr>
+        <p:spPr>
+          <a:xfrm>
+            <a:off x="8405485" y="4370094"/>
+            <a:ext cx="3132416" cy="0"/>
+          </a:xfrm>
+          <a:prstGeom prst="straightConnector1">
+            <a:avLst/>
+          </a:prstGeom>
+          <a:ln w="38100">
+            <a:tailEnd type="triangle"/>
+          </a:ln>
+        </p:spPr>
+        <p:style>
+          <a:lnRef idx="1">
+            <a:schemeClr val="accent1"/>
+          </a:lnRef>
+          <a:fillRef idx="0">
+            <a:schemeClr val="accent1"/>
+          </a:fillRef>
+          <a:effectRef idx="0">
+            <a:schemeClr val="accent1"/>
+          </a:effectRef>
+          <a:fontRef idx="minor">
+            <a:schemeClr val="tx1"/>
+          </a:fontRef>
+        </p:style>
+      </p:cxnSp>
+      <p:sp>
+        <p:nvSpPr>
+          <p:cNvPr id="56" name="TextBox 55">
+            <a:extLst>
+              <a:ext uri="{FF2B5EF4-FFF2-40B4-BE49-F238E27FC236}">
+                <a16:creationId xmlns:a16="http://schemas.microsoft.com/office/drawing/2014/main" id="{216642CF-3106-9EB3-D9AE-BEAF33B7CD63}"/>
+              </a:ext>
+            </a:extLst>
+          </p:cNvPr>
+          <p:cNvSpPr txBox="1"/>
+          <p:nvPr/>
+        </p:nvSpPr>
+        <p:spPr>
+          <a:xfrm>
+            <a:off x="8406621" y="4093095"/>
+            <a:ext cx="764376" cy="276999"/>
+          </a:xfrm>
+          <a:prstGeom prst="rect">
+            <a:avLst/>
+          </a:prstGeom>
+          <a:noFill/>
+        </p:spPr>
+        <p:txBody>
+          <a:bodyPr wrap="none" rtlCol="0">
+            <a:spAutoFit/>
+          </a:bodyPr>
+          <a:lstStyle/>
+          <a:p>
+            <a:r>
+              <a:rPr lang="en-US" sz="1200"/>
+              <a:t>getItem()</a:t>
+            </a:r>
+          </a:p>
+        </p:txBody>
+      </p:sp>
+      <p:cxnSp>
+        <p:nvCxnSpPr>
+          <p:cNvPr id="57" name="Straight Arrow Connector 56">
+            <a:extLst>
+              <a:ext uri="{FF2B5EF4-FFF2-40B4-BE49-F238E27FC236}">
+                <a16:creationId xmlns:a16="http://schemas.microsoft.com/office/drawing/2014/main" id="{27BEC834-4F6A-E213-CF7D-CEA190B4B7F0}"/>
+              </a:ext>
+            </a:extLst>
+          </p:cNvPr>
+          <p:cNvCxnSpPr>
+            <a:cxnSpLocks/>
+          </p:cNvCxnSpPr>
+          <p:nvPr/>
+        </p:nvCxnSpPr>
+        <p:spPr>
+          <a:xfrm>
+            <a:off x="8400185" y="4719628"/>
+            <a:ext cx="3137716" cy="0"/>
+          </a:xfrm>
+          <a:prstGeom prst="straightConnector1">
+            <a:avLst/>
+          </a:prstGeom>
+          <a:ln w="38100">
+            <a:prstDash val="dash"/>
+            <a:headEnd type="triangle"/>
+            <a:tailEnd type="none"/>
+          </a:ln>
+        </p:spPr>
+        <p:style>
+          <a:lnRef idx="1">
+            <a:schemeClr val="accent1"/>
+          </a:lnRef>
+          <a:fillRef idx="0">
+            <a:schemeClr val="accent1"/>
+          </a:fillRef>
+          <a:effectRef idx="0">
+            <a:schemeClr val="accent1"/>
+          </a:effectRef>
+          <a:fontRef idx="minor">
+            <a:schemeClr val="tx1"/>
+          </a:fontRef>
+        </p:style>
+      </p:cxnSp>
+      <p:sp>
+        <p:nvSpPr>
+          <p:cNvPr id="58" name="TextBox 57">
+            <a:extLst>
+              <a:ext uri="{FF2B5EF4-FFF2-40B4-BE49-F238E27FC236}">
+                <a16:creationId xmlns:a16="http://schemas.microsoft.com/office/drawing/2014/main" id="{9312BC5D-5778-29D7-B102-E4E4CE5D3656}"/>
+              </a:ext>
+            </a:extLst>
+          </p:cNvPr>
+          <p:cNvSpPr txBox="1"/>
+          <p:nvPr/>
+        </p:nvSpPr>
+        <p:spPr>
+          <a:xfrm>
+            <a:off x="9181580" y="4442629"/>
+            <a:ext cx="764376" cy="276999"/>
+          </a:xfrm>
+          <a:prstGeom prst="rect">
+            <a:avLst/>
+          </a:prstGeom>
+          <a:noFill/>
+        </p:spPr>
+        <p:txBody>
+          <a:bodyPr wrap="none" rtlCol="0">
+            <a:spAutoFit/>
+          </a:bodyPr>
+          <a:lstStyle/>
+          <a:p>
+            <a:pPr algn="r"/>
+            <a:r>
+              <a:rPr lang="en-US" sz="1200"/>
+              <a:t>getItem()</a:t>
+            </a:r>
+          </a:p>
+        </p:txBody>
+      </p:sp>
+      <p:cxnSp>
+        <p:nvCxnSpPr>
+          <p:cNvPr id="62" name="Straight Arrow Connector 61">
+            <a:extLst>
+              <a:ext uri="{FF2B5EF4-FFF2-40B4-BE49-F238E27FC236}">
+                <a16:creationId xmlns:a16="http://schemas.microsoft.com/office/drawing/2014/main" id="{5E33FD81-44DF-8049-5A24-C9ED1A009E69}"/>
+              </a:ext>
+            </a:extLst>
+          </p:cNvPr>
+          <p:cNvCxnSpPr>
+            <a:cxnSpLocks/>
+          </p:cNvCxnSpPr>
+          <p:nvPr/>
+        </p:nvCxnSpPr>
+        <p:spPr>
+          <a:xfrm flipV="1">
+            <a:off x="8398927" y="5351796"/>
+            <a:ext cx="3138974" cy="30778"/>
+          </a:xfrm>
+          <a:prstGeom prst="straightConnector1">
+            <a:avLst/>
+          </a:prstGeom>
+          <a:ln w="38100">
+            <a:tailEnd type="triangle"/>
+          </a:ln>
+        </p:spPr>
+        <p:style>
+          <a:lnRef idx="1">
+            <a:schemeClr val="accent1"/>
+          </a:lnRef>
+          <a:fillRef idx="0">
+            <a:schemeClr val="accent1"/>
+          </a:fillRef>
+          <a:effectRef idx="0">
+            <a:schemeClr val="accent1"/>
+          </a:effectRef>
+          <a:fontRef idx="minor">
+            <a:schemeClr val="tx1"/>
+          </a:fontRef>
+        </p:style>
+      </p:cxnSp>
+      <p:sp>
+        <p:nvSpPr>
+          <p:cNvPr id="63" name="TextBox 62">
+            <a:extLst>
+              <a:ext uri="{FF2B5EF4-FFF2-40B4-BE49-F238E27FC236}">
+                <a16:creationId xmlns:a16="http://schemas.microsoft.com/office/drawing/2014/main" id="{87F38596-2E32-166C-8542-726D59761B33}"/>
+              </a:ext>
+            </a:extLst>
+          </p:cNvPr>
+          <p:cNvSpPr txBox="1"/>
+          <p:nvPr/>
+        </p:nvSpPr>
+        <p:spPr>
+          <a:xfrm>
+            <a:off x="8420887" y="5105575"/>
+            <a:ext cx="1508746" cy="246221"/>
+          </a:xfrm>
+          <a:prstGeom prst="rect">
+            <a:avLst/>
+          </a:prstGeom>
+          <a:noFill/>
+        </p:spPr>
+        <p:txBody>
+          <a:bodyPr wrap="none" rtlCol="0">
+            <a:spAutoFit/>
+          </a:bodyPr>
+          <a:lstStyle/>
+          <a:p>
+            <a:r>
+              <a:rPr lang="en-US" sz="1000"/>
+              <a:t>addNewItem(cost, name)</a:t>
+            </a:r>
+          </a:p>
+        </p:txBody>
+      </p:sp>
+    </p:spTree>
+    <p:extLst>
+      <p:ext uri="{BB962C8B-B14F-4D97-AF65-F5344CB8AC3E}">
+        <p14:creationId xmlns:p14="http://schemas.microsoft.com/office/powerpoint/2010/main" val="3992693509"/>
       </p:ext>
     </p:extLst>
   </p:cSld>
@@ -4462,4 +6769,299 @@
     </a:ext>
   </a:extLst>
 </a:theme>
+</file>
+
+<file path=ppt/theme/theme2.xml><?xml version="1.0" encoding="utf-8"?>
+<a:theme xmlns:a="http://schemas.openxmlformats.org/drawingml/2006/main" name="Office Theme">
+  <a:themeElements>
+    <a:clrScheme name="Office">
+      <a:dk1>
+        <a:sysClr val="windowText" lastClr="000000"/>
+      </a:dk1>
+      <a:lt1>
+        <a:sysClr val="window" lastClr="FFFFFF"/>
+      </a:lt1>
+      <a:dk2>
+        <a:srgbClr val="44546A"/>
+      </a:dk2>
+      <a:lt2>
+        <a:srgbClr val="E7E6E6"/>
+      </a:lt2>
+      <a:accent1>
+        <a:srgbClr val="4472C4"/>
+      </a:accent1>
+      <a:accent2>
+        <a:srgbClr val="ED7D31"/>
+      </a:accent2>
+      <a:accent3>
+        <a:srgbClr val="A5A5A5"/>
+      </a:accent3>
+      <a:accent4>
+        <a:srgbClr val="FFC000"/>
+      </a:accent4>
+      <a:accent5>
+        <a:srgbClr val="5B9BD5"/>
+      </a:accent5>
+      <a:accent6>
+        <a:srgbClr val="70AD47"/>
+      </a:accent6>
+      <a:hlink>
+        <a:srgbClr val="0563C1"/>
+      </a:hlink>
+      <a:folHlink>
+        <a:srgbClr val="954F72"/>
+      </a:folHlink>
+    </a:clrScheme>
+    <a:fontScheme name="Office">
+      <a:majorFont>
+        <a:latin typeface="Calibri Light" panose="020F0302020204030204"/>
+        <a:ea typeface=""/>
+        <a:cs typeface=""/>
+        <a:font script="Jpan" typeface="游ゴシック Light"/>
+        <a:font script="Hang" typeface="맑은 고딕"/>
+        <a:font script="Hans" typeface="等线 Light"/>
+        <a:font script="Hant" typeface="新細明體"/>
+        <a:font script="Arab" typeface="Times New Roman"/>
+        <a:font script="Hebr" typeface="Times New Roman"/>
+        <a:font script="Thai" typeface="Angsana New"/>
+        <a:font script="Ethi" typeface="Nyala"/>
+        <a:font script="Beng" typeface="Vrinda"/>
+        <a:font script="Gujr" typeface="Shruti"/>
+        <a:font script="Khmr" typeface="MoolBoran"/>
+        <a:font script="Knda" typeface="Tunga"/>
+        <a:font script="Guru" typeface="Raavi"/>
+        <a:font script="Cans" typeface="Euphemia"/>
+        <a:font script="Cher" typeface="Plantagenet Cherokee"/>
+        <a:font script="Yiii" typeface="Microsoft Yi Baiti"/>
+        <a:font script="Tibt" typeface="Microsoft Himalaya"/>
+        <a:font script="Thaa" typeface="MV Boli"/>
+        <a:font script="Deva" typeface="Mangal"/>
+        <a:font script="Telu" typeface="Gautami"/>
+        <a:font script="Taml" typeface="Latha"/>
+        <a:font script="Syrc" typeface="Estrangelo Edessa"/>
+        <a:font script="Orya" typeface="Kalinga"/>
+        <a:font script="Mlym" typeface="Kartika"/>
+        <a:font script="Laoo" typeface="DokChampa"/>
+        <a:font script="Sinh" typeface="Iskoola Pota"/>
+        <a:font script="Mong" typeface="Mongolian Baiti"/>
+        <a:font script="Viet" typeface="Times New Roman"/>
+        <a:font script="Uigh" typeface="Microsoft Uighur"/>
+        <a:font script="Geor" typeface="Sylfaen"/>
+        <a:font script="Armn" typeface="Arial"/>
+        <a:font script="Bugi" typeface="Leelawadee UI"/>
+        <a:font script="Bopo" typeface="Microsoft JhengHei"/>
+        <a:font script="Java" typeface="Javanese Text"/>
+        <a:font script="Lisu" typeface="Segoe UI"/>
+        <a:font script="Mymr" typeface="Myanmar Text"/>
+        <a:font script="Nkoo" typeface="Ebrima"/>
+        <a:font script="Olck" typeface="Nirmala UI"/>
+        <a:font script="Osma" typeface="Ebrima"/>
+        <a:font script="Phag" typeface="Phagspa"/>
+        <a:font script="Syrn" typeface="Estrangelo Edessa"/>
+        <a:font script="Syrj" typeface="Estrangelo Edessa"/>
+        <a:font script="Syre" typeface="Estrangelo Edessa"/>
+        <a:font script="Sora" typeface="Nirmala UI"/>
+        <a:font script="Tale" typeface="Microsoft Tai Le"/>
+        <a:font script="Talu" typeface="Microsoft New Tai Lue"/>
+        <a:font script="Tfng" typeface="Ebrima"/>
+      </a:majorFont>
+      <a:minorFont>
+        <a:latin typeface="Calibri" panose="020F0502020204030204"/>
+        <a:ea typeface=""/>
+        <a:cs typeface=""/>
+        <a:font script="Jpan" typeface="游ゴシック"/>
+        <a:font script="Hang" typeface="맑은 고딕"/>
+        <a:font script="Hans" typeface="等线"/>
+        <a:font script="Hant" typeface="新細明體"/>
+        <a:font script="Arab" typeface="Arial"/>
+        <a:font script="Hebr" typeface="Arial"/>
+        <a:font script="Thai" typeface="Cordia New"/>
+        <a:font script="Ethi" typeface="Nyala"/>
+        <a:font script="Beng" typeface="Vrinda"/>
+        <a:font script="Gujr" typeface="Shruti"/>
+        <a:font script="Khmr" typeface="DaunPenh"/>
+        <a:font script="Knda" typeface="Tunga"/>
+        <a:font script="Guru" typeface="Raavi"/>
+        <a:font script="Cans" typeface="Euphemia"/>
+        <a:font script="Cher" typeface="Plantagenet Cherokee"/>
+        <a:font script="Yiii" typeface="Microsoft Yi Baiti"/>
+        <a:font script="Tibt" typeface="Microsoft Himalaya"/>
+        <a:font script="Thaa" typeface="MV Boli"/>
+        <a:font script="Deva" typeface="Mangal"/>
+        <a:font script="Telu" typeface="Gautami"/>
+        <a:font script="Taml" typeface="Latha"/>
+        <a:font script="Syrc" typeface="Estrangelo Edessa"/>
+        <a:font script="Orya" typeface="Kalinga"/>
+        <a:font script="Mlym" typeface="Kartika"/>
+        <a:font script="Laoo" typeface="DokChampa"/>
+        <a:font script="Sinh" typeface="Iskoola Pota"/>
+        <a:font script="Mong" typeface="Mongolian Baiti"/>
+        <a:font script="Viet" typeface="Arial"/>
+        <a:font script="Uigh" typeface="Microsoft Uighur"/>
+        <a:font script="Geor" typeface="Sylfaen"/>
+        <a:font script="Armn" typeface="Arial"/>
+        <a:font script="Bugi" typeface="Leelawadee UI"/>
+        <a:font script="Bopo" typeface="Microsoft JhengHei"/>
+        <a:font script="Java" typeface="Javanese Text"/>
+        <a:font script="Lisu" typeface="Segoe UI"/>
+        <a:font script="Mymr" typeface="Myanmar Text"/>
+        <a:font script="Nkoo" typeface="Ebrima"/>
+        <a:font script="Olck" typeface="Nirmala UI"/>
+        <a:font script="Osma" typeface="Ebrima"/>
+        <a:font script="Phag" typeface="Phagspa"/>
+        <a:font script="Syrn" typeface="Estrangelo Edessa"/>
+        <a:font script="Syrj" typeface="Estrangelo Edessa"/>
+        <a:font script="Syre" typeface="Estrangelo Edessa"/>
+        <a:font script="Sora" typeface="Nirmala UI"/>
+        <a:font script="Tale" typeface="Microsoft Tai Le"/>
+        <a:font script="Talu" typeface="Microsoft New Tai Lue"/>
+        <a:font script="Tfng" typeface="Ebrima"/>
+      </a:minorFont>
+    </a:fontScheme>
+    <a:fmtScheme name="Office">
+      <a:fillStyleLst>
+        <a:solidFill>
+          <a:schemeClr val="phClr"/>
+        </a:solidFill>
+        <a:gradFill rotWithShape="1">
+          <a:gsLst>
+            <a:gs pos="0">
+              <a:schemeClr val="phClr">
+                <a:lumMod val="110000"/>
+                <a:satMod val="105000"/>
+                <a:tint val="67000"/>
+              </a:schemeClr>
+            </a:gs>
+            <a:gs pos="50000">
+              <a:schemeClr val="phClr">
+                <a:lumMod val="105000"/>
+                <a:satMod val="103000"/>
+                <a:tint val="73000"/>
+              </a:schemeClr>
+            </a:gs>
+            <a:gs pos="100000">
+              <a:schemeClr val="phClr">
+                <a:lumMod val="105000"/>
+                <a:satMod val="109000"/>
+                <a:tint val="81000"/>
+              </a:schemeClr>
+            </a:gs>
+          </a:gsLst>
+          <a:lin ang="5400000" scaled="0"/>
+        </a:gradFill>
+        <a:gradFill rotWithShape="1">
+          <a:gsLst>
+            <a:gs pos="0">
+              <a:schemeClr val="phClr">
+                <a:satMod val="103000"/>
+                <a:lumMod val="102000"/>
+                <a:tint val="94000"/>
+              </a:schemeClr>
+            </a:gs>
+            <a:gs pos="50000">
+              <a:schemeClr val="phClr">
+                <a:satMod val="110000"/>
+                <a:lumMod val="100000"/>
+                <a:shade val="100000"/>
+              </a:schemeClr>
+            </a:gs>
+            <a:gs pos="100000">
+              <a:schemeClr val="phClr">
+                <a:lumMod val="99000"/>
+                <a:satMod val="120000"/>
+                <a:shade val="78000"/>
+              </a:schemeClr>
+            </a:gs>
+          </a:gsLst>
+          <a:lin ang="5400000" scaled="0"/>
+        </a:gradFill>
+      </a:fillStyleLst>
+      <a:lnStyleLst>
+        <a:ln w="6350" cap="flat" cmpd="sng" algn="ctr">
+          <a:solidFill>
+            <a:schemeClr val="phClr"/>
+          </a:solidFill>
+          <a:prstDash val="solid"/>
+          <a:miter lim="800000"/>
+        </a:ln>
+        <a:ln w="12700" cap="flat" cmpd="sng" algn="ctr">
+          <a:solidFill>
+            <a:schemeClr val="phClr"/>
+          </a:solidFill>
+          <a:prstDash val="solid"/>
+          <a:miter lim="800000"/>
+        </a:ln>
+        <a:ln w="19050" cap="flat" cmpd="sng" algn="ctr">
+          <a:solidFill>
+            <a:schemeClr val="phClr"/>
+          </a:solidFill>
+          <a:prstDash val="solid"/>
+          <a:miter lim="800000"/>
+        </a:ln>
+      </a:lnStyleLst>
+      <a:effectStyleLst>
+        <a:effectStyle>
+          <a:effectLst/>
+        </a:effectStyle>
+        <a:effectStyle>
+          <a:effectLst/>
+        </a:effectStyle>
+        <a:effectStyle>
+          <a:effectLst>
+            <a:outerShdw blurRad="57150" dist="19050" dir="5400000" algn="ctr" rotWithShape="0">
+              <a:srgbClr val="000000">
+                <a:alpha val="63000"/>
+              </a:srgbClr>
+            </a:outerShdw>
+          </a:effectLst>
+        </a:effectStyle>
+      </a:effectStyleLst>
+      <a:bgFillStyleLst>
+        <a:solidFill>
+          <a:schemeClr val="phClr"/>
+        </a:solidFill>
+        <a:solidFill>
+          <a:schemeClr val="phClr">
+            <a:tint val="95000"/>
+            <a:satMod val="170000"/>
+          </a:schemeClr>
+        </a:solidFill>
+        <a:gradFill rotWithShape="1">
+          <a:gsLst>
+            <a:gs pos="0">
+              <a:schemeClr val="phClr">
+                <a:tint val="93000"/>
+                <a:satMod val="150000"/>
+                <a:shade val="98000"/>
+                <a:lumMod val="102000"/>
+              </a:schemeClr>
+            </a:gs>
+            <a:gs pos="50000">
+              <a:schemeClr val="phClr">
+                <a:tint val="98000"/>
+                <a:satMod val="130000"/>
+                <a:shade val="90000"/>
+                <a:lumMod val="103000"/>
+              </a:schemeClr>
+            </a:gs>
+            <a:gs pos="100000">
+              <a:schemeClr val="phClr">
+                <a:shade val="63000"/>
+                <a:satMod val="120000"/>
+              </a:schemeClr>
+            </a:gs>
+          </a:gsLst>
+          <a:lin ang="5400000" scaled="0"/>
+        </a:gradFill>
+      </a:bgFillStyleLst>
+    </a:fmtScheme>
+  </a:themeElements>
+  <a:objectDefaults/>
+  <a:extraClrSchemeLst/>
+  <a:extLst>
+    <a:ext uri="{05A4C25C-085E-4340-85A3-A5531E510DB2}">
+      <thm15:themeFamily xmlns:thm15="http://schemas.microsoft.com/office/thememl/2012/main" name="Office Theme" id="{62F939B6-93AF-4DB8-9C6B-D6C7DFDC589F}" vid="{4A3C46E8-61CC-4603-A589-7422A47A8E4A}"/>
+    </a:ext>
+  </a:extLst>
+</a:theme>
 </file>
--- a/documentation/AppDesign.pptx
+++ b/documentation/AppDesign.pptx
@@ -5,11 +5,13 @@
     <p:sldMasterId id="2147483648" r:id="rId1"/>
   </p:sldMasterIdLst>
   <p:notesMasterIdLst>
-    <p:notesMasterId r:id="rId4"/>
+    <p:notesMasterId r:id="rId6"/>
   </p:notesMasterIdLst>
   <p:sldIdLst>
     <p:sldId id="256" r:id="rId2"/>
     <p:sldId id="257" r:id="rId3"/>
+    <p:sldId id="259" r:id="rId4"/>
+    <p:sldId id="258" r:id="rId5"/>
   </p:sldIdLst>
   <p:sldSz cx="12192000" cy="6858000"/>
   <p:notesSz cx="6858000" cy="9144000"/>
@@ -143,7 +145,7 @@
 </inkml:ink>
 </file>
 
-<file path=ppt/ink/ink2.xml><?xml version="1.0" encoding="utf-8"?>
+<file path=ppt/ink/ink10.xml><?xml version="1.0" encoding="utf-8"?>
 <inkml:ink xmlns:inkml="http://www.w3.org/2003/InkML">
   <inkml:definitions>
     <inkml:context xml:id="ctx0">
@@ -159,18 +161,18 @@
           <inkml:channelProperty channel="F" name="resolution" value="0" units="1/dev"/>
         </inkml:channelProperties>
       </inkml:inkSource>
-      <inkml:timestamp xml:id="ts0" timeString="2023-11-07T03:50:40.896"/>
+      <inkml:timestamp xml:id="ts0" timeString="2023-11-15T03:24:27.751"/>
     </inkml:context>
     <inkml:brush xml:id="br0">
       <inkml:brushProperty name="width" value="0.05" units="cm"/>
       <inkml:brushProperty name="height" value="0.05" units="cm"/>
     </inkml:brush>
   </inkml:definitions>
-  <inkml:trace contextRef="#ctx0" brushRef="#br0">0 2471 24575,'27'0'0,"2"0"0,47 0 0,-28 0 0,27 0 0,-44 0 0,10 0 0,-24-2 0,8-8 0,-19 2 0,1-15 0,0 7 0,0-17 0,1-2 0,0-10 0,0-5 0,1-9 0,-5-4 0,4-10 0,-2-5 0,-1-2-495,3-12 495,-2 5 0,3 1 0,-4 1 0,3 11 0,-3-4-40,4 10 40,0-3 0,0 4 0,0-1 0,0-3 0,2 23 494,3-15-494,2 21 41,4-12-41,-3 9 0,6 1 0,-3 5 0,0 0 0,3 0 0,-7 4 0,17-17 0,-15 18 0,15-15 0,-18 23 0,4-3 0,-5 7 0,0-7 0,0 7 0,1-2 0,-2 6 0,1-2 0,3 2 0,-3 0 0,3 1 0,1 0 0,-4 3 0,6-4 0,-6 5 0,6-1 0,-6 1 0,6 2 0,-6-1 0,6 4 0,-6-2 0,2 1 0,1 1 0,-3-1 0,6 2 0,-6 0 0,6 3 0,-6-2 0,2 3 0,7-4 0,-8 3 0,7 1 0,-9 3 0,0-3 0,0 2 0,0-2 0,0 3 0,0-2 0,-3 1 0,3-2 0,-3 3 0,0 0 0,-1-3 0,0 2 0,-2-1 0,2 2 0,-3 0 0,3 0 0,-2 0 0,2-3 0,-3 2 0,0-1 0,0 2 0,0 0 0,-3 0 0,0 0 0</inkml:trace>
+  <inkml:trace contextRef="#ctx0" brushRef="#br0">443 328 24575,'-16'0'0,"-27"-23"0,10 13 0,-16-20 0,24 18 0,3-2 0,1 0 0,-7-4 0,5 3 0,-1 1 0,10 4 0,4 4 0,4 0 0,0-1 0,2 1 0,-1 0 0,4 0 0,-2-1 0,0 1 0,0 0 0,-4-4 0,-2 0 0,1-4 0,-5 1 0,3-1 0,-4 4 0,1-3 0,3 5 0,0-1 0,7 3 0,-3 2 0,8 4 0,-2 3 0,10 7 0,0 0 0,3 3 0,48 44 0,-28-24 0,38 30 0,-39-31 0,0-7 0,0 2 0,5-1 0,-8-5 0,2-4 0,-13-4 0,-1-5 0,-4 1 0,1-2 0,-4 0 0,2-4 0,-5 3 0,3-5 0,-4 4 0,0-4 0,1 2 0,-1-3 0,-3 2 0,3-1 0,-3 2 0,3-3 0,0 0 0,0 0 0,1 2 0,-1-1 0,0 2 0,0 0 0,0-3 0,-2 6 0,-2-3 0,-2 3 0,0 0 0,0 0 0,-6-2 0,-1 1 0,-10-1 0,2 0 0,-5 2 0,5-2 0,-5 3 0,2 0 0,-4 0 0,4 0 0,-6 4 0,5 0 0,-7 3 0,0 1 0,4 0 0,-4-4 0,8 2 0,-2-2 0,5 0 0,1 2 0,5-6 0,2 2 0,0 1 0,4-3 0,-3 2 0,5-2 0,-1-1 0,2-3 0,0 0 0</inkml:trace>
 </inkml:ink>
 </file>
 
-<file path=ppt/ink/ink3.xml><?xml version="1.0" encoding="utf-8"?>
+<file path=ppt/ink/ink11.xml><?xml version="1.0" encoding="utf-8"?>
 <inkml:ink xmlns:inkml="http://www.w3.org/2003/InkML">
   <inkml:definitions>
     <inkml:context xml:id="ctx0">
@@ -186,18 +188,234 @@
           <inkml:channelProperty channel="F" name="resolution" value="0" units="1/dev"/>
         </inkml:channelProperties>
       </inkml:inkSource>
-      <inkml:timestamp xml:id="ts0" timeString="2023-11-07T03:50:43.740"/>
+      <inkml:timestamp xml:id="ts0" timeString="2023-11-15T03:24:30.603"/>
     </inkml:context>
     <inkml:brush xml:id="br0">
       <inkml:brushProperty name="width" value="0.05" units="cm"/>
       <inkml:brushProperty name="height" value="0.05" units="cm"/>
     </inkml:brush>
   </inkml:definitions>
-  <inkml:trace contextRef="#ctx0" brushRef="#br0">1 2382 24575,'6'0'0,"6"0"0,6 0 0,12 0 0,0 0 0,0 0 0,3 0 0,7 0 0,-10-6 0,10-14 0,-24-12 0,4-6 0,-7-9 0,10-26 0,-8 10 0,14-30 0,-5 20 0,3-1 0,2-11 0,-1 5 0,-1 0 0,1 2 0,0 5 0,-2 6 0,1-5 0,0 5 0,-4 0 0,2 1 0,-6 0 0,1 17 0,-3-13 0,-1 20 0,1-13 0,-4 6 0,2 4 0,-3 1 0,0 5 0,3 0 0,-3 4 0,0-3 0,2 3 0,-5 0 0,5 1 0,-3 5 0,1-1 0,1 5 0,-4-4 0,3 10 0,-4-4 0,2 9 0,0-7 0,-3 7 0,6-2 0,-3 3 0,0 0 0,2-1 0,-2 1 0,3 0 0,0 0 0,0 3 0,0 0 0,0 1 0,1 1 0,-1-1 0,3 2 0,-2 0 0,3 1 0,5-1 0,-7 0 0,17 0 0,-17 4 0,4-3 0,-6 5 0,-3-4 0,0 4 0,2-2 0,-5 0 0,5 3 0,-5-3 0,2 0 0,-3 3 0,3-3 0,-2 0 0,2 2 0,-3-4 0,0 4 0,0-1 0,3-1 0,-2 2 0,2-5 0,-3 5 0,4-1 0,-4-1 0,4 2 0,-4-4 0,0 4 0,0-2 0,0 3 0,0-2 0,0 1 0,0-2 0,0 3 0,-3 0 0,0 0 0</inkml:trace>
+  <inkml:trace contextRef="#ctx0" brushRef="#br0">409 291 24575,'-16'-3'0,"-34"-26"0,12 8 0,-23-24 0,22 19 0,-4-8 0,5 8 0,0-4 0,12 14 0,7-1 0,2 6 0,7 1 0,0 0 0,7 4 0,2 3 0,5 0 0,5 3 0,1 6 0,26 13 0,0 7 0,15 4 0,4 1 0,10 11 0,-16-14 0,-2-2 0,-1 0 0,-15-7 0,-1-4 0,-12-4 0,-4-1 0,-5-4 0,-2 1 0,-1-4 0,-3 2 0,0-1 0,-3 2 0,0 0 0,0 0 0,0 0 0,-3 0 0,0 0 0,-7 4 0,3 0 0,-6 3 0,6 1 0,-6-1 0,5 1 0,-2-1 0,0 4 0,3-6 0,-3 5 0,3-5 0,1-1 0,-1-1 0,0 1 0,1-3 0,0 2 0,-1-3 0,1-2 0,-4-1 0,3-3 0,-2 0 0,2 0 0,1 0 0,0 0 0,0 0 0,-1 0 0,1 0 0,0 0 0,0-3 0,0 2 0,0-1 0,0 2 0,-1 0 0,1 0 0,-3-3 0,2 2 0,-2-2 0,6 3 0,0 0 0</inkml:trace>
 </inkml:ink>
 </file>
 
-<file path=ppt/ink/ink4.xml><?xml version="1.0" encoding="utf-8"?>
+<file path=ppt/ink/ink12.xml><?xml version="1.0" encoding="utf-8"?>
+<inkml:ink xmlns:inkml="http://www.w3.org/2003/InkML">
+  <inkml:definitions>
+    <inkml:context xml:id="ctx0">
+      <inkml:inkSource xml:id="inkSrc0">
+        <inkml:traceFormat>
+          <inkml:channel name="X" type="integer" min="-2.14748E9" max="2.14748E9" units="cm"/>
+          <inkml:channel name="Y" type="integer" min="-2.14748E9" max="2.14748E9" units="cm"/>
+          <inkml:channel name="F" type="integer" max="32767" units="dev"/>
+        </inkml:traceFormat>
+        <inkml:channelProperties>
+          <inkml:channelProperty channel="X" name="resolution" value="1000" units="1/cm"/>
+          <inkml:channelProperty channel="Y" name="resolution" value="1000" units="1/cm"/>
+          <inkml:channelProperty channel="F" name="resolution" value="0" units="1/dev"/>
+        </inkml:channelProperties>
+      </inkml:inkSource>
+      <inkml:timestamp xml:id="ts0" timeString="2023-11-15T03:24:32.485"/>
+    </inkml:context>
+    <inkml:brush xml:id="br0">
+      <inkml:brushProperty name="width" value="0.05" units="cm"/>
+      <inkml:brushProperty name="height" value="0.05" units="cm"/>
+    </inkml:brush>
+  </inkml:definitions>
+  <inkml:trace contextRef="#ctx0" brushRef="#br0">478 300 24575,'-27'-4'0,"-5"-8"0,-15-10 0,-1-5 0,-16-13 0,20 13 0,-31-28 0,39 27 0,-23-16 0,42 25 0,-4 6 0,17 5 0,0 9 0,11 0 0,3 9 0,7 4 0,6 5 0,5 8 0,10 8 0,0-1 0,10 9 0,-9-12 0,7 6 0,-8-7 0,3 0 0,-3-2 0,-3-8 0,-8-1 0,-2-4 0,-7-5 0,-1 4 0,-3-7 0,-4 2 0,-1-2 0,1-1 0,-3-2 0,2-1 0,-2 0 0,2 0 0,-2 1 0,6 2 0,-6-5 0,2 4 0,-3-4 0,4 5 0,-3-6 0,2 6 0,-3-5 0,1 4 0,-1-4 0,0 5 0,0-6 0,0 6 0,1-5 0,-1 4 0,0-4 0,-2 4 0,-2-1 0,-2 2 0,-8-3 0,-4 0 0,-12-3 0,-2 0 0,-9 0 0,3 0 0,-7 0 0,-2 0 0,-5 0 0,-5 0 0,5 0 0,-4 0 0,9 0 0,-4 0 0,5 3 0,8 1 0,2 4 0,8-1 0,7 3 0,-1-3 0,8 3 0,-1 0 0,2-3 0,4 2 0,-3 0 0,5-1 0,-2 1 0,3-3 0,0 0 0,0 1 0,0 2 0,0-2 0,0 2 0,0-5 0,0-1 0</inkml:trace>
+</inkml:ink>
+</file>
+
+<file path=ppt/ink/ink13.xml><?xml version="1.0" encoding="utf-8"?>
+<inkml:ink xmlns:inkml="http://www.w3.org/2003/InkML">
+  <inkml:definitions>
+    <inkml:context xml:id="ctx0">
+      <inkml:inkSource xml:id="inkSrc0">
+        <inkml:traceFormat>
+          <inkml:channel name="X" type="integer" min="-2.14748E9" max="2.14748E9" units="cm"/>
+          <inkml:channel name="Y" type="integer" min="-2.14748E9" max="2.14748E9" units="cm"/>
+          <inkml:channel name="F" type="integer" max="32767" units="dev"/>
+        </inkml:traceFormat>
+        <inkml:channelProperties>
+          <inkml:channelProperty channel="X" name="resolution" value="1000" units="1/cm"/>
+          <inkml:channelProperty channel="Y" name="resolution" value="1000" units="1/cm"/>
+          <inkml:channelProperty channel="F" name="resolution" value="0" units="1/dev"/>
+        </inkml:channelProperties>
+      </inkml:inkSource>
+      <inkml:timestamp xml:id="ts0" timeString="2023-11-15T03:24:39.810"/>
+    </inkml:context>
+    <inkml:brush xml:id="br0">
+      <inkml:brushProperty name="width" value="0.05" units="cm"/>
+      <inkml:brushProperty name="height" value="0.05" units="cm"/>
+    </inkml:brush>
+  </inkml:definitions>
+  <inkml:trace contextRef="#ctx0" brushRef="#br0">0 1 24575,'13'0'0,"-2"0"0,14 0 0,2 0 0,9 3 0,9 2 0,34 7 0,-15-2 0,31 3 0,-41-5 0,39 1 0,-33-4 0,20 2 0,-25-6 0,-18 3 0,6-1 0,-15-2 0,2 3 0,-9-4 0,1 3 0,-4-2 0,2 2 0,-5-3 0,2 0 0,-4 0 0,0 0 0,-2 0 0,1 0 0,-5 0 0,3 0 0,-1 0 0,-2 3 0,3-3 0,-4 3 0,3-3 0,1 0 0,1 0 0,1 0 0,-5 0 0,6 0 0,0 0 0,-2 0 0,4 0 0,-8 0 0,3 0 0,-1 0 0,-2 0 0,3 0 0,-4 0 0,0 0 0,0 0 0,0 0 0,1 0 0,-1 0 0,0 0 0,0 0 0,0 0 0,1 0 0,-1 0 0,0 0 0,0 0 0,0 0 0,0 0 0,0 0 0,0 0 0,0 0 0,0 0 0,1 0 0,-1 0 0,3 0 0,-2 0 0,3 0 0,-4 0 0,-3 0 0,0 0 0</inkml:trace>
+</inkml:ink>
+</file>
+
+<file path=ppt/ink/ink14.xml><?xml version="1.0" encoding="utf-8"?>
+<inkml:ink xmlns:inkml="http://www.w3.org/2003/InkML">
+  <inkml:definitions>
+    <inkml:context xml:id="ctx0">
+      <inkml:inkSource xml:id="inkSrc0">
+        <inkml:traceFormat>
+          <inkml:channel name="X" type="integer" min="-2.14748E9" max="2.14748E9" units="cm"/>
+          <inkml:channel name="Y" type="integer" min="-2.14748E9" max="2.14748E9" units="cm"/>
+          <inkml:channel name="F" type="integer" max="32767" units="dev"/>
+        </inkml:traceFormat>
+        <inkml:channelProperties>
+          <inkml:channelProperty channel="X" name="resolution" value="1000" units="1/cm"/>
+          <inkml:channelProperty channel="Y" name="resolution" value="1000" units="1/cm"/>
+          <inkml:channelProperty channel="F" name="resolution" value="0" units="1/dev"/>
+        </inkml:channelProperties>
+      </inkml:inkSource>
+      <inkml:timestamp xml:id="ts0" timeString="2023-11-15T03:24:41.765"/>
+    </inkml:context>
+    <inkml:brush xml:id="br0">
+      <inkml:brushProperty name="width" value="0.05" units="cm"/>
+      <inkml:brushProperty name="height" value="0.05" units="cm"/>
+    </inkml:brush>
+  </inkml:definitions>
+  <inkml:trace contextRef="#ctx0" brushRef="#br0">1 173 24575,'6'0'0,"0"0"0,0 0 0,1 0 0,2 0 0,-2 0 0,6-3 0,0-7 0,-3 2 0,6-8 0,-9 9 0,2-2 0,1 2 0,-3 1 0,2-1 0,-3 1 0,1 0 0,-1 2 0,0-1 0,0 1 0,1-2 0,-1-1 0,0 1 0,0 0 0,0 2 0,-2-1 0,1 1 0,-4-2 0,4 3 0,-4-3 0,1 3 0,-2-3 0,0 0 0,0 2 0,0 2 0</inkml:trace>
+</inkml:ink>
+</file>
+
+<file path=ppt/ink/ink15.xml><?xml version="1.0" encoding="utf-8"?>
+<inkml:ink xmlns:inkml="http://www.w3.org/2003/InkML">
+  <inkml:definitions>
+    <inkml:context xml:id="ctx0">
+      <inkml:inkSource xml:id="inkSrc0">
+        <inkml:traceFormat>
+          <inkml:channel name="X" type="integer" min="-2.14748E9" max="2.14748E9" units="cm"/>
+          <inkml:channel name="Y" type="integer" min="-2.14748E9" max="2.14748E9" units="cm"/>
+          <inkml:channel name="F" type="integer" max="32767" units="dev"/>
+        </inkml:traceFormat>
+        <inkml:channelProperties>
+          <inkml:channelProperty channel="X" name="resolution" value="1000" units="1/cm"/>
+          <inkml:channelProperty channel="Y" name="resolution" value="1000" units="1/cm"/>
+          <inkml:channelProperty channel="F" name="resolution" value="0" units="1/dev"/>
+        </inkml:channelProperties>
+      </inkml:inkSource>
+      <inkml:timestamp xml:id="ts0" timeString="2023-11-15T03:24:42.751"/>
+    </inkml:context>
+    <inkml:brush xml:id="br0">
+      <inkml:brushProperty name="width" value="0.05" units="cm"/>
+      <inkml:brushProperty name="height" value="0.05" units="cm"/>
+    </inkml:brush>
+  </inkml:definitions>
+  <inkml:trace contextRef="#ctx0" brushRef="#br0">1 1 24575,'3'16'0,"1"5"0,6-2 0,6 10 0,-1-10 0,7 8 0,-6-2 0,2-5 0,-4 4 0,-3-6 0,-1-3 0,-3 1 0,-1-9 0,0 3 0,1-4 0,-4-3 0,0 0 0</inkml:trace>
+</inkml:ink>
+</file>
+
+<file path=ppt/ink/ink16.xml><?xml version="1.0" encoding="utf-8"?>
+<inkml:ink xmlns:inkml="http://www.w3.org/2003/InkML">
+  <inkml:definitions>
+    <inkml:context xml:id="ctx0">
+      <inkml:inkSource xml:id="inkSrc0">
+        <inkml:traceFormat>
+          <inkml:channel name="X" type="integer" min="-2.14748E9" max="2.14748E9" units="cm"/>
+          <inkml:channel name="Y" type="integer" min="-2.14748E9" max="2.14748E9" units="cm"/>
+          <inkml:channel name="F" type="integer" max="32767" units="dev"/>
+        </inkml:traceFormat>
+        <inkml:channelProperties>
+          <inkml:channelProperty channel="X" name="resolution" value="1000" units="1/cm"/>
+          <inkml:channelProperty channel="Y" name="resolution" value="1000" units="1/cm"/>
+          <inkml:channelProperty channel="F" name="resolution" value="0" units="1/dev"/>
+        </inkml:channelProperties>
+      </inkml:inkSource>
+      <inkml:timestamp xml:id="ts0" timeString="2023-11-15T03:24:45.013"/>
+    </inkml:context>
+    <inkml:brush xml:id="br0">
+      <inkml:brushProperty name="width" value="0.05" units="cm"/>
+      <inkml:brushProperty name="height" value="0.05" units="cm"/>
+    </inkml:brush>
+  </inkml:definitions>
+  <inkml:trace contextRef="#ctx0" brushRef="#br0">0 178 24575,'0'-10'0,"0"1"0,0 3 0,6-6 0,-2 7 0,14-13 0,-10 16 0,10-12 0,-11 10 0,2-3 0,-3 2 0,3 1 0,-2-2 0,2 0 0,-3 2 0,1-2 0,-1 3 0,0-1 0,0-1 0,1 1 0,-1 1 0,-3-3 0,3 5 0,-3-4 0,3 4 0,-2-4 0,1 4 0,-4-5 0,4 6 0,-4-6 0,5 6 0,-6-6 0,3 6 0,-3-3 0</inkml:trace>
+</inkml:ink>
+</file>
+
+<file path=ppt/ink/ink17.xml><?xml version="1.0" encoding="utf-8"?>
+<inkml:ink xmlns:inkml="http://www.w3.org/2003/InkML">
+  <inkml:definitions>
+    <inkml:context xml:id="ctx0">
+      <inkml:inkSource xml:id="inkSrc0">
+        <inkml:traceFormat>
+          <inkml:channel name="X" type="integer" min="-2.14748E9" max="2.14748E9" units="cm"/>
+          <inkml:channel name="Y" type="integer" min="-2.14748E9" max="2.14748E9" units="cm"/>
+          <inkml:channel name="F" type="integer" max="32767" units="dev"/>
+        </inkml:traceFormat>
+        <inkml:channelProperties>
+          <inkml:channelProperty channel="X" name="resolution" value="1000" units="1/cm"/>
+          <inkml:channelProperty channel="Y" name="resolution" value="1000" units="1/cm"/>
+          <inkml:channelProperty channel="F" name="resolution" value="0" units="1/dev"/>
+        </inkml:channelProperties>
+      </inkml:inkSource>
+      <inkml:timestamp xml:id="ts0" timeString="2023-11-15T03:24:46.281"/>
+    </inkml:context>
+    <inkml:brush xml:id="br0">
+      <inkml:brushProperty name="width" value="0.05" units="cm"/>
+      <inkml:brushProperty name="height" value="0.05" units="cm"/>
+    </inkml:brush>
+  </inkml:definitions>
+  <inkml:trace contextRef="#ctx0" brushRef="#br0">1 1 24575,'12'0'0,"4"0"0,2 0 0,12 3 0,-2 5 0,6 1 0,-3 5 0,-5-3 0,3 4 0,-2-3 0,-1 2 0,0-6 0,-8 5 0,-1-5 0,-4 1 0,0-2 0,-2-1 0,-2 1 0,-3-1 0,0 0 0,1 1 0,-1-4 0,0 2 0,0-1 0,-2 2 0,1-3 0,-4 0 0,1-3 0</inkml:trace>
+</inkml:ink>
+</file>
+
+<file path=ppt/ink/ink18.xml><?xml version="1.0" encoding="utf-8"?>
+<inkml:ink xmlns:inkml="http://www.w3.org/2003/InkML">
+  <inkml:definitions>
+    <inkml:context xml:id="ctx0">
+      <inkml:inkSource xml:id="inkSrc0">
+        <inkml:traceFormat>
+          <inkml:channel name="X" type="integer" min="-2.14748E9" max="2.14748E9" units="cm"/>
+          <inkml:channel name="Y" type="integer" min="-2.14748E9" max="2.14748E9" units="cm"/>
+          <inkml:channel name="F" type="integer" max="32767" units="dev"/>
+        </inkml:traceFormat>
+        <inkml:channelProperties>
+          <inkml:channelProperty channel="X" name="resolution" value="1000" units="1/cm"/>
+          <inkml:channelProperty channel="Y" name="resolution" value="1000" units="1/cm"/>
+          <inkml:channelProperty channel="F" name="resolution" value="0" units="1/dev"/>
+        </inkml:channelProperties>
+      </inkml:inkSource>
+      <inkml:timestamp xml:id="ts0" timeString="2023-11-15T03:24:49.124"/>
+    </inkml:context>
+    <inkml:brush xml:id="br0">
+      <inkml:brushProperty name="width" value="0.05" units="cm"/>
+      <inkml:brushProperty name="height" value="0.05" units="cm"/>
+    </inkml:brush>
+  </inkml:definitions>
+  <inkml:trace contextRef="#ctx0" brushRef="#br0">0 1 24575,'13'0'0,"48"0"0,-15 0 0,39 0 0,-39 0 0,4 0 0,1 0 0,1 0 0,4 0 0,-10 0 0,-1 0 0,-9 0 0,-1 0 0,-5 0 0,-3 0 0,-2 0 0,-4 0 0,1 0 0,-4 0 0,2 0 0,-2 0 0,0 0 0,3 0 0,-7 0 0,13 0 0,-11 0 0,7 0 0,-10 0 0,4 0 0,-3 0 0,0 0 0,-1 0 0,-3 0 0,3 3 0,-2-3 0,1 3 0,-5 0 0,3-2 0,-4 2 0,3-3 0,-2 0 0,3 0 0,-1 0 0,-2 0 0,3 0 0,-1 0 0,-2 0 0,3 0 0,-4 0 0,0 0 0,0 0 0,0 2 0,1-1 0,-1 2 0,0-3 0,0 0 0,0 0 0,0 0 0,-2 3 0,1-3 0,-1 3 0,2-3 0,0 0 0,0 0 0,-2 3 0,1-3 0,-2 3 0,4-3 0,-1 0 0,0 0 0,0 0 0,0 0 0,0 0 0,0 0 0,1 0 0,-1 0 0,0 0 0,0 0 0,0 0 0,0 0 0,0 0 0,1 0 0,-1 0 0,0 0 0,0 0 0,0 0 0,0 0 0,0 0 0,0 0 0,0 0 0,0 0 0,0 0 0,0 0 0,-3 3 0,3-2 0,-5 1 0,1-2 0</inkml:trace>
+</inkml:ink>
+</file>
+
+<file path=ppt/ink/ink19.xml><?xml version="1.0" encoding="utf-8"?>
+<inkml:ink xmlns:inkml="http://www.w3.org/2003/InkML">
+  <inkml:definitions>
+    <inkml:context xml:id="ctx0">
+      <inkml:inkSource xml:id="inkSrc0">
+        <inkml:traceFormat>
+          <inkml:channel name="X" type="integer" min="-2.14748E9" max="2.14748E9" units="cm"/>
+          <inkml:channel name="Y" type="integer" min="-2.14748E9" max="2.14748E9" units="cm"/>
+          <inkml:channel name="F" type="integer" max="32767" units="dev"/>
+        </inkml:traceFormat>
+        <inkml:channelProperties>
+          <inkml:channelProperty channel="X" name="resolution" value="1000" units="1/cm"/>
+          <inkml:channelProperty channel="Y" name="resolution" value="1000" units="1/cm"/>
+          <inkml:channelProperty channel="F" name="resolution" value="0" units="1/dev"/>
+        </inkml:channelProperties>
+      </inkml:inkSource>
+      <inkml:timestamp xml:id="ts0" timeString="2023-11-15T03:24:51.208"/>
+    </inkml:context>
+    <inkml:brush xml:id="br0">
+      <inkml:brushProperty name="width" value="0.05" units="cm"/>
+      <inkml:brushProperty name="height" value="0.05" units="cm"/>
+    </inkml:brush>
+  </inkml:definitions>
+  <inkml:trace contextRef="#ctx0" brushRef="#br0">1 131 24575,'9'0'0,"1"0"0,0 0 0,2-3 0,-5 0 0,6-4 0,-3 0 0,3-2 0,1 1 0,-1-2 0,1 0 0,-1 3 0,-3-3 0,3 4 0,-6-1 0,2 3 0,-2-1 0,-1 1 0,0 1 0,0-3 0,0 3 0,-2-3 0,-1 0 0,-3 2 0,0 1 0</inkml:trace>
+</inkml:ink>
+</file>
+
+<file path=ppt/ink/ink2.xml><?xml version="1.0" encoding="utf-8"?>
 <inkml:ink xmlns:inkml="http://www.w3.org/2003/InkML">
   <inkml:definitions>
     <inkml:context xml:id="ctx0">
@@ -224,6 +442,492 @@
 </inkml:ink>
 </file>
 
+<file path=ppt/ink/ink20.xml><?xml version="1.0" encoding="utf-8"?>
+<inkml:ink xmlns:inkml="http://www.w3.org/2003/InkML">
+  <inkml:definitions>
+    <inkml:context xml:id="ctx0">
+      <inkml:inkSource xml:id="inkSrc0">
+        <inkml:traceFormat>
+          <inkml:channel name="X" type="integer" min="-2.14748E9" max="2.14748E9" units="cm"/>
+          <inkml:channel name="Y" type="integer" min="-2.14748E9" max="2.14748E9" units="cm"/>
+          <inkml:channel name="F" type="integer" max="32767" units="dev"/>
+        </inkml:traceFormat>
+        <inkml:channelProperties>
+          <inkml:channelProperty channel="X" name="resolution" value="1000" units="1/cm"/>
+          <inkml:channelProperty channel="Y" name="resolution" value="1000" units="1/cm"/>
+          <inkml:channelProperty channel="F" name="resolution" value="0" units="1/dev"/>
+        </inkml:channelProperties>
+      </inkml:inkSource>
+      <inkml:timestamp xml:id="ts0" timeString="2023-11-15T03:24:52.436"/>
+    </inkml:context>
+    <inkml:brush xml:id="br0">
+      <inkml:brushProperty name="width" value="0.05" units="cm"/>
+      <inkml:brushProperty name="height" value="0.05" units="cm"/>
+    </inkml:brush>
+  </inkml:definitions>
+  <inkml:trace contextRef="#ctx0" brushRef="#br0">0 0 24575,'13'0'0,"2"3"0,14 5 0,-12-3 0,20 13 0,-7-5 0,3 6 0,-2-5 0,-10 0 0,-7-10 0,3 9 0,-7-9 0,3 6 0,-6-4 0,3 0 0,-4-2 0,0-1 0,-3-6 0,0-1 0,-3-2 0,0 3 0,0 0 0</inkml:trace>
+</inkml:ink>
+</file>
+
+<file path=ppt/ink/ink21.xml><?xml version="1.0" encoding="utf-8"?>
+<inkml:ink xmlns:inkml="http://www.w3.org/2003/InkML">
+  <inkml:definitions>
+    <inkml:context xml:id="ctx0">
+      <inkml:inkSource xml:id="inkSrc0">
+        <inkml:traceFormat>
+          <inkml:channel name="X" type="integer" min="-2.14748E9" max="2.14748E9" units="cm"/>
+          <inkml:channel name="Y" type="integer" min="-2.14748E9" max="2.14748E9" units="cm"/>
+          <inkml:channel name="F" type="integer" max="32767" units="dev"/>
+        </inkml:traceFormat>
+        <inkml:channelProperties>
+          <inkml:channelProperty channel="X" name="resolution" value="1000" units="1/cm"/>
+          <inkml:channelProperty channel="Y" name="resolution" value="1000" units="1/cm"/>
+          <inkml:channelProperty channel="F" name="resolution" value="0" units="1/dev"/>
+        </inkml:channelProperties>
+      </inkml:inkSource>
+      <inkml:timestamp xml:id="ts0" timeString="2023-11-15T03:24:56.014"/>
+    </inkml:context>
+    <inkml:brush xml:id="br0">
+      <inkml:brushProperty name="width" value="0.05" units="cm"/>
+      <inkml:brushProperty name="height" value="0.05" units="cm"/>
+    </inkml:brush>
+  </inkml:definitions>
+  <inkml:trace contextRef="#ctx0" brushRef="#br0">1 1 24575,'20'0'0,"-2"0"0,42 0 0,-16 0 0,20 0 0,-25 0 0,-4 0 0,-4 0 0,4 0 0,-8 0 0,2 0 0,-7 0 0,4 0 0,-5 0 0,5 0 0,-4 0 0,8 0 0,-4 0 0,0 0 0,4 0 0,-4 0 0,4 0 0,-3 0 0,-2 0 0,1 0 0,-4 0 0,0 0 0,-1 0 0,-3 0 0,-1 0 0,1 0 0,-5 0 0,0 0 0,1 0 0,-4 0 0,3 0 0,-3 0 0,0 0 0,3 0 0,-6 0 0,5 0 0,-5 0 0,6 0 0,-6 0 0,6 0 0,-6 0 0,8 0 0,-7 0 0,7 0 0,-8 0 0,3 0 0,-1 0 0,-2 0 0,2 0 0,-2 0 0,2 0 0,-2 0 0,3 0 0,-4 0 0,0 0 0,0 0 0,1 0 0,-1 0 0,0 0 0,0 0 0,0 0 0,1 0 0,-1 0 0,0 0 0,0 0 0,1 0 0,2 0 0,-2 0 0,2 0 0,-2 0 0,-1 0 0,3 0 0,-2 0 0,2 0 0,-3 0 0,0 0 0,0 0 0,1 0 0,-1 0 0,0 0 0,0 0 0,-1 0 0,1 0 0,0 0 0,0 0 0,0 0 0,-3 0 0,0 0 0</inkml:trace>
+</inkml:ink>
+</file>
+
+<file path=ppt/ink/ink22.xml><?xml version="1.0" encoding="utf-8"?>
+<inkml:ink xmlns:inkml="http://www.w3.org/2003/InkML">
+  <inkml:definitions>
+    <inkml:context xml:id="ctx0">
+      <inkml:inkSource xml:id="inkSrc0">
+        <inkml:traceFormat>
+          <inkml:channel name="X" type="integer" min="-2.14748E9" max="2.14748E9" units="cm"/>
+          <inkml:channel name="Y" type="integer" min="-2.14748E9" max="2.14748E9" units="cm"/>
+          <inkml:channel name="F" type="integer" max="32767" units="dev"/>
+        </inkml:traceFormat>
+        <inkml:channelProperties>
+          <inkml:channelProperty channel="X" name="resolution" value="1000" units="1/cm"/>
+          <inkml:channelProperty channel="Y" name="resolution" value="1000" units="1/cm"/>
+          <inkml:channelProperty channel="F" name="resolution" value="0" units="1/dev"/>
+        </inkml:channelProperties>
+      </inkml:inkSource>
+      <inkml:timestamp xml:id="ts0" timeString="2023-11-15T03:25:08.328"/>
+    </inkml:context>
+    <inkml:brush xml:id="br0">
+      <inkml:brushProperty name="width" value="0.05" units="cm"/>
+      <inkml:brushProperty name="height" value="0.05" units="cm"/>
+    </inkml:brush>
+  </inkml:definitions>
+  <inkml:trace contextRef="#ctx0" brushRef="#br0">0 1 24575,'13'0'0,"-2"0"0,14 0 0,2 0 0,9 3 0,9 2 0,34 7 0,-15-2 0,31 3 0,-41-5 0,39 1 0,-33-4 0,20 2 0,-25-6 0,-18 3 0,6-1 0,-15-2 0,2 3 0,-9-4 0,1 3 0,-4-2 0,2 2 0,-5-3 0,2 0 0,-4 0 0,0 0 0,-2 0 0,1 0 0,-5 0 0,3 0 0,-1 0 0,-2 3 0,3-3 0,-4 3 0,3-3 0,1 0 0,1 0 0,1 0 0,-5 0 0,6 0 0,0 0 0,-2 0 0,4 0 0,-8 0 0,3 0 0,-1 0 0,-2 0 0,3 0 0,-4 0 0,0 0 0,0 0 0,0 0 0,1 0 0,-1 0 0,0 0 0,0 0 0,0 0 0,1 0 0,-1 0 0,0 0 0,0 0 0,0 0 0,0 0 0,0 0 0,0 0 0,0 0 0,0 0 0,1 0 0,-1 0 0,3 0 0,-2 0 0,3 0 0,-4 0 0,-3 0 0,0 0 0</inkml:trace>
+</inkml:ink>
+</file>
+
+<file path=ppt/ink/ink23.xml><?xml version="1.0" encoding="utf-8"?>
+<inkml:ink xmlns:inkml="http://www.w3.org/2003/InkML">
+  <inkml:definitions>
+    <inkml:context xml:id="ctx0">
+      <inkml:inkSource xml:id="inkSrc0">
+        <inkml:traceFormat>
+          <inkml:channel name="X" type="integer" min="-2.14748E9" max="2.14748E9" units="cm"/>
+          <inkml:channel name="Y" type="integer" min="-2.14748E9" max="2.14748E9" units="cm"/>
+          <inkml:channel name="F" type="integer" max="32767" units="dev"/>
+        </inkml:traceFormat>
+        <inkml:channelProperties>
+          <inkml:channelProperty channel="X" name="resolution" value="1000" units="1/cm"/>
+          <inkml:channelProperty channel="Y" name="resolution" value="1000" units="1/cm"/>
+          <inkml:channelProperty channel="F" name="resolution" value="0" units="1/dev"/>
+        </inkml:channelProperties>
+      </inkml:inkSource>
+      <inkml:timestamp xml:id="ts0" timeString="2023-11-15T03:25:08.329"/>
+    </inkml:context>
+    <inkml:brush xml:id="br0">
+      <inkml:brushProperty name="width" value="0.05" units="cm"/>
+      <inkml:brushProperty name="height" value="0.05" units="cm"/>
+    </inkml:brush>
+  </inkml:definitions>
+  <inkml:trace contextRef="#ctx0" brushRef="#br0">1 173 24575,'6'0'0,"0"0"0,0 0 0,1 0 0,2 0 0,-2 0 0,6-3 0,0-7 0,-3 2 0,6-8 0,-9 9 0,2-2 0,1 2 0,-3 1 0,2-1 0,-3 1 0,1 0 0,-1 2 0,0-1 0,0 1 0,1-2 0,-1-1 0,0 1 0,0 0 0,0 2 0,-2-1 0,1 1 0,-4-2 0,4 3 0,-4-3 0,1 3 0,-2-3 0,0 0 0,0 2 0,0 2 0</inkml:trace>
+</inkml:ink>
+</file>
+
+<file path=ppt/ink/ink24.xml><?xml version="1.0" encoding="utf-8"?>
+<inkml:ink xmlns:inkml="http://www.w3.org/2003/InkML">
+  <inkml:definitions>
+    <inkml:context xml:id="ctx0">
+      <inkml:inkSource xml:id="inkSrc0">
+        <inkml:traceFormat>
+          <inkml:channel name="X" type="integer" min="-2.14748E9" max="2.14748E9" units="cm"/>
+          <inkml:channel name="Y" type="integer" min="-2.14748E9" max="2.14748E9" units="cm"/>
+          <inkml:channel name="F" type="integer" max="32767" units="dev"/>
+        </inkml:traceFormat>
+        <inkml:channelProperties>
+          <inkml:channelProperty channel="X" name="resolution" value="1000" units="1/cm"/>
+          <inkml:channelProperty channel="Y" name="resolution" value="1000" units="1/cm"/>
+          <inkml:channelProperty channel="F" name="resolution" value="0" units="1/dev"/>
+        </inkml:channelProperties>
+      </inkml:inkSource>
+      <inkml:timestamp xml:id="ts0" timeString="2023-11-15T03:25:08.330"/>
+    </inkml:context>
+    <inkml:brush xml:id="br0">
+      <inkml:brushProperty name="width" value="0.05" units="cm"/>
+      <inkml:brushProperty name="height" value="0.05" units="cm"/>
+    </inkml:brush>
+  </inkml:definitions>
+  <inkml:trace contextRef="#ctx0" brushRef="#br0">1 1 24575,'3'16'0,"1"5"0,6-2 0,6 10 0,-1-10 0,7 8 0,-6-2 0,2-5 0,-4 4 0,-3-6 0,-1-3 0,-3 1 0,-1-9 0,0 3 0,1-4 0,-4-3 0,0 0 0</inkml:trace>
+</inkml:ink>
+</file>
+
+<file path=ppt/ink/ink25.xml><?xml version="1.0" encoding="utf-8"?>
+<inkml:ink xmlns:inkml="http://www.w3.org/2003/InkML">
+  <inkml:definitions>
+    <inkml:context xml:id="ctx0">
+      <inkml:inkSource xml:id="inkSrc0">
+        <inkml:traceFormat>
+          <inkml:channel name="X" type="integer" min="-2.14748E9" max="2.14748E9" units="cm"/>
+          <inkml:channel name="Y" type="integer" min="-2.14748E9" max="2.14748E9" units="cm"/>
+          <inkml:channel name="F" type="integer" max="32767" units="dev"/>
+        </inkml:traceFormat>
+        <inkml:channelProperties>
+          <inkml:channelProperty channel="X" name="resolution" value="1000" units="1/cm"/>
+          <inkml:channelProperty channel="Y" name="resolution" value="1000" units="1/cm"/>
+          <inkml:channelProperty channel="F" name="resolution" value="0" units="1/dev"/>
+        </inkml:channelProperties>
+      </inkml:inkSource>
+      <inkml:timestamp xml:id="ts0" timeString="2023-11-15T03:25:08.331"/>
+    </inkml:context>
+    <inkml:brush xml:id="br0">
+      <inkml:brushProperty name="width" value="0.05" units="cm"/>
+      <inkml:brushProperty name="height" value="0.05" units="cm"/>
+    </inkml:brush>
+  </inkml:definitions>
+  <inkml:trace contextRef="#ctx0" brushRef="#br0">0 178 24575,'0'-10'0,"0"1"0,0 3 0,6-6 0,-2 7 0,14-13 0,-10 16 0,10-12 0,-11 10 0,2-3 0,-3 2 0,3 1 0,-2-2 0,2 0 0,-3 2 0,1-2 0,-1 3 0,0-1 0,0-1 0,1 1 0,-1 1 0,-3-3 0,3 5 0,-3-4 0,3 4 0,-2-4 0,1 4 0,-4-5 0,4 6 0,-4-6 0,5 6 0,-6-6 0,3 6 0,-3-3 0</inkml:trace>
+</inkml:ink>
+</file>
+
+<file path=ppt/ink/ink26.xml><?xml version="1.0" encoding="utf-8"?>
+<inkml:ink xmlns:inkml="http://www.w3.org/2003/InkML">
+  <inkml:definitions>
+    <inkml:context xml:id="ctx0">
+      <inkml:inkSource xml:id="inkSrc0">
+        <inkml:traceFormat>
+          <inkml:channel name="X" type="integer" min="-2.14748E9" max="2.14748E9" units="cm"/>
+          <inkml:channel name="Y" type="integer" min="-2.14748E9" max="2.14748E9" units="cm"/>
+          <inkml:channel name="F" type="integer" max="32767" units="dev"/>
+        </inkml:traceFormat>
+        <inkml:channelProperties>
+          <inkml:channelProperty channel="X" name="resolution" value="1000" units="1/cm"/>
+          <inkml:channelProperty channel="Y" name="resolution" value="1000" units="1/cm"/>
+          <inkml:channelProperty channel="F" name="resolution" value="0" units="1/dev"/>
+        </inkml:channelProperties>
+      </inkml:inkSource>
+      <inkml:timestamp xml:id="ts0" timeString="2023-11-15T03:25:08.332"/>
+    </inkml:context>
+    <inkml:brush xml:id="br0">
+      <inkml:brushProperty name="width" value="0.05" units="cm"/>
+      <inkml:brushProperty name="height" value="0.05" units="cm"/>
+    </inkml:brush>
+  </inkml:definitions>
+  <inkml:trace contextRef="#ctx0" brushRef="#br0">1 1 24575,'12'0'0,"4"0"0,2 0 0,12 3 0,-2 5 0,6 1 0,-3 5 0,-5-3 0,3 4 0,-2-3 0,-1 2 0,0-6 0,-8 5 0,-1-5 0,-4 1 0,0-2 0,-2-1 0,-2 1 0,-3-1 0,0 0 0,1 1 0,-1-4 0,0 2 0,0-1 0,-2 2 0,1-3 0,-4 0 0,1-3 0</inkml:trace>
+</inkml:ink>
+</file>
+
+<file path=ppt/ink/ink27.xml><?xml version="1.0" encoding="utf-8"?>
+<inkml:ink xmlns:inkml="http://www.w3.org/2003/InkML">
+  <inkml:definitions>
+    <inkml:context xml:id="ctx0">
+      <inkml:inkSource xml:id="inkSrc0">
+        <inkml:traceFormat>
+          <inkml:channel name="X" type="integer" min="-2.14748E9" max="2.14748E9" units="cm"/>
+          <inkml:channel name="Y" type="integer" min="-2.14748E9" max="2.14748E9" units="cm"/>
+          <inkml:channel name="F" type="integer" max="32767" units="dev"/>
+        </inkml:traceFormat>
+        <inkml:channelProperties>
+          <inkml:channelProperty channel="X" name="resolution" value="1000" units="1/cm"/>
+          <inkml:channelProperty channel="Y" name="resolution" value="1000" units="1/cm"/>
+          <inkml:channelProperty channel="F" name="resolution" value="0" units="1/dev"/>
+        </inkml:channelProperties>
+      </inkml:inkSource>
+      <inkml:timestamp xml:id="ts0" timeString="2023-11-15T03:25:08.333"/>
+    </inkml:context>
+    <inkml:brush xml:id="br0">
+      <inkml:brushProperty name="width" value="0.05" units="cm"/>
+      <inkml:brushProperty name="height" value="0.05" units="cm"/>
+    </inkml:brush>
+  </inkml:definitions>
+  <inkml:trace contextRef="#ctx0" brushRef="#br0">0 1 24575,'13'0'0,"48"0"0,-15 0 0,39 0 0,-39 0 0,4 0 0,1 0 0,1 0 0,4 0 0,-10 0 0,-1 0 0,-9 0 0,-1 0 0,-5 0 0,-3 0 0,-2 0 0,-4 0 0,1 0 0,-4 0 0,2 0 0,-2 0 0,0 0 0,3 0 0,-7 0 0,13 0 0,-11 0 0,7 0 0,-10 0 0,4 0 0,-3 0 0,0 0 0,-1 0 0,-3 0 0,3 3 0,-2-3 0,1 3 0,-5 0 0,3-2 0,-4 2 0,3-3 0,-2 0 0,3 0 0,-1 0 0,-2 0 0,3 0 0,-1 0 0,-2 0 0,3 0 0,-4 0 0,0 0 0,0 0 0,0 2 0,1-1 0,-1 2 0,0-3 0,0 0 0,0 0 0,0 0 0,-2 3 0,1-3 0,-1 3 0,2-3 0,0 0 0,0 0 0,-2 3 0,1-3 0,-2 3 0,4-3 0,-1 0 0,0 0 0,0 0 0,0 0 0,0 0 0,0 0 0,1 0 0,-1 0 0,0 0 0,0 0 0,0 0 0,0 0 0,0 0 0,1 0 0,-1 0 0,0 0 0,0 0 0,0 0 0,0 0 0,0 0 0,0 0 0,0 0 0,0 0 0,0 0 0,0 0 0,-3 3 0,3-2 0,-5 1 0,1-2 0</inkml:trace>
+</inkml:ink>
+</file>
+
+<file path=ppt/ink/ink28.xml><?xml version="1.0" encoding="utf-8"?>
+<inkml:ink xmlns:inkml="http://www.w3.org/2003/InkML">
+  <inkml:definitions>
+    <inkml:context xml:id="ctx0">
+      <inkml:inkSource xml:id="inkSrc0">
+        <inkml:traceFormat>
+          <inkml:channel name="X" type="integer" min="-2.14748E9" max="2.14748E9" units="cm"/>
+          <inkml:channel name="Y" type="integer" min="-2.14748E9" max="2.14748E9" units="cm"/>
+          <inkml:channel name="F" type="integer" max="32767" units="dev"/>
+        </inkml:traceFormat>
+        <inkml:channelProperties>
+          <inkml:channelProperty channel="X" name="resolution" value="1000" units="1/cm"/>
+          <inkml:channelProperty channel="Y" name="resolution" value="1000" units="1/cm"/>
+          <inkml:channelProperty channel="F" name="resolution" value="0" units="1/dev"/>
+        </inkml:channelProperties>
+      </inkml:inkSource>
+      <inkml:timestamp xml:id="ts0" timeString="2023-11-15T03:25:08.334"/>
+    </inkml:context>
+    <inkml:brush xml:id="br0">
+      <inkml:brushProperty name="width" value="0.05" units="cm"/>
+      <inkml:brushProperty name="height" value="0.05" units="cm"/>
+    </inkml:brush>
+  </inkml:definitions>
+  <inkml:trace contextRef="#ctx0" brushRef="#br0">1 131 24575,'9'0'0,"1"0"0,0 0 0,2-3 0,-5 0 0,6-4 0,-3 0 0,3-2 0,1 1 0,-1-2 0,1 0 0,-1 3 0,-3-3 0,3 4 0,-6-1 0,2 3 0,-2-1 0,-1 1 0,0 1 0,0-3 0,0 3 0,-2-3 0,-1 0 0,-3 2 0,0 1 0</inkml:trace>
+</inkml:ink>
+</file>
+
+<file path=ppt/ink/ink29.xml><?xml version="1.0" encoding="utf-8"?>
+<inkml:ink xmlns:inkml="http://www.w3.org/2003/InkML">
+  <inkml:definitions>
+    <inkml:context xml:id="ctx0">
+      <inkml:inkSource xml:id="inkSrc0">
+        <inkml:traceFormat>
+          <inkml:channel name="X" type="integer" min="-2.14748E9" max="2.14748E9" units="cm"/>
+          <inkml:channel name="Y" type="integer" min="-2.14748E9" max="2.14748E9" units="cm"/>
+          <inkml:channel name="F" type="integer" max="32767" units="dev"/>
+        </inkml:traceFormat>
+        <inkml:channelProperties>
+          <inkml:channelProperty channel="X" name="resolution" value="1000" units="1/cm"/>
+          <inkml:channelProperty channel="Y" name="resolution" value="1000" units="1/cm"/>
+          <inkml:channelProperty channel="F" name="resolution" value="0" units="1/dev"/>
+        </inkml:channelProperties>
+      </inkml:inkSource>
+      <inkml:timestamp xml:id="ts0" timeString="2023-11-15T03:25:08.335"/>
+    </inkml:context>
+    <inkml:brush xml:id="br0">
+      <inkml:brushProperty name="width" value="0.05" units="cm"/>
+      <inkml:brushProperty name="height" value="0.05" units="cm"/>
+    </inkml:brush>
+  </inkml:definitions>
+  <inkml:trace contextRef="#ctx0" brushRef="#br0">0 0 24575,'13'0'0,"2"3"0,14 5 0,-12-3 0,20 13 0,-7-5 0,3 6 0,-2-5 0,-10 0 0,-7-10 0,3 9 0,-7-9 0,3 6 0,-6-4 0,3 0 0,-4-2 0,0-1 0,-3-6 0,0-1 0,-3-2 0,0 3 0,0 0 0</inkml:trace>
+</inkml:ink>
+</file>
+
+<file path=ppt/ink/ink3.xml><?xml version="1.0" encoding="utf-8"?>
+<inkml:ink xmlns:inkml="http://www.w3.org/2003/InkML">
+  <inkml:definitions>
+    <inkml:context xml:id="ctx0">
+      <inkml:inkSource xml:id="inkSrc0">
+        <inkml:traceFormat>
+          <inkml:channel name="X" type="integer" min="-2.14748E9" max="2.14748E9" units="cm"/>
+          <inkml:channel name="Y" type="integer" min="-2.14748E9" max="2.14748E9" units="cm"/>
+          <inkml:channel name="F" type="integer" max="32767" units="dev"/>
+        </inkml:traceFormat>
+        <inkml:channelProperties>
+          <inkml:channelProperty channel="X" name="resolution" value="1000" units="1/cm"/>
+          <inkml:channelProperty channel="Y" name="resolution" value="1000" units="1/cm"/>
+          <inkml:channelProperty channel="F" name="resolution" value="0" units="1/dev"/>
+        </inkml:channelProperties>
+      </inkml:inkSource>
+      <inkml:timestamp xml:id="ts0" timeString="2023-11-15T03:22:45.025"/>
+    </inkml:context>
+    <inkml:brush xml:id="br0">
+      <inkml:brushProperty name="width" value="0.05" units="cm"/>
+      <inkml:brushProperty name="height" value="0.05" units="cm"/>
+    </inkml:brush>
+  </inkml:definitions>
+  <inkml:trace contextRef="#ctx0" brushRef="#br0">0 0 24575,'27'0'0,"45"0"0,-26 0 0,27 0 0,-43 0 0,-3 0 0,-4 0 0,5 0 0,-3 0 0,6 0 0,5 0 0,9 0 0,-8 0 0,11 0 0,-6 0 0,4 0 0,4 0 0,-13 0 0,2 0 0,-12 0 0,-2 0 0,-3 0 0,-1 0 0,1 0 0,3 0 0,-2 0 0,6 0 0,-7 0 0,4 0 0,-5 0 0,1 0 0,-1 0 0,-3 0 0,3 0 0,-7 0 0,7 0 0,-7 0 0,3 0 0,-7 0 0,3 0 0,-6 0 0,6 0 0,-6 0 0,2 0 0,-3 0 0,0 0 0,1 0 0,-1 0 0,0 0 0,0 0 0,0 0 0,4 0 0,-3 0 0,2 0 0,-3 0 0,1 0 0,-1 0 0,0 0 0,0 0 0,0 0 0,0 0 0,0 0 0,1 0 0,-1 0 0,0 0 0,0 0 0,1 0 0,1 0 0,-1 3 0,2-2 0,-3 2 0,1-3 0,1 0 0,-1 0 0,2 0 0,-3 0 0,0 0 0,0 2 0,-2-1 0,-2 2 0</inkml:trace>
+</inkml:ink>
+</file>
+
+<file path=ppt/ink/ink30.xml><?xml version="1.0" encoding="utf-8"?>
+<inkml:ink xmlns:inkml="http://www.w3.org/2003/InkML">
+  <inkml:definitions>
+    <inkml:context xml:id="ctx0">
+      <inkml:inkSource xml:id="inkSrc0">
+        <inkml:traceFormat>
+          <inkml:channel name="X" type="integer" min="-2.14748E9" max="2.14748E9" units="cm"/>
+          <inkml:channel name="Y" type="integer" min="-2.14748E9" max="2.14748E9" units="cm"/>
+          <inkml:channel name="F" type="integer" max="32767" units="dev"/>
+        </inkml:traceFormat>
+        <inkml:channelProperties>
+          <inkml:channelProperty channel="X" name="resolution" value="1000" units="1/cm"/>
+          <inkml:channelProperty channel="Y" name="resolution" value="1000" units="1/cm"/>
+          <inkml:channelProperty channel="F" name="resolution" value="0" units="1/dev"/>
+        </inkml:channelProperties>
+      </inkml:inkSource>
+      <inkml:timestamp xml:id="ts0" timeString="2023-11-15T03:25:08.336"/>
+    </inkml:context>
+    <inkml:brush xml:id="br0">
+      <inkml:brushProperty name="width" value="0.05" units="cm"/>
+      <inkml:brushProperty name="height" value="0.05" units="cm"/>
+    </inkml:brush>
+  </inkml:definitions>
+  <inkml:trace contextRef="#ctx0" brushRef="#br0">1 1 24575,'20'0'0,"-2"0"0,42 0 0,-16 0 0,20 0 0,-25 0 0,-4 0 0,-4 0 0,4 0 0,-8 0 0,2 0 0,-7 0 0,4 0 0,-5 0 0,5 0 0,-4 0 0,8 0 0,-4 0 0,0 0 0,4 0 0,-4 0 0,4 0 0,-3 0 0,-2 0 0,1 0 0,-4 0 0,0 0 0,-1 0 0,-3 0 0,-1 0 0,1 0 0,-5 0 0,0 0 0,1 0 0,-4 0 0,3 0 0,-3 0 0,0 0 0,3 0 0,-6 0 0,5 0 0,-5 0 0,6 0 0,-6 0 0,6 0 0,-6 0 0,8 0 0,-7 0 0,7 0 0,-8 0 0,3 0 0,-1 0 0,-2 0 0,2 0 0,-2 0 0,2 0 0,-2 0 0,3 0 0,-4 0 0,0 0 0,0 0 0,1 0 0,-1 0 0,0 0 0,0 0 0,0 0 0,1 0 0,-1 0 0,0 0 0,0 0 0,1 0 0,2 0 0,-2 0 0,2 0 0,-2 0 0,-1 0 0,3 0 0,-2 0 0,2 0 0,-3 0 0,0 0 0,0 0 0,1 0 0,-1 0 0,0 0 0,0 0 0,-1 0 0,1 0 0,0 0 0,0 0 0,0 0 0,-3 0 0,0 0 0</inkml:trace>
+</inkml:ink>
+</file>
+
+<file path=ppt/ink/ink4.xml><?xml version="1.0" encoding="utf-8"?>
+<inkml:ink xmlns:inkml="http://www.w3.org/2003/InkML">
+  <inkml:definitions>
+    <inkml:context xml:id="ctx0">
+      <inkml:inkSource xml:id="inkSrc0">
+        <inkml:traceFormat>
+          <inkml:channel name="X" type="integer" min="-2.14748E9" max="2.14748E9" units="cm"/>
+          <inkml:channel name="Y" type="integer" min="-2.14748E9" max="2.14748E9" units="cm"/>
+          <inkml:channel name="F" type="integer" max="32767" units="dev"/>
+        </inkml:traceFormat>
+        <inkml:channelProperties>
+          <inkml:channelProperty channel="X" name="resolution" value="1000" units="1/cm"/>
+          <inkml:channelProperty channel="Y" name="resolution" value="1000" units="1/cm"/>
+          <inkml:channelProperty channel="F" name="resolution" value="0" units="1/dev"/>
+        </inkml:channelProperties>
+      </inkml:inkSource>
+      <inkml:timestamp xml:id="ts0" timeString="2023-11-15T03:24:05.312"/>
+    </inkml:context>
+    <inkml:brush xml:id="br0">
+      <inkml:brushProperty name="width" value="0.05" units="cm"/>
+      <inkml:brushProperty name="height" value="0.05" units="cm"/>
+    </inkml:brush>
+  </inkml:definitions>
+  <inkml:trace contextRef="#ctx0" brushRef="#br0">0 1 24575,'20'0'0,"44"0"0,8 0 0,-9 0 0,18 0 0,-3 0 0,-25 0 0,-1 0 0,-6 0 0,16 0 0,-29 0 0,24 0 0,-30 0 0,3 0 0,0 0 0,1 0 0,3 0 0,2 3 0,0-2 0,-1 6 0,-1-6 0,-6 6 0,6-7 0,-12 4 0,0-1 0,-1-3 0,-10 6 0,5-5 0,-9 1 0,6-2 0,-6 0 0,2 3 0,-3-2 0,0 2 0,1-3 0,2 0 0,-2 0 0,6 0 0,-6 0 0,5 0 0,-1 0 0,-1 0 0,2 0 0,-5 0 0,6 0 0,-6 0 0,3 2 0,2-1 0,-5 2 0,6-3 0,-4 0 0,-2 0 0,3 0 0,-4 0 0,0 0 0,0 0 0,0 0 0,1 3 0,-1-3 0,0 3 0,0-3 0,1 0 0,-1 0 0,0 0 0,0 0 0,0 0 0,1 0 0,-1 0 0,0 0 0,0 0 0,0 3 0,0-3 0,0 3 0,0-3 0,0 0 0,4 0 0,-6 0 0,2 0 0</inkml:trace>
+</inkml:ink>
+</file>
+
+<file path=ppt/ink/ink5.xml><?xml version="1.0" encoding="utf-8"?>
+<inkml:ink xmlns:inkml="http://www.w3.org/2003/InkML">
+  <inkml:definitions>
+    <inkml:context xml:id="ctx0">
+      <inkml:inkSource xml:id="inkSrc0">
+        <inkml:traceFormat>
+          <inkml:channel name="X" type="integer" min="-2.14748E9" max="2.14748E9" units="cm"/>
+          <inkml:channel name="Y" type="integer" min="-2.14748E9" max="2.14748E9" units="cm"/>
+          <inkml:channel name="F" type="integer" max="32767" units="dev"/>
+        </inkml:traceFormat>
+        <inkml:channelProperties>
+          <inkml:channelProperty channel="X" name="resolution" value="1000" units="1/cm"/>
+          <inkml:channelProperty channel="Y" name="resolution" value="1000" units="1/cm"/>
+          <inkml:channelProperty channel="F" name="resolution" value="0" units="1/dev"/>
+        </inkml:channelProperties>
+      </inkml:inkSource>
+      <inkml:timestamp xml:id="ts0" timeString="2023-11-15T03:24:06.742"/>
+    </inkml:context>
+    <inkml:brush xml:id="br0">
+      <inkml:brushProperty name="width" value="0.05" units="cm"/>
+      <inkml:brushProperty name="height" value="0.05" units="cm"/>
+    </inkml:brush>
+  </inkml:definitions>
+  <inkml:trace contextRef="#ctx0" brushRef="#br0">1 1 21516,'17'0'0,"13"0"1468,25 0-1468,19 0 0,-19 0 0,2 0 0,28 0 0,-18 0 0,0 0 0,26 0 0,-37 0 0,-1 0 516,26 0-516,8 0 0,-33 0 0,12 0 0,-21 0 263,-3 0-263,-17 0 812,0 0-812,-10 0 0,-7 0 0,-1 0 0,-2 0 0,-1 0 0,0 0 0,0 0 0,0 0 0,1 0 0,-1 0 0,0 0 0,0 0 0,0 0 0,0 0 0,0 0 0,4 0 0,0 0 0,4 0 0,-4 0 0,-1 0 0,1 0 0,-3 0 0,2 0 0,-3 0 0,1 0 0,-4 0 0,0 0 0</inkml:trace>
+</inkml:ink>
+</file>
+
+<file path=ppt/ink/ink6.xml><?xml version="1.0" encoding="utf-8"?>
+<inkml:ink xmlns:inkml="http://www.w3.org/2003/InkML">
+  <inkml:definitions>
+    <inkml:context xml:id="ctx0">
+      <inkml:inkSource xml:id="inkSrc0">
+        <inkml:traceFormat>
+          <inkml:channel name="X" type="integer" min="-2.14748E9" max="2.14748E9" units="cm"/>
+          <inkml:channel name="Y" type="integer" min="-2.14748E9" max="2.14748E9" units="cm"/>
+          <inkml:channel name="F" type="integer" max="32767" units="dev"/>
+        </inkml:traceFormat>
+        <inkml:channelProperties>
+          <inkml:channelProperty channel="X" name="resolution" value="1000" units="1/cm"/>
+          <inkml:channelProperty channel="Y" name="resolution" value="1000" units="1/cm"/>
+          <inkml:channelProperty channel="F" name="resolution" value="0" units="1/dev"/>
+        </inkml:channelProperties>
+      </inkml:inkSource>
+      <inkml:timestamp xml:id="ts0" timeString="2023-11-15T03:24:08.446"/>
+    </inkml:context>
+    <inkml:brush xml:id="br0">
+      <inkml:brushProperty name="width" value="0.05" units="cm"/>
+      <inkml:brushProperty name="height" value="0.05" units="cm"/>
+    </inkml:brush>
+  </inkml:definitions>
+  <inkml:trace contextRef="#ctx0" brushRef="#br0">1 1 24575,'17'0'0,"11"0"0,25 0 0,17 0 0,6 0 0,17 0 0,-9 0-602,10 0 602,-12 0 0,-16 0 148,-1 0-148,-12 0 0,-5 0 0,1 0 0,-22 0 0,3 0 454,-4 0-454,-8 0 0,7 0 0,-11 0 0,7 0 0,1 0 0,0 0 0,4 0 0,-5 0 0,1 0 0,-1 0 0,-3 0 0,3 0 0,-10 0 0,5 0 0,-9 0 0,2 0 0,-2 0 0,-1 0 0,0 0 0,0 0 0,0 0 0,0 0 0,0 0 0,0 0 0,1 0 0,-1 0 0,0 0 0,0 0 0,0 0 0,1 3 0,-1-3 0,0 3 0,0-3 0,-3 0 0,0 0 0</inkml:trace>
+</inkml:ink>
+</file>
+
+<file path=ppt/ink/ink7.xml><?xml version="1.0" encoding="utf-8"?>
+<inkml:ink xmlns:inkml="http://www.w3.org/2003/InkML">
+  <inkml:definitions>
+    <inkml:context xml:id="ctx0">
+      <inkml:inkSource xml:id="inkSrc0">
+        <inkml:traceFormat>
+          <inkml:channel name="X" type="integer" min="-2.14748E9" max="2.14748E9" units="cm"/>
+          <inkml:channel name="Y" type="integer" min="-2.14748E9" max="2.14748E9" units="cm"/>
+          <inkml:channel name="F" type="integer" max="32767" units="dev"/>
+        </inkml:traceFormat>
+        <inkml:channelProperties>
+          <inkml:channelProperty channel="X" name="resolution" value="1000" units="1/cm"/>
+          <inkml:channelProperty channel="Y" name="resolution" value="1000" units="1/cm"/>
+          <inkml:channelProperty channel="F" name="resolution" value="0" units="1/dev"/>
+        </inkml:channelProperties>
+      </inkml:inkSource>
+      <inkml:timestamp xml:id="ts0" timeString="2023-11-15T03:24:20.029"/>
+    </inkml:context>
+    <inkml:brush xml:id="br0">
+      <inkml:brushProperty name="width" value="0.05" units="cm"/>
+      <inkml:brushProperty name="height" value="0.05" units="cm"/>
+    </inkml:brush>
+  </inkml:definitions>
+  <inkml:trace contextRef="#ctx0" brushRef="#br0">226 0 24575,'17'4'0,"2"3"0,42 32 0,-23-10 0,28 22 0,-40-23 0,3-4 0,-5 5 0,-10-15 0,4 11 0,-15-21 0,1 8 0,2-5 0,-3 4 0,4 1 0,-1-1 0,1 2 0,0 0 0,-1 1 0,1-1 0,-3-3 0,2 3 0,-5-6 0,2 3 0,-3-4 0,0 0 0,0 0 0,0 0 0,0 1 0,0-1 0,0 0 0,0 0 0,2 1 0,-1-1 0,2 0 0,-3 0 0,0 0 0,0 1 0,0-1 0,0 0 0,0 0 0,0 1 0,0 5 0,0-4 0,0 4 0,0-6 0,0 0 0,0 0 0,-3 4 0,-1-3 0,-6 2 0,3 1 0,-6-3 0,3 3 0,-1 0 0,-5-3 0,4 6 0,-8-2 0,2 3 0,-9 8 0,5-5 0,-13 9 0,-22 18 0,11-14 0,-11 18 0,18-24 0,6 4 0,-4-3 0,1-1 0,8-1 0,6-11 0,4 5 0,8-10 0,0 3 0,4-7 0,3 0 0,0-3 0</inkml:trace>
+</inkml:ink>
+</file>
+
+<file path=ppt/ink/ink8.xml><?xml version="1.0" encoding="utf-8"?>
+<inkml:ink xmlns:inkml="http://www.w3.org/2003/InkML">
+  <inkml:definitions>
+    <inkml:context xml:id="ctx0">
+      <inkml:inkSource xml:id="inkSrc0">
+        <inkml:traceFormat>
+          <inkml:channel name="X" type="integer" min="-2.14748E9" max="2.14748E9" units="cm"/>
+          <inkml:channel name="Y" type="integer" min="-2.14748E9" max="2.14748E9" units="cm"/>
+          <inkml:channel name="F" type="integer" max="32767" units="dev"/>
+        </inkml:traceFormat>
+        <inkml:channelProperties>
+          <inkml:channelProperty channel="X" name="resolution" value="1000" units="1/cm"/>
+          <inkml:channelProperty channel="Y" name="resolution" value="1000" units="1/cm"/>
+          <inkml:channelProperty channel="F" name="resolution" value="0" units="1/dev"/>
+        </inkml:channelProperties>
+      </inkml:inkSource>
+      <inkml:timestamp xml:id="ts0" timeString="2023-11-15T03:24:22.113"/>
+    </inkml:context>
+    <inkml:brush xml:id="br0">
+      <inkml:brushProperty name="width" value="0.05" units="cm"/>
+      <inkml:brushProperty name="height" value="0.05" units="cm"/>
+    </inkml:brush>
+  </inkml:definitions>
+  <inkml:trace contextRef="#ctx0" brushRef="#br0">61 7 24575,'2'-4'0,"9"2"0,0 2 0,23 0 0,-13 6 0,10-2 0,-10 7 0,-3-4 0,-4-1 0,-1 1 0,-6-1 0,-1 0 0,0 1 0,0-1 0,1 0 0,-1 0 0,0 1 0,0 2 0,4 1 0,-3 0 0,6 3 0,-6-3 0,6 4 0,-6-4 0,6 3 0,-6-6 0,2 2 0,0-3 0,-2 1 0,3-1 0,-4 0 0,0 1 0,-2-1 0,1 0 0,-4 0 0,2 0 0,-3 1 0,0-1 0,0 0 0,-6 0 0,-1 0 0,-6-2 0,-4 2 0,2-3 0,-2 4 0,0 0 0,2 0 0,-2 0 0,7-1 0,-3 1 0,3 0 0,0-1 0,0 0 0,1 1 0,1-4 0,-4 3 0,5-5 0,-6 5 0,3-5 0,-4 5 0,4-5 0,-3 5 0,3-6 0,-4 6 0,1-5 0,-1 5 0,1-5 0,-1 5 0,4-6 0,-3 6 0,3-5 0,-1 5 0,2-5 0,3 1 0,-1-2 0,4 3 0,0-2 0,3 1 0</inkml:trace>
+</inkml:ink>
+</file>
+
+<file path=ppt/ink/ink9.xml><?xml version="1.0" encoding="utf-8"?>
+<inkml:ink xmlns:inkml="http://www.w3.org/2003/InkML">
+  <inkml:definitions>
+    <inkml:context xml:id="ctx0">
+      <inkml:inkSource xml:id="inkSrc0">
+        <inkml:traceFormat>
+          <inkml:channel name="X" type="integer" min="-2.14748E9" max="2.14748E9" units="cm"/>
+          <inkml:channel name="Y" type="integer" min="-2.14748E9" max="2.14748E9" units="cm"/>
+          <inkml:channel name="F" type="integer" max="32767" units="dev"/>
+        </inkml:traceFormat>
+        <inkml:channelProperties>
+          <inkml:channelProperty channel="X" name="resolution" value="1000" units="1/cm"/>
+          <inkml:channelProperty channel="Y" name="resolution" value="1000" units="1/cm"/>
+          <inkml:channelProperty channel="F" name="resolution" value="0" units="1/dev"/>
+        </inkml:channelProperties>
+      </inkml:inkSource>
+      <inkml:timestamp xml:id="ts0" timeString="2023-11-15T03:24:24.492"/>
+    </inkml:context>
+    <inkml:brush xml:id="br0">
+      <inkml:brushProperty name="width" value="0.05" units="cm"/>
+      <inkml:brushProperty name="height" value="0.05" units="cm"/>
+    </inkml:brush>
+  </inkml:definitions>
+  <inkml:trace contextRef="#ctx0" brushRef="#br0">107 1 24575,'6'0'0,"7"0"0,2 0 0,6 3 0,5 4 0,-4 1 0,4 6 0,-8-6 0,-1 5 0,-4-9 0,-3 5 0,0-5 0,-4 2 0,0 0 0,0-2 0,1 1 0,-1-4 0,0 4 0,0-1 0,0-1 0,0 3 0,1-6 0,-1 6 0,0-3 0,0 1 0,1 1 0,-1-1 0,-3 2 0,3-3 0,-5 3 0,1-3 0,-2 3 0,0 0 0,0 0 0,0 1 0,0-1 0,0 0 0,0 0 0,-3 0 0,-3-3 0,-1 3 0,-6-2 0,3 2 0,-1 1 0,-1-1 0,1 1 0,-2 0 0,2-1 0,-1 4 0,5-3 0,-6 5 0,5-1 0,-1 2 0,-1 4 0,2-3 0,-6 7 0,6-3 0,-6 7 0,3-2 0,-4 6 0,1-6 0,-1 2 0,0 0 0,3 2 0,-2-1 0,3 0 0,0-5 0,-3 1 0,6-1 0,-5-3 0,5-1 0,-1-7 0,2 3 0,3-6 0,-1 2 0,1-5 0,-2-1 0,-1-3 0,4 0 0,0 0 0</inkml:trace>
+</inkml:ink>
+</file>
+
 <file path=ppt/notesMasters/notesMaster1.xml><?xml version="1.0" encoding="utf-8"?>
 <p:notesMaster xmlns:a="http://schemas.openxmlformats.org/drawingml/2006/main" xmlns:r="http://schemas.openxmlformats.org/officeDocument/2006/relationships" xmlns:p="http://schemas.openxmlformats.org/presentationml/2006/main">
   <p:cSld>
@@ -305,7 +1009,7 @@
           </a:lstStyle>
           <a:p>
             <a:fld id="{7258A54E-126E-9F44-BB91-7E6D295A013E}" type="datetimeFigureOut">
-              <a:t>11/9/23</a:t>
+              <a:t>11/14/23</a:t>
             </a:fld>
             <a:endParaRPr lang="en-US"/>
           </a:p>
@@ -654,6 +1358,172 @@
 </p:notes>
 </file>
 
+<file path=ppt/notesSlides/notesSlide2.xml><?xml version="1.0" encoding="utf-8"?>
+<p:notes xmlns:a="http://schemas.openxmlformats.org/drawingml/2006/main" xmlns:r="http://schemas.openxmlformats.org/officeDocument/2006/relationships" xmlns:p="http://schemas.openxmlformats.org/presentationml/2006/main">
+  <p:cSld>
+    <p:spTree>
+      <p:nvGrpSpPr>
+        <p:cNvPr id="1" name=""/>
+        <p:cNvGrpSpPr/>
+        <p:nvPr/>
+      </p:nvGrpSpPr>
+      <p:grpSpPr>
+        <a:xfrm>
+          <a:off x="0" y="0"/>
+          <a:ext cx="0" cy="0"/>
+          <a:chOff x="0" y="0"/>
+          <a:chExt cx="0" cy="0"/>
+        </a:xfrm>
+      </p:grpSpPr>
+      <p:sp>
+        <p:nvSpPr>
+          <p:cNvPr id="2" name="Slide Image Placeholder 1"/>
+          <p:cNvSpPr>
+            <a:spLocks noGrp="1" noRot="1" noChangeAspect="1"/>
+          </p:cNvSpPr>
+          <p:nvPr>
+            <p:ph type="sldImg"/>
+          </p:nvPr>
+        </p:nvSpPr>
+        <p:spPr/>
+      </p:sp>
+      <p:sp>
+        <p:nvSpPr>
+          <p:cNvPr id="3" name="Notes Placeholder 2"/>
+          <p:cNvSpPr>
+            <a:spLocks noGrp="1"/>
+          </p:cNvSpPr>
+          <p:nvPr>
+            <p:ph type="body" idx="1"/>
+          </p:nvPr>
+        </p:nvSpPr>
+        <p:spPr/>
+        <p:txBody>
+          <a:bodyPr/>
+          <a:lstStyle/>
+          <a:p>
+            <a:endParaRPr lang="en-US"/>
+          </a:p>
+        </p:txBody>
+      </p:sp>
+      <p:sp>
+        <p:nvSpPr>
+          <p:cNvPr id="4" name="Slide Number Placeholder 3"/>
+          <p:cNvSpPr>
+            <a:spLocks noGrp="1"/>
+          </p:cNvSpPr>
+          <p:nvPr>
+            <p:ph type="sldNum" sz="quarter" idx="5"/>
+          </p:nvPr>
+        </p:nvSpPr>
+        <p:spPr/>
+        <p:txBody>
+          <a:bodyPr/>
+          <a:lstStyle/>
+          <a:p>
+            <a:fld id="{01B7AB9F-F68F-EB40-AB1E-7E27BB726B65}" type="slidenum">
+              <a:t>3</a:t>
+            </a:fld>
+            <a:endParaRPr lang="en-US"/>
+          </a:p>
+        </p:txBody>
+      </p:sp>
+    </p:spTree>
+    <p:extLst>
+      <p:ext uri="{BB962C8B-B14F-4D97-AF65-F5344CB8AC3E}">
+        <p14:creationId xmlns:p14="http://schemas.microsoft.com/office/powerpoint/2010/main" val="3515844594"/>
+      </p:ext>
+    </p:extLst>
+  </p:cSld>
+  <p:clrMapOvr>
+    <a:masterClrMapping/>
+  </p:clrMapOvr>
+</p:notes>
+</file>
+
+<file path=ppt/notesSlides/notesSlide3.xml><?xml version="1.0" encoding="utf-8"?>
+<p:notes xmlns:a="http://schemas.openxmlformats.org/drawingml/2006/main" xmlns:r="http://schemas.openxmlformats.org/officeDocument/2006/relationships" xmlns:p="http://schemas.openxmlformats.org/presentationml/2006/main">
+  <p:cSld>
+    <p:spTree>
+      <p:nvGrpSpPr>
+        <p:cNvPr id="1" name=""/>
+        <p:cNvGrpSpPr/>
+        <p:nvPr/>
+      </p:nvGrpSpPr>
+      <p:grpSpPr>
+        <a:xfrm>
+          <a:off x="0" y="0"/>
+          <a:ext cx="0" cy="0"/>
+          <a:chOff x="0" y="0"/>
+          <a:chExt cx="0" cy="0"/>
+        </a:xfrm>
+      </p:grpSpPr>
+      <p:sp>
+        <p:nvSpPr>
+          <p:cNvPr id="2" name="Slide Image Placeholder 1"/>
+          <p:cNvSpPr>
+            <a:spLocks noGrp="1" noRot="1" noChangeAspect="1"/>
+          </p:cNvSpPr>
+          <p:nvPr>
+            <p:ph type="sldImg"/>
+          </p:nvPr>
+        </p:nvSpPr>
+        <p:spPr/>
+      </p:sp>
+      <p:sp>
+        <p:nvSpPr>
+          <p:cNvPr id="3" name="Notes Placeholder 2"/>
+          <p:cNvSpPr>
+            <a:spLocks noGrp="1"/>
+          </p:cNvSpPr>
+          <p:nvPr>
+            <p:ph type="body" idx="1"/>
+          </p:nvPr>
+        </p:nvSpPr>
+        <p:spPr/>
+        <p:txBody>
+          <a:bodyPr/>
+          <a:lstStyle/>
+          <a:p>
+            <a:endParaRPr lang="en-US"/>
+          </a:p>
+        </p:txBody>
+      </p:sp>
+      <p:sp>
+        <p:nvSpPr>
+          <p:cNvPr id="4" name="Slide Number Placeholder 3"/>
+          <p:cNvSpPr>
+            <a:spLocks noGrp="1"/>
+          </p:cNvSpPr>
+          <p:nvPr>
+            <p:ph type="sldNum" sz="quarter" idx="5"/>
+          </p:nvPr>
+        </p:nvSpPr>
+        <p:spPr/>
+        <p:txBody>
+          <a:bodyPr/>
+          <a:lstStyle/>
+          <a:p>
+            <a:fld id="{01B7AB9F-F68F-EB40-AB1E-7E27BB726B65}" type="slidenum">
+              <a:t>4</a:t>
+            </a:fld>
+            <a:endParaRPr lang="en-US"/>
+          </a:p>
+        </p:txBody>
+      </p:sp>
+    </p:spTree>
+    <p:extLst>
+      <p:ext uri="{BB962C8B-B14F-4D97-AF65-F5344CB8AC3E}">
+        <p14:creationId xmlns:p14="http://schemas.microsoft.com/office/powerpoint/2010/main" val="3868937174"/>
+      </p:ext>
+    </p:extLst>
+  </p:cSld>
+  <p:clrMapOvr>
+    <a:masterClrMapping/>
+  </p:clrMapOvr>
+</p:notes>
+</file>
+
 <file path=ppt/slideLayouts/slideLayout1.xml><?xml version="1.0" encoding="utf-8"?>
 <p:sldLayout xmlns:a="http://schemas.openxmlformats.org/drawingml/2006/main" xmlns:r="http://schemas.openxmlformats.org/officeDocument/2006/relationships" xmlns:p="http://schemas.openxmlformats.org/presentationml/2006/main" type="title" preserve="1">
   <p:cSld name="Title Slide">
@@ -800,7 +1670,7 @@
           <a:lstStyle/>
           <a:p>
             <a:fld id="{814779F6-DF54-A74A-B093-E4E0AB693425}" type="datetimeFigureOut">
-              <a:t>11/9/23</a:t>
+              <a:t>11/14/23</a:t>
             </a:fld>
             <a:endParaRPr lang="en-US"/>
           </a:p>
@@ -996,7 +1866,7 @@
           <a:lstStyle/>
           <a:p>
             <a:fld id="{814779F6-DF54-A74A-B093-E4E0AB693425}" type="datetimeFigureOut">
-              <a:t>11/9/23</a:t>
+              <a:t>11/14/23</a:t>
             </a:fld>
             <a:endParaRPr lang="en-US"/>
           </a:p>
@@ -1202,7 +2072,7 @@
           <a:lstStyle/>
           <a:p>
             <a:fld id="{814779F6-DF54-A74A-B093-E4E0AB693425}" type="datetimeFigureOut">
-              <a:t>11/9/23</a:t>
+              <a:t>11/14/23</a:t>
             </a:fld>
             <a:endParaRPr lang="en-US"/>
           </a:p>
@@ -1398,7 +2268,7 @@
           <a:lstStyle/>
           <a:p>
             <a:fld id="{814779F6-DF54-A74A-B093-E4E0AB693425}" type="datetimeFigureOut">
-              <a:t>11/9/23</a:t>
+              <a:t>11/14/23</a:t>
             </a:fld>
             <a:endParaRPr lang="en-US"/>
           </a:p>
@@ -1671,7 +2541,7 @@
           <a:lstStyle/>
           <a:p>
             <a:fld id="{814779F6-DF54-A74A-B093-E4E0AB693425}" type="datetimeFigureOut">
-              <a:t>11/9/23</a:t>
+              <a:t>11/14/23</a:t>
             </a:fld>
             <a:endParaRPr lang="en-US"/>
           </a:p>
@@ -1934,7 +2804,7 @@
           <a:lstStyle/>
           <a:p>
             <a:fld id="{814779F6-DF54-A74A-B093-E4E0AB693425}" type="datetimeFigureOut">
-              <a:t>11/9/23</a:t>
+              <a:t>11/14/23</a:t>
             </a:fld>
             <a:endParaRPr lang="en-US"/>
           </a:p>
@@ -2344,7 +3214,7 @@
           <a:lstStyle/>
           <a:p>
             <a:fld id="{814779F6-DF54-A74A-B093-E4E0AB693425}" type="datetimeFigureOut">
-              <a:t>11/9/23</a:t>
+              <a:t>11/14/23</a:t>
             </a:fld>
             <a:endParaRPr lang="en-US"/>
           </a:p>
@@ -2483,7 +3353,7 @@
           <a:lstStyle/>
           <a:p>
             <a:fld id="{814779F6-DF54-A74A-B093-E4E0AB693425}" type="datetimeFigureOut">
-              <a:t>11/9/23</a:t>
+              <a:t>11/14/23</a:t>
             </a:fld>
             <a:endParaRPr lang="en-US"/>
           </a:p>
@@ -2594,7 +3464,7 @@
           <a:lstStyle/>
           <a:p>
             <a:fld id="{814779F6-DF54-A74A-B093-E4E0AB693425}" type="datetimeFigureOut">
-              <a:t>11/9/23</a:t>
+              <a:t>11/14/23</a:t>
             </a:fld>
             <a:endParaRPr lang="en-US"/>
           </a:p>
@@ -2903,7 +3773,7 @@
           <a:lstStyle/>
           <a:p>
             <a:fld id="{814779F6-DF54-A74A-B093-E4E0AB693425}" type="datetimeFigureOut">
-              <a:t>11/9/23</a:t>
+              <a:t>11/14/23</a:t>
             </a:fld>
             <a:endParaRPr lang="en-US"/>
           </a:p>
@@ -3189,7 +4059,7 @@
           <a:lstStyle/>
           <a:p>
             <a:fld id="{814779F6-DF54-A74A-B093-E4E0AB693425}" type="datetimeFigureOut">
-              <a:t>11/9/23</a:t>
+              <a:t>11/14/23</a:t>
             </a:fld>
             <a:endParaRPr lang="en-US"/>
           </a:p>
@@ -3428,7 +4298,7 @@
           </a:lstStyle>
           <a:p>
             <a:fld id="{814779F6-DF54-A74A-B093-E4E0AB693425}" type="datetimeFigureOut">
-              <a:t>11/9/23</a:t>
+              <a:t>11/14/23</a:t>
             </a:fld>
             <a:endParaRPr lang="en-US"/>
           </a:p>
@@ -3917,7 +4787,7 @@
         </p:nvSpPr>
         <p:spPr>
           <a:xfrm>
-            <a:off x="3246323" y="501041"/>
+            <a:off x="3214216" y="1431541"/>
             <a:ext cx="1929009" cy="776613"/>
           </a:xfrm>
           <a:prstGeom prst="rect">
@@ -3976,7 +4846,7 @@
         </p:nvSpPr>
         <p:spPr>
           <a:xfrm>
-            <a:off x="5728559" y="501041"/>
+            <a:off x="5696452" y="1431541"/>
             <a:ext cx="1929009" cy="776613"/>
           </a:xfrm>
           <a:prstGeom prst="rect">
@@ -4188,8 +5058,8 @@
           </a:p>
         </p:txBody>
       </p:sp>
-      <mc:AlternateContent xmlns:mc="http://schemas.openxmlformats.org/markup-compatibility/2006" xmlns:p14="http://schemas.microsoft.com/office/powerpoint/2010/main">
-        <mc:Choice Requires="p14">
+      <mc:AlternateContent xmlns:mc="http://schemas.openxmlformats.org/markup-compatibility/2006">
+        <mc:Choice xmlns:p14="http://schemas.microsoft.com/office/powerpoint/2010/main" Requires="p14">
           <p:contentPart p14:bwMode="auto" r:id="rId2">
             <p14:nvContentPartPr>
               <p14:cNvPr id="15" name="Ink 14">
@@ -4203,12 +5073,12 @@
               <p14:nvPr/>
             </p14:nvContentPartPr>
             <p14:xfrm>
-              <a:off x="5194046" y="860486"/>
+              <a:off x="5161939" y="1790986"/>
               <a:ext cx="555120" cy="11160"/>
             </p14:xfrm>
           </p:contentPart>
         </mc:Choice>
-        <mc:Fallback xmlns="">
+        <mc:Fallback>
           <p:pic>
             <p:nvPicPr>
               <p:cNvPr id="15" name="Ink 14">
@@ -4229,7 +5099,7 @@
             </p:blipFill>
             <p:spPr>
               <a:xfrm>
-                <a:off x="5185406" y="851486"/>
+                <a:off x="5152939" y="1781986"/>
                 <a:ext cx="572760" cy="28800"/>
               </a:xfrm>
               <a:prstGeom prst="rect">
@@ -4253,7 +5123,7 @@
         </p:nvSpPr>
         <p:spPr>
           <a:xfrm>
-            <a:off x="5728557" y="1422446"/>
+            <a:off x="5696450" y="2352946"/>
             <a:ext cx="1929009" cy="776613"/>
           </a:xfrm>
           <a:prstGeom prst="rect">
@@ -4371,7 +5241,7 @@
         </p:nvSpPr>
         <p:spPr>
           <a:xfrm>
-            <a:off x="3246321" y="1431541"/>
+            <a:off x="3214214" y="2362041"/>
             <a:ext cx="1929009" cy="776613"/>
           </a:xfrm>
           <a:prstGeom prst="rect">
@@ -4416,132 +5286,9 @@
           </a:p>
         </p:txBody>
       </p:sp>
-      <p:grpSp>
-        <p:nvGrpSpPr>
-          <p:cNvPr id="21" name="Group 20">
-            <a:extLst>
-              <a:ext uri="{FF2B5EF4-FFF2-40B4-BE49-F238E27FC236}">
-                <a16:creationId xmlns:a16="http://schemas.microsoft.com/office/drawing/2014/main" id="{65C450A4-071B-33A9-A789-7DAC0E9EBAB9}"/>
-              </a:ext>
-            </a:extLst>
-          </p:cNvPr>
-          <p:cNvGrpSpPr/>
-          <p:nvPr/>
-        </p:nvGrpSpPr>
-        <p:grpSpPr>
-          <a:xfrm>
-            <a:off x="2697446" y="976406"/>
-            <a:ext cx="578520" cy="1850040"/>
-            <a:chOff x="2697446" y="976406"/>
-            <a:chExt cx="578520" cy="1850040"/>
-          </a:xfrm>
-        </p:grpSpPr>
-        <mc:AlternateContent xmlns:mc="http://schemas.openxmlformats.org/markup-compatibility/2006" xmlns:p14="http://schemas.microsoft.com/office/powerpoint/2010/main">
-          <mc:Choice Requires="p14">
-            <p:contentPart p14:bwMode="auto" r:id="rId4">
-              <p14:nvContentPartPr>
-                <p14:cNvPr id="19" name="Ink 18">
-                  <a:extLst>
-                    <a:ext uri="{FF2B5EF4-FFF2-40B4-BE49-F238E27FC236}">
-                      <a16:creationId xmlns:a16="http://schemas.microsoft.com/office/drawing/2014/main" id="{4B5698B7-843A-A4D3-8279-7E8D9D1A3847}"/>
-                    </a:ext>
-                  </a:extLst>
-                </p14:cNvPr>
-                <p14:cNvContentPartPr/>
-                <p14:nvPr/>
-              </p14:nvContentPartPr>
-              <p14:xfrm>
-                <a:off x="2720126" y="976406"/>
-                <a:ext cx="555840" cy="889920"/>
-              </p14:xfrm>
-            </p:contentPart>
-          </mc:Choice>
-          <mc:Fallback xmlns="">
-            <p:pic>
-              <p:nvPicPr>
-                <p:cNvPr id="19" name="Ink 18">
-                  <a:extLst>
-                    <a:ext uri="{FF2B5EF4-FFF2-40B4-BE49-F238E27FC236}">
-                      <a16:creationId xmlns:a16="http://schemas.microsoft.com/office/drawing/2014/main" id="{4B5698B7-843A-A4D3-8279-7E8D9D1A3847}"/>
-                    </a:ext>
-                  </a:extLst>
-                </p:cNvPr>
-                <p:cNvPicPr/>
-                <p:nvPr/>
-              </p:nvPicPr>
-              <p:blipFill>
-                <a:blip r:embed="rId5"/>
-                <a:stretch>
-                  <a:fillRect/>
-                </a:stretch>
-              </p:blipFill>
-              <p:spPr>
-                <a:xfrm>
-                  <a:off x="2711126" y="967766"/>
-                  <a:ext cx="573480" cy="907560"/>
-                </a:xfrm>
-                <a:prstGeom prst="rect">
-                  <a:avLst/>
-                </a:prstGeom>
-              </p:spPr>
-            </p:pic>
-          </mc:Fallback>
-        </mc:AlternateContent>
-        <mc:AlternateContent xmlns:mc="http://schemas.openxmlformats.org/markup-compatibility/2006" xmlns:p14="http://schemas.microsoft.com/office/powerpoint/2010/main">
-          <mc:Choice Requires="p14">
-            <p:contentPart p14:bwMode="auto" r:id="rId6">
-              <p14:nvContentPartPr>
-                <p14:cNvPr id="20" name="Ink 19">
-                  <a:extLst>
-                    <a:ext uri="{FF2B5EF4-FFF2-40B4-BE49-F238E27FC236}">
-                      <a16:creationId xmlns:a16="http://schemas.microsoft.com/office/drawing/2014/main" id="{7172BF08-9E6F-A51E-C926-714C98E3D73E}"/>
-                    </a:ext>
-                  </a:extLst>
-                </p14:cNvPr>
-                <p14:cNvContentPartPr/>
-                <p14:nvPr/>
-              </p14:nvContentPartPr>
-              <p14:xfrm>
-                <a:off x="2697446" y="1968566"/>
-                <a:ext cx="558360" cy="857880"/>
-              </p14:xfrm>
-            </p:contentPart>
-          </mc:Choice>
-          <mc:Fallback xmlns="">
-            <p:pic>
-              <p:nvPicPr>
-                <p:cNvPr id="20" name="Ink 19">
-                  <a:extLst>
-                    <a:ext uri="{FF2B5EF4-FFF2-40B4-BE49-F238E27FC236}">
-                      <a16:creationId xmlns:a16="http://schemas.microsoft.com/office/drawing/2014/main" id="{7172BF08-9E6F-A51E-C926-714C98E3D73E}"/>
-                    </a:ext>
-                  </a:extLst>
-                </p:cNvPr>
-                <p:cNvPicPr/>
-                <p:nvPr/>
-              </p:nvPicPr>
-              <p:blipFill>
-                <a:blip r:embed="rId7"/>
-                <a:stretch>
-                  <a:fillRect/>
-                </a:stretch>
-              </p:blipFill>
-              <p:spPr>
-                <a:xfrm>
-                  <a:off x="2688806" y="1959566"/>
-                  <a:ext cx="576000" cy="875520"/>
-                </a:xfrm>
-                <a:prstGeom prst="rect">
-                  <a:avLst/>
-                </a:prstGeom>
-              </p:spPr>
-            </p:pic>
-          </mc:Fallback>
-        </mc:AlternateContent>
-      </p:grpSp>
-      <mc:AlternateContent xmlns:mc="http://schemas.openxmlformats.org/markup-compatibility/2006" xmlns:p14="http://schemas.microsoft.com/office/powerpoint/2010/main">
-        <mc:Choice Requires="p14">
-          <p:contentPart p14:bwMode="auto" r:id="rId8">
+      <mc:AlternateContent xmlns:mc="http://schemas.openxmlformats.org/markup-compatibility/2006">
+        <mc:Choice xmlns:p14="http://schemas.microsoft.com/office/powerpoint/2010/main" Requires="p14">
+          <p:contentPart p14:bwMode="auto" r:id="rId4">
             <p14:nvContentPartPr>
               <p14:cNvPr id="22" name="Ink 21">
                 <a:extLst>
@@ -4554,18 +5301,238 @@
               <p14:nvPr/>
             </p14:nvContentPartPr>
             <p14:xfrm>
-              <a:off x="5200526" y="1814846"/>
+              <a:off x="5168419" y="2745346"/>
               <a:ext cx="547560" cy="16200"/>
             </p14:xfrm>
           </p:contentPart>
         </mc:Choice>
-        <mc:Fallback xmlns="">
+        <mc:Fallback>
           <p:pic>
             <p:nvPicPr>
               <p:cNvPr id="22" name="Ink 21">
                 <a:extLst>
                   <a:ext uri="{FF2B5EF4-FFF2-40B4-BE49-F238E27FC236}">
                     <a16:creationId xmlns:a16="http://schemas.microsoft.com/office/drawing/2014/main" id="{4C39BD48-8B61-587E-0482-665C77B3F05A}"/>
+                  </a:ext>
+                </a:extLst>
+              </p:cNvPr>
+              <p:cNvPicPr/>
+              <p:nvPr/>
+            </p:nvPicPr>
+            <p:blipFill>
+              <a:blip r:embed="rId5"/>
+              <a:stretch>
+                <a:fillRect/>
+              </a:stretch>
+            </p:blipFill>
+            <p:spPr>
+              <a:xfrm>
+                <a:off x="5159419" y="2736346"/>
+                <a:ext cx="565200" cy="33840"/>
+              </a:xfrm>
+              <a:prstGeom prst="rect">
+                <a:avLst/>
+              </a:prstGeom>
+            </p:spPr>
+          </p:pic>
+        </mc:Fallback>
+      </mc:AlternateContent>
+      <p:sp>
+        <p:nvSpPr>
+          <p:cNvPr id="2" name="Rectangle 1">
+            <a:extLst>
+              <a:ext uri="{FF2B5EF4-FFF2-40B4-BE49-F238E27FC236}">
+                <a16:creationId xmlns:a16="http://schemas.microsoft.com/office/drawing/2014/main" id="{99E4AAD2-EBDE-6B6B-DE29-51C71B1DED28}"/>
+              </a:ext>
+            </a:extLst>
+          </p:cNvPr>
+          <p:cNvSpPr/>
+          <p:nvPr/>
+        </p:nvSpPr>
+        <p:spPr>
+          <a:xfrm>
+            <a:off x="3228391" y="519231"/>
+            <a:ext cx="1929009" cy="776613"/>
+          </a:xfrm>
+          <a:prstGeom prst="rect">
+            <a:avLst/>
+          </a:prstGeom>
+          <a:noFill/>
+          <a:ln w="38100">
+            <a:solidFill>
+              <a:schemeClr val="accent1"/>
+            </a:solidFill>
+          </a:ln>
+        </p:spPr>
+        <p:style>
+          <a:lnRef idx="2">
+            <a:schemeClr val="accent1">
+              <a:shade val="15000"/>
+            </a:schemeClr>
+          </a:lnRef>
+          <a:fillRef idx="1">
+            <a:schemeClr val="accent1"/>
+          </a:fillRef>
+          <a:effectRef idx="0">
+            <a:schemeClr val="accent1"/>
+          </a:effectRef>
+          <a:fontRef idx="minor">
+            <a:schemeClr val="lt1"/>
+          </a:fontRef>
+        </p:style>
+        <p:txBody>
+          <a:bodyPr rtlCol="0" anchor="ctr"/>
+          <a:lstStyle/>
+          <a:p>
+            <a:pPr algn="ctr"/>
+            <a:r>
+              <a:rPr lang="en-US">
+                <a:solidFill>
+                  <a:schemeClr val="tx1"/>
+                </a:solidFill>
+              </a:rPr>
+              <a:t>ProjectController</a:t>
+            </a:r>
+          </a:p>
+        </p:txBody>
+      </p:sp>
+      <p:sp>
+        <p:nvSpPr>
+          <p:cNvPr id="9" name="Rectangle 8">
+            <a:extLst>
+              <a:ext uri="{FF2B5EF4-FFF2-40B4-BE49-F238E27FC236}">
+                <a16:creationId xmlns:a16="http://schemas.microsoft.com/office/drawing/2014/main" id="{22893C36-2DF4-9383-2631-1F46C1F25008}"/>
+              </a:ext>
+            </a:extLst>
+          </p:cNvPr>
+          <p:cNvSpPr/>
+          <p:nvPr/>
+        </p:nvSpPr>
+        <p:spPr>
+          <a:xfrm>
+            <a:off x="5710628" y="501041"/>
+            <a:ext cx="1929009" cy="776613"/>
+          </a:xfrm>
+          <a:prstGeom prst="rect">
+            <a:avLst/>
+          </a:prstGeom>
+          <a:noFill/>
+          <a:ln w="38100">
+            <a:solidFill>
+              <a:schemeClr val="accent1"/>
+            </a:solidFill>
+          </a:ln>
+        </p:spPr>
+        <p:style>
+          <a:lnRef idx="2">
+            <a:schemeClr val="accent1">
+              <a:shade val="15000"/>
+            </a:schemeClr>
+          </a:lnRef>
+          <a:fillRef idx="1">
+            <a:schemeClr val="accent1"/>
+          </a:fillRef>
+          <a:effectRef idx="0">
+            <a:schemeClr val="accent1"/>
+          </a:effectRef>
+          <a:fontRef idx="minor">
+            <a:schemeClr val="lt1"/>
+          </a:fontRef>
+        </p:style>
+        <p:txBody>
+          <a:bodyPr rtlCol="0" anchor="ctr"/>
+          <a:lstStyle/>
+          <a:p>
+            <a:pPr algn="ctr"/>
+            <a:r>
+              <a:rPr lang="en-US">
+                <a:solidFill>
+                  <a:schemeClr val="tx1"/>
+                </a:solidFill>
+              </a:rPr>
+              <a:t>Project</a:t>
+            </a:r>
+          </a:p>
+        </p:txBody>
+      </p:sp>
+      <mc:AlternateContent xmlns:mc="http://schemas.openxmlformats.org/markup-compatibility/2006">
+        <mc:Choice xmlns:p14="http://schemas.microsoft.com/office/powerpoint/2010/main" Requires="p14">
+          <p:contentPart p14:bwMode="auto" r:id="rId6">
+            <p14:nvContentPartPr>
+              <p14:cNvPr id="10" name="Ink 9">
+                <a:extLst>
+                  <a:ext uri="{FF2B5EF4-FFF2-40B4-BE49-F238E27FC236}">
+                    <a16:creationId xmlns:a16="http://schemas.microsoft.com/office/drawing/2014/main" id="{F1107FEE-9338-66E0-944E-A72765926281}"/>
+                  </a:ext>
+                </a:extLst>
+              </p14:cNvPr>
+              <p14:cNvContentPartPr/>
+              <p14:nvPr/>
+            </p14:nvContentPartPr>
+            <p14:xfrm>
+              <a:off x="5167970" y="905656"/>
+              <a:ext cx="528480" cy="4680"/>
+            </p14:xfrm>
+          </p:contentPart>
+        </mc:Choice>
+        <mc:Fallback>
+          <p:pic>
+            <p:nvPicPr>
+              <p:cNvPr id="10" name="Ink 9">
+                <a:extLst>
+                  <a:ext uri="{FF2B5EF4-FFF2-40B4-BE49-F238E27FC236}">
+                    <a16:creationId xmlns:a16="http://schemas.microsoft.com/office/drawing/2014/main" id="{F1107FEE-9338-66E0-944E-A72765926281}"/>
+                  </a:ext>
+                </a:extLst>
+              </p:cNvPr>
+              <p:cNvPicPr/>
+              <p:nvPr/>
+            </p:nvPicPr>
+            <p:blipFill>
+              <a:blip r:embed="rId7"/>
+              <a:stretch>
+                <a:fillRect/>
+              </a:stretch>
+            </p:blipFill>
+            <p:spPr>
+              <a:xfrm>
+                <a:off x="5158970" y="896656"/>
+                <a:ext cx="546120" cy="22320"/>
+              </a:xfrm>
+              <a:prstGeom prst="rect">
+                <a:avLst/>
+              </a:prstGeom>
+            </p:spPr>
+          </p:pic>
+        </mc:Fallback>
+      </mc:AlternateContent>
+      <mc:AlternateContent xmlns:mc="http://schemas.openxmlformats.org/markup-compatibility/2006">
+        <mc:Choice xmlns:p14="http://schemas.microsoft.com/office/powerpoint/2010/main" Requires="p14">
+          <p:contentPart p14:bwMode="auto" r:id="rId8">
+            <p14:nvContentPartPr>
+              <p14:cNvPr id="13" name="Ink 12">
+                <a:extLst>
+                  <a:ext uri="{FF2B5EF4-FFF2-40B4-BE49-F238E27FC236}">
+                    <a16:creationId xmlns:a16="http://schemas.microsoft.com/office/drawing/2014/main" id="{536822E1-A3C1-8382-BFE6-6109715E8C84}"/>
+                  </a:ext>
+                </a:extLst>
+              </p14:cNvPr>
+              <p14:cNvContentPartPr/>
+              <p14:nvPr/>
+            </p14:nvContentPartPr>
+            <p14:xfrm>
+              <a:off x="2700099" y="898786"/>
+              <a:ext cx="545040" cy="21960"/>
+            </p14:xfrm>
+          </p:contentPart>
+        </mc:Choice>
+        <mc:Fallback>
+          <p:pic>
+            <p:nvPicPr>
+              <p:cNvPr id="13" name="Ink 12">
+                <a:extLst>
+                  <a:ext uri="{FF2B5EF4-FFF2-40B4-BE49-F238E27FC236}">
+                    <a16:creationId xmlns:a16="http://schemas.microsoft.com/office/drawing/2014/main" id="{536822E1-A3C1-8382-BFE6-6109715E8C84}"/>
                   </a:ext>
                 </a:extLst>
               </p:cNvPr>
@@ -4580,8 +5547,8 @@
             </p:blipFill>
             <p:spPr>
               <a:xfrm>
-                <a:off x="5191526" y="1806206"/>
-                <a:ext cx="565200" cy="33840"/>
+                <a:off x="2691099" y="890146"/>
+                <a:ext cx="562680" cy="39600"/>
               </a:xfrm>
               <a:prstGeom prst="rect">
                 <a:avLst/>
@@ -4590,6 +5557,1458 @@
           </p:pic>
         </mc:Fallback>
       </mc:AlternateContent>
+      <mc:AlternateContent xmlns:mc="http://schemas.openxmlformats.org/markup-compatibility/2006">
+        <mc:Choice xmlns:p14="http://schemas.microsoft.com/office/powerpoint/2010/main" Requires="p14">
+          <p:contentPart p14:bwMode="auto" r:id="rId10">
+            <p14:nvContentPartPr>
+              <p14:cNvPr id="14" name="Ink 13">
+                <a:extLst>
+                  <a:ext uri="{FF2B5EF4-FFF2-40B4-BE49-F238E27FC236}">
+                    <a16:creationId xmlns:a16="http://schemas.microsoft.com/office/drawing/2014/main" id="{22340178-3D66-8154-073F-E7F030D0EEAB}"/>
+                  </a:ext>
+                </a:extLst>
+              </p14:cNvPr>
+              <p14:cNvContentPartPr/>
+              <p14:nvPr/>
+            </p14:nvContentPartPr>
+            <p14:xfrm>
+              <a:off x="2722419" y="1835866"/>
+              <a:ext cx="489240" cy="360"/>
+            </p14:xfrm>
+          </p:contentPart>
+        </mc:Choice>
+        <mc:Fallback>
+          <p:pic>
+            <p:nvPicPr>
+              <p:cNvPr id="14" name="Ink 13">
+                <a:extLst>
+                  <a:ext uri="{FF2B5EF4-FFF2-40B4-BE49-F238E27FC236}">
+                    <a16:creationId xmlns:a16="http://schemas.microsoft.com/office/drawing/2014/main" id="{22340178-3D66-8154-073F-E7F030D0EEAB}"/>
+                  </a:ext>
+                </a:extLst>
+              </p:cNvPr>
+              <p:cNvPicPr/>
+              <p:nvPr/>
+            </p:nvPicPr>
+            <p:blipFill>
+              <a:blip r:embed="rId11"/>
+              <a:stretch>
+                <a:fillRect/>
+              </a:stretch>
+            </p:blipFill>
+            <p:spPr>
+              <a:xfrm>
+                <a:off x="2713779" y="1827226"/>
+                <a:ext cx="506880" cy="18000"/>
+              </a:xfrm>
+              <a:prstGeom prst="rect">
+                <a:avLst/>
+              </a:prstGeom>
+            </p:spPr>
+          </p:pic>
+        </mc:Fallback>
+      </mc:AlternateContent>
+      <mc:AlternateContent xmlns:mc="http://schemas.openxmlformats.org/markup-compatibility/2006">
+        <mc:Choice xmlns:p14="http://schemas.microsoft.com/office/powerpoint/2010/main" Requires="p14">
+          <p:contentPart p14:bwMode="auto" r:id="rId12">
+            <p14:nvContentPartPr>
+              <p14:cNvPr id="23" name="Ink 22">
+                <a:extLst>
+                  <a:ext uri="{FF2B5EF4-FFF2-40B4-BE49-F238E27FC236}">
+                    <a16:creationId xmlns:a16="http://schemas.microsoft.com/office/drawing/2014/main" id="{B1985B03-D4F2-342E-7770-D59A176909FD}"/>
+                  </a:ext>
+                </a:extLst>
+              </p14:cNvPr>
+              <p14:cNvContentPartPr/>
+              <p14:nvPr/>
+            </p14:nvContentPartPr>
+            <p14:xfrm>
+              <a:off x="2700819" y="2779426"/>
+              <a:ext cx="492120" cy="2520"/>
+            </p14:xfrm>
+          </p:contentPart>
+        </mc:Choice>
+        <mc:Fallback>
+          <p:pic>
+            <p:nvPicPr>
+              <p:cNvPr id="23" name="Ink 22">
+                <a:extLst>
+                  <a:ext uri="{FF2B5EF4-FFF2-40B4-BE49-F238E27FC236}">
+                    <a16:creationId xmlns:a16="http://schemas.microsoft.com/office/drawing/2014/main" id="{B1985B03-D4F2-342E-7770-D59A176909FD}"/>
+                  </a:ext>
+                </a:extLst>
+              </p:cNvPr>
+              <p:cNvPicPr/>
+              <p:nvPr/>
+            </p:nvPicPr>
+            <p:blipFill>
+              <a:blip r:embed="rId13"/>
+              <a:stretch>
+                <a:fillRect/>
+              </a:stretch>
+            </p:blipFill>
+            <p:spPr>
+              <a:xfrm>
+                <a:off x="2692179" y="2770786"/>
+                <a:ext cx="509760" cy="20160"/>
+              </a:xfrm>
+              <a:prstGeom prst="rect">
+                <a:avLst/>
+              </a:prstGeom>
+            </p:spPr>
+          </p:pic>
+        </mc:Fallback>
+      </mc:AlternateContent>
+      <mc:AlternateContent xmlns:mc="http://schemas.openxmlformats.org/markup-compatibility/2006">
+        <mc:Choice xmlns:p14="http://schemas.microsoft.com/office/powerpoint/2010/main" Requires="p14">
+          <p:contentPart p14:bwMode="auto" r:id="rId14">
+            <p14:nvContentPartPr>
+              <p14:cNvPr id="24" name="Ink 23">
+                <a:extLst>
+                  <a:ext uri="{FF2B5EF4-FFF2-40B4-BE49-F238E27FC236}">
+                    <a16:creationId xmlns:a16="http://schemas.microsoft.com/office/drawing/2014/main" id="{14DE93F4-0082-CE10-A083-96A46F6AF7EA}"/>
+                  </a:ext>
+                </a:extLst>
+              </p14:cNvPr>
+              <p14:cNvContentPartPr/>
+              <p14:nvPr/>
+            </p14:nvContentPartPr>
+            <p14:xfrm>
+              <a:off x="2979819" y="736066"/>
+              <a:ext cx="221040" cy="371880"/>
+            </p14:xfrm>
+          </p:contentPart>
+        </mc:Choice>
+        <mc:Fallback>
+          <p:pic>
+            <p:nvPicPr>
+              <p:cNvPr id="24" name="Ink 23">
+                <a:extLst>
+                  <a:ext uri="{FF2B5EF4-FFF2-40B4-BE49-F238E27FC236}">
+                    <a16:creationId xmlns:a16="http://schemas.microsoft.com/office/drawing/2014/main" id="{14DE93F4-0082-CE10-A083-96A46F6AF7EA}"/>
+                  </a:ext>
+                </a:extLst>
+              </p:cNvPr>
+              <p:cNvPicPr/>
+              <p:nvPr/>
+            </p:nvPicPr>
+            <p:blipFill>
+              <a:blip r:embed="rId15"/>
+              <a:stretch>
+                <a:fillRect/>
+              </a:stretch>
+            </p:blipFill>
+            <p:spPr>
+              <a:xfrm>
+                <a:off x="2971179" y="727066"/>
+                <a:ext cx="238680" cy="389520"/>
+              </a:xfrm>
+              <a:prstGeom prst="rect">
+                <a:avLst/>
+              </a:prstGeom>
+            </p:spPr>
+          </p:pic>
+        </mc:Fallback>
+      </mc:AlternateContent>
+      <mc:AlternateContent xmlns:mc="http://schemas.openxmlformats.org/markup-compatibility/2006">
+        <mc:Choice xmlns:p14="http://schemas.microsoft.com/office/powerpoint/2010/main" Requires="p14">
+          <p:contentPart p14:bwMode="auto" r:id="rId16">
+            <p14:nvContentPartPr>
+              <p14:cNvPr id="25" name="Ink 24">
+                <a:extLst>
+                  <a:ext uri="{FF2B5EF4-FFF2-40B4-BE49-F238E27FC236}">
+                    <a16:creationId xmlns:a16="http://schemas.microsoft.com/office/drawing/2014/main" id="{E218B178-8844-E957-B02A-52AA770A99AC}"/>
+                  </a:ext>
+                </a:extLst>
+              </p14:cNvPr>
+              <p14:cNvContentPartPr/>
+              <p14:nvPr/>
+            </p14:nvContentPartPr>
+            <p14:xfrm>
+              <a:off x="3099699" y="1784386"/>
+              <a:ext cx="152640" cy="155160"/>
+            </p14:xfrm>
+          </p:contentPart>
+        </mc:Choice>
+        <mc:Fallback>
+          <p:pic>
+            <p:nvPicPr>
+              <p:cNvPr id="25" name="Ink 24">
+                <a:extLst>
+                  <a:ext uri="{FF2B5EF4-FFF2-40B4-BE49-F238E27FC236}">
+                    <a16:creationId xmlns:a16="http://schemas.microsoft.com/office/drawing/2014/main" id="{E218B178-8844-E957-B02A-52AA770A99AC}"/>
+                  </a:ext>
+                </a:extLst>
+              </p:cNvPr>
+              <p:cNvPicPr/>
+              <p:nvPr/>
+            </p:nvPicPr>
+            <p:blipFill>
+              <a:blip r:embed="rId17"/>
+              <a:stretch>
+                <a:fillRect/>
+              </a:stretch>
+            </p:blipFill>
+            <p:spPr>
+              <a:xfrm>
+                <a:off x="3091059" y="1775746"/>
+                <a:ext cx="170280" cy="172800"/>
+              </a:xfrm>
+              <a:prstGeom prst="rect">
+                <a:avLst/>
+              </a:prstGeom>
+            </p:spPr>
+          </p:pic>
+        </mc:Fallback>
+      </mc:AlternateContent>
+      <mc:AlternateContent xmlns:mc="http://schemas.openxmlformats.org/markup-compatibility/2006">
+        <mc:Choice xmlns:p14="http://schemas.microsoft.com/office/powerpoint/2010/main" Requires="p14">
+          <p:contentPart p14:bwMode="auto" r:id="rId18">
+            <p14:nvContentPartPr>
+              <p14:cNvPr id="26" name="Ink 25">
+                <a:extLst>
+                  <a:ext uri="{FF2B5EF4-FFF2-40B4-BE49-F238E27FC236}">
+                    <a16:creationId xmlns:a16="http://schemas.microsoft.com/office/drawing/2014/main" id="{B6B3CA13-ED16-C35E-F37F-1D41E3F0ACAE}"/>
+                  </a:ext>
+                </a:extLst>
+              </p14:cNvPr>
+              <p14:cNvContentPartPr/>
+              <p14:nvPr/>
+            </p14:nvContentPartPr>
+            <p14:xfrm>
+              <a:off x="3069099" y="2715346"/>
+              <a:ext cx="147600" cy="269640"/>
+            </p14:xfrm>
+          </p:contentPart>
+        </mc:Choice>
+        <mc:Fallback>
+          <p:pic>
+            <p:nvPicPr>
+              <p:cNvPr id="26" name="Ink 25">
+                <a:extLst>
+                  <a:ext uri="{FF2B5EF4-FFF2-40B4-BE49-F238E27FC236}">
+                    <a16:creationId xmlns:a16="http://schemas.microsoft.com/office/drawing/2014/main" id="{B6B3CA13-ED16-C35E-F37F-1D41E3F0ACAE}"/>
+                  </a:ext>
+                </a:extLst>
+              </p:cNvPr>
+              <p:cNvPicPr/>
+              <p:nvPr/>
+            </p:nvPicPr>
+            <p:blipFill>
+              <a:blip r:embed="rId19"/>
+              <a:stretch>
+                <a:fillRect/>
+              </a:stretch>
+            </p:blipFill>
+            <p:spPr>
+              <a:xfrm>
+                <a:off x="3060099" y="2706706"/>
+                <a:ext cx="165240" cy="287280"/>
+              </a:xfrm>
+              <a:prstGeom prst="rect">
+                <a:avLst/>
+              </a:prstGeom>
+            </p:spPr>
+          </p:pic>
+        </mc:Fallback>
+      </mc:AlternateContent>
+      <mc:AlternateContent xmlns:mc="http://schemas.openxmlformats.org/markup-compatibility/2006">
+        <mc:Choice xmlns:p14="http://schemas.microsoft.com/office/powerpoint/2010/main" Requires="p14">
+          <p:contentPart p14:bwMode="auto" r:id="rId20">
+            <p14:nvContentPartPr>
+              <p14:cNvPr id="27" name="Ink 26">
+                <a:extLst>
+                  <a:ext uri="{FF2B5EF4-FFF2-40B4-BE49-F238E27FC236}">
+                    <a16:creationId xmlns:a16="http://schemas.microsoft.com/office/drawing/2014/main" id="{92C61148-8C22-D4CA-CAA2-EDD3EB6E6202}"/>
+                  </a:ext>
+                </a:extLst>
+              </p14:cNvPr>
+              <p14:cNvContentPartPr/>
+              <p14:nvPr/>
+            </p14:nvContentPartPr>
+            <p14:xfrm>
+              <a:off x="5536899" y="2631466"/>
+              <a:ext cx="211680" cy="246240"/>
+            </p14:xfrm>
+          </p:contentPart>
+        </mc:Choice>
+        <mc:Fallback>
+          <p:pic>
+            <p:nvPicPr>
+              <p:cNvPr id="27" name="Ink 26">
+                <a:extLst>
+                  <a:ext uri="{FF2B5EF4-FFF2-40B4-BE49-F238E27FC236}">
+                    <a16:creationId xmlns:a16="http://schemas.microsoft.com/office/drawing/2014/main" id="{92C61148-8C22-D4CA-CAA2-EDD3EB6E6202}"/>
+                  </a:ext>
+                </a:extLst>
+              </p:cNvPr>
+              <p:cNvPicPr/>
+              <p:nvPr/>
+            </p:nvPicPr>
+            <p:blipFill>
+              <a:blip r:embed="rId21"/>
+              <a:stretch>
+                <a:fillRect/>
+              </a:stretch>
+            </p:blipFill>
+            <p:spPr>
+              <a:xfrm>
+                <a:off x="5528259" y="2622826"/>
+                <a:ext cx="229320" cy="263880"/>
+              </a:xfrm>
+              <a:prstGeom prst="rect">
+                <a:avLst/>
+              </a:prstGeom>
+            </p:spPr>
+          </p:pic>
+        </mc:Fallback>
+      </mc:AlternateContent>
+      <mc:AlternateContent xmlns:mc="http://schemas.openxmlformats.org/markup-compatibility/2006">
+        <mc:Choice xmlns:p14="http://schemas.microsoft.com/office/powerpoint/2010/main" Requires="p14">
+          <p:contentPart p14:bwMode="auto" r:id="rId22">
+            <p14:nvContentPartPr>
+              <p14:cNvPr id="28" name="Ink 27">
+                <a:extLst>
+                  <a:ext uri="{FF2B5EF4-FFF2-40B4-BE49-F238E27FC236}">
+                    <a16:creationId xmlns:a16="http://schemas.microsoft.com/office/drawing/2014/main" id="{D659691C-A16C-3346-0489-326872999A2F}"/>
+                  </a:ext>
+                </a:extLst>
+              </p14:cNvPr>
+              <p14:cNvContentPartPr/>
+              <p14:nvPr/>
+            </p14:nvContentPartPr>
+            <p14:xfrm>
+              <a:off x="5558139" y="1706626"/>
+              <a:ext cx="190800" cy="198360"/>
+            </p14:xfrm>
+          </p:contentPart>
+        </mc:Choice>
+        <mc:Fallback>
+          <p:pic>
+            <p:nvPicPr>
+              <p:cNvPr id="28" name="Ink 27">
+                <a:extLst>
+                  <a:ext uri="{FF2B5EF4-FFF2-40B4-BE49-F238E27FC236}">
+                    <a16:creationId xmlns:a16="http://schemas.microsoft.com/office/drawing/2014/main" id="{D659691C-A16C-3346-0489-326872999A2F}"/>
+                  </a:ext>
+                </a:extLst>
+              </p:cNvPr>
+              <p:cNvPicPr/>
+              <p:nvPr/>
+            </p:nvPicPr>
+            <p:blipFill>
+              <a:blip r:embed="rId23"/>
+              <a:stretch>
+                <a:fillRect/>
+              </a:stretch>
+            </p:blipFill>
+            <p:spPr>
+              <a:xfrm>
+                <a:off x="5549139" y="1697986"/>
+                <a:ext cx="208440" cy="216000"/>
+              </a:xfrm>
+              <a:prstGeom prst="rect">
+                <a:avLst/>
+              </a:prstGeom>
+            </p:spPr>
+          </p:pic>
+        </mc:Fallback>
+      </mc:AlternateContent>
+      <mc:AlternateContent xmlns:mc="http://schemas.openxmlformats.org/markup-compatibility/2006">
+        <mc:Choice xmlns:p14="http://schemas.microsoft.com/office/powerpoint/2010/main" Requires="p14">
+          <p:contentPart p14:bwMode="auto" r:id="rId24">
+            <p14:nvContentPartPr>
+              <p14:cNvPr id="29" name="Ink 28">
+                <a:extLst>
+                  <a:ext uri="{FF2B5EF4-FFF2-40B4-BE49-F238E27FC236}">
+                    <a16:creationId xmlns:a16="http://schemas.microsoft.com/office/drawing/2014/main" id="{D1D0F109-74B1-C4CC-BE08-81C9BD7DC645}"/>
+                  </a:ext>
+                </a:extLst>
+              </p14:cNvPr>
+              <p14:cNvContentPartPr/>
+              <p14:nvPr/>
+            </p14:nvContentPartPr>
+            <p14:xfrm>
+              <a:off x="5558859" y="798346"/>
+              <a:ext cx="266040" cy="248040"/>
+            </p14:xfrm>
+          </p:contentPart>
+        </mc:Choice>
+        <mc:Fallback>
+          <p:pic>
+            <p:nvPicPr>
+              <p:cNvPr id="29" name="Ink 28">
+                <a:extLst>
+                  <a:ext uri="{FF2B5EF4-FFF2-40B4-BE49-F238E27FC236}">
+                    <a16:creationId xmlns:a16="http://schemas.microsoft.com/office/drawing/2014/main" id="{D1D0F109-74B1-C4CC-BE08-81C9BD7DC645}"/>
+                  </a:ext>
+                </a:extLst>
+              </p:cNvPr>
+              <p:cNvPicPr/>
+              <p:nvPr/>
+            </p:nvPicPr>
+            <p:blipFill>
+              <a:blip r:embed="rId25"/>
+              <a:stretch>
+                <a:fillRect/>
+              </a:stretch>
+            </p:blipFill>
+            <p:spPr>
+              <a:xfrm>
+                <a:off x="5549859" y="789706"/>
+                <a:ext cx="283680" cy="265680"/>
+              </a:xfrm>
+              <a:prstGeom prst="rect">
+                <a:avLst/>
+              </a:prstGeom>
+            </p:spPr>
+          </p:pic>
+        </mc:Fallback>
+      </mc:AlternateContent>
+      <p:grpSp>
+        <p:nvGrpSpPr>
+          <p:cNvPr id="35" name="Group 34">
+            <a:extLst>
+              <a:ext uri="{FF2B5EF4-FFF2-40B4-BE49-F238E27FC236}">
+                <a16:creationId xmlns:a16="http://schemas.microsoft.com/office/drawing/2014/main" id="{B0FE9938-174C-77DC-337A-25FE776B6666}"/>
+              </a:ext>
+            </a:extLst>
+          </p:cNvPr>
+          <p:cNvGrpSpPr/>
+          <p:nvPr/>
+        </p:nvGrpSpPr>
+        <p:grpSpPr>
+          <a:xfrm>
+            <a:off x="5177259" y="1114426"/>
+            <a:ext cx="531360" cy="159480"/>
+            <a:chOff x="5177259" y="1114426"/>
+            <a:chExt cx="531360" cy="159480"/>
+          </a:xfrm>
+        </p:grpSpPr>
+        <mc:AlternateContent xmlns:mc="http://schemas.openxmlformats.org/markup-compatibility/2006">
+          <mc:Choice xmlns:p14="http://schemas.microsoft.com/office/powerpoint/2010/main" Requires="p14">
+            <p:contentPart p14:bwMode="auto" r:id="rId26">
+              <p14:nvContentPartPr>
+                <p14:cNvPr id="31" name="Ink 30">
+                  <a:extLst>
+                    <a:ext uri="{FF2B5EF4-FFF2-40B4-BE49-F238E27FC236}">
+                      <a16:creationId xmlns:a16="http://schemas.microsoft.com/office/drawing/2014/main" id="{B18EDEEB-A02B-D7B7-E758-D8BA798C29C7}"/>
+                    </a:ext>
+                  </a:extLst>
+                </p14:cNvPr>
+                <p14:cNvContentPartPr/>
+                <p14:nvPr/>
+              </p14:nvContentPartPr>
+              <p14:xfrm>
+                <a:off x="5205339" y="1176706"/>
+                <a:ext cx="503280" cy="35640"/>
+              </p14:xfrm>
+            </p:contentPart>
+          </mc:Choice>
+          <mc:Fallback>
+            <p:pic>
+              <p:nvPicPr>
+                <p:cNvPr id="31" name="Ink 30">
+                  <a:extLst>
+                    <a:ext uri="{FF2B5EF4-FFF2-40B4-BE49-F238E27FC236}">
+                      <a16:creationId xmlns:a16="http://schemas.microsoft.com/office/drawing/2014/main" id="{B18EDEEB-A02B-D7B7-E758-D8BA798C29C7}"/>
+                    </a:ext>
+                  </a:extLst>
+                </p:cNvPr>
+                <p:cNvPicPr/>
+                <p:nvPr/>
+              </p:nvPicPr>
+              <p:blipFill>
+                <a:blip r:embed="rId27"/>
+                <a:stretch>
+                  <a:fillRect/>
+                </a:stretch>
+              </p:blipFill>
+              <p:spPr>
+                <a:xfrm>
+                  <a:off x="5196339" y="1168066"/>
+                  <a:ext cx="520920" cy="53280"/>
+                </a:xfrm>
+                <a:prstGeom prst="rect">
+                  <a:avLst/>
+                </a:prstGeom>
+              </p:spPr>
+            </p:pic>
+          </mc:Fallback>
+        </mc:AlternateContent>
+        <mc:AlternateContent xmlns:mc="http://schemas.openxmlformats.org/markup-compatibility/2006">
+          <mc:Choice xmlns:p14="http://schemas.microsoft.com/office/powerpoint/2010/main" Requires="p14">
+            <p:contentPart p14:bwMode="auto" r:id="rId28">
+              <p14:nvContentPartPr>
+                <p14:cNvPr id="32" name="Ink 31">
+                  <a:extLst>
+                    <a:ext uri="{FF2B5EF4-FFF2-40B4-BE49-F238E27FC236}">
+                      <a16:creationId xmlns:a16="http://schemas.microsoft.com/office/drawing/2014/main" id="{BC7E2AA5-D8FC-881E-841F-4E24447E84D8}"/>
+                    </a:ext>
+                  </a:extLst>
+                </p14:cNvPr>
+                <p14:cNvContentPartPr/>
+                <p14:nvPr/>
+              </p14:nvContentPartPr>
+              <p14:xfrm>
+                <a:off x="5183379" y="1114426"/>
+                <a:ext cx="77760" cy="62280"/>
+              </p14:xfrm>
+            </p:contentPart>
+          </mc:Choice>
+          <mc:Fallback>
+            <p:pic>
+              <p:nvPicPr>
+                <p:cNvPr id="32" name="Ink 31">
+                  <a:extLst>
+                    <a:ext uri="{FF2B5EF4-FFF2-40B4-BE49-F238E27FC236}">
+                      <a16:creationId xmlns:a16="http://schemas.microsoft.com/office/drawing/2014/main" id="{BC7E2AA5-D8FC-881E-841F-4E24447E84D8}"/>
+                    </a:ext>
+                  </a:extLst>
+                </p:cNvPr>
+                <p:cNvPicPr/>
+                <p:nvPr/>
+              </p:nvPicPr>
+              <p:blipFill>
+                <a:blip r:embed="rId29"/>
+                <a:stretch>
+                  <a:fillRect/>
+                </a:stretch>
+              </p:blipFill>
+              <p:spPr>
+                <a:xfrm>
+                  <a:off x="5174739" y="1105786"/>
+                  <a:ext cx="95400" cy="79920"/>
+                </a:xfrm>
+                <a:prstGeom prst="rect">
+                  <a:avLst/>
+                </a:prstGeom>
+              </p:spPr>
+            </p:pic>
+          </mc:Fallback>
+        </mc:AlternateContent>
+        <mc:AlternateContent xmlns:mc="http://schemas.openxmlformats.org/markup-compatibility/2006">
+          <mc:Choice xmlns:p14="http://schemas.microsoft.com/office/powerpoint/2010/main" Requires="p14">
+            <p:contentPart p14:bwMode="auto" r:id="rId30">
+              <p14:nvContentPartPr>
+                <p14:cNvPr id="34" name="Ink 33">
+                  <a:extLst>
+                    <a:ext uri="{FF2B5EF4-FFF2-40B4-BE49-F238E27FC236}">
+                      <a16:creationId xmlns:a16="http://schemas.microsoft.com/office/drawing/2014/main" id="{36B73F2C-2D39-1C27-03DD-11344206832D}"/>
+                    </a:ext>
+                  </a:extLst>
+                </p14:cNvPr>
+                <p14:cNvContentPartPr/>
+                <p14:nvPr/>
+              </p14:nvContentPartPr>
+              <p14:xfrm>
+                <a:off x="5177259" y="1173466"/>
+                <a:ext cx="61920" cy="100440"/>
+              </p14:xfrm>
+            </p:contentPart>
+          </mc:Choice>
+          <mc:Fallback>
+            <p:pic>
+              <p:nvPicPr>
+                <p:cNvPr id="34" name="Ink 33">
+                  <a:extLst>
+                    <a:ext uri="{FF2B5EF4-FFF2-40B4-BE49-F238E27FC236}">
+                      <a16:creationId xmlns:a16="http://schemas.microsoft.com/office/drawing/2014/main" id="{36B73F2C-2D39-1C27-03DD-11344206832D}"/>
+                    </a:ext>
+                  </a:extLst>
+                </p:cNvPr>
+                <p:cNvPicPr/>
+                <p:nvPr/>
+              </p:nvPicPr>
+              <p:blipFill>
+                <a:blip r:embed="rId31"/>
+                <a:stretch>
+                  <a:fillRect/>
+                </a:stretch>
+              </p:blipFill>
+              <p:spPr>
+                <a:xfrm>
+                  <a:off x="5168619" y="1164826"/>
+                  <a:ext cx="79560" cy="118080"/>
+                </a:xfrm>
+                <a:prstGeom prst="rect">
+                  <a:avLst/>
+                </a:prstGeom>
+              </p:spPr>
+            </p:pic>
+          </mc:Fallback>
+        </mc:AlternateContent>
+      </p:grpSp>
+      <p:grpSp>
+        <p:nvGrpSpPr>
+          <p:cNvPr id="40" name="Group 39">
+            <a:extLst>
+              <a:ext uri="{FF2B5EF4-FFF2-40B4-BE49-F238E27FC236}">
+                <a16:creationId xmlns:a16="http://schemas.microsoft.com/office/drawing/2014/main" id="{1832475F-70AA-0244-8232-EA07B6EDCB71}"/>
+              </a:ext>
+            </a:extLst>
+          </p:cNvPr>
+          <p:cNvGrpSpPr/>
+          <p:nvPr/>
+        </p:nvGrpSpPr>
+        <p:grpSpPr>
+          <a:xfrm>
+            <a:off x="5144859" y="2012986"/>
+            <a:ext cx="533520" cy="126360"/>
+            <a:chOff x="5144859" y="2012986"/>
+            <a:chExt cx="533520" cy="126360"/>
+          </a:xfrm>
+        </p:grpSpPr>
+        <mc:AlternateContent xmlns:mc="http://schemas.openxmlformats.org/markup-compatibility/2006">
+          <mc:Choice xmlns:p14="http://schemas.microsoft.com/office/powerpoint/2010/main" Requires="p14">
+            <p:contentPart p14:bwMode="auto" r:id="rId32">
+              <p14:nvContentPartPr>
+                <p14:cNvPr id="36" name="Ink 35">
+                  <a:extLst>
+                    <a:ext uri="{FF2B5EF4-FFF2-40B4-BE49-F238E27FC236}">
+                      <a16:creationId xmlns:a16="http://schemas.microsoft.com/office/drawing/2014/main" id="{82637387-908F-5A53-042D-23CDB26023E5}"/>
+                    </a:ext>
+                  </a:extLst>
+                </p14:cNvPr>
+                <p14:cNvContentPartPr/>
+                <p14:nvPr/>
+              </p14:nvContentPartPr>
+              <p14:xfrm>
+                <a:off x="5171139" y="2012986"/>
+                <a:ext cx="68040" cy="64080"/>
+              </p14:xfrm>
+            </p:contentPart>
+          </mc:Choice>
+          <mc:Fallback>
+            <p:pic>
+              <p:nvPicPr>
+                <p:cNvPr id="36" name="Ink 35">
+                  <a:extLst>
+                    <a:ext uri="{FF2B5EF4-FFF2-40B4-BE49-F238E27FC236}">
+                      <a16:creationId xmlns:a16="http://schemas.microsoft.com/office/drawing/2014/main" id="{82637387-908F-5A53-042D-23CDB26023E5}"/>
+                    </a:ext>
+                  </a:extLst>
+                </p:cNvPr>
+                <p:cNvPicPr/>
+                <p:nvPr/>
+              </p:nvPicPr>
+              <p:blipFill>
+                <a:blip r:embed="rId33"/>
+                <a:stretch>
+                  <a:fillRect/>
+                </a:stretch>
+              </p:blipFill>
+              <p:spPr>
+                <a:xfrm>
+                  <a:off x="5162139" y="2004346"/>
+                  <a:ext cx="85680" cy="81720"/>
+                </a:xfrm>
+                <a:prstGeom prst="rect">
+                  <a:avLst/>
+                </a:prstGeom>
+              </p:spPr>
+            </p:pic>
+          </mc:Fallback>
+        </mc:AlternateContent>
+        <mc:AlternateContent xmlns:mc="http://schemas.openxmlformats.org/markup-compatibility/2006">
+          <mc:Choice xmlns:p14="http://schemas.microsoft.com/office/powerpoint/2010/main" Requires="p14">
+            <p:contentPart p14:bwMode="auto" r:id="rId34">
+              <p14:nvContentPartPr>
+                <p14:cNvPr id="37" name="Ink 36">
+                  <a:extLst>
+                    <a:ext uri="{FF2B5EF4-FFF2-40B4-BE49-F238E27FC236}">
+                      <a16:creationId xmlns:a16="http://schemas.microsoft.com/office/drawing/2014/main" id="{C6741824-779D-8F74-CA46-66ADE3AC5054}"/>
+                    </a:ext>
+                  </a:extLst>
+                </p14:cNvPr>
+                <p14:cNvContentPartPr/>
+                <p14:nvPr/>
+              </p14:nvContentPartPr>
+              <p14:xfrm>
+                <a:off x="5144859" y="2071666"/>
+                <a:ext cx="156600" cy="67680"/>
+              </p14:xfrm>
+            </p:contentPart>
+          </mc:Choice>
+          <mc:Fallback>
+            <p:pic>
+              <p:nvPicPr>
+                <p:cNvPr id="37" name="Ink 36">
+                  <a:extLst>
+                    <a:ext uri="{FF2B5EF4-FFF2-40B4-BE49-F238E27FC236}">
+                      <a16:creationId xmlns:a16="http://schemas.microsoft.com/office/drawing/2014/main" id="{C6741824-779D-8F74-CA46-66ADE3AC5054}"/>
+                    </a:ext>
+                  </a:extLst>
+                </p:cNvPr>
+                <p:cNvPicPr/>
+                <p:nvPr/>
+              </p:nvPicPr>
+              <p:blipFill>
+                <a:blip r:embed="rId35"/>
+                <a:stretch>
+                  <a:fillRect/>
+                </a:stretch>
+              </p:blipFill>
+              <p:spPr>
+                <a:xfrm>
+                  <a:off x="5136219" y="2063026"/>
+                  <a:ext cx="174240" cy="85320"/>
+                </a:xfrm>
+                <a:prstGeom prst="rect">
+                  <a:avLst/>
+                </a:prstGeom>
+              </p:spPr>
+            </p:pic>
+          </mc:Fallback>
+        </mc:AlternateContent>
+        <mc:AlternateContent xmlns:mc="http://schemas.openxmlformats.org/markup-compatibility/2006">
+          <mc:Choice xmlns:p14="http://schemas.microsoft.com/office/powerpoint/2010/main" Requires="p14">
+            <p:contentPart p14:bwMode="auto" r:id="rId36">
+              <p14:nvContentPartPr>
+                <p14:cNvPr id="39" name="Ink 38">
+                  <a:extLst>
+                    <a:ext uri="{FF2B5EF4-FFF2-40B4-BE49-F238E27FC236}">
+                      <a16:creationId xmlns:a16="http://schemas.microsoft.com/office/drawing/2014/main" id="{EBCFA986-2097-2DB9-7424-6EF79B3B6EA0}"/>
+                    </a:ext>
+                  </a:extLst>
+                </p14:cNvPr>
+                <p14:cNvContentPartPr/>
+                <p14:nvPr/>
+              </p14:nvContentPartPr>
+              <p14:xfrm>
+                <a:off x="5168619" y="2074186"/>
+                <a:ext cx="509760" cy="14040"/>
+              </p14:xfrm>
+            </p:contentPart>
+          </mc:Choice>
+          <mc:Fallback>
+            <p:pic>
+              <p:nvPicPr>
+                <p:cNvPr id="39" name="Ink 38">
+                  <a:extLst>
+                    <a:ext uri="{FF2B5EF4-FFF2-40B4-BE49-F238E27FC236}">
+                      <a16:creationId xmlns:a16="http://schemas.microsoft.com/office/drawing/2014/main" id="{EBCFA986-2097-2DB9-7424-6EF79B3B6EA0}"/>
+                    </a:ext>
+                  </a:extLst>
+                </p:cNvPr>
+                <p:cNvPicPr/>
+                <p:nvPr/>
+              </p:nvPicPr>
+              <p:blipFill>
+                <a:blip r:embed="rId37"/>
+                <a:stretch>
+                  <a:fillRect/>
+                </a:stretch>
+              </p:blipFill>
+              <p:spPr>
+                <a:xfrm>
+                  <a:off x="5159619" y="2065546"/>
+                  <a:ext cx="527400" cy="31680"/>
+                </a:xfrm>
+                <a:prstGeom prst="rect">
+                  <a:avLst/>
+                </a:prstGeom>
+              </p:spPr>
+            </p:pic>
+          </mc:Fallback>
+        </mc:AlternateContent>
+      </p:grpSp>
+      <p:grpSp>
+        <p:nvGrpSpPr>
+          <p:cNvPr id="45" name="Group 44">
+            <a:extLst>
+              <a:ext uri="{FF2B5EF4-FFF2-40B4-BE49-F238E27FC236}">
+                <a16:creationId xmlns:a16="http://schemas.microsoft.com/office/drawing/2014/main" id="{FCD35E57-230A-7898-33FF-F5A39AE7D849}"/>
+              </a:ext>
+            </a:extLst>
+          </p:cNvPr>
+          <p:cNvGrpSpPr/>
+          <p:nvPr/>
+        </p:nvGrpSpPr>
+        <p:grpSpPr>
+          <a:xfrm>
+            <a:off x="5152419" y="2983186"/>
+            <a:ext cx="524880" cy="101520"/>
+            <a:chOff x="5152419" y="2983186"/>
+            <a:chExt cx="524880" cy="101520"/>
+          </a:xfrm>
+        </p:grpSpPr>
+        <mc:AlternateContent xmlns:mc="http://schemas.openxmlformats.org/markup-compatibility/2006">
+          <mc:Choice xmlns:p14="http://schemas.microsoft.com/office/powerpoint/2010/main" Requires="p14">
+            <p:contentPart p14:bwMode="auto" r:id="rId38">
+              <p14:nvContentPartPr>
+                <p14:cNvPr id="41" name="Ink 40">
+                  <a:extLst>
+                    <a:ext uri="{FF2B5EF4-FFF2-40B4-BE49-F238E27FC236}">
+                      <a16:creationId xmlns:a16="http://schemas.microsoft.com/office/drawing/2014/main" id="{87C798EC-56C2-C1F8-EB29-911066F16ABD}"/>
+                    </a:ext>
+                  </a:extLst>
+                </p14:cNvPr>
+                <p14:cNvContentPartPr/>
+                <p14:nvPr/>
+              </p14:nvContentPartPr>
+              <p14:xfrm>
+                <a:off x="5159979" y="2983186"/>
+                <a:ext cx="77760" cy="47520"/>
+              </p14:xfrm>
+            </p:contentPart>
+          </mc:Choice>
+          <mc:Fallback>
+            <p:pic>
+              <p:nvPicPr>
+                <p:cNvPr id="41" name="Ink 40">
+                  <a:extLst>
+                    <a:ext uri="{FF2B5EF4-FFF2-40B4-BE49-F238E27FC236}">
+                      <a16:creationId xmlns:a16="http://schemas.microsoft.com/office/drawing/2014/main" id="{87C798EC-56C2-C1F8-EB29-911066F16ABD}"/>
+                    </a:ext>
+                  </a:extLst>
+                </p:cNvPr>
+                <p:cNvPicPr/>
+                <p:nvPr/>
+              </p:nvPicPr>
+              <p:blipFill>
+                <a:blip r:embed="rId39"/>
+                <a:stretch>
+                  <a:fillRect/>
+                </a:stretch>
+              </p:blipFill>
+              <p:spPr>
+                <a:xfrm>
+                  <a:off x="5151339" y="2974186"/>
+                  <a:ext cx="95400" cy="65160"/>
+                </a:xfrm>
+                <a:prstGeom prst="rect">
+                  <a:avLst/>
+                </a:prstGeom>
+              </p:spPr>
+            </p:pic>
+          </mc:Fallback>
+        </mc:AlternateContent>
+        <mc:AlternateContent xmlns:mc="http://schemas.openxmlformats.org/markup-compatibility/2006">
+          <mc:Choice xmlns:p14="http://schemas.microsoft.com/office/powerpoint/2010/main" Requires="p14">
+            <p:contentPart p14:bwMode="auto" r:id="rId40">
+              <p14:nvContentPartPr>
+                <p14:cNvPr id="42" name="Ink 41">
+                  <a:extLst>
+                    <a:ext uri="{FF2B5EF4-FFF2-40B4-BE49-F238E27FC236}">
+                      <a16:creationId xmlns:a16="http://schemas.microsoft.com/office/drawing/2014/main" id="{FE7E3FEC-CB41-35AC-4D30-5CAFCDCC9CFF}"/>
+                    </a:ext>
+                  </a:extLst>
+                </p14:cNvPr>
+                <p14:cNvContentPartPr/>
+                <p14:nvPr/>
+              </p14:nvContentPartPr>
+              <p14:xfrm>
+                <a:off x="5152419" y="3032866"/>
+                <a:ext cx="113760" cy="51840"/>
+              </p14:xfrm>
+            </p:contentPart>
+          </mc:Choice>
+          <mc:Fallback>
+            <p:pic>
+              <p:nvPicPr>
+                <p:cNvPr id="42" name="Ink 41">
+                  <a:extLst>
+                    <a:ext uri="{FF2B5EF4-FFF2-40B4-BE49-F238E27FC236}">
+                      <a16:creationId xmlns:a16="http://schemas.microsoft.com/office/drawing/2014/main" id="{FE7E3FEC-CB41-35AC-4D30-5CAFCDCC9CFF}"/>
+                    </a:ext>
+                  </a:extLst>
+                </p:cNvPr>
+                <p:cNvPicPr/>
+                <p:nvPr/>
+              </p:nvPicPr>
+              <p:blipFill>
+                <a:blip r:embed="rId41"/>
+                <a:stretch>
+                  <a:fillRect/>
+                </a:stretch>
+              </p:blipFill>
+              <p:spPr>
+                <a:xfrm>
+                  <a:off x="5143419" y="3023866"/>
+                  <a:ext cx="131400" cy="69480"/>
+                </a:xfrm>
+                <a:prstGeom prst="rect">
+                  <a:avLst/>
+                </a:prstGeom>
+              </p:spPr>
+            </p:pic>
+          </mc:Fallback>
+        </mc:AlternateContent>
+        <mc:AlternateContent xmlns:mc="http://schemas.openxmlformats.org/markup-compatibility/2006">
+          <mc:Choice xmlns:p14="http://schemas.microsoft.com/office/powerpoint/2010/main" Requires="p14">
+            <p:contentPart p14:bwMode="auto" r:id="rId42">
+              <p14:nvContentPartPr>
+                <p14:cNvPr id="44" name="Ink 43">
+                  <a:extLst>
+                    <a:ext uri="{FF2B5EF4-FFF2-40B4-BE49-F238E27FC236}">
+                      <a16:creationId xmlns:a16="http://schemas.microsoft.com/office/drawing/2014/main" id="{4FA5EEB2-A13A-5F2C-727A-C7AA421E13FB}"/>
+                    </a:ext>
+                  </a:extLst>
+                </p14:cNvPr>
+                <p14:cNvContentPartPr/>
+                <p14:nvPr/>
+              </p14:nvContentPartPr>
+              <p14:xfrm>
+                <a:off x="5180139" y="3032866"/>
+                <a:ext cx="497160" cy="360"/>
+              </p14:xfrm>
+            </p:contentPart>
+          </mc:Choice>
+          <mc:Fallback>
+            <p:pic>
+              <p:nvPicPr>
+                <p:cNvPr id="44" name="Ink 43">
+                  <a:extLst>
+                    <a:ext uri="{FF2B5EF4-FFF2-40B4-BE49-F238E27FC236}">
+                      <a16:creationId xmlns:a16="http://schemas.microsoft.com/office/drawing/2014/main" id="{4FA5EEB2-A13A-5F2C-727A-C7AA421E13FB}"/>
+                    </a:ext>
+                  </a:extLst>
+                </p:cNvPr>
+                <p:cNvPicPr/>
+                <p:nvPr/>
+              </p:nvPicPr>
+              <p:blipFill>
+                <a:blip r:embed="rId43"/>
+                <a:stretch>
+                  <a:fillRect/>
+                </a:stretch>
+              </p:blipFill>
+              <p:spPr>
+                <a:xfrm>
+                  <a:off x="5171499" y="3024226"/>
+                  <a:ext cx="514800" cy="18000"/>
+                </a:xfrm>
+                <a:prstGeom prst="rect">
+                  <a:avLst/>
+                </a:prstGeom>
+              </p:spPr>
+            </p:pic>
+          </mc:Fallback>
+        </mc:AlternateContent>
+      </p:grpSp>
+      <p:grpSp>
+        <p:nvGrpSpPr>
+          <p:cNvPr id="46" name="Group 45">
+            <a:extLst>
+              <a:ext uri="{FF2B5EF4-FFF2-40B4-BE49-F238E27FC236}">
+                <a16:creationId xmlns:a16="http://schemas.microsoft.com/office/drawing/2014/main" id="{8FA72CC7-F4C9-76FF-78BE-76F42C8D5762}"/>
+              </a:ext>
+            </a:extLst>
+          </p:cNvPr>
+          <p:cNvGrpSpPr/>
+          <p:nvPr/>
+        </p:nvGrpSpPr>
+        <p:grpSpPr>
+          <a:xfrm>
+            <a:off x="2713157" y="1046136"/>
+            <a:ext cx="531360" cy="159480"/>
+            <a:chOff x="5177259" y="1114426"/>
+            <a:chExt cx="531360" cy="159480"/>
+          </a:xfrm>
+        </p:grpSpPr>
+        <mc:AlternateContent xmlns:mc="http://schemas.openxmlformats.org/markup-compatibility/2006">
+          <mc:Choice xmlns:p14="http://schemas.microsoft.com/office/powerpoint/2010/main" Requires="p14">
+            <p:contentPart p14:bwMode="auto" r:id="rId44">
+              <p14:nvContentPartPr>
+                <p14:cNvPr id="47" name="Ink 46">
+                  <a:extLst>
+                    <a:ext uri="{FF2B5EF4-FFF2-40B4-BE49-F238E27FC236}">
+                      <a16:creationId xmlns:a16="http://schemas.microsoft.com/office/drawing/2014/main" id="{72CE9068-F797-5E19-843B-22FEAC2A6605}"/>
+                    </a:ext>
+                  </a:extLst>
+                </p14:cNvPr>
+                <p14:cNvContentPartPr/>
+                <p14:nvPr/>
+              </p14:nvContentPartPr>
+              <p14:xfrm>
+                <a:off x="5205339" y="1176706"/>
+                <a:ext cx="503280" cy="35640"/>
+              </p14:xfrm>
+            </p:contentPart>
+          </mc:Choice>
+          <mc:Fallback>
+            <p:pic>
+              <p:nvPicPr>
+                <p:cNvPr id="47" name="Ink 46">
+                  <a:extLst>
+                    <a:ext uri="{FF2B5EF4-FFF2-40B4-BE49-F238E27FC236}">
+                      <a16:creationId xmlns:a16="http://schemas.microsoft.com/office/drawing/2014/main" id="{72CE9068-F797-5E19-843B-22FEAC2A6605}"/>
+                    </a:ext>
+                  </a:extLst>
+                </p:cNvPr>
+                <p:cNvPicPr/>
+                <p:nvPr/>
+              </p:nvPicPr>
+              <p:blipFill>
+                <a:blip r:embed="rId27"/>
+                <a:stretch>
+                  <a:fillRect/>
+                </a:stretch>
+              </p:blipFill>
+              <p:spPr>
+                <a:xfrm>
+                  <a:off x="5196339" y="1168066"/>
+                  <a:ext cx="520920" cy="53280"/>
+                </a:xfrm>
+                <a:prstGeom prst="rect">
+                  <a:avLst/>
+                </a:prstGeom>
+              </p:spPr>
+            </p:pic>
+          </mc:Fallback>
+        </mc:AlternateContent>
+        <mc:AlternateContent xmlns:mc="http://schemas.openxmlformats.org/markup-compatibility/2006">
+          <mc:Choice xmlns:p14="http://schemas.microsoft.com/office/powerpoint/2010/main" Requires="p14">
+            <p:contentPart p14:bwMode="auto" r:id="rId45">
+              <p14:nvContentPartPr>
+                <p14:cNvPr id="48" name="Ink 47">
+                  <a:extLst>
+                    <a:ext uri="{FF2B5EF4-FFF2-40B4-BE49-F238E27FC236}">
+                      <a16:creationId xmlns:a16="http://schemas.microsoft.com/office/drawing/2014/main" id="{6E1DD446-8AA5-F851-E08D-630A4F3BB74E}"/>
+                    </a:ext>
+                  </a:extLst>
+                </p14:cNvPr>
+                <p14:cNvContentPartPr/>
+                <p14:nvPr/>
+              </p14:nvContentPartPr>
+              <p14:xfrm>
+                <a:off x="5183379" y="1114426"/>
+                <a:ext cx="77760" cy="62280"/>
+              </p14:xfrm>
+            </p:contentPart>
+          </mc:Choice>
+          <mc:Fallback>
+            <p:pic>
+              <p:nvPicPr>
+                <p:cNvPr id="48" name="Ink 47">
+                  <a:extLst>
+                    <a:ext uri="{FF2B5EF4-FFF2-40B4-BE49-F238E27FC236}">
+                      <a16:creationId xmlns:a16="http://schemas.microsoft.com/office/drawing/2014/main" id="{6E1DD446-8AA5-F851-E08D-630A4F3BB74E}"/>
+                    </a:ext>
+                  </a:extLst>
+                </p:cNvPr>
+                <p:cNvPicPr/>
+                <p:nvPr/>
+              </p:nvPicPr>
+              <p:blipFill>
+                <a:blip r:embed="rId29"/>
+                <a:stretch>
+                  <a:fillRect/>
+                </a:stretch>
+              </p:blipFill>
+              <p:spPr>
+                <a:xfrm>
+                  <a:off x="5174739" y="1105786"/>
+                  <a:ext cx="95400" cy="79920"/>
+                </a:xfrm>
+                <a:prstGeom prst="rect">
+                  <a:avLst/>
+                </a:prstGeom>
+              </p:spPr>
+            </p:pic>
+          </mc:Fallback>
+        </mc:AlternateContent>
+        <mc:AlternateContent xmlns:mc="http://schemas.openxmlformats.org/markup-compatibility/2006">
+          <mc:Choice xmlns:p14="http://schemas.microsoft.com/office/powerpoint/2010/main" Requires="p14">
+            <p:contentPart p14:bwMode="auto" r:id="rId46">
+              <p14:nvContentPartPr>
+                <p14:cNvPr id="53" name="Ink 52">
+                  <a:extLst>
+                    <a:ext uri="{FF2B5EF4-FFF2-40B4-BE49-F238E27FC236}">
+                      <a16:creationId xmlns:a16="http://schemas.microsoft.com/office/drawing/2014/main" id="{48BD0408-E2CB-E468-26F3-19852BB74692}"/>
+                    </a:ext>
+                  </a:extLst>
+                </p14:cNvPr>
+                <p14:cNvContentPartPr/>
+                <p14:nvPr/>
+              </p14:nvContentPartPr>
+              <p14:xfrm>
+                <a:off x="5177259" y="1173466"/>
+                <a:ext cx="61920" cy="100440"/>
+              </p14:xfrm>
+            </p:contentPart>
+          </mc:Choice>
+          <mc:Fallback>
+            <p:pic>
+              <p:nvPicPr>
+                <p:cNvPr id="53" name="Ink 52">
+                  <a:extLst>
+                    <a:ext uri="{FF2B5EF4-FFF2-40B4-BE49-F238E27FC236}">
+                      <a16:creationId xmlns:a16="http://schemas.microsoft.com/office/drawing/2014/main" id="{48BD0408-E2CB-E468-26F3-19852BB74692}"/>
+                    </a:ext>
+                  </a:extLst>
+                </p:cNvPr>
+                <p:cNvPicPr/>
+                <p:nvPr/>
+              </p:nvPicPr>
+              <p:blipFill>
+                <a:blip r:embed="rId31"/>
+                <a:stretch>
+                  <a:fillRect/>
+                </a:stretch>
+              </p:blipFill>
+              <p:spPr>
+                <a:xfrm>
+                  <a:off x="5168619" y="1164826"/>
+                  <a:ext cx="79560" cy="118080"/>
+                </a:xfrm>
+                <a:prstGeom prst="rect">
+                  <a:avLst/>
+                </a:prstGeom>
+              </p:spPr>
+            </p:pic>
+          </mc:Fallback>
+        </mc:AlternateContent>
+      </p:grpSp>
+      <p:grpSp>
+        <p:nvGrpSpPr>
+          <p:cNvPr id="54" name="Group 53">
+            <a:extLst>
+              <a:ext uri="{FF2B5EF4-FFF2-40B4-BE49-F238E27FC236}">
+                <a16:creationId xmlns:a16="http://schemas.microsoft.com/office/drawing/2014/main" id="{F9713F0F-37F5-30A0-377A-FE4AFEC3DDEF}"/>
+              </a:ext>
+            </a:extLst>
+          </p:cNvPr>
+          <p:cNvGrpSpPr/>
+          <p:nvPr/>
+        </p:nvGrpSpPr>
+        <p:grpSpPr>
+          <a:xfrm>
+            <a:off x="2680757" y="1944696"/>
+            <a:ext cx="533520" cy="126360"/>
+            <a:chOff x="5144859" y="2012986"/>
+            <a:chExt cx="533520" cy="126360"/>
+          </a:xfrm>
+        </p:grpSpPr>
+        <mc:AlternateContent xmlns:mc="http://schemas.openxmlformats.org/markup-compatibility/2006">
+          <mc:Choice xmlns:p14="http://schemas.microsoft.com/office/powerpoint/2010/main" Requires="p14">
+            <p:contentPart p14:bwMode="auto" r:id="rId47">
+              <p14:nvContentPartPr>
+                <p14:cNvPr id="55" name="Ink 54">
+                  <a:extLst>
+                    <a:ext uri="{FF2B5EF4-FFF2-40B4-BE49-F238E27FC236}">
+                      <a16:creationId xmlns:a16="http://schemas.microsoft.com/office/drawing/2014/main" id="{3551F46F-5815-5F16-31A8-9A9F141EBCB3}"/>
+                    </a:ext>
+                  </a:extLst>
+                </p14:cNvPr>
+                <p14:cNvContentPartPr/>
+                <p14:nvPr/>
+              </p14:nvContentPartPr>
+              <p14:xfrm>
+                <a:off x="5171139" y="2012986"/>
+                <a:ext cx="68040" cy="64080"/>
+              </p14:xfrm>
+            </p:contentPart>
+          </mc:Choice>
+          <mc:Fallback>
+            <p:pic>
+              <p:nvPicPr>
+                <p:cNvPr id="55" name="Ink 54">
+                  <a:extLst>
+                    <a:ext uri="{FF2B5EF4-FFF2-40B4-BE49-F238E27FC236}">
+                      <a16:creationId xmlns:a16="http://schemas.microsoft.com/office/drawing/2014/main" id="{3551F46F-5815-5F16-31A8-9A9F141EBCB3}"/>
+                    </a:ext>
+                  </a:extLst>
+                </p:cNvPr>
+                <p:cNvPicPr/>
+                <p:nvPr/>
+              </p:nvPicPr>
+              <p:blipFill>
+                <a:blip r:embed="rId33"/>
+                <a:stretch>
+                  <a:fillRect/>
+                </a:stretch>
+              </p:blipFill>
+              <p:spPr>
+                <a:xfrm>
+                  <a:off x="5162139" y="2004346"/>
+                  <a:ext cx="85680" cy="81720"/>
+                </a:xfrm>
+                <a:prstGeom prst="rect">
+                  <a:avLst/>
+                </a:prstGeom>
+              </p:spPr>
+            </p:pic>
+          </mc:Fallback>
+        </mc:AlternateContent>
+        <mc:AlternateContent xmlns:mc="http://schemas.openxmlformats.org/markup-compatibility/2006">
+          <mc:Choice xmlns:p14="http://schemas.microsoft.com/office/powerpoint/2010/main" Requires="p14">
+            <p:contentPart p14:bwMode="auto" r:id="rId48">
+              <p14:nvContentPartPr>
+                <p14:cNvPr id="56" name="Ink 55">
+                  <a:extLst>
+                    <a:ext uri="{FF2B5EF4-FFF2-40B4-BE49-F238E27FC236}">
+                      <a16:creationId xmlns:a16="http://schemas.microsoft.com/office/drawing/2014/main" id="{9B127167-E0EC-A89E-1C30-34A292FAD73E}"/>
+                    </a:ext>
+                  </a:extLst>
+                </p14:cNvPr>
+                <p14:cNvContentPartPr/>
+                <p14:nvPr/>
+              </p14:nvContentPartPr>
+              <p14:xfrm>
+                <a:off x="5144859" y="2071666"/>
+                <a:ext cx="156600" cy="67680"/>
+              </p14:xfrm>
+            </p:contentPart>
+          </mc:Choice>
+          <mc:Fallback>
+            <p:pic>
+              <p:nvPicPr>
+                <p:cNvPr id="56" name="Ink 55">
+                  <a:extLst>
+                    <a:ext uri="{FF2B5EF4-FFF2-40B4-BE49-F238E27FC236}">
+                      <a16:creationId xmlns:a16="http://schemas.microsoft.com/office/drawing/2014/main" id="{9B127167-E0EC-A89E-1C30-34A292FAD73E}"/>
+                    </a:ext>
+                  </a:extLst>
+                </p:cNvPr>
+                <p:cNvPicPr/>
+                <p:nvPr/>
+              </p:nvPicPr>
+              <p:blipFill>
+                <a:blip r:embed="rId35"/>
+                <a:stretch>
+                  <a:fillRect/>
+                </a:stretch>
+              </p:blipFill>
+              <p:spPr>
+                <a:xfrm>
+                  <a:off x="5136219" y="2063026"/>
+                  <a:ext cx="174240" cy="85320"/>
+                </a:xfrm>
+                <a:prstGeom prst="rect">
+                  <a:avLst/>
+                </a:prstGeom>
+              </p:spPr>
+            </p:pic>
+          </mc:Fallback>
+        </mc:AlternateContent>
+        <mc:AlternateContent xmlns:mc="http://schemas.openxmlformats.org/markup-compatibility/2006">
+          <mc:Choice xmlns:p14="http://schemas.microsoft.com/office/powerpoint/2010/main" Requires="p14">
+            <p:contentPart p14:bwMode="auto" r:id="rId49">
+              <p14:nvContentPartPr>
+                <p14:cNvPr id="57" name="Ink 56">
+                  <a:extLst>
+                    <a:ext uri="{FF2B5EF4-FFF2-40B4-BE49-F238E27FC236}">
+                      <a16:creationId xmlns:a16="http://schemas.microsoft.com/office/drawing/2014/main" id="{1A137FA5-7A15-766F-DCB0-5D9A34BE6E4A}"/>
+                    </a:ext>
+                  </a:extLst>
+                </p14:cNvPr>
+                <p14:cNvContentPartPr/>
+                <p14:nvPr/>
+              </p14:nvContentPartPr>
+              <p14:xfrm>
+                <a:off x="5168619" y="2074186"/>
+                <a:ext cx="509760" cy="14040"/>
+              </p14:xfrm>
+            </p:contentPart>
+          </mc:Choice>
+          <mc:Fallback>
+            <p:pic>
+              <p:nvPicPr>
+                <p:cNvPr id="57" name="Ink 56">
+                  <a:extLst>
+                    <a:ext uri="{FF2B5EF4-FFF2-40B4-BE49-F238E27FC236}">
+                      <a16:creationId xmlns:a16="http://schemas.microsoft.com/office/drawing/2014/main" id="{1A137FA5-7A15-766F-DCB0-5D9A34BE6E4A}"/>
+                    </a:ext>
+                  </a:extLst>
+                </p:cNvPr>
+                <p:cNvPicPr/>
+                <p:nvPr/>
+              </p:nvPicPr>
+              <p:blipFill>
+                <a:blip r:embed="rId37"/>
+                <a:stretch>
+                  <a:fillRect/>
+                </a:stretch>
+              </p:blipFill>
+              <p:spPr>
+                <a:xfrm>
+                  <a:off x="5159619" y="2065546"/>
+                  <a:ext cx="527400" cy="31680"/>
+                </a:xfrm>
+                <a:prstGeom prst="rect">
+                  <a:avLst/>
+                </a:prstGeom>
+              </p:spPr>
+            </p:pic>
+          </mc:Fallback>
+        </mc:AlternateContent>
+      </p:grpSp>
+      <p:grpSp>
+        <p:nvGrpSpPr>
+          <p:cNvPr id="58" name="Group 57">
+            <a:extLst>
+              <a:ext uri="{FF2B5EF4-FFF2-40B4-BE49-F238E27FC236}">
+                <a16:creationId xmlns:a16="http://schemas.microsoft.com/office/drawing/2014/main" id="{9CE624C7-9DDE-C595-87F8-C49D884B4C05}"/>
+              </a:ext>
+            </a:extLst>
+          </p:cNvPr>
+          <p:cNvGrpSpPr/>
+          <p:nvPr/>
+        </p:nvGrpSpPr>
+        <p:grpSpPr>
+          <a:xfrm>
+            <a:off x="2688317" y="2914896"/>
+            <a:ext cx="524880" cy="101520"/>
+            <a:chOff x="5152419" y="2983186"/>
+            <a:chExt cx="524880" cy="101520"/>
+          </a:xfrm>
+        </p:grpSpPr>
+        <mc:AlternateContent xmlns:mc="http://schemas.openxmlformats.org/markup-compatibility/2006">
+          <mc:Choice xmlns:p14="http://schemas.microsoft.com/office/powerpoint/2010/main" Requires="p14">
+            <p:contentPart p14:bwMode="auto" r:id="rId50">
+              <p14:nvContentPartPr>
+                <p14:cNvPr id="59" name="Ink 58">
+                  <a:extLst>
+                    <a:ext uri="{FF2B5EF4-FFF2-40B4-BE49-F238E27FC236}">
+                      <a16:creationId xmlns:a16="http://schemas.microsoft.com/office/drawing/2014/main" id="{C6A884A6-76B1-E403-D31E-A9CD0EBE9963}"/>
+                    </a:ext>
+                  </a:extLst>
+                </p14:cNvPr>
+                <p14:cNvContentPartPr/>
+                <p14:nvPr/>
+              </p14:nvContentPartPr>
+              <p14:xfrm>
+                <a:off x="5159979" y="2983186"/>
+                <a:ext cx="77760" cy="47520"/>
+              </p14:xfrm>
+            </p:contentPart>
+          </mc:Choice>
+          <mc:Fallback>
+            <p:pic>
+              <p:nvPicPr>
+                <p:cNvPr id="59" name="Ink 58">
+                  <a:extLst>
+                    <a:ext uri="{FF2B5EF4-FFF2-40B4-BE49-F238E27FC236}">
+                      <a16:creationId xmlns:a16="http://schemas.microsoft.com/office/drawing/2014/main" id="{C6A884A6-76B1-E403-D31E-A9CD0EBE9963}"/>
+                    </a:ext>
+                  </a:extLst>
+                </p:cNvPr>
+                <p:cNvPicPr/>
+                <p:nvPr/>
+              </p:nvPicPr>
+              <p:blipFill>
+                <a:blip r:embed="rId39"/>
+                <a:stretch>
+                  <a:fillRect/>
+                </a:stretch>
+              </p:blipFill>
+              <p:spPr>
+                <a:xfrm>
+                  <a:off x="5151339" y="2974186"/>
+                  <a:ext cx="95400" cy="65160"/>
+                </a:xfrm>
+                <a:prstGeom prst="rect">
+                  <a:avLst/>
+                </a:prstGeom>
+              </p:spPr>
+            </p:pic>
+          </mc:Fallback>
+        </mc:AlternateContent>
+        <mc:AlternateContent xmlns:mc="http://schemas.openxmlformats.org/markup-compatibility/2006">
+          <mc:Choice xmlns:p14="http://schemas.microsoft.com/office/powerpoint/2010/main" Requires="p14">
+            <p:contentPart p14:bwMode="auto" r:id="rId51">
+              <p14:nvContentPartPr>
+                <p14:cNvPr id="60" name="Ink 59">
+                  <a:extLst>
+                    <a:ext uri="{FF2B5EF4-FFF2-40B4-BE49-F238E27FC236}">
+                      <a16:creationId xmlns:a16="http://schemas.microsoft.com/office/drawing/2014/main" id="{28B95967-A95F-AE4F-0CA0-4A4B67540054}"/>
+                    </a:ext>
+                  </a:extLst>
+                </p14:cNvPr>
+                <p14:cNvContentPartPr/>
+                <p14:nvPr/>
+              </p14:nvContentPartPr>
+              <p14:xfrm>
+                <a:off x="5152419" y="3032866"/>
+                <a:ext cx="113760" cy="51840"/>
+              </p14:xfrm>
+            </p:contentPart>
+          </mc:Choice>
+          <mc:Fallback>
+            <p:pic>
+              <p:nvPicPr>
+                <p:cNvPr id="60" name="Ink 59">
+                  <a:extLst>
+                    <a:ext uri="{FF2B5EF4-FFF2-40B4-BE49-F238E27FC236}">
+                      <a16:creationId xmlns:a16="http://schemas.microsoft.com/office/drawing/2014/main" id="{28B95967-A95F-AE4F-0CA0-4A4B67540054}"/>
+                    </a:ext>
+                  </a:extLst>
+                </p:cNvPr>
+                <p:cNvPicPr/>
+                <p:nvPr/>
+              </p:nvPicPr>
+              <p:blipFill>
+                <a:blip r:embed="rId41"/>
+                <a:stretch>
+                  <a:fillRect/>
+                </a:stretch>
+              </p:blipFill>
+              <p:spPr>
+                <a:xfrm>
+                  <a:off x="5143419" y="3023866"/>
+                  <a:ext cx="131400" cy="69480"/>
+                </a:xfrm>
+                <a:prstGeom prst="rect">
+                  <a:avLst/>
+                </a:prstGeom>
+              </p:spPr>
+            </p:pic>
+          </mc:Fallback>
+        </mc:AlternateContent>
+        <mc:AlternateContent xmlns:mc="http://schemas.openxmlformats.org/markup-compatibility/2006">
+          <mc:Choice xmlns:p14="http://schemas.microsoft.com/office/powerpoint/2010/main" Requires="p14">
+            <p:contentPart p14:bwMode="auto" r:id="rId52">
+              <p14:nvContentPartPr>
+                <p14:cNvPr id="61" name="Ink 60">
+                  <a:extLst>
+                    <a:ext uri="{FF2B5EF4-FFF2-40B4-BE49-F238E27FC236}">
+                      <a16:creationId xmlns:a16="http://schemas.microsoft.com/office/drawing/2014/main" id="{5D21A41B-4B75-21DD-ACE0-2AC8BF23904B}"/>
+                    </a:ext>
+                  </a:extLst>
+                </p14:cNvPr>
+                <p14:cNvContentPartPr/>
+                <p14:nvPr/>
+              </p14:nvContentPartPr>
+              <p14:xfrm>
+                <a:off x="5180139" y="3032866"/>
+                <a:ext cx="497160" cy="360"/>
+              </p14:xfrm>
+            </p:contentPart>
+          </mc:Choice>
+          <mc:Fallback>
+            <p:pic>
+              <p:nvPicPr>
+                <p:cNvPr id="61" name="Ink 60">
+                  <a:extLst>
+                    <a:ext uri="{FF2B5EF4-FFF2-40B4-BE49-F238E27FC236}">
+                      <a16:creationId xmlns:a16="http://schemas.microsoft.com/office/drawing/2014/main" id="{5D21A41B-4B75-21DD-ACE0-2AC8BF23904B}"/>
+                    </a:ext>
+                  </a:extLst>
+                </p:cNvPr>
+                <p:cNvPicPr/>
+                <p:nvPr/>
+              </p:nvPicPr>
+              <p:blipFill>
+                <a:blip r:embed="rId43"/>
+                <a:stretch>
+                  <a:fillRect/>
+                </a:stretch>
+              </p:blipFill>
+              <p:spPr>
+                <a:xfrm>
+                  <a:off x="5171499" y="3024226"/>
+                  <a:ext cx="514800" cy="18000"/>
+                </a:xfrm>
+                <a:prstGeom prst="rect">
+                  <a:avLst/>
+                </a:prstGeom>
+              </p:spPr>
+            </p:pic>
+          </mc:Fallback>
+        </mc:AlternateContent>
+      </p:grpSp>
     </p:spTree>
     <p:extLst>
       <p:ext uri="{BB962C8B-B14F-4D97-AF65-F5344CB8AC3E}">
@@ -4635,7 +7054,7 @@
         <p:spPr>
           <a:xfrm>
             <a:off x="2094411" y="0"/>
-            <a:ext cx="8003177" cy="523220"/>
+            <a:ext cx="8003177" cy="400110"/>
           </a:xfrm>
           <a:prstGeom prst="rect">
             <a:avLst/>
@@ -4650,8 +7069,8 @@
           <a:p>
             <a:pPr algn="ctr"/>
             <a:r>
-              <a:rPr lang="en-US" sz="1400"/>
-              <a:t>USX01: As someone who loves to do projects myself, I want a way to organize the costs so that I can make a guided decision regarding expenses.</a:t>
+              <a:rPr lang="en-US" sz="2000"/>
+              <a:t>STARTUP SEQUENCE DIAGRAM</a:t>
             </a:r>
           </a:p>
         </p:txBody>
@@ -4670,7 +7089,7 @@
         </p:nvSpPr>
         <p:spPr>
           <a:xfrm>
-            <a:off x="0" y="523220"/>
+            <a:off x="2352020" y="507502"/>
             <a:ext cx="1325971" cy="494492"/>
           </a:xfrm>
           <a:prstGeom prst="rect">
@@ -4679,7 +7098,7 @@
           <a:noFill/>
           <a:ln w="38100">
             <a:solidFill>
-              <a:schemeClr val="accent1"/>
+              <a:schemeClr val="accent2"/>
             </a:solidFill>
           </a:ln>
         </p:spPr>
@@ -4729,7 +7148,7 @@
         </p:nvSpPr>
         <p:spPr>
           <a:xfrm>
-            <a:off x="1545772" y="523220"/>
+            <a:off x="6973509" y="515361"/>
             <a:ext cx="1325971" cy="494492"/>
           </a:xfrm>
           <a:prstGeom prst="rect">
@@ -4738,7 +7157,7 @@
           <a:noFill/>
           <a:ln w="38100">
             <a:solidFill>
-              <a:schemeClr val="accent1"/>
+              <a:schemeClr val="accent2"/>
             </a:solidFill>
           </a:ln>
         </p:spPr>
@@ -4774,242 +7193,6 @@
           </a:p>
         </p:txBody>
       </p:sp>
-      <p:sp>
-        <p:nvSpPr>
-          <p:cNvPr id="5" name="Rectangle 4">
-            <a:extLst>
-              <a:ext uri="{FF2B5EF4-FFF2-40B4-BE49-F238E27FC236}">
-                <a16:creationId xmlns:a16="http://schemas.microsoft.com/office/drawing/2014/main" id="{7BC51680-E948-C36F-C1AA-5D2957FB752D}"/>
-              </a:ext>
-            </a:extLst>
-          </p:cNvPr>
-          <p:cNvSpPr/>
-          <p:nvPr/>
-        </p:nvSpPr>
-        <p:spPr>
-          <a:xfrm>
-            <a:off x="4637313" y="523220"/>
-            <a:ext cx="1325971" cy="494492"/>
-          </a:xfrm>
-          <a:prstGeom prst="rect">
-            <a:avLst/>
-          </a:prstGeom>
-          <a:noFill/>
-          <a:ln w="38100">
-            <a:solidFill>
-              <a:schemeClr val="accent1"/>
-            </a:solidFill>
-          </a:ln>
-        </p:spPr>
-        <p:style>
-          <a:lnRef idx="2">
-            <a:schemeClr val="accent1">
-              <a:shade val="15000"/>
-            </a:schemeClr>
-          </a:lnRef>
-          <a:fillRef idx="1">
-            <a:schemeClr val="accent1"/>
-          </a:fillRef>
-          <a:effectRef idx="0">
-            <a:schemeClr val="accent1"/>
-          </a:effectRef>
-          <a:fontRef idx="minor">
-            <a:schemeClr val="lt1"/>
-          </a:fontRef>
-        </p:style>
-        <p:txBody>
-          <a:bodyPr rtlCol="0" anchor="ctr"/>
-          <a:lstStyle/>
-          <a:p>
-            <a:pPr algn="ctr"/>
-            <a:r>
-              <a:rPr lang="en-US" sz="1200">
-                <a:solidFill>
-                  <a:schemeClr val="tx1"/>
-                </a:solidFill>
-              </a:rPr>
-              <a:t>ProjectView</a:t>
-            </a:r>
-          </a:p>
-        </p:txBody>
-      </p:sp>
-      <p:sp>
-        <p:nvSpPr>
-          <p:cNvPr id="6" name="Rectangle 5">
-            <a:extLst>
-              <a:ext uri="{FF2B5EF4-FFF2-40B4-BE49-F238E27FC236}">
-                <a16:creationId xmlns:a16="http://schemas.microsoft.com/office/drawing/2014/main" id="{BCAB8685-902F-0BFF-F75D-030E2D3A404C}"/>
-              </a:ext>
-            </a:extLst>
-          </p:cNvPr>
-          <p:cNvSpPr/>
-          <p:nvPr/>
-        </p:nvSpPr>
-        <p:spPr>
-          <a:xfrm>
-            <a:off x="6183085" y="523220"/>
-            <a:ext cx="1325971" cy="494492"/>
-          </a:xfrm>
-          <a:prstGeom prst="rect">
-            <a:avLst/>
-          </a:prstGeom>
-          <a:noFill/>
-          <a:ln w="38100">
-            <a:solidFill>
-              <a:schemeClr val="accent1"/>
-            </a:solidFill>
-          </a:ln>
-        </p:spPr>
-        <p:style>
-          <a:lnRef idx="2">
-            <a:schemeClr val="accent1">
-              <a:shade val="15000"/>
-            </a:schemeClr>
-          </a:lnRef>
-          <a:fillRef idx="1">
-            <a:schemeClr val="accent1"/>
-          </a:fillRef>
-          <a:effectRef idx="0">
-            <a:schemeClr val="accent1"/>
-          </a:effectRef>
-          <a:fontRef idx="minor">
-            <a:schemeClr val="lt1"/>
-          </a:fontRef>
-        </p:style>
-        <p:txBody>
-          <a:bodyPr rtlCol="0" anchor="ctr"/>
-          <a:lstStyle/>
-          <a:p>
-            <a:pPr algn="ctr"/>
-            <a:r>
-              <a:rPr lang="en-US" sz="1200">
-                <a:solidFill>
-                  <a:schemeClr val="tx1"/>
-                </a:solidFill>
-              </a:rPr>
-              <a:t>BudgetView</a:t>
-            </a:r>
-          </a:p>
-        </p:txBody>
-      </p:sp>
-      <p:sp>
-        <p:nvSpPr>
-          <p:cNvPr id="7" name="Rectangle 6">
-            <a:extLst>
-              <a:ext uri="{FF2B5EF4-FFF2-40B4-BE49-F238E27FC236}">
-                <a16:creationId xmlns:a16="http://schemas.microsoft.com/office/drawing/2014/main" id="{CD1D4CA1-6BBB-94F9-43ED-D1A98C2DB13C}"/>
-              </a:ext>
-            </a:extLst>
-          </p:cNvPr>
-          <p:cNvSpPr/>
-          <p:nvPr/>
-        </p:nvSpPr>
-        <p:spPr>
-          <a:xfrm>
-            <a:off x="7728857" y="523220"/>
-            <a:ext cx="1325971" cy="494492"/>
-          </a:xfrm>
-          <a:prstGeom prst="rect">
-            <a:avLst/>
-          </a:prstGeom>
-          <a:noFill/>
-          <a:ln w="38100">
-            <a:solidFill>
-              <a:schemeClr val="accent1"/>
-            </a:solidFill>
-          </a:ln>
-        </p:spPr>
-        <p:style>
-          <a:lnRef idx="2">
-            <a:schemeClr val="accent1">
-              <a:shade val="15000"/>
-            </a:schemeClr>
-          </a:lnRef>
-          <a:fillRef idx="1">
-            <a:schemeClr val="accent1"/>
-          </a:fillRef>
-          <a:effectRef idx="0">
-            <a:schemeClr val="accent1"/>
-          </a:effectRef>
-          <a:fontRef idx="minor">
-            <a:schemeClr val="lt1"/>
-          </a:fontRef>
-        </p:style>
-        <p:txBody>
-          <a:bodyPr rtlCol="0" anchor="ctr"/>
-          <a:lstStyle/>
-          <a:p>
-            <a:pPr algn="ctr"/>
-            <a:r>
-              <a:rPr lang="en-US" sz="1200">
-                <a:solidFill>
-                  <a:schemeClr val="tx1"/>
-                </a:solidFill>
-              </a:rPr>
-              <a:t>BudgetController</a:t>
-            </a:r>
-          </a:p>
-        </p:txBody>
-      </p:sp>
-      <p:sp>
-        <p:nvSpPr>
-          <p:cNvPr id="8" name="Rectangle 7">
-            <a:extLst>
-              <a:ext uri="{FF2B5EF4-FFF2-40B4-BE49-F238E27FC236}">
-                <a16:creationId xmlns:a16="http://schemas.microsoft.com/office/drawing/2014/main" id="{B544BF9E-BE1B-965A-FDAF-87252A518D67}"/>
-              </a:ext>
-            </a:extLst>
-          </p:cNvPr>
-          <p:cNvSpPr/>
-          <p:nvPr/>
-        </p:nvSpPr>
-        <p:spPr>
-          <a:xfrm>
-            <a:off x="9301887" y="523220"/>
-            <a:ext cx="1325971" cy="494492"/>
-          </a:xfrm>
-          <a:prstGeom prst="rect">
-            <a:avLst/>
-          </a:prstGeom>
-          <a:noFill/>
-          <a:ln w="38100">
-            <a:solidFill>
-              <a:schemeClr val="accent1"/>
-            </a:solidFill>
-          </a:ln>
-        </p:spPr>
-        <p:style>
-          <a:lnRef idx="2">
-            <a:schemeClr val="accent1">
-              <a:shade val="15000"/>
-            </a:schemeClr>
-          </a:lnRef>
-          <a:fillRef idx="1">
-            <a:schemeClr val="accent1"/>
-          </a:fillRef>
-          <a:effectRef idx="0">
-            <a:schemeClr val="accent1"/>
-          </a:effectRef>
-          <a:fontRef idx="minor">
-            <a:schemeClr val="lt1"/>
-          </a:fontRef>
-        </p:style>
-        <p:txBody>
-          <a:bodyPr rtlCol="0" anchor="ctr"/>
-          <a:lstStyle/>
-          <a:p>
-            <a:pPr algn="ctr"/>
-            <a:r>
-              <a:rPr lang="en-US" sz="1200">
-                <a:solidFill>
-                  <a:schemeClr val="tx1"/>
-                </a:solidFill>
-              </a:rPr>
-              <a:t>Budget</a:t>
-            </a:r>
-          </a:p>
-        </p:txBody>
-      </p:sp>
       <p:cxnSp>
         <p:nvCxnSpPr>
           <p:cNvPr id="10" name="Straight Connector 9">
@@ -5026,13 +7209,16 @@
         </p:nvCxnSpPr>
         <p:spPr>
           <a:xfrm>
-            <a:off x="662985" y="1367246"/>
+            <a:off x="3015005" y="1351528"/>
             <a:ext cx="1" cy="5490754"/>
           </a:xfrm>
           <a:prstGeom prst="line">
             <a:avLst/>
           </a:prstGeom>
           <a:ln w="38100">
+            <a:solidFill>
+              <a:schemeClr val="tx2"/>
+            </a:solidFill>
             <a:prstDash val="dash"/>
           </a:ln>
         </p:spPr>
@@ -5067,6 +7253,1627 @@
         </p:nvCxnSpPr>
         <p:spPr>
           <a:xfrm>
+            <a:off x="7636494" y="1359387"/>
+            <a:ext cx="1" cy="5490754"/>
+          </a:xfrm>
+          <a:prstGeom prst="line">
+            <a:avLst/>
+          </a:prstGeom>
+          <a:ln w="38100">
+            <a:solidFill>
+              <a:schemeClr val="tx2"/>
+            </a:solidFill>
+            <a:prstDash val="dash"/>
+          </a:ln>
+        </p:spPr>
+        <p:style>
+          <a:lnRef idx="1">
+            <a:schemeClr val="accent1"/>
+          </a:lnRef>
+          <a:fillRef idx="0">
+            <a:schemeClr val="accent1"/>
+          </a:fillRef>
+          <a:effectRef idx="0">
+            <a:schemeClr val="accent1"/>
+          </a:effectRef>
+          <a:fontRef idx="minor">
+            <a:schemeClr val="tx1"/>
+          </a:fontRef>
+        </p:style>
+      </p:cxnSp>
+      <p:sp>
+        <p:nvSpPr>
+          <p:cNvPr id="19" name="Rectangle 18">
+            <a:extLst>
+              <a:ext uri="{FF2B5EF4-FFF2-40B4-BE49-F238E27FC236}">
+                <a16:creationId xmlns:a16="http://schemas.microsoft.com/office/drawing/2014/main" id="{9A4E3029-9733-0F03-3CE8-E9101C934F7C}"/>
+              </a:ext>
+            </a:extLst>
+          </p:cNvPr>
+          <p:cNvSpPr/>
+          <p:nvPr/>
+        </p:nvSpPr>
+        <p:spPr>
+          <a:xfrm>
+            <a:off x="8519279" y="515361"/>
+            <a:ext cx="1325971" cy="494492"/>
+          </a:xfrm>
+          <a:prstGeom prst="rect">
+            <a:avLst/>
+          </a:prstGeom>
+          <a:noFill/>
+          <a:ln w="38100">
+            <a:solidFill>
+              <a:schemeClr val="accent2"/>
+            </a:solidFill>
+          </a:ln>
+        </p:spPr>
+        <p:style>
+          <a:lnRef idx="2">
+            <a:schemeClr val="accent1">
+              <a:shade val="15000"/>
+            </a:schemeClr>
+          </a:lnRef>
+          <a:fillRef idx="1">
+            <a:schemeClr val="accent1"/>
+          </a:fillRef>
+          <a:effectRef idx="0">
+            <a:schemeClr val="accent1"/>
+          </a:effectRef>
+          <a:fontRef idx="minor">
+            <a:schemeClr val="lt1"/>
+          </a:fontRef>
+        </p:style>
+        <p:txBody>
+          <a:bodyPr rtlCol="0" anchor="ctr"/>
+          <a:lstStyle/>
+          <a:p>
+            <a:pPr algn="ctr"/>
+            <a:r>
+              <a:rPr lang="en-US" sz="1200">
+                <a:solidFill>
+                  <a:schemeClr val="tx1"/>
+                </a:solidFill>
+              </a:rPr>
+              <a:t>Project</a:t>
+            </a:r>
+          </a:p>
+          <a:p>
+            <a:pPr algn="ctr"/>
+            <a:r>
+              <a:rPr lang="en-US" sz="1200">
+                <a:solidFill>
+                  <a:schemeClr val="tx1"/>
+                </a:solidFill>
+              </a:rPr>
+              <a:t>(LinkedList Node)</a:t>
+            </a:r>
+          </a:p>
+        </p:txBody>
+      </p:sp>
+      <p:cxnSp>
+        <p:nvCxnSpPr>
+          <p:cNvPr id="20" name="Straight Connector 19">
+            <a:extLst>
+              <a:ext uri="{FF2B5EF4-FFF2-40B4-BE49-F238E27FC236}">
+                <a16:creationId xmlns:a16="http://schemas.microsoft.com/office/drawing/2014/main" id="{31FFCC4A-3D1B-84B5-5C51-D18A3E811358}"/>
+              </a:ext>
+            </a:extLst>
+          </p:cNvPr>
+          <p:cNvCxnSpPr>
+            <a:cxnSpLocks/>
+          </p:cNvCxnSpPr>
+          <p:nvPr/>
+        </p:nvCxnSpPr>
+        <p:spPr>
+          <a:xfrm>
+            <a:off x="9182264" y="1359387"/>
+            <a:ext cx="1" cy="5490754"/>
+          </a:xfrm>
+          <a:prstGeom prst="line">
+            <a:avLst/>
+          </a:prstGeom>
+          <a:ln w="38100">
+            <a:solidFill>
+              <a:schemeClr val="tx2"/>
+            </a:solidFill>
+            <a:prstDash val="dash"/>
+          </a:ln>
+        </p:spPr>
+        <p:style>
+          <a:lnRef idx="1">
+            <a:schemeClr val="accent1"/>
+          </a:lnRef>
+          <a:fillRef idx="0">
+            <a:schemeClr val="accent1"/>
+          </a:fillRef>
+          <a:effectRef idx="0">
+            <a:schemeClr val="accent1"/>
+          </a:effectRef>
+          <a:fontRef idx="minor">
+            <a:schemeClr val="tx1"/>
+          </a:fontRef>
+        </p:style>
+      </p:cxnSp>
+      <p:sp>
+        <p:nvSpPr>
+          <p:cNvPr id="11" name="Rectangle 10">
+            <a:extLst>
+              <a:ext uri="{FF2B5EF4-FFF2-40B4-BE49-F238E27FC236}">
+                <a16:creationId xmlns:a16="http://schemas.microsoft.com/office/drawing/2014/main" id="{66A7624C-1B46-7F6C-3D1B-79CEF35C49C0}"/>
+              </a:ext>
+            </a:extLst>
+          </p:cNvPr>
+          <p:cNvSpPr/>
+          <p:nvPr/>
+        </p:nvSpPr>
+        <p:spPr>
+          <a:xfrm>
+            <a:off x="806249" y="507502"/>
+            <a:ext cx="1325971" cy="494492"/>
+          </a:xfrm>
+          <a:prstGeom prst="rect">
+            <a:avLst/>
+          </a:prstGeom>
+          <a:noFill/>
+          <a:ln w="38100">
+            <a:solidFill>
+              <a:schemeClr val="accent2"/>
+            </a:solidFill>
+          </a:ln>
+        </p:spPr>
+        <p:style>
+          <a:lnRef idx="2">
+            <a:schemeClr val="accent1">
+              <a:shade val="15000"/>
+            </a:schemeClr>
+          </a:lnRef>
+          <a:fillRef idx="1">
+            <a:schemeClr val="accent1"/>
+          </a:fillRef>
+          <a:effectRef idx="0">
+            <a:schemeClr val="accent1"/>
+          </a:effectRef>
+          <a:fontRef idx="minor">
+            <a:schemeClr val="lt1"/>
+          </a:fontRef>
+        </p:style>
+        <p:txBody>
+          <a:bodyPr rtlCol="0" anchor="ctr"/>
+          <a:lstStyle/>
+          <a:p>
+            <a:pPr algn="ctr"/>
+            <a:r>
+              <a:rPr lang="en-US" sz="1200">
+                <a:solidFill>
+                  <a:schemeClr val="tx1"/>
+                </a:solidFill>
+              </a:rPr>
+              <a:t>Main</a:t>
+            </a:r>
+          </a:p>
+        </p:txBody>
+      </p:sp>
+      <p:cxnSp>
+        <p:nvCxnSpPr>
+          <p:cNvPr id="12" name="Straight Connector 11">
+            <a:extLst>
+              <a:ext uri="{FF2B5EF4-FFF2-40B4-BE49-F238E27FC236}">
+                <a16:creationId xmlns:a16="http://schemas.microsoft.com/office/drawing/2014/main" id="{EE052D37-DA2C-C17F-3D41-268CE4C9FABC}"/>
+              </a:ext>
+            </a:extLst>
+          </p:cNvPr>
+          <p:cNvCxnSpPr>
+            <a:cxnSpLocks/>
+          </p:cNvCxnSpPr>
+          <p:nvPr/>
+        </p:nvCxnSpPr>
+        <p:spPr>
+          <a:xfrm>
+            <a:off x="1469234" y="1351528"/>
+            <a:ext cx="1" cy="5490754"/>
+          </a:xfrm>
+          <a:prstGeom prst="line">
+            <a:avLst/>
+          </a:prstGeom>
+          <a:ln w="38100">
+            <a:solidFill>
+              <a:schemeClr val="tx2"/>
+            </a:solidFill>
+            <a:prstDash val="dash"/>
+          </a:ln>
+        </p:spPr>
+        <p:style>
+          <a:lnRef idx="1">
+            <a:schemeClr val="accent1"/>
+          </a:lnRef>
+          <a:fillRef idx="0">
+            <a:schemeClr val="accent1"/>
+          </a:fillRef>
+          <a:effectRef idx="0">
+            <a:schemeClr val="accent1"/>
+          </a:effectRef>
+          <a:fontRef idx="minor">
+            <a:schemeClr val="tx1"/>
+          </a:fontRef>
+        </p:style>
+      </p:cxnSp>
+      <p:cxnSp>
+        <p:nvCxnSpPr>
+          <p:cNvPr id="18" name="Straight Arrow Connector 17">
+            <a:extLst>
+              <a:ext uri="{FF2B5EF4-FFF2-40B4-BE49-F238E27FC236}">
+                <a16:creationId xmlns:a16="http://schemas.microsoft.com/office/drawing/2014/main" id="{75136179-7385-B931-D2A4-C42BB6CB22D4}"/>
+              </a:ext>
+            </a:extLst>
+          </p:cNvPr>
+          <p:cNvCxnSpPr/>
+          <p:nvPr/>
+        </p:nvCxnSpPr>
+        <p:spPr>
+          <a:xfrm>
+            <a:off x="1469233" y="1628527"/>
+            <a:ext cx="1545772" cy="0"/>
+          </a:xfrm>
+          <a:prstGeom prst="straightConnector1">
+            <a:avLst/>
+          </a:prstGeom>
+          <a:ln w="38100">
+            <a:solidFill>
+              <a:schemeClr val="accent2"/>
+            </a:solidFill>
+            <a:tailEnd type="triangle"/>
+          </a:ln>
+        </p:spPr>
+        <p:style>
+          <a:lnRef idx="1">
+            <a:schemeClr val="accent1"/>
+          </a:lnRef>
+          <a:fillRef idx="0">
+            <a:schemeClr val="accent1"/>
+          </a:fillRef>
+          <a:effectRef idx="0">
+            <a:schemeClr val="accent1"/>
+          </a:effectRef>
+          <a:fontRef idx="minor">
+            <a:schemeClr val="tx1"/>
+          </a:fontRef>
+        </p:style>
+      </p:cxnSp>
+      <p:sp>
+        <p:nvSpPr>
+          <p:cNvPr id="21" name="TextBox 20">
+            <a:extLst>
+              <a:ext uri="{FF2B5EF4-FFF2-40B4-BE49-F238E27FC236}">
+                <a16:creationId xmlns:a16="http://schemas.microsoft.com/office/drawing/2014/main" id="{3C0E36BE-C42C-EB05-E0B7-EBDE8F16CC76}"/>
+              </a:ext>
+            </a:extLst>
+          </p:cNvPr>
+          <p:cNvSpPr txBox="1"/>
+          <p:nvPr/>
+        </p:nvSpPr>
+        <p:spPr>
+          <a:xfrm>
+            <a:off x="1496496" y="1351528"/>
+            <a:ext cx="1467068" cy="246221"/>
+          </a:xfrm>
+          <a:prstGeom prst="rect">
+            <a:avLst/>
+          </a:prstGeom>
+          <a:noFill/>
+          <a:ln>
+            <a:noFill/>
+          </a:ln>
+        </p:spPr>
+        <p:txBody>
+          <a:bodyPr wrap="none" rtlCol="0">
+            <a:spAutoFit/>
+          </a:bodyPr>
+          <a:lstStyle/>
+          <a:p>
+            <a:r>
+              <a:rPr lang="en-US" sz="1000"/>
+              <a:t>displayApplicationView()</a:t>
+            </a:r>
+          </a:p>
+        </p:txBody>
+      </p:sp>
+      <p:sp>
+        <p:nvSpPr>
+          <p:cNvPr id="23" name="Rectangle 22">
+            <a:extLst>
+              <a:ext uri="{FF2B5EF4-FFF2-40B4-BE49-F238E27FC236}">
+                <a16:creationId xmlns:a16="http://schemas.microsoft.com/office/drawing/2014/main" id="{C370DF2E-17B3-2983-778F-6DDBE8217901}"/>
+              </a:ext>
+            </a:extLst>
+          </p:cNvPr>
+          <p:cNvSpPr/>
+          <p:nvPr/>
+        </p:nvSpPr>
+        <p:spPr>
+          <a:xfrm>
+            <a:off x="3892517" y="515361"/>
+            <a:ext cx="1325971" cy="494492"/>
+          </a:xfrm>
+          <a:prstGeom prst="rect">
+            <a:avLst/>
+          </a:prstGeom>
+          <a:noFill/>
+          <a:ln w="38100">
+            <a:solidFill>
+              <a:schemeClr val="accent2"/>
+            </a:solidFill>
+          </a:ln>
+        </p:spPr>
+        <p:style>
+          <a:lnRef idx="2">
+            <a:schemeClr val="accent1">
+              <a:shade val="15000"/>
+            </a:schemeClr>
+          </a:lnRef>
+          <a:fillRef idx="1">
+            <a:schemeClr val="accent1"/>
+          </a:fillRef>
+          <a:effectRef idx="0">
+            <a:schemeClr val="accent1"/>
+          </a:effectRef>
+          <a:fontRef idx="minor">
+            <a:schemeClr val="lt1"/>
+          </a:fontRef>
+        </p:style>
+        <p:txBody>
+          <a:bodyPr rtlCol="0" anchor="ctr"/>
+          <a:lstStyle/>
+          <a:p>
+            <a:pPr algn="ctr"/>
+            <a:r>
+              <a:rPr lang="en-US" sz="1200">
+                <a:solidFill>
+                  <a:schemeClr val="tx1"/>
+                </a:solidFill>
+              </a:rPr>
+              <a:t>ProfileController</a:t>
+            </a:r>
+          </a:p>
+        </p:txBody>
+      </p:sp>
+      <p:cxnSp>
+        <p:nvCxnSpPr>
+          <p:cNvPr id="33" name="Straight Connector 32">
+            <a:extLst>
+              <a:ext uri="{FF2B5EF4-FFF2-40B4-BE49-F238E27FC236}">
+                <a16:creationId xmlns:a16="http://schemas.microsoft.com/office/drawing/2014/main" id="{79D0B2E5-96D7-C0A9-64DB-6AA097615C9B}"/>
+              </a:ext>
+            </a:extLst>
+          </p:cNvPr>
+          <p:cNvCxnSpPr>
+            <a:cxnSpLocks/>
+          </p:cNvCxnSpPr>
+          <p:nvPr/>
+        </p:nvCxnSpPr>
+        <p:spPr>
+          <a:xfrm>
+            <a:off x="4555502" y="1359387"/>
+            <a:ext cx="1" cy="5490754"/>
+          </a:xfrm>
+          <a:prstGeom prst="line">
+            <a:avLst/>
+          </a:prstGeom>
+          <a:ln w="38100">
+            <a:solidFill>
+              <a:schemeClr val="tx2"/>
+            </a:solidFill>
+            <a:prstDash val="dash"/>
+          </a:ln>
+        </p:spPr>
+        <p:style>
+          <a:lnRef idx="1">
+            <a:schemeClr val="accent1"/>
+          </a:lnRef>
+          <a:fillRef idx="0">
+            <a:schemeClr val="accent1"/>
+          </a:fillRef>
+          <a:effectRef idx="0">
+            <a:schemeClr val="accent1"/>
+          </a:effectRef>
+          <a:fontRef idx="minor">
+            <a:schemeClr val="tx1"/>
+          </a:fontRef>
+        </p:style>
+      </p:cxnSp>
+      <p:sp>
+        <p:nvSpPr>
+          <p:cNvPr id="34" name="Rectangle 33">
+            <a:extLst>
+              <a:ext uri="{FF2B5EF4-FFF2-40B4-BE49-F238E27FC236}">
+                <a16:creationId xmlns:a16="http://schemas.microsoft.com/office/drawing/2014/main" id="{D1087141-DF96-A22B-7E48-F7958D4B97A5}"/>
+              </a:ext>
+            </a:extLst>
+          </p:cNvPr>
+          <p:cNvSpPr/>
+          <p:nvPr/>
+        </p:nvSpPr>
+        <p:spPr>
+          <a:xfrm>
+            <a:off x="5433013" y="515361"/>
+            <a:ext cx="1325971" cy="494492"/>
+          </a:xfrm>
+          <a:prstGeom prst="rect">
+            <a:avLst/>
+          </a:prstGeom>
+          <a:noFill/>
+          <a:ln w="38100">
+            <a:solidFill>
+              <a:schemeClr val="accent2"/>
+            </a:solidFill>
+          </a:ln>
+        </p:spPr>
+        <p:style>
+          <a:lnRef idx="2">
+            <a:schemeClr val="accent1">
+              <a:shade val="15000"/>
+            </a:schemeClr>
+          </a:lnRef>
+          <a:fillRef idx="1">
+            <a:schemeClr val="accent1"/>
+          </a:fillRef>
+          <a:effectRef idx="0">
+            <a:schemeClr val="accent1"/>
+          </a:effectRef>
+          <a:fontRef idx="minor">
+            <a:schemeClr val="lt1"/>
+          </a:fontRef>
+        </p:style>
+        <p:txBody>
+          <a:bodyPr rtlCol="0" anchor="ctr"/>
+          <a:lstStyle/>
+          <a:p>
+            <a:pPr algn="ctr"/>
+            <a:r>
+              <a:rPr lang="en-US" sz="1200">
+                <a:solidFill>
+                  <a:schemeClr val="tx1"/>
+                </a:solidFill>
+              </a:rPr>
+              <a:t>Profile</a:t>
+            </a:r>
+          </a:p>
+        </p:txBody>
+      </p:sp>
+      <p:cxnSp>
+        <p:nvCxnSpPr>
+          <p:cNvPr id="35" name="Straight Connector 34">
+            <a:extLst>
+              <a:ext uri="{FF2B5EF4-FFF2-40B4-BE49-F238E27FC236}">
+                <a16:creationId xmlns:a16="http://schemas.microsoft.com/office/drawing/2014/main" id="{9BB111C6-2621-29A7-A061-F1D52C49F6E7}"/>
+              </a:ext>
+            </a:extLst>
+          </p:cNvPr>
+          <p:cNvCxnSpPr>
+            <a:cxnSpLocks/>
+          </p:cNvCxnSpPr>
+          <p:nvPr/>
+        </p:nvCxnSpPr>
+        <p:spPr>
+          <a:xfrm>
+            <a:off x="6095998" y="1359387"/>
+            <a:ext cx="1" cy="5490754"/>
+          </a:xfrm>
+          <a:prstGeom prst="line">
+            <a:avLst/>
+          </a:prstGeom>
+          <a:ln w="38100">
+            <a:solidFill>
+              <a:schemeClr val="tx2"/>
+            </a:solidFill>
+            <a:prstDash val="dash"/>
+          </a:ln>
+        </p:spPr>
+        <p:style>
+          <a:lnRef idx="1">
+            <a:schemeClr val="accent1"/>
+          </a:lnRef>
+          <a:fillRef idx="0">
+            <a:schemeClr val="accent1"/>
+          </a:fillRef>
+          <a:effectRef idx="0">
+            <a:schemeClr val="accent1"/>
+          </a:effectRef>
+          <a:fontRef idx="minor">
+            <a:schemeClr val="tx1"/>
+          </a:fontRef>
+        </p:style>
+      </p:cxnSp>
+      <p:sp>
+        <p:nvSpPr>
+          <p:cNvPr id="36" name="Rectangle 35">
+            <a:extLst>
+              <a:ext uri="{FF2B5EF4-FFF2-40B4-BE49-F238E27FC236}">
+                <a16:creationId xmlns:a16="http://schemas.microsoft.com/office/drawing/2014/main" id="{041F7F09-FC39-338B-F6F6-E37A1CD3FA42}"/>
+              </a:ext>
+            </a:extLst>
+          </p:cNvPr>
+          <p:cNvSpPr/>
+          <p:nvPr/>
+        </p:nvSpPr>
+        <p:spPr>
+          <a:xfrm>
+            <a:off x="10065049" y="515361"/>
+            <a:ext cx="1325971" cy="494492"/>
+          </a:xfrm>
+          <a:prstGeom prst="rect">
+            <a:avLst/>
+          </a:prstGeom>
+          <a:noFill/>
+          <a:ln w="38100">
+            <a:solidFill>
+              <a:schemeClr val="accent2"/>
+            </a:solidFill>
+          </a:ln>
+        </p:spPr>
+        <p:style>
+          <a:lnRef idx="2">
+            <a:schemeClr val="accent1">
+              <a:shade val="15000"/>
+            </a:schemeClr>
+          </a:lnRef>
+          <a:fillRef idx="1">
+            <a:schemeClr val="accent1"/>
+          </a:fillRef>
+          <a:effectRef idx="0">
+            <a:schemeClr val="accent1"/>
+          </a:effectRef>
+          <a:fontRef idx="minor">
+            <a:schemeClr val="lt1"/>
+          </a:fontRef>
+        </p:style>
+        <p:txBody>
+          <a:bodyPr rtlCol="0" anchor="ctr"/>
+          <a:lstStyle/>
+          <a:p>
+            <a:pPr algn="ctr"/>
+            <a:r>
+              <a:rPr lang="en-US" sz="1200">
+                <a:solidFill>
+                  <a:schemeClr val="tx1"/>
+                </a:solidFill>
+              </a:rPr>
+              <a:t>Database</a:t>
+            </a:r>
+            <a:br>
+              <a:rPr lang="en-US" sz="1200">
+                <a:solidFill>
+                  <a:schemeClr val="tx1"/>
+                </a:solidFill>
+              </a:rPr>
+            </a:br>
+            <a:r>
+              <a:rPr lang="en-US" sz="1200">
+                <a:solidFill>
+                  <a:schemeClr val="tx1"/>
+                </a:solidFill>
+              </a:rPr>
+              <a:t>(SQL?)</a:t>
+            </a:r>
+          </a:p>
+        </p:txBody>
+      </p:sp>
+      <p:cxnSp>
+        <p:nvCxnSpPr>
+          <p:cNvPr id="39" name="Straight Connector 38">
+            <a:extLst>
+              <a:ext uri="{FF2B5EF4-FFF2-40B4-BE49-F238E27FC236}">
+                <a16:creationId xmlns:a16="http://schemas.microsoft.com/office/drawing/2014/main" id="{2A5D0696-2EAA-B66F-8302-FB827C5F39D8}"/>
+              </a:ext>
+            </a:extLst>
+          </p:cNvPr>
+          <p:cNvCxnSpPr>
+            <a:cxnSpLocks/>
+          </p:cNvCxnSpPr>
+          <p:nvPr/>
+        </p:nvCxnSpPr>
+        <p:spPr>
+          <a:xfrm>
+            <a:off x="10728036" y="1367246"/>
+            <a:ext cx="1" cy="5490754"/>
+          </a:xfrm>
+          <a:prstGeom prst="line">
+            <a:avLst/>
+          </a:prstGeom>
+          <a:ln w="38100">
+            <a:solidFill>
+              <a:schemeClr val="tx2"/>
+            </a:solidFill>
+            <a:prstDash val="dash"/>
+          </a:ln>
+        </p:spPr>
+        <p:style>
+          <a:lnRef idx="1">
+            <a:schemeClr val="accent1"/>
+          </a:lnRef>
+          <a:fillRef idx="0">
+            <a:schemeClr val="accent1"/>
+          </a:fillRef>
+          <a:effectRef idx="0">
+            <a:schemeClr val="accent1"/>
+          </a:effectRef>
+          <a:fontRef idx="minor">
+            <a:schemeClr val="tx1"/>
+          </a:fontRef>
+        </p:style>
+      </p:cxnSp>
+      <p:cxnSp>
+        <p:nvCxnSpPr>
+          <p:cNvPr id="42" name="Straight Arrow Connector 41">
+            <a:extLst>
+              <a:ext uri="{FF2B5EF4-FFF2-40B4-BE49-F238E27FC236}">
+                <a16:creationId xmlns:a16="http://schemas.microsoft.com/office/drawing/2014/main" id="{08A778E7-B935-1E18-D8B6-FA3266E17DAF}"/>
+              </a:ext>
+            </a:extLst>
+          </p:cNvPr>
+          <p:cNvCxnSpPr/>
+          <p:nvPr/>
+        </p:nvCxnSpPr>
+        <p:spPr>
+          <a:xfrm>
+            <a:off x="3014901" y="1905527"/>
+            <a:ext cx="1545772" cy="0"/>
+          </a:xfrm>
+          <a:prstGeom prst="straightConnector1">
+            <a:avLst/>
+          </a:prstGeom>
+          <a:ln w="38100">
+            <a:solidFill>
+              <a:schemeClr val="accent2"/>
+            </a:solidFill>
+            <a:tailEnd type="triangle"/>
+          </a:ln>
+        </p:spPr>
+        <p:style>
+          <a:lnRef idx="1">
+            <a:schemeClr val="accent1"/>
+          </a:lnRef>
+          <a:fillRef idx="0">
+            <a:schemeClr val="accent1"/>
+          </a:fillRef>
+          <a:effectRef idx="0">
+            <a:schemeClr val="accent1"/>
+          </a:effectRef>
+          <a:fontRef idx="minor">
+            <a:schemeClr val="tx1"/>
+          </a:fontRef>
+        </p:style>
+      </p:cxnSp>
+      <p:sp>
+        <p:nvSpPr>
+          <p:cNvPr id="43" name="TextBox 42">
+            <a:extLst>
+              <a:ext uri="{FF2B5EF4-FFF2-40B4-BE49-F238E27FC236}">
+                <a16:creationId xmlns:a16="http://schemas.microsoft.com/office/drawing/2014/main" id="{1C233222-3496-BA02-CF00-C3EF59EC36F7}"/>
+              </a:ext>
+            </a:extLst>
+          </p:cNvPr>
+          <p:cNvSpPr txBox="1"/>
+          <p:nvPr/>
+        </p:nvSpPr>
+        <p:spPr>
+          <a:xfrm>
+            <a:off x="3016037" y="1628528"/>
+            <a:ext cx="954813" cy="276999"/>
+          </a:xfrm>
+          <a:prstGeom prst="rect">
+            <a:avLst/>
+          </a:prstGeom>
+          <a:noFill/>
+          <a:ln>
+            <a:noFill/>
+          </a:ln>
+        </p:spPr>
+        <p:txBody>
+          <a:bodyPr wrap="none" rtlCol="0">
+            <a:spAutoFit/>
+          </a:bodyPr>
+          <a:lstStyle/>
+          <a:p>
+            <a:r>
+              <a:rPr lang="en-US" sz="1200"/>
+              <a:t>loadProfile()</a:t>
+            </a:r>
+          </a:p>
+        </p:txBody>
+      </p:sp>
+      <p:cxnSp>
+        <p:nvCxnSpPr>
+          <p:cNvPr id="44" name="Straight Arrow Connector 43">
+            <a:extLst>
+              <a:ext uri="{FF2B5EF4-FFF2-40B4-BE49-F238E27FC236}">
+                <a16:creationId xmlns:a16="http://schemas.microsoft.com/office/drawing/2014/main" id="{E683116E-2EB6-A40B-F79A-A94948C85D9C}"/>
+              </a:ext>
+            </a:extLst>
+          </p:cNvPr>
+          <p:cNvCxnSpPr>
+            <a:cxnSpLocks/>
+          </p:cNvCxnSpPr>
+          <p:nvPr/>
+        </p:nvCxnSpPr>
+        <p:spPr>
+          <a:xfrm>
+            <a:off x="6101168" y="2182526"/>
+            <a:ext cx="4621598" cy="0"/>
+          </a:xfrm>
+          <a:prstGeom prst="straightConnector1">
+            <a:avLst/>
+          </a:prstGeom>
+          <a:ln w="38100">
+            <a:solidFill>
+              <a:schemeClr val="accent2"/>
+            </a:solidFill>
+            <a:prstDash val="dash"/>
+            <a:headEnd type="triangle"/>
+            <a:tailEnd type="none"/>
+          </a:ln>
+        </p:spPr>
+        <p:style>
+          <a:lnRef idx="1">
+            <a:schemeClr val="accent1"/>
+          </a:lnRef>
+          <a:fillRef idx="0">
+            <a:schemeClr val="accent1"/>
+          </a:fillRef>
+          <a:effectRef idx="0">
+            <a:schemeClr val="accent1"/>
+          </a:effectRef>
+          <a:fontRef idx="minor">
+            <a:schemeClr val="tx1"/>
+          </a:fontRef>
+        </p:style>
+      </p:cxnSp>
+      <p:sp>
+        <p:nvSpPr>
+          <p:cNvPr id="47" name="TextBox 46">
+            <a:extLst>
+              <a:ext uri="{FF2B5EF4-FFF2-40B4-BE49-F238E27FC236}">
+                <a16:creationId xmlns:a16="http://schemas.microsoft.com/office/drawing/2014/main" id="{9674E80E-652B-6D45-B498-67EA70F609D3}"/>
+              </a:ext>
+            </a:extLst>
+          </p:cNvPr>
+          <p:cNvSpPr txBox="1"/>
+          <p:nvPr/>
+        </p:nvSpPr>
+        <p:spPr>
+          <a:xfrm>
+            <a:off x="6651822" y="1905527"/>
+            <a:ext cx="995118" cy="276999"/>
+          </a:xfrm>
+          <a:prstGeom prst="rect">
+            <a:avLst/>
+          </a:prstGeom>
+          <a:noFill/>
+          <a:ln>
+            <a:noFill/>
+          </a:ln>
+        </p:spPr>
+        <p:txBody>
+          <a:bodyPr wrap="square" rtlCol="0">
+            <a:spAutoFit/>
+          </a:bodyPr>
+          <a:lstStyle/>
+          <a:p>
+            <a:pPr algn="r"/>
+            <a:r>
+              <a:rPr lang="en-US" sz="1200"/>
+              <a:t>loadProfile()</a:t>
+            </a:r>
+          </a:p>
+        </p:txBody>
+      </p:sp>
+      <p:cxnSp>
+        <p:nvCxnSpPr>
+          <p:cNvPr id="61" name="Straight Arrow Connector 60">
+            <a:extLst>
+              <a:ext uri="{FF2B5EF4-FFF2-40B4-BE49-F238E27FC236}">
+                <a16:creationId xmlns:a16="http://schemas.microsoft.com/office/drawing/2014/main" id="{7B90BD6B-ED30-DF22-FE97-B51360317D9A}"/>
+              </a:ext>
+            </a:extLst>
+          </p:cNvPr>
+          <p:cNvCxnSpPr/>
+          <p:nvPr/>
+        </p:nvCxnSpPr>
+        <p:spPr>
+          <a:xfrm>
+            <a:off x="4555497" y="1905527"/>
+            <a:ext cx="1545772" cy="0"/>
+          </a:xfrm>
+          <a:prstGeom prst="straightConnector1">
+            <a:avLst/>
+          </a:prstGeom>
+          <a:ln w="38100">
+            <a:solidFill>
+              <a:schemeClr val="accent2"/>
+            </a:solidFill>
+            <a:tailEnd type="triangle"/>
+          </a:ln>
+        </p:spPr>
+        <p:style>
+          <a:lnRef idx="1">
+            <a:schemeClr val="accent1"/>
+          </a:lnRef>
+          <a:fillRef idx="0">
+            <a:schemeClr val="accent1"/>
+          </a:fillRef>
+          <a:effectRef idx="0">
+            <a:schemeClr val="accent1"/>
+          </a:effectRef>
+          <a:fontRef idx="minor">
+            <a:schemeClr val="tx1"/>
+          </a:fontRef>
+        </p:style>
+      </p:cxnSp>
+      <p:sp>
+        <p:nvSpPr>
+          <p:cNvPr id="64" name="TextBox 63">
+            <a:extLst>
+              <a:ext uri="{FF2B5EF4-FFF2-40B4-BE49-F238E27FC236}">
+                <a16:creationId xmlns:a16="http://schemas.microsoft.com/office/drawing/2014/main" id="{7E8459AF-D63F-53F9-9FB2-E2AFCF496B76}"/>
+              </a:ext>
+            </a:extLst>
+          </p:cNvPr>
+          <p:cNvSpPr txBox="1"/>
+          <p:nvPr/>
+        </p:nvSpPr>
+        <p:spPr>
+          <a:xfrm>
+            <a:off x="4556633" y="1628528"/>
+            <a:ext cx="954813" cy="276999"/>
+          </a:xfrm>
+          <a:prstGeom prst="rect">
+            <a:avLst/>
+          </a:prstGeom>
+          <a:noFill/>
+          <a:ln>
+            <a:noFill/>
+          </a:ln>
+        </p:spPr>
+        <p:txBody>
+          <a:bodyPr wrap="none" rtlCol="0">
+            <a:spAutoFit/>
+          </a:bodyPr>
+          <a:lstStyle/>
+          <a:p>
+            <a:r>
+              <a:rPr lang="en-US" sz="1200"/>
+              <a:t>loadProfile()</a:t>
+            </a:r>
+          </a:p>
+        </p:txBody>
+      </p:sp>
+      <p:cxnSp>
+        <p:nvCxnSpPr>
+          <p:cNvPr id="65" name="Straight Arrow Connector 64">
+            <a:extLst>
+              <a:ext uri="{FF2B5EF4-FFF2-40B4-BE49-F238E27FC236}">
+                <a16:creationId xmlns:a16="http://schemas.microsoft.com/office/drawing/2014/main" id="{59C247C7-FEF4-1808-8CAE-F90C5CE1C1BC}"/>
+              </a:ext>
+            </a:extLst>
+          </p:cNvPr>
+          <p:cNvCxnSpPr>
+            <a:cxnSpLocks/>
+          </p:cNvCxnSpPr>
+          <p:nvPr/>
+        </p:nvCxnSpPr>
+        <p:spPr>
+          <a:xfrm>
+            <a:off x="3020077" y="2451667"/>
+            <a:ext cx="4611141" cy="0"/>
+          </a:xfrm>
+          <a:prstGeom prst="straightConnector1">
+            <a:avLst/>
+          </a:prstGeom>
+          <a:ln w="38100">
+            <a:solidFill>
+              <a:schemeClr val="accent2"/>
+            </a:solidFill>
+            <a:tailEnd type="triangle"/>
+          </a:ln>
+        </p:spPr>
+        <p:style>
+          <a:lnRef idx="1">
+            <a:schemeClr val="accent1"/>
+          </a:lnRef>
+          <a:fillRef idx="0">
+            <a:schemeClr val="accent1"/>
+          </a:fillRef>
+          <a:effectRef idx="0">
+            <a:schemeClr val="accent1"/>
+          </a:effectRef>
+          <a:fontRef idx="minor">
+            <a:schemeClr val="tx1"/>
+          </a:fontRef>
+        </p:style>
+      </p:cxnSp>
+      <p:sp>
+        <p:nvSpPr>
+          <p:cNvPr id="66" name="TextBox 65">
+            <a:extLst>
+              <a:ext uri="{FF2B5EF4-FFF2-40B4-BE49-F238E27FC236}">
+                <a16:creationId xmlns:a16="http://schemas.microsoft.com/office/drawing/2014/main" id="{B0753145-8B18-FF48-9BBA-F29283C11721}"/>
+              </a:ext>
+            </a:extLst>
+          </p:cNvPr>
+          <p:cNvSpPr txBox="1"/>
+          <p:nvPr/>
+        </p:nvSpPr>
+        <p:spPr>
+          <a:xfrm>
+            <a:off x="3021213" y="2174668"/>
+            <a:ext cx="1052596" cy="276999"/>
+          </a:xfrm>
+          <a:prstGeom prst="rect">
+            <a:avLst/>
+          </a:prstGeom>
+          <a:noFill/>
+          <a:ln>
+            <a:noFill/>
+          </a:ln>
+        </p:spPr>
+        <p:txBody>
+          <a:bodyPr wrap="none" rtlCol="0">
+            <a:spAutoFit/>
+          </a:bodyPr>
+          <a:lstStyle/>
+          <a:p>
+            <a:r>
+              <a:rPr lang="en-US" sz="1200"/>
+              <a:t>loadProjects()</a:t>
+            </a:r>
+          </a:p>
+        </p:txBody>
+      </p:sp>
+      <p:cxnSp>
+        <p:nvCxnSpPr>
+          <p:cNvPr id="67" name="Straight Arrow Connector 66">
+            <a:extLst>
+              <a:ext uri="{FF2B5EF4-FFF2-40B4-BE49-F238E27FC236}">
+                <a16:creationId xmlns:a16="http://schemas.microsoft.com/office/drawing/2014/main" id="{262BCFB8-C842-C3DF-AF32-FF7709F3CD04}"/>
+              </a:ext>
+            </a:extLst>
+          </p:cNvPr>
+          <p:cNvCxnSpPr>
+            <a:cxnSpLocks/>
+          </p:cNvCxnSpPr>
+          <p:nvPr/>
+        </p:nvCxnSpPr>
+        <p:spPr>
+          <a:xfrm>
+            <a:off x="9176989" y="2728666"/>
+            <a:ext cx="1550953" cy="0"/>
+          </a:xfrm>
+          <a:prstGeom prst="straightConnector1">
+            <a:avLst/>
+          </a:prstGeom>
+          <a:ln w="38100">
+            <a:solidFill>
+              <a:schemeClr val="accent2"/>
+            </a:solidFill>
+            <a:prstDash val="dash"/>
+            <a:headEnd type="triangle"/>
+            <a:tailEnd type="none"/>
+          </a:ln>
+        </p:spPr>
+        <p:style>
+          <a:lnRef idx="1">
+            <a:schemeClr val="accent1"/>
+          </a:lnRef>
+          <a:fillRef idx="0">
+            <a:schemeClr val="accent1"/>
+          </a:fillRef>
+          <a:effectRef idx="0">
+            <a:schemeClr val="accent1"/>
+          </a:effectRef>
+          <a:fontRef idx="minor">
+            <a:schemeClr val="tx1"/>
+          </a:fontRef>
+        </p:style>
+      </p:cxnSp>
+      <p:sp>
+        <p:nvSpPr>
+          <p:cNvPr id="68" name="TextBox 67">
+            <a:extLst>
+              <a:ext uri="{FF2B5EF4-FFF2-40B4-BE49-F238E27FC236}">
+                <a16:creationId xmlns:a16="http://schemas.microsoft.com/office/drawing/2014/main" id="{F579B967-F3AB-BCEB-6756-3299CD8B3830}"/>
+              </a:ext>
+            </a:extLst>
+          </p:cNvPr>
+          <p:cNvSpPr txBox="1"/>
+          <p:nvPr/>
+        </p:nvSpPr>
+        <p:spPr>
+          <a:xfrm>
+            <a:off x="9663864" y="2430461"/>
+            <a:ext cx="1064078" cy="276999"/>
+          </a:xfrm>
+          <a:prstGeom prst="rect">
+            <a:avLst/>
+          </a:prstGeom>
+          <a:noFill/>
+          <a:ln>
+            <a:noFill/>
+          </a:ln>
+        </p:spPr>
+        <p:txBody>
+          <a:bodyPr wrap="square" rtlCol="0">
+            <a:spAutoFit/>
+          </a:bodyPr>
+          <a:lstStyle/>
+          <a:p>
+            <a:pPr algn="r"/>
+            <a:r>
+              <a:rPr lang="en-US" sz="1200"/>
+              <a:t>loadProjects()</a:t>
+            </a:r>
+          </a:p>
+        </p:txBody>
+      </p:sp>
+      <p:cxnSp>
+        <p:nvCxnSpPr>
+          <p:cNvPr id="69" name="Straight Arrow Connector 68">
+            <a:extLst>
+              <a:ext uri="{FF2B5EF4-FFF2-40B4-BE49-F238E27FC236}">
+                <a16:creationId xmlns:a16="http://schemas.microsoft.com/office/drawing/2014/main" id="{7E9C5300-6AF6-8D5B-E5FD-A338BC316D13}"/>
+              </a:ext>
+            </a:extLst>
+          </p:cNvPr>
+          <p:cNvCxnSpPr/>
+          <p:nvPr/>
+        </p:nvCxnSpPr>
+        <p:spPr>
+          <a:xfrm>
+            <a:off x="7652109" y="2459525"/>
+            <a:ext cx="1545772" cy="0"/>
+          </a:xfrm>
+          <a:prstGeom prst="straightConnector1">
+            <a:avLst/>
+          </a:prstGeom>
+          <a:ln w="38100">
+            <a:solidFill>
+              <a:schemeClr val="accent2"/>
+            </a:solidFill>
+            <a:tailEnd type="triangle"/>
+          </a:ln>
+        </p:spPr>
+        <p:style>
+          <a:lnRef idx="1">
+            <a:schemeClr val="accent1"/>
+          </a:lnRef>
+          <a:fillRef idx="0">
+            <a:schemeClr val="accent1"/>
+          </a:fillRef>
+          <a:effectRef idx="0">
+            <a:schemeClr val="accent1"/>
+          </a:effectRef>
+          <a:fontRef idx="minor">
+            <a:schemeClr val="tx1"/>
+          </a:fontRef>
+        </p:style>
+      </p:cxnSp>
+      <p:sp>
+        <p:nvSpPr>
+          <p:cNvPr id="70" name="TextBox 69">
+            <a:extLst>
+              <a:ext uri="{FF2B5EF4-FFF2-40B4-BE49-F238E27FC236}">
+                <a16:creationId xmlns:a16="http://schemas.microsoft.com/office/drawing/2014/main" id="{B5F05D2B-2E1E-39F5-47F7-FFE71C2BC8EC}"/>
+              </a:ext>
+            </a:extLst>
+          </p:cNvPr>
+          <p:cNvSpPr txBox="1"/>
+          <p:nvPr/>
+        </p:nvSpPr>
+        <p:spPr>
+          <a:xfrm>
+            <a:off x="7653245" y="2182526"/>
+            <a:ext cx="1052596" cy="276999"/>
+          </a:xfrm>
+          <a:prstGeom prst="rect">
+            <a:avLst/>
+          </a:prstGeom>
+          <a:noFill/>
+          <a:ln>
+            <a:noFill/>
+          </a:ln>
+        </p:spPr>
+        <p:txBody>
+          <a:bodyPr wrap="none" rtlCol="0">
+            <a:spAutoFit/>
+          </a:bodyPr>
+          <a:lstStyle/>
+          <a:p>
+            <a:r>
+              <a:rPr lang="en-US" sz="1200"/>
+              <a:t>loadProjects()</a:t>
+            </a:r>
+          </a:p>
+        </p:txBody>
+      </p:sp>
+    </p:spTree>
+    <p:extLst>
+      <p:ext uri="{BB962C8B-B14F-4D97-AF65-F5344CB8AC3E}">
+        <p14:creationId xmlns:p14="http://schemas.microsoft.com/office/powerpoint/2010/main" val="3992693509"/>
+      </p:ext>
+    </p:extLst>
+  </p:cSld>
+  <p:clrMapOvr>
+    <a:masterClrMapping/>
+  </p:clrMapOvr>
+</p:sld>
+</file>
+
+<file path=ppt/slides/slide3.xml><?xml version="1.0" encoding="utf-8"?>
+<p:sld xmlns:a="http://schemas.openxmlformats.org/drawingml/2006/main" xmlns:r="http://schemas.openxmlformats.org/officeDocument/2006/relationships" xmlns:p="http://schemas.openxmlformats.org/presentationml/2006/main">
+  <p:cSld>
+    <p:spTree>
+      <p:nvGrpSpPr>
+        <p:cNvPr id="1" name=""/>
+        <p:cNvGrpSpPr/>
+        <p:nvPr/>
+      </p:nvGrpSpPr>
+      <p:grpSpPr>
+        <a:xfrm>
+          <a:off x="0" y="0"/>
+          <a:ext cx="0" cy="0"/>
+          <a:chOff x="0" y="0"/>
+          <a:chExt cx="0" cy="0"/>
+        </a:xfrm>
+      </p:grpSpPr>
+      <p:sp>
+        <p:nvSpPr>
+          <p:cNvPr id="2" name="TextBox 1">
+            <a:extLst>
+              <a:ext uri="{FF2B5EF4-FFF2-40B4-BE49-F238E27FC236}">
+                <a16:creationId xmlns:a16="http://schemas.microsoft.com/office/drawing/2014/main" id="{EBEA3E00-2C1E-1FD4-6D92-AF6C1F07D949}"/>
+              </a:ext>
+            </a:extLst>
+          </p:cNvPr>
+          <p:cNvSpPr txBox="1"/>
+          <p:nvPr/>
+        </p:nvSpPr>
+        <p:spPr>
+          <a:xfrm>
+            <a:off x="2094411" y="0"/>
+            <a:ext cx="8003177" cy="523220"/>
+          </a:xfrm>
+          <a:prstGeom prst="rect">
+            <a:avLst/>
+          </a:prstGeom>
+          <a:noFill/>
+        </p:spPr>
+        <p:txBody>
+          <a:bodyPr wrap="square" rtlCol="0">
+            <a:spAutoFit/>
+          </a:bodyPr>
+          <a:lstStyle/>
+          <a:p>
+            <a:pPr algn="ctr"/>
+            <a:r>
+              <a:rPr lang="en-US" sz="1400"/>
+              <a:t>USX01: As someone who loves to do projects myself, I want a way to organize the costs so that I can make a guided decision regarding expenses.</a:t>
+            </a:r>
+          </a:p>
+        </p:txBody>
+      </p:sp>
+      <p:sp>
+        <p:nvSpPr>
+          <p:cNvPr id="3" name="Rectangle 2">
+            <a:extLst>
+              <a:ext uri="{FF2B5EF4-FFF2-40B4-BE49-F238E27FC236}">
+                <a16:creationId xmlns:a16="http://schemas.microsoft.com/office/drawing/2014/main" id="{B2E1DC27-AB21-8B54-E892-1AA96ECFDE35}"/>
+              </a:ext>
+            </a:extLst>
+          </p:cNvPr>
+          <p:cNvSpPr/>
+          <p:nvPr/>
+        </p:nvSpPr>
+        <p:spPr>
+          <a:xfrm>
+            <a:off x="0" y="523220"/>
+            <a:ext cx="1325971" cy="494492"/>
+          </a:xfrm>
+          <a:prstGeom prst="rect">
+            <a:avLst/>
+          </a:prstGeom>
+          <a:noFill/>
+          <a:ln w="38100">
+            <a:solidFill>
+              <a:schemeClr val="accent2"/>
+            </a:solidFill>
+          </a:ln>
+        </p:spPr>
+        <p:style>
+          <a:lnRef idx="2">
+            <a:schemeClr val="accent1">
+              <a:shade val="15000"/>
+            </a:schemeClr>
+          </a:lnRef>
+          <a:fillRef idx="1">
+            <a:schemeClr val="accent1"/>
+          </a:fillRef>
+          <a:effectRef idx="0">
+            <a:schemeClr val="accent1"/>
+          </a:effectRef>
+          <a:fontRef idx="minor">
+            <a:schemeClr val="lt1"/>
+          </a:fontRef>
+        </p:style>
+        <p:txBody>
+          <a:bodyPr rtlCol="0" anchor="ctr"/>
+          <a:lstStyle/>
+          <a:p>
+            <a:pPr algn="ctr"/>
+            <a:r>
+              <a:rPr lang="en-US" sz="1200">
+                <a:solidFill>
+                  <a:schemeClr val="tx1"/>
+                </a:solidFill>
+              </a:rPr>
+              <a:t>ApplicationView</a:t>
+            </a:r>
+          </a:p>
+        </p:txBody>
+      </p:sp>
+      <p:sp>
+        <p:nvSpPr>
+          <p:cNvPr id="4" name="Rectangle 3">
+            <a:extLst>
+              <a:ext uri="{FF2B5EF4-FFF2-40B4-BE49-F238E27FC236}">
+                <a16:creationId xmlns:a16="http://schemas.microsoft.com/office/drawing/2014/main" id="{0816C600-1A57-6126-2494-67817D31F143}"/>
+              </a:ext>
+            </a:extLst>
+          </p:cNvPr>
+          <p:cNvSpPr/>
+          <p:nvPr/>
+        </p:nvSpPr>
+        <p:spPr>
+          <a:xfrm>
+            <a:off x="1545772" y="523220"/>
+            <a:ext cx="1325971" cy="494492"/>
+          </a:xfrm>
+          <a:prstGeom prst="rect">
+            <a:avLst/>
+          </a:prstGeom>
+          <a:noFill/>
+          <a:ln w="38100">
+            <a:solidFill>
+              <a:schemeClr val="accent2"/>
+            </a:solidFill>
+          </a:ln>
+        </p:spPr>
+        <p:style>
+          <a:lnRef idx="2">
+            <a:schemeClr val="accent1">
+              <a:shade val="15000"/>
+            </a:schemeClr>
+          </a:lnRef>
+          <a:fillRef idx="1">
+            <a:schemeClr val="accent1"/>
+          </a:fillRef>
+          <a:effectRef idx="0">
+            <a:schemeClr val="accent1"/>
+          </a:effectRef>
+          <a:fontRef idx="minor">
+            <a:schemeClr val="lt1"/>
+          </a:fontRef>
+        </p:style>
+        <p:txBody>
+          <a:bodyPr rtlCol="0" anchor="ctr"/>
+          <a:lstStyle/>
+          <a:p>
+            <a:pPr algn="ctr"/>
+            <a:r>
+              <a:rPr lang="en-US" sz="1200">
+                <a:solidFill>
+                  <a:schemeClr val="tx1"/>
+                </a:solidFill>
+              </a:rPr>
+              <a:t>ProjectController</a:t>
+            </a:r>
+          </a:p>
+        </p:txBody>
+      </p:sp>
+      <p:sp>
+        <p:nvSpPr>
+          <p:cNvPr id="5" name="Rectangle 4">
+            <a:extLst>
+              <a:ext uri="{FF2B5EF4-FFF2-40B4-BE49-F238E27FC236}">
+                <a16:creationId xmlns:a16="http://schemas.microsoft.com/office/drawing/2014/main" id="{7BC51680-E948-C36F-C1AA-5D2957FB752D}"/>
+              </a:ext>
+            </a:extLst>
+          </p:cNvPr>
+          <p:cNvSpPr/>
+          <p:nvPr/>
+        </p:nvSpPr>
+        <p:spPr>
+          <a:xfrm>
+            <a:off x="4637313" y="523220"/>
+            <a:ext cx="1325971" cy="494492"/>
+          </a:xfrm>
+          <a:prstGeom prst="rect">
+            <a:avLst/>
+          </a:prstGeom>
+          <a:noFill/>
+          <a:ln w="38100">
+            <a:solidFill>
+              <a:schemeClr val="accent2"/>
+            </a:solidFill>
+          </a:ln>
+        </p:spPr>
+        <p:style>
+          <a:lnRef idx="2">
+            <a:schemeClr val="accent1">
+              <a:shade val="15000"/>
+            </a:schemeClr>
+          </a:lnRef>
+          <a:fillRef idx="1">
+            <a:schemeClr val="accent1"/>
+          </a:fillRef>
+          <a:effectRef idx="0">
+            <a:schemeClr val="accent1"/>
+          </a:effectRef>
+          <a:fontRef idx="minor">
+            <a:schemeClr val="lt1"/>
+          </a:fontRef>
+        </p:style>
+        <p:txBody>
+          <a:bodyPr rtlCol="0" anchor="ctr"/>
+          <a:lstStyle/>
+          <a:p>
+            <a:pPr algn="ctr"/>
+            <a:r>
+              <a:rPr lang="en-US" sz="1200">
+                <a:solidFill>
+                  <a:schemeClr val="tx1"/>
+                </a:solidFill>
+              </a:rPr>
+              <a:t>ProjectView</a:t>
+            </a:r>
+          </a:p>
+        </p:txBody>
+      </p:sp>
+      <p:sp>
+        <p:nvSpPr>
+          <p:cNvPr id="6" name="Rectangle 5">
+            <a:extLst>
+              <a:ext uri="{FF2B5EF4-FFF2-40B4-BE49-F238E27FC236}">
+                <a16:creationId xmlns:a16="http://schemas.microsoft.com/office/drawing/2014/main" id="{BCAB8685-902F-0BFF-F75D-030E2D3A404C}"/>
+              </a:ext>
+            </a:extLst>
+          </p:cNvPr>
+          <p:cNvSpPr/>
+          <p:nvPr/>
+        </p:nvSpPr>
+        <p:spPr>
+          <a:xfrm>
+            <a:off x="6183085" y="523220"/>
+            <a:ext cx="1325971" cy="494492"/>
+          </a:xfrm>
+          <a:prstGeom prst="rect">
+            <a:avLst/>
+          </a:prstGeom>
+          <a:noFill/>
+          <a:ln w="38100">
+            <a:solidFill>
+              <a:schemeClr val="accent2"/>
+            </a:solidFill>
+          </a:ln>
+        </p:spPr>
+        <p:style>
+          <a:lnRef idx="2">
+            <a:schemeClr val="accent1">
+              <a:shade val="15000"/>
+            </a:schemeClr>
+          </a:lnRef>
+          <a:fillRef idx="1">
+            <a:schemeClr val="accent1"/>
+          </a:fillRef>
+          <a:effectRef idx="0">
+            <a:schemeClr val="accent1"/>
+          </a:effectRef>
+          <a:fontRef idx="minor">
+            <a:schemeClr val="lt1"/>
+          </a:fontRef>
+        </p:style>
+        <p:txBody>
+          <a:bodyPr rtlCol="0" anchor="ctr"/>
+          <a:lstStyle/>
+          <a:p>
+            <a:pPr algn="ctr"/>
+            <a:r>
+              <a:rPr lang="en-US" sz="1200">
+                <a:solidFill>
+                  <a:schemeClr val="tx1"/>
+                </a:solidFill>
+              </a:rPr>
+              <a:t>BudgetView</a:t>
+            </a:r>
+          </a:p>
+        </p:txBody>
+      </p:sp>
+      <p:sp>
+        <p:nvSpPr>
+          <p:cNvPr id="7" name="Rectangle 6">
+            <a:extLst>
+              <a:ext uri="{FF2B5EF4-FFF2-40B4-BE49-F238E27FC236}">
+                <a16:creationId xmlns:a16="http://schemas.microsoft.com/office/drawing/2014/main" id="{CD1D4CA1-6BBB-94F9-43ED-D1A98C2DB13C}"/>
+              </a:ext>
+            </a:extLst>
+          </p:cNvPr>
+          <p:cNvSpPr/>
+          <p:nvPr/>
+        </p:nvSpPr>
+        <p:spPr>
+          <a:xfrm>
+            <a:off x="7728857" y="523220"/>
+            <a:ext cx="1325971" cy="494492"/>
+          </a:xfrm>
+          <a:prstGeom prst="rect">
+            <a:avLst/>
+          </a:prstGeom>
+          <a:noFill/>
+          <a:ln w="38100">
+            <a:solidFill>
+              <a:schemeClr val="accent2"/>
+            </a:solidFill>
+          </a:ln>
+        </p:spPr>
+        <p:style>
+          <a:lnRef idx="2">
+            <a:schemeClr val="accent1">
+              <a:shade val="15000"/>
+            </a:schemeClr>
+          </a:lnRef>
+          <a:fillRef idx="1">
+            <a:schemeClr val="accent1"/>
+          </a:fillRef>
+          <a:effectRef idx="0">
+            <a:schemeClr val="accent1"/>
+          </a:effectRef>
+          <a:fontRef idx="minor">
+            <a:schemeClr val="lt1"/>
+          </a:fontRef>
+        </p:style>
+        <p:txBody>
+          <a:bodyPr rtlCol="0" anchor="ctr"/>
+          <a:lstStyle/>
+          <a:p>
+            <a:pPr algn="ctr"/>
+            <a:r>
+              <a:rPr lang="en-US" sz="1200">
+                <a:solidFill>
+                  <a:schemeClr val="tx1"/>
+                </a:solidFill>
+              </a:rPr>
+              <a:t>BudgetController</a:t>
+            </a:r>
+          </a:p>
+        </p:txBody>
+      </p:sp>
+      <p:sp>
+        <p:nvSpPr>
+          <p:cNvPr id="8" name="Rectangle 7">
+            <a:extLst>
+              <a:ext uri="{FF2B5EF4-FFF2-40B4-BE49-F238E27FC236}">
+                <a16:creationId xmlns:a16="http://schemas.microsoft.com/office/drawing/2014/main" id="{B544BF9E-BE1B-965A-FDAF-87252A518D67}"/>
+              </a:ext>
+            </a:extLst>
+          </p:cNvPr>
+          <p:cNvSpPr/>
+          <p:nvPr/>
+        </p:nvSpPr>
+        <p:spPr>
+          <a:xfrm>
+            <a:off x="9301887" y="523220"/>
+            <a:ext cx="1325971" cy="494492"/>
+          </a:xfrm>
+          <a:prstGeom prst="rect">
+            <a:avLst/>
+          </a:prstGeom>
+          <a:noFill/>
+          <a:ln w="38100">
+            <a:solidFill>
+              <a:schemeClr val="accent2"/>
+            </a:solidFill>
+          </a:ln>
+        </p:spPr>
+        <p:style>
+          <a:lnRef idx="2">
+            <a:schemeClr val="accent1">
+              <a:shade val="15000"/>
+            </a:schemeClr>
+          </a:lnRef>
+          <a:fillRef idx="1">
+            <a:schemeClr val="accent1"/>
+          </a:fillRef>
+          <a:effectRef idx="0">
+            <a:schemeClr val="accent1"/>
+          </a:effectRef>
+          <a:fontRef idx="minor">
+            <a:schemeClr val="lt1"/>
+          </a:fontRef>
+        </p:style>
+        <p:txBody>
+          <a:bodyPr rtlCol="0" anchor="ctr"/>
+          <a:lstStyle/>
+          <a:p>
+            <a:pPr algn="ctr"/>
+            <a:r>
+              <a:rPr lang="en-US" sz="1200">
+                <a:solidFill>
+                  <a:schemeClr val="tx1"/>
+                </a:solidFill>
+              </a:rPr>
+              <a:t>Budget</a:t>
+            </a:r>
+          </a:p>
+        </p:txBody>
+      </p:sp>
+      <p:cxnSp>
+        <p:nvCxnSpPr>
+          <p:cNvPr id="10" name="Straight Connector 9">
+            <a:extLst>
+              <a:ext uri="{FF2B5EF4-FFF2-40B4-BE49-F238E27FC236}">
+                <a16:creationId xmlns:a16="http://schemas.microsoft.com/office/drawing/2014/main" id="{9A50B79C-EE4D-1A17-57A0-F0B87B63841F}"/>
+              </a:ext>
+            </a:extLst>
+          </p:cNvPr>
+          <p:cNvCxnSpPr>
+            <a:cxnSpLocks/>
+          </p:cNvCxnSpPr>
+          <p:nvPr/>
+        </p:nvCxnSpPr>
+        <p:spPr>
+          <a:xfrm>
+            <a:off x="662985" y="1367246"/>
+            <a:ext cx="1" cy="5490754"/>
+          </a:xfrm>
+          <a:prstGeom prst="line">
+            <a:avLst/>
+          </a:prstGeom>
+          <a:ln w="38100">
+            <a:solidFill>
+              <a:schemeClr val="tx2"/>
+            </a:solidFill>
+            <a:prstDash val="dash"/>
+          </a:ln>
+        </p:spPr>
+        <p:style>
+          <a:lnRef idx="1">
+            <a:schemeClr val="accent1"/>
+          </a:lnRef>
+          <a:fillRef idx="0">
+            <a:schemeClr val="accent1"/>
+          </a:fillRef>
+          <a:effectRef idx="0">
+            <a:schemeClr val="accent1"/>
+          </a:effectRef>
+          <a:fontRef idx="minor">
+            <a:schemeClr val="tx1"/>
+          </a:fontRef>
+        </p:style>
+      </p:cxnSp>
+      <p:cxnSp>
+        <p:nvCxnSpPr>
+          <p:cNvPr id="13" name="Straight Connector 12">
+            <a:extLst>
+              <a:ext uri="{FF2B5EF4-FFF2-40B4-BE49-F238E27FC236}">
+                <a16:creationId xmlns:a16="http://schemas.microsoft.com/office/drawing/2014/main" id="{C18658D6-7771-A32A-068F-37D54C16FD8A}"/>
+              </a:ext>
+            </a:extLst>
+          </p:cNvPr>
+          <p:cNvCxnSpPr>
+            <a:cxnSpLocks/>
+          </p:cNvCxnSpPr>
+          <p:nvPr/>
+        </p:nvCxnSpPr>
+        <p:spPr>
+          <a:xfrm>
             <a:off x="2208757" y="1367246"/>
             <a:ext cx="1" cy="5490754"/>
           </a:xfrm>
@@ -5074,6 +8881,9 @@
             <a:avLst/>
           </a:prstGeom>
           <a:ln w="38100">
+            <a:solidFill>
+              <a:schemeClr val="tx2"/>
+            </a:solidFill>
             <a:prstDash val="dash"/>
           </a:ln>
         </p:spPr>
@@ -5115,6 +8925,9 @@
             <a:avLst/>
           </a:prstGeom>
           <a:ln w="38100">
+            <a:solidFill>
+              <a:schemeClr val="tx2"/>
+            </a:solidFill>
             <a:prstDash val="dash"/>
           </a:ln>
         </p:spPr>
@@ -5156,6 +8969,9 @@
             <a:avLst/>
           </a:prstGeom>
           <a:ln w="38100">
+            <a:solidFill>
+              <a:schemeClr val="tx2"/>
+            </a:solidFill>
             <a:prstDash val="dash"/>
           </a:ln>
         </p:spPr>
@@ -5197,6 +9013,9 @@
             <a:avLst/>
           </a:prstGeom>
           <a:ln w="38100">
+            <a:solidFill>
+              <a:schemeClr val="tx2"/>
+            </a:solidFill>
             <a:prstDash val="dash"/>
           </a:ln>
         </p:spPr>
@@ -5238,6 +9057,9 @@
             <a:avLst/>
           </a:prstGeom>
           <a:ln w="38100">
+            <a:solidFill>
+              <a:schemeClr val="tx2"/>
+            </a:solidFill>
             <a:prstDash val="dash"/>
           </a:ln>
         </p:spPr>
@@ -5279,7 +9101,7 @@
           <a:noFill/>
           <a:ln w="38100">
             <a:solidFill>
-              <a:schemeClr val="accent1"/>
+              <a:schemeClr val="accent2"/>
             </a:solidFill>
           </a:ln>
         </p:spPr>
@@ -5349,6 +9171,9 @@
             <a:avLst/>
           </a:prstGeom>
           <a:ln w="38100">
+            <a:solidFill>
+              <a:schemeClr val="tx2"/>
+            </a:solidFill>
             <a:prstDash val="dash"/>
           </a:ln>
         </p:spPr>
@@ -5388,6 +9213,9 @@
             <a:avLst/>
           </a:prstGeom>
           <a:ln w="38100">
+            <a:solidFill>
+              <a:schemeClr val="accent2"/>
+            </a:solidFill>
             <a:tailEnd type="triangle"/>
           </a:ln>
         </p:spPr>
@@ -5427,6 +9255,9 @@
             <a:avLst/>
           </a:prstGeom>
           <a:noFill/>
+          <a:ln>
+            <a:noFill/>
+          </a:ln>
         </p:spPr>
         <p:txBody>
           <a:bodyPr wrap="none" rtlCol="0">
@@ -5462,6 +9293,9 @@
             <a:avLst/>
           </a:prstGeom>
           <a:ln w="38100">
+            <a:solidFill>
+              <a:schemeClr val="accent2"/>
+            </a:solidFill>
             <a:tailEnd type="triangle"/>
           </a:ln>
         </p:spPr>
@@ -5501,6 +9335,9 @@
             <a:avLst/>
           </a:prstGeom>
           <a:noFill/>
+          <a:ln>
+            <a:noFill/>
+          </a:ln>
         </p:spPr>
         <p:txBody>
           <a:bodyPr wrap="none" rtlCol="0">
@@ -5529,13 +9366,16 @@
         </p:nvCxnSpPr>
         <p:spPr>
           <a:xfrm>
-            <a:off x="2202319" y="2545923"/>
+            <a:off x="2208760" y="2473388"/>
             <a:ext cx="1545772" cy="0"/>
           </a:xfrm>
           <a:prstGeom prst="straightConnector1">
             <a:avLst/>
           </a:prstGeom>
           <a:ln w="38100">
+            <a:solidFill>
+              <a:schemeClr val="accent2"/>
+            </a:solidFill>
             <a:prstDash val="dash"/>
             <a:headEnd type="triangle"/>
             <a:tailEnd type="none"/>
@@ -5570,13 +9410,16 @@
         </p:nvSpPr>
         <p:spPr>
           <a:xfrm>
-            <a:off x="2829056" y="2268924"/>
+            <a:off x="2835497" y="2196389"/>
             <a:ext cx="919034" cy="276999"/>
           </a:xfrm>
           <a:prstGeom prst="rect">
             <a:avLst/>
           </a:prstGeom>
           <a:noFill/>
+          <a:ln>
+            <a:noFill/>
+          </a:ln>
         </p:spPr>
         <p:txBody>
           <a:bodyPr wrap="none" rtlCol="0">
@@ -5613,6 +9456,9 @@
             <a:avLst/>
           </a:prstGeom>
           <a:ln w="38100">
+            <a:solidFill>
+              <a:schemeClr val="accent2"/>
+            </a:solidFill>
             <a:tailEnd type="triangle"/>
           </a:ln>
         </p:spPr>
@@ -5652,6 +9498,9 @@
             <a:avLst/>
           </a:prstGeom>
           <a:noFill/>
+          <a:ln>
+            <a:noFill/>
+          </a:ln>
         </p:spPr>
         <p:txBody>
           <a:bodyPr wrap="none" rtlCol="0">
@@ -5689,6 +9538,9 @@
             <a:avLst/>
           </a:prstGeom>
           <a:ln w="38100">
+            <a:solidFill>
+              <a:schemeClr val="accent2"/>
+            </a:solidFill>
             <a:tailEnd type="triangle"/>
           </a:ln>
         </p:spPr>
@@ -5728,6 +9580,9 @@
             <a:avLst/>
           </a:prstGeom>
           <a:noFill/>
+          <a:ln>
+            <a:noFill/>
+          </a:ln>
         </p:spPr>
         <p:txBody>
           <a:bodyPr wrap="none" rtlCol="0">
@@ -5765,6 +9620,9 @@
             <a:avLst/>
           </a:prstGeom>
           <a:ln w="38100">
+            <a:solidFill>
+              <a:schemeClr val="accent2"/>
+            </a:solidFill>
             <a:tailEnd type="triangle"/>
           </a:ln>
         </p:spPr>
@@ -5804,6 +9662,9 @@
             <a:avLst/>
           </a:prstGeom>
           <a:noFill/>
+          <a:ln>
+            <a:noFill/>
+          </a:ln>
         </p:spPr>
         <p:txBody>
           <a:bodyPr wrap="square" rtlCol="0">
@@ -5841,6 +9702,9 @@
             <a:avLst/>
           </a:prstGeom>
           <a:ln w="38100">
+            <a:solidFill>
+              <a:schemeClr val="accent2"/>
+            </a:solidFill>
             <a:tailEnd type="triangle"/>
           </a:ln>
         </p:spPr>
@@ -5880,6 +9744,9 @@
             <a:avLst/>
           </a:prstGeom>
           <a:noFill/>
+          <a:ln>
+            <a:noFill/>
+          </a:ln>
         </p:spPr>
         <p:txBody>
           <a:bodyPr wrap="square" rtlCol="0">
@@ -5917,6 +9784,9 @@
             <a:avLst/>
           </a:prstGeom>
           <a:ln w="38100">
+            <a:solidFill>
+              <a:schemeClr val="accent2"/>
+            </a:solidFill>
             <a:tailEnd type="triangle"/>
           </a:ln>
         </p:spPr>
@@ -5956,6 +9826,9 @@
             <a:avLst/>
           </a:prstGeom>
           <a:noFill/>
+          <a:ln>
+            <a:noFill/>
+          </a:ln>
         </p:spPr>
         <p:txBody>
           <a:bodyPr wrap="none" rtlCol="0">
@@ -5991,6 +9864,9 @@
             <a:avLst/>
           </a:prstGeom>
           <a:ln w="38100">
+            <a:solidFill>
+              <a:schemeClr val="accent2"/>
+            </a:solidFill>
             <a:prstDash val="dash"/>
             <a:headEnd type="triangle"/>
             <a:tailEnd type="none"/>
@@ -6032,6 +9908,9 @@
             <a:avLst/>
           </a:prstGeom>
           <a:noFill/>
+          <a:ln>
+            <a:noFill/>
+          </a:ln>
         </p:spPr>
         <p:txBody>
           <a:bodyPr wrap="none" rtlCol="0">
@@ -6070,7 +9949,7 @@
           <a:noFill/>
           <a:ln w="38100">
             <a:solidFill>
-              <a:schemeClr val="accent1"/>
+              <a:schemeClr val="accent2"/>
             </a:solidFill>
           </a:ln>
         </p:spPr>
@@ -6140,6 +10019,9 @@
             <a:avLst/>
           </a:prstGeom>
           <a:ln w="38100">
+            <a:solidFill>
+              <a:schemeClr val="tx2"/>
+            </a:solidFill>
             <a:prstDash val="dash"/>
           </a:ln>
         </p:spPr>
@@ -6179,6 +10061,9 @@
             <a:avLst/>
           </a:prstGeom>
           <a:ln w="38100">
+            <a:solidFill>
+              <a:schemeClr val="accent2"/>
+            </a:solidFill>
             <a:tailEnd type="triangle"/>
           </a:ln>
         </p:spPr>
@@ -6218,6 +10103,9 @@
             <a:avLst/>
           </a:prstGeom>
           <a:noFill/>
+          <a:ln>
+            <a:noFill/>
+          </a:ln>
         </p:spPr>
         <p:txBody>
           <a:bodyPr wrap="none" rtlCol="0">
@@ -6255,6 +10143,9 @@
             <a:avLst/>
           </a:prstGeom>
           <a:ln w="38100">
+            <a:solidFill>
+              <a:schemeClr val="accent2"/>
+            </a:solidFill>
             <a:tailEnd type="triangle"/>
           </a:ln>
         </p:spPr>
@@ -6294,6 +10185,9 @@
             <a:avLst/>
           </a:prstGeom>
           <a:noFill/>
+          <a:ln>
+            <a:noFill/>
+          </a:ln>
         </p:spPr>
         <p:txBody>
           <a:bodyPr wrap="none" rtlCol="0">
@@ -6324,13 +10218,16 @@
         </p:nvCxnSpPr>
         <p:spPr>
           <a:xfrm>
-            <a:off x="8400185" y="4719628"/>
+            <a:off x="8400184" y="4647094"/>
             <a:ext cx="3137716" cy="0"/>
           </a:xfrm>
           <a:prstGeom prst="straightConnector1">
             <a:avLst/>
           </a:prstGeom>
           <a:ln w="38100">
+            <a:solidFill>
+              <a:schemeClr val="accent2"/>
+            </a:solidFill>
             <a:prstDash val="dash"/>
             <a:headEnd type="triangle"/>
             <a:tailEnd type="none"/>
@@ -6365,13 +10262,16 @@
         </p:nvSpPr>
         <p:spPr>
           <a:xfrm>
-            <a:off x="9181580" y="4442629"/>
+            <a:off x="9181579" y="4370095"/>
             <a:ext cx="764376" cy="276999"/>
           </a:xfrm>
           <a:prstGeom prst="rect">
             <a:avLst/>
           </a:prstGeom>
           <a:noFill/>
+          <a:ln>
+            <a:noFill/>
+          </a:ln>
         </p:spPr>
         <p:txBody>
           <a:bodyPr wrap="none" rtlCol="0">
@@ -6410,6 +10310,9 @@
             <a:avLst/>
           </a:prstGeom>
           <a:ln w="38100">
+            <a:solidFill>
+              <a:schemeClr val="accent2"/>
+            </a:solidFill>
             <a:tailEnd type="triangle"/>
           </a:ln>
         </p:spPr>
@@ -6449,6 +10352,9 @@
             <a:avLst/>
           </a:prstGeom>
           <a:noFill/>
+          <a:ln>
+            <a:noFill/>
+          </a:ln>
         </p:spPr>
         <p:txBody>
           <a:bodyPr wrap="none" rtlCol="0">
@@ -6466,7 +10372,1755 @@
     </p:spTree>
     <p:extLst>
       <p:ext uri="{BB962C8B-B14F-4D97-AF65-F5344CB8AC3E}">
-        <p14:creationId xmlns:p14="http://schemas.microsoft.com/office/powerpoint/2010/main" val="3992693509"/>
+        <p14:creationId xmlns:p14="http://schemas.microsoft.com/office/powerpoint/2010/main" val="2983685702"/>
+      </p:ext>
+    </p:extLst>
+  </p:cSld>
+  <p:clrMapOvr>
+    <a:masterClrMapping/>
+  </p:clrMapOvr>
+</p:sld>
+</file>
+
+<file path=ppt/slides/slide4.xml><?xml version="1.0" encoding="utf-8"?>
+<p:sld xmlns:a="http://schemas.openxmlformats.org/drawingml/2006/main" xmlns:r="http://schemas.openxmlformats.org/officeDocument/2006/relationships" xmlns:p="http://schemas.openxmlformats.org/presentationml/2006/main">
+  <p:cSld>
+    <p:spTree>
+      <p:nvGrpSpPr>
+        <p:cNvPr id="1" name=""/>
+        <p:cNvGrpSpPr/>
+        <p:nvPr/>
+      </p:nvGrpSpPr>
+      <p:grpSpPr>
+        <a:xfrm>
+          <a:off x="0" y="0"/>
+          <a:ext cx="0" cy="0"/>
+          <a:chOff x="0" y="0"/>
+          <a:chExt cx="0" cy="0"/>
+        </a:xfrm>
+      </p:grpSpPr>
+      <p:sp>
+        <p:nvSpPr>
+          <p:cNvPr id="2" name="TextBox 1">
+            <a:extLst>
+              <a:ext uri="{FF2B5EF4-FFF2-40B4-BE49-F238E27FC236}">
+                <a16:creationId xmlns:a16="http://schemas.microsoft.com/office/drawing/2014/main" id="{EBEA3E00-2C1E-1FD4-6D92-AF6C1F07D949}"/>
+              </a:ext>
+            </a:extLst>
+          </p:cNvPr>
+          <p:cNvSpPr txBox="1"/>
+          <p:nvPr/>
+        </p:nvSpPr>
+        <p:spPr>
+          <a:xfrm>
+            <a:off x="2094411" y="0"/>
+            <a:ext cx="8003177" cy="523220"/>
+          </a:xfrm>
+          <a:prstGeom prst="rect">
+            <a:avLst/>
+          </a:prstGeom>
+          <a:noFill/>
+        </p:spPr>
+        <p:txBody>
+          <a:bodyPr wrap="square" rtlCol="0">
+            <a:spAutoFit/>
+          </a:bodyPr>
+          <a:lstStyle/>
+          <a:p>
+            <a:pPr algn="ctr"/>
+            <a:r>
+              <a:rPr lang="en-US" sz="1400"/>
+              <a:t>USX04: As a user I want to see the version of the software and other information such as the names of the developers.</a:t>
+            </a:r>
+          </a:p>
+        </p:txBody>
+      </p:sp>
+      <p:sp>
+        <p:nvSpPr>
+          <p:cNvPr id="3" name="Rectangle 2">
+            <a:extLst>
+              <a:ext uri="{FF2B5EF4-FFF2-40B4-BE49-F238E27FC236}">
+                <a16:creationId xmlns:a16="http://schemas.microsoft.com/office/drawing/2014/main" id="{B2E1DC27-AB21-8B54-E892-1AA96ECFDE35}"/>
+              </a:ext>
+            </a:extLst>
+          </p:cNvPr>
+          <p:cNvSpPr/>
+          <p:nvPr/>
+        </p:nvSpPr>
+        <p:spPr>
+          <a:xfrm>
+            <a:off x="775120" y="523220"/>
+            <a:ext cx="1325971" cy="494492"/>
+          </a:xfrm>
+          <a:prstGeom prst="rect">
+            <a:avLst/>
+          </a:prstGeom>
+          <a:noFill/>
+          <a:ln w="38100">
+            <a:solidFill>
+              <a:schemeClr val="accent2"/>
+            </a:solidFill>
+          </a:ln>
+        </p:spPr>
+        <p:style>
+          <a:lnRef idx="2">
+            <a:schemeClr val="accent1">
+              <a:shade val="15000"/>
+            </a:schemeClr>
+          </a:lnRef>
+          <a:fillRef idx="1">
+            <a:schemeClr val="accent1"/>
+          </a:fillRef>
+          <a:effectRef idx="0">
+            <a:schemeClr val="accent1"/>
+          </a:effectRef>
+          <a:fontRef idx="minor">
+            <a:schemeClr val="lt1"/>
+          </a:fontRef>
+        </p:style>
+        <p:txBody>
+          <a:bodyPr rtlCol="0" anchor="ctr"/>
+          <a:lstStyle/>
+          <a:p>
+            <a:pPr algn="ctr"/>
+            <a:r>
+              <a:rPr lang="en-US" sz="1200">
+                <a:solidFill>
+                  <a:schemeClr val="tx1"/>
+                </a:solidFill>
+              </a:rPr>
+              <a:t>ApplicationView</a:t>
+            </a:r>
+          </a:p>
+        </p:txBody>
+      </p:sp>
+      <p:sp>
+        <p:nvSpPr>
+          <p:cNvPr id="4" name="Rectangle 3">
+            <a:extLst>
+              <a:ext uri="{FF2B5EF4-FFF2-40B4-BE49-F238E27FC236}">
+                <a16:creationId xmlns:a16="http://schemas.microsoft.com/office/drawing/2014/main" id="{0816C600-1A57-6126-2494-67817D31F143}"/>
+              </a:ext>
+            </a:extLst>
+          </p:cNvPr>
+          <p:cNvSpPr/>
+          <p:nvPr/>
+        </p:nvSpPr>
+        <p:spPr>
+          <a:xfrm>
+            <a:off x="2320892" y="523220"/>
+            <a:ext cx="1325971" cy="494492"/>
+          </a:xfrm>
+          <a:prstGeom prst="rect">
+            <a:avLst/>
+          </a:prstGeom>
+          <a:noFill/>
+          <a:ln w="38100">
+            <a:solidFill>
+              <a:schemeClr val="accent2"/>
+            </a:solidFill>
+          </a:ln>
+        </p:spPr>
+        <p:style>
+          <a:lnRef idx="2">
+            <a:schemeClr val="accent1">
+              <a:shade val="15000"/>
+            </a:schemeClr>
+          </a:lnRef>
+          <a:fillRef idx="1">
+            <a:schemeClr val="accent1"/>
+          </a:fillRef>
+          <a:effectRef idx="0">
+            <a:schemeClr val="accent1"/>
+          </a:effectRef>
+          <a:fontRef idx="minor">
+            <a:schemeClr val="lt1"/>
+          </a:fontRef>
+        </p:style>
+        <p:txBody>
+          <a:bodyPr rtlCol="0" anchor="ctr"/>
+          <a:lstStyle/>
+          <a:p>
+            <a:pPr algn="ctr"/>
+            <a:r>
+              <a:rPr lang="en-US" sz="1200">
+                <a:solidFill>
+                  <a:schemeClr val="tx1"/>
+                </a:solidFill>
+              </a:rPr>
+              <a:t>AboutScreen</a:t>
+            </a:r>
+          </a:p>
+        </p:txBody>
+      </p:sp>
+      <p:sp>
+        <p:nvSpPr>
+          <p:cNvPr id="5" name="Rectangle 4">
+            <a:extLst>
+              <a:ext uri="{FF2B5EF4-FFF2-40B4-BE49-F238E27FC236}">
+                <a16:creationId xmlns:a16="http://schemas.microsoft.com/office/drawing/2014/main" id="{7BC51680-E948-C36F-C1AA-5D2957FB752D}"/>
+              </a:ext>
+            </a:extLst>
+          </p:cNvPr>
+          <p:cNvSpPr/>
+          <p:nvPr/>
+        </p:nvSpPr>
+        <p:spPr>
+          <a:xfrm>
+            <a:off x="5412433" y="523220"/>
+            <a:ext cx="1325971" cy="494492"/>
+          </a:xfrm>
+          <a:prstGeom prst="rect">
+            <a:avLst/>
+          </a:prstGeom>
+          <a:noFill/>
+          <a:ln w="38100">
+            <a:solidFill>
+              <a:schemeClr val="accent2"/>
+            </a:solidFill>
+          </a:ln>
+        </p:spPr>
+        <p:style>
+          <a:lnRef idx="2">
+            <a:schemeClr val="accent1">
+              <a:shade val="15000"/>
+            </a:schemeClr>
+          </a:lnRef>
+          <a:fillRef idx="1">
+            <a:schemeClr val="accent1"/>
+          </a:fillRef>
+          <a:effectRef idx="0">
+            <a:schemeClr val="accent1"/>
+          </a:effectRef>
+          <a:fontRef idx="minor">
+            <a:schemeClr val="lt1"/>
+          </a:fontRef>
+        </p:style>
+        <p:txBody>
+          <a:bodyPr rtlCol="0" anchor="ctr"/>
+          <a:lstStyle/>
+          <a:p>
+            <a:pPr algn="ctr"/>
+            <a:r>
+              <a:rPr lang="en-US" sz="1200">
+                <a:solidFill>
+                  <a:schemeClr val="tx1"/>
+                </a:solidFill>
+              </a:rPr>
+              <a:t>AboutController</a:t>
+            </a:r>
+          </a:p>
+        </p:txBody>
+      </p:sp>
+      <p:sp>
+        <p:nvSpPr>
+          <p:cNvPr id="6" name="Rectangle 5">
+            <a:extLst>
+              <a:ext uri="{FF2B5EF4-FFF2-40B4-BE49-F238E27FC236}">
+                <a16:creationId xmlns:a16="http://schemas.microsoft.com/office/drawing/2014/main" id="{BCAB8685-902F-0BFF-F75D-030E2D3A404C}"/>
+              </a:ext>
+            </a:extLst>
+          </p:cNvPr>
+          <p:cNvSpPr/>
+          <p:nvPr/>
+        </p:nvSpPr>
+        <p:spPr>
+          <a:xfrm>
+            <a:off x="6958205" y="523220"/>
+            <a:ext cx="1325971" cy="494492"/>
+          </a:xfrm>
+          <a:prstGeom prst="rect">
+            <a:avLst/>
+          </a:prstGeom>
+          <a:noFill/>
+          <a:ln w="38100">
+            <a:solidFill>
+              <a:schemeClr val="accent2"/>
+            </a:solidFill>
+          </a:ln>
+        </p:spPr>
+        <p:style>
+          <a:lnRef idx="2">
+            <a:schemeClr val="accent1">
+              <a:shade val="15000"/>
+            </a:schemeClr>
+          </a:lnRef>
+          <a:fillRef idx="1">
+            <a:schemeClr val="accent1"/>
+          </a:fillRef>
+          <a:effectRef idx="0">
+            <a:schemeClr val="accent1"/>
+          </a:effectRef>
+          <a:fontRef idx="minor">
+            <a:schemeClr val="lt1"/>
+          </a:fontRef>
+        </p:style>
+        <p:txBody>
+          <a:bodyPr rtlCol="0" anchor="ctr"/>
+          <a:lstStyle/>
+          <a:p>
+            <a:pPr algn="ctr"/>
+            <a:r>
+              <a:rPr lang="en-US" sz="1200">
+                <a:solidFill>
+                  <a:schemeClr val="tx1"/>
+                </a:solidFill>
+              </a:rPr>
+              <a:t>Profile</a:t>
+            </a:r>
+          </a:p>
+        </p:txBody>
+      </p:sp>
+      <p:sp>
+        <p:nvSpPr>
+          <p:cNvPr id="7" name="Rectangle 6">
+            <a:extLst>
+              <a:ext uri="{FF2B5EF4-FFF2-40B4-BE49-F238E27FC236}">
+                <a16:creationId xmlns:a16="http://schemas.microsoft.com/office/drawing/2014/main" id="{CD1D4CA1-6BBB-94F9-43ED-D1A98C2DB13C}"/>
+              </a:ext>
+            </a:extLst>
+          </p:cNvPr>
+          <p:cNvSpPr/>
+          <p:nvPr/>
+        </p:nvSpPr>
+        <p:spPr>
+          <a:xfrm>
+            <a:off x="8503977" y="523220"/>
+            <a:ext cx="1325971" cy="494492"/>
+          </a:xfrm>
+          <a:prstGeom prst="rect">
+            <a:avLst/>
+          </a:prstGeom>
+          <a:noFill/>
+          <a:ln w="38100">
+            <a:solidFill>
+              <a:schemeClr val="accent2"/>
+            </a:solidFill>
+          </a:ln>
+        </p:spPr>
+        <p:style>
+          <a:lnRef idx="2">
+            <a:schemeClr val="accent1">
+              <a:shade val="15000"/>
+            </a:schemeClr>
+          </a:lnRef>
+          <a:fillRef idx="1">
+            <a:schemeClr val="accent1"/>
+          </a:fillRef>
+          <a:effectRef idx="0">
+            <a:schemeClr val="accent1"/>
+          </a:effectRef>
+          <a:fontRef idx="minor">
+            <a:schemeClr val="lt1"/>
+          </a:fontRef>
+        </p:style>
+        <p:txBody>
+          <a:bodyPr rtlCol="0" anchor="ctr"/>
+          <a:lstStyle/>
+          <a:p>
+            <a:pPr algn="ctr"/>
+            <a:r>
+              <a:rPr lang="en-US" sz="1200">
+                <a:solidFill>
+                  <a:schemeClr val="tx1"/>
+                </a:solidFill>
+              </a:rPr>
+              <a:t>Team</a:t>
+            </a:r>
+          </a:p>
+        </p:txBody>
+      </p:sp>
+      <p:sp>
+        <p:nvSpPr>
+          <p:cNvPr id="8" name="Rectangle 7">
+            <a:extLst>
+              <a:ext uri="{FF2B5EF4-FFF2-40B4-BE49-F238E27FC236}">
+                <a16:creationId xmlns:a16="http://schemas.microsoft.com/office/drawing/2014/main" id="{B544BF9E-BE1B-965A-FDAF-87252A518D67}"/>
+              </a:ext>
+            </a:extLst>
+          </p:cNvPr>
+          <p:cNvSpPr/>
+          <p:nvPr/>
+        </p:nvSpPr>
+        <p:spPr>
+          <a:xfrm>
+            <a:off x="10077007" y="523220"/>
+            <a:ext cx="1325971" cy="494492"/>
+          </a:xfrm>
+          <a:prstGeom prst="rect">
+            <a:avLst/>
+          </a:prstGeom>
+          <a:noFill/>
+          <a:ln w="38100">
+            <a:solidFill>
+              <a:schemeClr val="accent2"/>
+            </a:solidFill>
+          </a:ln>
+        </p:spPr>
+        <p:style>
+          <a:lnRef idx="2">
+            <a:schemeClr val="accent1">
+              <a:shade val="15000"/>
+            </a:schemeClr>
+          </a:lnRef>
+          <a:fillRef idx="1">
+            <a:schemeClr val="accent1"/>
+          </a:fillRef>
+          <a:effectRef idx="0">
+            <a:schemeClr val="accent1"/>
+          </a:effectRef>
+          <a:fontRef idx="minor">
+            <a:schemeClr val="lt1"/>
+          </a:fontRef>
+        </p:style>
+        <p:txBody>
+          <a:bodyPr rtlCol="0" anchor="ctr"/>
+          <a:lstStyle/>
+          <a:p>
+            <a:pPr algn="ctr"/>
+            <a:r>
+              <a:rPr lang="en-US" sz="1200">
+                <a:solidFill>
+                  <a:schemeClr val="tx1"/>
+                </a:solidFill>
+              </a:rPr>
+              <a:t>Version</a:t>
+            </a:r>
+          </a:p>
+        </p:txBody>
+      </p:sp>
+      <p:cxnSp>
+        <p:nvCxnSpPr>
+          <p:cNvPr id="10" name="Straight Connector 9">
+            <a:extLst>
+              <a:ext uri="{FF2B5EF4-FFF2-40B4-BE49-F238E27FC236}">
+                <a16:creationId xmlns:a16="http://schemas.microsoft.com/office/drawing/2014/main" id="{9A50B79C-EE4D-1A17-57A0-F0B87B63841F}"/>
+              </a:ext>
+            </a:extLst>
+          </p:cNvPr>
+          <p:cNvCxnSpPr>
+            <a:cxnSpLocks/>
+          </p:cNvCxnSpPr>
+          <p:nvPr/>
+        </p:nvCxnSpPr>
+        <p:spPr>
+          <a:xfrm>
+            <a:off x="1438105" y="1367246"/>
+            <a:ext cx="1" cy="5490754"/>
+          </a:xfrm>
+          <a:prstGeom prst="line">
+            <a:avLst/>
+          </a:prstGeom>
+          <a:ln w="38100">
+            <a:solidFill>
+              <a:schemeClr val="tx2"/>
+            </a:solidFill>
+            <a:prstDash val="dash"/>
+          </a:ln>
+        </p:spPr>
+        <p:style>
+          <a:lnRef idx="1">
+            <a:schemeClr val="accent1"/>
+          </a:lnRef>
+          <a:fillRef idx="0">
+            <a:schemeClr val="accent1"/>
+          </a:fillRef>
+          <a:effectRef idx="0">
+            <a:schemeClr val="accent1"/>
+          </a:effectRef>
+          <a:fontRef idx="minor">
+            <a:schemeClr val="tx1"/>
+          </a:fontRef>
+        </p:style>
+      </p:cxnSp>
+      <p:cxnSp>
+        <p:nvCxnSpPr>
+          <p:cNvPr id="13" name="Straight Connector 12">
+            <a:extLst>
+              <a:ext uri="{FF2B5EF4-FFF2-40B4-BE49-F238E27FC236}">
+                <a16:creationId xmlns:a16="http://schemas.microsoft.com/office/drawing/2014/main" id="{C18658D6-7771-A32A-068F-37D54C16FD8A}"/>
+              </a:ext>
+            </a:extLst>
+          </p:cNvPr>
+          <p:cNvCxnSpPr>
+            <a:cxnSpLocks/>
+          </p:cNvCxnSpPr>
+          <p:nvPr/>
+        </p:nvCxnSpPr>
+        <p:spPr>
+          <a:xfrm>
+            <a:off x="2983877" y="1367246"/>
+            <a:ext cx="1" cy="5490754"/>
+          </a:xfrm>
+          <a:prstGeom prst="line">
+            <a:avLst/>
+          </a:prstGeom>
+          <a:ln w="38100">
+            <a:solidFill>
+              <a:schemeClr val="tx2"/>
+            </a:solidFill>
+            <a:prstDash val="dash"/>
+          </a:ln>
+        </p:spPr>
+        <p:style>
+          <a:lnRef idx="1">
+            <a:schemeClr val="accent1"/>
+          </a:lnRef>
+          <a:fillRef idx="0">
+            <a:schemeClr val="accent1"/>
+          </a:fillRef>
+          <a:effectRef idx="0">
+            <a:schemeClr val="accent1"/>
+          </a:effectRef>
+          <a:fontRef idx="minor">
+            <a:schemeClr val="tx1"/>
+          </a:fontRef>
+        </p:style>
+      </p:cxnSp>
+      <p:cxnSp>
+        <p:nvCxnSpPr>
+          <p:cNvPr id="14" name="Straight Connector 13">
+            <a:extLst>
+              <a:ext uri="{FF2B5EF4-FFF2-40B4-BE49-F238E27FC236}">
+                <a16:creationId xmlns:a16="http://schemas.microsoft.com/office/drawing/2014/main" id="{9B29D4B6-083E-7436-DFB1-B4BD81C61A86}"/>
+              </a:ext>
+            </a:extLst>
+          </p:cNvPr>
+          <p:cNvCxnSpPr>
+            <a:cxnSpLocks/>
+          </p:cNvCxnSpPr>
+          <p:nvPr/>
+        </p:nvCxnSpPr>
+        <p:spPr>
+          <a:xfrm>
+            <a:off x="6075418" y="1367246"/>
+            <a:ext cx="1" cy="5490754"/>
+          </a:xfrm>
+          <a:prstGeom prst="line">
+            <a:avLst/>
+          </a:prstGeom>
+          <a:ln w="38100">
+            <a:solidFill>
+              <a:schemeClr val="tx2"/>
+            </a:solidFill>
+            <a:prstDash val="dash"/>
+          </a:ln>
+        </p:spPr>
+        <p:style>
+          <a:lnRef idx="1">
+            <a:schemeClr val="accent1"/>
+          </a:lnRef>
+          <a:fillRef idx="0">
+            <a:schemeClr val="accent1"/>
+          </a:fillRef>
+          <a:effectRef idx="0">
+            <a:schemeClr val="accent1"/>
+          </a:effectRef>
+          <a:fontRef idx="minor">
+            <a:schemeClr val="tx1"/>
+          </a:fontRef>
+        </p:style>
+      </p:cxnSp>
+      <p:cxnSp>
+        <p:nvCxnSpPr>
+          <p:cNvPr id="15" name="Straight Connector 14">
+            <a:extLst>
+              <a:ext uri="{FF2B5EF4-FFF2-40B4-BE49-F238E27FC236}">
+                <a16:creationId xmlns:a16="http://schemas.microsoft.com/office/drawing/2014/main" id="{B28628B0-0C41-AC2E-C548-538C7642A8D7}"/>
+              </a:ext>
+            </a:extLst>
+          </p:cNvPr>
+          <p:cNvCxnSpPr>
+            <a:cxnSpLocks/>
+          </p:cNvCxnSpPr>
+          <p:nvPr/>
+        </p:nvCxnSpPr>
+        <p:spPr>
+          <a:xfrm>
+            <a:off x="7621190" y="1367246"/>
+            <a:ext cx="1" cy="5490754"/>
+          </a:xfrm>
+          <a:prstGeom prst="line">
+            <a:avLst/>
+          </a:prstGeom>
+          <a:ln w="38100">
+            <a:solidFill>
+              <a:schemeClr val="tx2"/>
+            </a:solidFill>
+            <a:prstDash val="dash"/>
+          </a:ln>
+        </p:spPr>
+        <p:style>
+          <a:lnRef idx="1">
+            <a:schemeClr val="accent1"/>
+          </a:lnRef>
+          <a:fillRef idx="0">
+            <a:schemeClr val="accent1"/>
+          </a:fillRef>
+          <a:effectRef idx="0">
+            <a:schemeClr val="accent1"/>
+          </a:effectRef>
+          <a:fontRef idx="minor">
+            <a:schemeClr val="tx1"/>
+          </a:fontRef>
+        </p:style>
+      </p:cxnSp>
+      <p:cxnSp>
+        <p:nvCxnSpPr>
+          <p:cNvPr id="16" name="Straight Connector 15">
+            <a:extLst>
+              <a:ext uri="{FF2B5EF4-FFF2-40B4-BE49-F238E27FC236}">
+                <a16:creationId xmlns:a16="http://schemas.microsoft.com/office/drawing/2014/main" id="{94152CFA-14F3-BA22-29B6-4920B18E1380}"/>
+              </a:ext>
+            </a:extLst>
+          </p:cNvPr>
+          <p:cNvCxnSpPr>
+            <a:cxnSpLocks/>
+          </p:cNvCxnSpPr>
+          <p:nvPr/>
+        </p:nvCxnSpPr>
+        <p:spPr>
+          <a:xfrm>
+            <a:off x="9166962" y="1367246"/>
+            <a:ext cx="1" cy="5490754"/>
+          </a:xfrm>
+          <a:prstGeom prst="line">
+            <a:avLst/>
+          </a:prstGeom>
+          <a:ln w="38100">
+            <a:solidFill>
+              <a:schemeClr val="tx2"/>
+            </a:solidFill>
+            <a:prstDash val="dash"/>
+          </a:ln>
+        </p:spPr>
+        <p:style>
+          <a:lnRef idx="1">
+            <a:schemeClr val="accent1"/>
+          </a:lnRef>
+          <a:fillRef idx="0">
+            <a:schemeClr val="accent1"/>
+          </a:fillRef>
+          <a:effectRef idx="0">
+            <a:schemeClr val="accent1"/>
+          </a:effectRef>
+          <a:fontRef idx="minor">
+            <a:schemeClr val="tx1"/>
+          </a:fontRef>
+        </p:style>
+      </p:cxnSp>
+      <p:cxnSp>
+        <p:nvCxnSpPr>
+          <p:cNvPr id="17" name="Straight Connector 16">
+            <a:extLst>
+              <a:ext uri="{FF2B5EF4-FFF2-40B4-BE49-F238E27FC236}">
+                <a16:creationId xmlns:a16="http://schemas.microsoft.com/office/drawing/2014/main" id="{591F444D-AB1F-9B35-3F55-E93EBE8A1018}"/>
+              </a:ext>
+            </a:extLst>
+          </p:cNvPr>
+          <p:cNvCxnSpPr>
+            <a:cxnSpLocks/>
+          </p:cNvCxnSpPr>
+          <p:nvPr/>
+        </p:nvCxnSpPr>
+        <p:spPr>
+          <a:xfrm>
+            <a:off x="10739991" y="1367246"/>
+            <a:ext cx="1" cy="5490754"/>
+          </a:xfrm>
+          <a:prstGeom prst="line">
+            <a:avLst/>
+          </a:prstGeom>
+          <a:ln w="38100">
+            <a:solidFill>
+              <a:schemeClr val="tx2"/>
+            </a:solidFill>
+            <a:prstDash val="dash"/>
+          </a:ln>
+        </p:spPr>
+        <p:style>
+          <a:lnRef idx="1">
+            <a:schemeClr val="accent1"/>
+          </a:lnRef>
+          <a:fillRef idx="0">
+            <a:schemeClr val="accent1"/>
+          </a:fillRef>
+          <a:effectRef idx="0">
+            <a:schemeClr val="accent1"/>
+          </a:effectRef>
+          <a:fontRef idx="minor">
+            <a:schemeClr val="tx1"/>
+          </a:fontRef>
+        </p:style>
+      </p:cxnSp>
+      <p:sp>
+        <p:nvSpPr>
+          <p:cNvPr id="19" name="Rectangle 18">
+            <a:extLst>
+              <a:ext uri="{FF2B5EF4-FFF2-40B4-BE49-F238E27FC236}">
+                <a16:creationId xmlns:a16="http://schemas.microsoft.com/office/drawing/2014/main" id="{9A4E3029-9733-0F03-3CE8-E9101C934F7C}"/>
+              </a:ext>
+            </a:extLst>
+          </p:cNvPr>
+          <p:cNvSpPr/>
+          <p:nvPr/>
+        </p:nvSpPr>
+        <p:spPr>
+          <a:xfrm>
+            <a:off x="3866663" y="523220"/>
+            <a:ext cx="1325971" cy="494492"/>
+          </a:xfrm>
+          <a:prstGeom prst="rect">
+            <a:avLst/>
+          </a:prstGeom>
+          <a:noFill/>
+          <a:ln w="38100">
+            <a:solidFill>
+              <a:schemeClr val="accent2"/>
+            </a:solidFill>
+          </a:ln>
+        </p:spPr>
+        <p:style>
+          <a:lnRef idx="2">
+            <a:schemeClr val="accent1">
+              <a:shade val="15000"/>
+            </a:schemeClr>
+          </a:lnRef>
+          <a:fillRef idx="1">
+            <a:schemeClr val="accent1"/>
+          </a:fillRef>
+          <a:effectRef idx="0">
+            <a:schemeClr val="accent1"/>
+          </a:effectRef>
+          <a:fontRef idx="minor">
+            <a:schemeClr val="lt1"/>
+          </a:fontRef>
+        </p:style>
+        <p:txBody>
+          <a:bodyPr rtlCol="0" anchor="ctr"/>
+          <a:lstStyle/>
+          <a:p>
+            <a:pPr algn="ctr"/>
+            <a:r>
+              <a:rPr lang="en-US" sz="1200">
+                <a:solidFill>
+                  <a:schemeClr val="tx1"/>
+                </a:solidFill>
+              </a:rPr>
+              <a:t>ProfileController</a:t>
+            </a:r>
+          </a:p>
+        </p:txBody>
+      </p:sp>
+      <p:cxnSp>
+        <p:nvCxnSpPr>
+          <p:cNvPr id="20" name="Straight Connector 19">
+            <a:extLst>
+              <a:ext uri="{FF2B5EF4-FFF2-40B4-BE49-F238E27FC236}">
+                <a16:creationId xmlns:a16="http://schemas.microsoft.com/office/drawing/2014/main" id="{31FFCC4A-3D1B-84B5-5C51-D18A3E811358}"/>
+              </a:ext>
+            </a:extLst>
+          </p:cNvPr>
+          <p:cNvCxnSpPr>
+            <a:cxnSpLocks/>
+          </p:cNvCxnSpPr>
+          <p:nvPr/>
+        </p:nvCxnSpPr>
+        <p:spPr>
+          <a:xfrm>
+            <a:off x="4529648" y="1367246"/>
+            <a:ext cx="1" cy="5490754"/>
+          </a:xfrm>
+          <a:prstGeom prst="line">
+            <a:avLst/>
+          </a:prstGeom>
+          <a:ln w="38100">
+            <a:solidFill>
+              <a:schemeClr val="tx2"/>
+            </a:solidFill>
+            <a:prstDash val="dash"/>
+          </a:ln>
+        </p:spPr>
+        <p:style>
+          <a:lnRef idx="1">
+            <a:schemeClr val="accent1"/>
+          </a:lnRef>
+          <a:fillRef idx="0">
+            <a:schemeClr val="accent1"/>
+          </a:fillRef>
+          <a:effectRef idx="0">
+            <a:schemeClr val="accent1"/>
+          </a:effectRef>
+          <a:fontRef idx="minor">
+            <a:schemeClr val="tx1"/>
+          </a:fontRef>
+        </p:style>
+      </p:cxnSp>
+      <p:cxnSp>
+        <p:nvCxnSpPr>
+          <p:cNvPr id="22" name="Straight Arrow Connector 21">
+            <a:extLst>
+              <a:ext uri="{FF2B5EF4-FFF2-40B4-BE49-F238E27FC236}">
+                <a16:creationId xmlns:a16="http://schemas.microsoft.com/office/drawing/2014/main" id="{9770C1FB-52E8-EC2C-3A0C-7B7CF907C22A}"/>
+              </a:ext>
+            </a:extLst>
+          </p:cNvPr>
+          <p:cNvCxnSpPr/>
+          <p:nvPr/>
+        </p:nvCxnSpPr>
+        <p:spPr>
+          <a:xfrm>
+            <a:off x="1438105" y="1872343"/>
+            <a:ext cx="1545772" cy="0"/>
+          </a:xfrm>
+          <a:prstGeom prst="straightConnector1">
+            <a:avLst/>
+          </a:prstGeom>
+          <a:ln w="38100">
+            <a:solidFill>
+              <a:schemeClr val="accent2"/>
+            </a:solidFill>
+            <a:tailEnd type="triangle"/>
+          </a:ln>
+        </p:spPr>
+        <p:style>
+          <a:lnRef idx="1">
+            <a:schemeClr val="accent1"/>
+          </a:lnRef>
+          <a:fillRef idx="0">
+            <a:schemeClr val="accent1"/>
+          </a:fillRef>
+          <a:effectRef idx="0">
+            <a:schemeClr val="accent1"/>
+          </a:effectRef>
+          <a:fontRef idx="minor">
+            <a:schemeClr val="tx1"/>
+          </a:fontRef>
+        </p:style>
+      </p:cxnSp>
+      <p:sp>
+        <p:nvSpPr>
+          <p:cNvPr id="24" name="TextBox 23">
+            <a:extLst>
+              <a:ext uri="{FF2B5EF4-FFF2-40B4-BE49-F238E27FC236}">
+                <a16:creationId xmlns:a16="http://schemas.microsoft.com/office/drawing/2014/main" id="{323FF782-4104-DD2A-B2AB-FAEC0DAAC6E7}"/>
+              </a:ext>
+            </a:extLst>
+          </p:cNvPr>
+          <p:cNvSpPr txBox="1"/>
+          <p:nvPr/>
+        </p:nvSpPr>
+        <p:spPr>
+          <a:xfrm>
+            <a:off x="1465368" y="1595344"/>
+            <a:ext cx="1513428" cy="276999"/>
+          </a:xfrm>
+          <a:prstGeom prst="rect">
+            <a:avLst/>
+          </a:prstGeom>
+          <a:noFill/>
+          <a:ln>
+            <a:noFill/>
+          </a:ln>
+        </p:spPr>
+        <p:txBody>
+          <a:bodyPr wrap="none" rtlCol="0">
+            <a:spAutoFit/>
+          </a:bodyPr>
+          <a:lstStyle/>
+          <a:p>
+            <a:r>
+              <a:rPr lang="en-US" sz="1200"/>
+              <a:t>displayAboutScreen()</a:t>
+            </a:r>
+          </a:p>
+        </p:txBody>
+      </p:sp>
+      <p:cxnSp>
+        <p:nvCxnSpPr>
+          <p:cNvPr id="25" name="Straight Arrow Connector 24">
+            <a:extLst>
+              <a:ext uri="{FF2B5EF4-FFF2-40B4-BE49-F238E27FC236}">
+                <a16:creationId xmlns:a16="http://schemas.microsoft.com/office/drawing/2014/main" id="{17B903B2-CE59-F5AD-ADE0-EC5BF75D6667}"/>
+              </a:ext>
+            </a:extLst>
+          </p:cNvPr>
+          <p:cNvCxnSpPr/>
+          <p:nvPr/>
+        </p:nvCxnSpPr>
+        <p:spPr>
+          <a:xfrm>
+            <a:off x="2982739" y="2196389"/>
+            <a:ext cx="1545772" cy="0"/>
+          </a:xfrm>
+          <a:prstGeom prst="straightConnector1">
+            <a:avLst/>
+          </a:prstGeom>
+          <a:ln w="38100">
+            <a:solidFill>
+              <a:schemeClr val="accent2"/>
+            </a:solidFill>
+            <a:tailEnd type="triangle"/>
+          </a:ln>
+        </p:spPr>
+        <p:style>
+          <a:lnRef idx="1">
+            <a:schemeClr val="accent1"/>
+          </a:lnRef>
+          <a:fillRef idx="0">
+            <a:schemeClr val="accent1"/>
+          </a:fillRef>
+          <a:effectRef idx="0">
+            <a:schemeClr val="accent1"/>
+          </a:effectRef>
+          <a:fontRef idx="minor">
+            <a:schemeClr val="tx1"/>
+          </a:fontRef>
+        </p:style>
+      </p:cxnSp>
+      <p:sp>
+        <p:nvSpPr>
+          <p:cNvPr id="26" name="TextBox 25">
+            <a:extLst>
+              <a:ext uri="{FF2B5EF4-FFF2-40B4-BE49-F238E27FC236}">
+                <a16:creationId xmlns:a16="http://schemas.microsoft.com/office/drawing/2014/main" id="{1F9534FE-41C9-7F5E-E9BB-721D6EDDF448}"/>
+              </a:ext>
+            </a:extLst>
+          </p:cNvPr>
+          <p:cNvSpPr txBox="1"/>
+          <p:nvPr/>
+        </p:nvSpPr>
+        <p:spPr>
+          <a:xfrm>
+            <a:off x="2983875" y="1919390"/>
+            <a:ext cx="849400" cy="276999"/>
+          </a:xfrm>
+          <a:prstGeom prst="rect">
+            <a:avLst/>
+          </a:prstGeom>
+          <a:noFill/>
+          <a:ln>
+            <a:noFill/>
+          </a:ln>
+        </p:spPr>
+        <p:txBody>
+          <a:bodyPr wrap="none" rtlCol="0">
+            <a:spAutoFit/>
+          </a:bodyPr>
+          <a:lstStyle/>
+          <a:p>
+            <a:r>
+              <a:rPr lang="en-US" sz="1200"/>
+              <a:t>getName()</a:t>
+            </a:r>
+          </a:p>
+        </p:txBody>
+      </p:sp>
+      <p:cxnSp>
+        <p:nvCxnSpPr>
+          <p:cNvPr id="27" name="Straight Arrow Connector 26">
+            <a:extLst>
+              <a:ext uri="{FF2B5EF4-FFF2-40B4-BE49-F238E27FC236}">
+                <a16:creationId xmlns:a16="http://schemas.microsoft.com/office/drawing/2014/main" id="{F11E677F-956F-9DD2-CC4C-3B9DFA9BDFF8}"/>
+              </a:ext>
+            </a:extLst>
+          </p:cNvPr>
+          <p:cNvCxnSpPr>
+            <a:cxnSpLocks/>
+          </p:cNvCxnSpPr>
+          <p:nvPr/>
+        </p:nvCxnSpPr>
+        <p:spPr>
+          <a:xfrm>
+            <a:off x="4523210" y="2483169"/>
+            <a:ext cx="3105065" cy="0"/>
+          </a:xfrm>
+          <a:prstGeom prst="straightConnector1">
+            <a:avLst/>
+          </a:prstGeom>
+          <a:ln w="38100">
+            <a:solidFill>
+              <a:schemeClr val="accent2"/>
+            </a:solidFill>
+            <a:prstDash val="dash"/>
+            <a:headEnd type="triangle"/>
+            <a:tailEnd type="none"/>
+          </a:ln>
+        </p:spPr>
+        <p:style>
+          <a:lnRef idx="1">
+            <a:schemeClr val="accent1"/>
+          </a:lnRef>
+          <a:fillRef idx="0">
+            <a:schemeClr val="accent1"/>
+          </a:fillRef>
+          <a:effectRef idx="0">
+            <a:schemeClr val="accent1"/>
+          </a:effectRef>
+          <a:fontRef idx="minor">
+            <a:schemeClr val="tx1"/>
+          </a:fontRef>
+        </p:style>
+      </p:cxnSp>
+      <p:sp>
+        <p:nvSpPr>
+          <p:cNvPr id="28" name="TextBox 27">
+            <a:extLst>
+              <a:ext uri="{FF2B5EF4-FFF2-40B4-BE49-F238E27FC236}">
+                <a16:creationId xmlns:a16="http://schemas.microsoft.com/office/drawing/2014/main" id="{DEB56BA3-74F0-52D4-AC57-804F93439A72}"/>
+              </a:ext>
+            </a:extLst>
+          </p:cNvPr>
+          <p:cNvSpPr txBox="1"/>
+          <p:nvPr/>
+        </p:nvSpPr>
+        <p:spPr>
+          <a:xfrm>
+            <a:off x="3673810" y="2206170"/>
+            <a:ext cx="849400" cy="276999"/>
+          </a:xfrm>
+          <a:prstGeom prst="rect">
+            <a:avLst/>
+          </a:prstGeom>
+          <a:noFill/>
+          <a:ln>
+            <a:noFill/>
+          </a:ln>
+        </p:spPr>
+        <p:txBody>
+          <a:bodyPr wrap="none" rtlCol="0">
+            <a:spAutoFit/>
+          </a:bodyPr>
+          <a:lstStyle/>
+          <a:p>
+            <a:pPr algn="r"/>
+            <a:r>
+              <a:rPr lang="en-US" sz="1200"/>
+              <a:t>getName()</a:t>
+            </a:r>
+          </a:p>
+        </p:txBody>
+      </p:sp>
+      <p:cxnSp>
+        <p:nvCxnSpPr>
+          <p:cNvPr id="37" name="Straight Arrow Connector 36">
+            <a:extLst>
+              <a:ext uri="{FF2B5EF4-FFF2-40B4-BE49-F238E27FC236}">
+                <a16:creationId xmlns:a16="http://schemas.microsoft.com/office/drawing/2014/main" id="{5CEE47E0-4F02-9D5F-3F4C-69474ECB9725}"/>
+              </a:ext>
+            </a:extLst>
+          </p:cNvPr>
+          <p:cNvCxnSpPr>
+            <a:cxnSpLocks/>
+          </p:cNvCxnSpPr>
+          <p:nvPr/>
+        </p:nvCxnSpPr>
+        <p:spPr>
+          <a:xfrm>
+            <a:off x="2965365" y="2895456"/>
+            <a:ext cx="3110053" cy="0"/>
+          </a:xfrm>
+          <a:prstGeom prst="straightConnector1">
+            <a:avLst/>
+          </a:prstGeom>
+          <a:ln w="38100">
+            <a:solidFill>
+              <a:schemeClr val="accent2"/>
+            </a:solidFill>
+            <a:tailEnd type="triangle"/>
+          </a:ln>
+        </p:spPr>
+        <p:style>
+          <a:lnRef idx="1">
+            <a:schemeClr val="accent1"/>
+          </a:lnRef>
+          <a:fillRef idx="0">
+            <a:schemeClr val="accent1"/>
+          </a:fillRef>
+          <a:effectRef idx="0">
+            <a:schemeClr val="accent1"/>
+          </a:effectRef>
+          <a:fontRef idx="minor">
+            <a:schemeClr val="tx1"/>
+          </a:fontRef>
+        </p:style>
+      </p:cxnSp>
+      <p:sp>
+        <p:nvSpPr>
+          <p:cNvPr id="38" name="TextBox 37">
+            <a:extLst>
+              <a:ext uri="{FF2B5EF4-FFF2-40B4-BE49-F238E27FC236}">
+                <a16:creationId xmlns:a16="http://schemas.microsoft.com/office/drawing/2014/main" id="{38C2E777-F88E-CB5D-B3F5-A6E074C30C93}"/>
+              </a:ext>
+            </a:extLst>
+          </p:cNvPr>
+          <p:cNvSpPr txBox="1"/>
+          <p:nvPr/>
+        </p:nvSpPr>
+        <p:spPr>
+          <a:xfrm>
+            <a:off x="3010056" y="2618457"/>
+            <a:ext cx="1460907" cy="276999"/>
+          </a:xfrm>
+          <a:prstGeom prst="rect">
+            <a:avLst/>
+          </a:prstGeom>
+          <a:noFill/>
+          <a:ln>
+            <a:noFill/>
+          </a:ln>
+        </p:spPr>
+        <p:txBody>
+          <a:bodyPr wrap="square" rtlCol="0">
+            <a:spAutoFit/>
+          </a:bodyPr>
+          <a:lstStyle/>
+          <a:p>
+            <a:r>
+              <a:rPr lang="en-US" sz="1200"/>
+              <a:t>getTeam()</a:t>
+            </a:r>
+          </a:p>
+        </p:txBody>
+      </p:sp>
+      <p:cxnSp>
+        <p:nvCxnSpPr>
+          <p:cNvPr id="12" name="Straight Arrow Connector 11">
+            <a:extLst>
+              <a:ext uri="{FF2B5EF4-FFF2-40B4-BE49-F238E27FC236}">
+                <a16:creationId xmlns:a16="http://schemas.microsoft.com/office/drawing/2014/main" id="{6591C2C1-8A13-0BC4-4183-D7E06C2E949F}"/>
+              </a:ext>
+            </a:extLst>
+          </p:cNvPr>
+          <p:cNvCxnSpPr>
+            <a:cxnSpLocks/>
+          </p:cNvCxnSpPr>
+          <p:nvPr/>
+        </p:nvCxnSpPr>
+        <p:spPr>
+          <a:xfrm>
+            <a:off x="4526390" y="2196389"/>
+            <a:ext cx="3098248" cy="0"/>
+          </a:xfrm>
+          <a:prstGeom prst="straightConnector1">
+            <a:avLst/>
+          </a:prstGeom>
+          <a:ln w="38100">
+            <a:solidFill>
+              <a:schemeClr val="accent2"/>
+            </a:solidFill>
+            <a:tailEnd type="triangle"/>
+          </a:ln>
+        </p:spPr>
+        <p:style>
+          <a:lnRef idx="1">
+            <a:schemeClr val="accent1"/>
+          </a:lnRef>
+          <a:fillRef idx="0">
+            <a:schemeClr val="accent1"/>
+          </a:fillRef>
+          <a:effectRef idx="0">
+            <a:schemeClr val="accent1"/>
+          </a:effectRef>
+          <a:fontRef idx="minor">
+            <a:schemeClr val="tx1"/>
+          </a:fontRef>
+        </p:style>
+      </p:cxnSp>
+      <p:sp>
+        <p:nvSpPr>
+          <p:cNvPr id="18" name="TextBox 17">
+            <a:extLst>
+              <a:ext uri="{FF2B5EF4-FFF2-40B4-BE49-F238E27FC236}">
+                <a16:creationId xmlns:a16="http://schemas.microsoft.com/office/drawing/2014/main" id="{8B8FB0E3-920D-0AE8-5B63-36EA46707875}"/>
+              </a:ext>
+            </a:extLst>
+          </p:cNvPr>
+          <p:cNvSpPr txBox="1"/>
+          <p:nvPr/>
+        </p:nvSpPr>
+        <p:spPr>
+          <a:xfrm>
+            <a:off x="4527526" y="1919390"/>
+            <a:ext cx="849400" cy="276999"/>
+          </a:xfrm>
+          <a:prstGeom prst="rect">
+            <a:avLst/>
+          </a:prstGeom>
+          <a:noFill/>
+          <a:ln>
+            <a:noFill/>
+          </a:ln>
+        </p:spPr>
+        <p:txBody>
+          <a:bodyPr wrap="square" rtlCol="0">
+            <a:spAutoFit/>
+          </a:bodyPr>
+          <a:lstStyle/>
+          <a:p>
+            <a:r>
+              <a:rPr lang="en-US" sz="1200"/>
+              <a:t>getName()</a:t>
+            </a:r>
+          </a:p>
+        </p:txBody>
+      </p:sp>
+      <p:cxnSp>
+        <p:nvCxnSpPr>
+          <p:cNvPr id="33" name="Straight Arrow Connector 32">
+            <a:extLst>
+              <a:ext uri="{FF2B5EF4-FFF2-40B4-BE49-F238E27FC236}">
+                <a16:creationId xmlns:a16="http://schemas.microsoft.com/office/drawing/2014/main" id="{7CED4AB0-827A-7240-807C-586E4A7FFEC5}"/>
+              </a:ext>
+            </a:extLst>
+          </p:cNvPr>
+          <p:cNvCxnSpPr/>
+          <p:nvPr/>
+        </p:nvCxnSpPr>
+        <p:spPr>
+          <a:xfrm>
+            <a:off x="2978796" y="2483169"/>
+            <a:ext cx="1545772" cy="0"/>
+          </a:xfrm>
+          <a:prstGeom prst="straightConnector1">
+            <a:avLst/>
+          </a:prstGeom>
+          <a:ln w="38100">
+            <a:solidFill>
+              <a:schemeClr val="accent2"/>
+            </a:solidFill>
+            <a:prstDash val="dash"/>
+            <a:headEnd type="triangle"/>
+            <a:tailEnd type="none"/>
+          </a:ln>
+        </p:spPr>
+        <p:style>
+          <a:lnRef idx="1">
+            <a:schemeClr val="accent1"/>
+          </a:lnRef>
+          <a:fillRef idx="0">
+            <a:schemeClr val="accent1"/>
+          </a:fillRef>
+          <a:effectRef idx="0">
+            <a:schemeClr val="accent1"/>
+          </a:effectRef>
+          <a:fontRef idx="minor">
+            <a:schemeClr val="tx1"/>
+          </a:fontRef>
+        </p:style>
+      </p:cxnSp>
+      <p:cxnSp>
+        <p:nvCxnSpPr>
+          <p:cNvPr id="35" name="Straight Arrow Connector 34">
+            <a:extLst>
+              <a:ext uri="{FF2B5EF4-FFF2-40B4-BE49-F238E27FC236}">
+                <a16:creationId xmlns:a16="http://schemas.microsoft.com/office/drawing/2014/main" id="{08481B59-2773-ADD7-32F8-7DAFCD47E47B}"/>
+              </a:ext>
+            </a:extLst>
+          </p:cNvPr>
+          <p:cNvCxnSpPr>
+            <a:cxnSpLocks/>
+          </p:cNvCxnSpPr>
+          <p:nvPr/>
+        </p:nvCxnSpPr>
+        <p:spPr>
+          <a:xfrm>
+            <a:off x="6080935" y="2899942"/>
+            <a:ext cx="3098248" cy="0"/>
+          </a:xfrm>
+          <a:prstGeom prst="straightConnector1">
+            <a:avLst/>
+          </a:prstGeom>
+          <a:ln w="38100">
+            <a:solidFill>
+              <a:schemeClr val="accent2"/>
+            </a:solidFill>
+            <a:tailEnd type="triangle"/>
+          </a:ln>
+        </p:spPr>
+        <p:style>
+          <a:lnRef idx="1">
+            <a:schemeClr val="accent1"/>
+          </a:lnRef>
+          <a:fillRef idx="0">
+            <a:schemeClr val="accent1"/>
+          </a:fillRef>
+          <a:effectRef idx="0">
+            <a:schemeClr val="accent1"/>
+          </a:effectRef>
+          <a:fontRef idx="minor">
+            <a:schemeClr val="tx1"/>
+          </a:fontRef>
+        </p:style>
+      </p:cxnSp>
+      <p:sp>
+        <p:nvSpPr>
+          <p:cNvPr id="36" name="TextBox 35">
+            <a:extLst>
+              <a:ext uri="{FF2B5EF4-FFF2-40B4-BE49-F238E27FC236}">
+                <a16:creationId xmlns:a16="http://schemas.microsoft.com/office/drawing/2014/main" id="{F0B9A04B-4C03-E72C-0301-25AA51369867}"/>
+              </a:ext>
+            </a:extLst>
+          </p:cNvPr>
+          <p:cNvSpPr txBox="1"/>
+          <p:nvPr/>
+        </p:nvSpPr>
+        <p:spPr>
+          <a:xfrm>
+            <a:off x="6082071" y="2622943"/>
+            <a:ext cx="849400" cy="276999"/>
+          </a:xfrm>
+          <a:prstGeom prst="rect">
+            <a:avLst/>
+          </a:prstGeom>
+          <a:noFill/>
+          <a:ln>
+            <a:noFill/>
+          </a:ln>
+        </p:spPr>
+        <p:txBody>
+          <a:bodyPr wrap="square" rtlCol="0">
+            <a:spAutoFit/>
+          </a:bodyPr>
+          <a:lstStyle/>
+          <a:p>
+            <a:r>
+              <a:rPr lang="en-US" sz="1200"/>
+              <a:t>getTeam()</a:t>
+            </a:r>
+          </a:p>
+        </p:txBody>
+      </p:sp>
+      <p:cxnSp>
+        <p:nvCxnSpPr>
+          <p:cNvPr id="39" name="Straight Arrow Connector 38">
+            <a:extLst>
+              <a:ext uri="{FF2B5EF4-FFF2-40B4-BE49-F238E27FC236}">
+                <a16:creationId xmlns:a16="http://schemas.microsoft.com/office/drawing/2014/main" id="{13855CD0-DA52-99FF-AB64-D0B117E94328}"/>
+              </a:ext>
+            </a:extLst>
+          </p:cNvPr>
+          <p:cNvCxnSpPr>
+            <a:cxnSpLocks/>
+          </p:cNvCxnSpPr>
+          <p:nvPr/>
+        </p:nvCxnSpPr>
+        <p:spPr>
+          <a:xfrm>
+            <a:off x="6072105" y="3207198"/>
+            <a:ext cx="3105065" cy="0"/>
+          </a:xfrm>
+          <a:prstGeom prst="straightConnector1">
+            <a:avLst/>
+          </a:prstGeom>
+          <a:ln w="38100">
+            <a:solidFill>
+              <a:schemeClr val="accent2"/>
+            </a:solidFill>
+            <a:prstDash val="dash"/>
+            <a:headEnd type="triangle"/>
+            <a:tailEnd type="none"/>
+          </a:ln>
+        </p:spPr>
+        <p:style>
+          <a:lnRef idx="1">
+            <a:schemeClr val="accent1"/>
+          </a:lnRef>
+          <a:fillRef idx="0">
+            <a:schemeClr val="accent1"/>
+          </a:fillRef>
+          <a:effectRef idx="0">
+            <a:schemeClr val="accent1"/>
+          </a:effectRef>
+          <a:fontRef idx="minor">
+            <a:schemeClr val="tx1"/>
+          </a:fontRef>
+        </p:style>
+      </p:cxnSp>
+      <p:cxnSp>
+        <p:nvCxnSpPr>
+          <p:cNvPr id="42" name="Straight Arrow Connector 41">
+            <a:extLst>
+              <a:ext uri="{FF2B5EF4-FFF2-40B4-BE49-F238E27FC236}">
+                <a16:creationId xmlns:a16="http://schemas.microsoft.com/office/drawing/2014/main" id="{FCA967D5-06C0-EF35-551B-E5ECF374824F}"/>
+              </a:ext>
+            </a:extLst>
+          </p:cNvPr>
+          <p:cNvCxnSpPr>
+            <a:cxnSpLocks/>
+          </p:cNvCxnSpPr>
+          <p:nvPr/>
+        </p:nvCxnSpPr>
+        <p:spPr>
+          <a:xfrm>
+            <a:off x="2965365" y="3207198"/>
+            <a:ext cx="3105065" cy="0"/>
+          </a:xfrm>
+          <a:prstGeom prst="straightConnector1">
+            <a:avLst/>
+          </a:prstGeom>
+          <a:ln w="38100">
+            <a:solidFill>
+              <a:schemeClr val="accent2"/>
+            </a:solidFill>
+            <a:prstDash val="dash"/>
+            <a:headEnd type="triangle"/>
+            <a:tailEnd type="none"/>
+          </a:ln>
+        </p:spPr>
+        <p:style>
+          <a:lnRef idx="1">
+            <a:schemeClr val="accent1"/>
+          </a:lnRef>
+          <a:fillRef idx="0">
+            <a:schemeClr val="accent1"/>
+          </a:fillRef>
+          <a:effectRef idx="0">
+            <a:schemeClr val="accent1"/>
+          </a:effectRef>
+          <a:fontRef idx="minor">
+            <a:schemeClr val="tx1"/>
+          </a:fontRef>
+        </p:style>
+      </p:cxnSp>
+      <p:sp>
+        <p:nvSpPr>
+          <p:cNvPr id="44" name="TextBox 43">
+            <a:extLst>
+              <a:ext uri="{FF2B5EF4-FFF2-40B4-BE49-F238E27FC236}">
+                <a16:creationId xmlns:a16="http://schemas.microsoft.com/office/drawing/2014/main" id="{C51520D3-F30D-1A2D-8FEA-0B45B97F21D1}"/>
+              </a:ext>
+            </a:extLst>
+          </p:cNvPr>
+          <p:cNvSpPr txBox="1"/>
+          <p:nvPr/>
+        </p:nvSpPr>
+        <p:spPr>
+          <a:xfrm>
+            <a:off x="3706744" y="2907697"/>
+            <a:ext cx="811697" cy="276999"/>
+          </a:xfrm>
+          <a:prstGeom prst="rect">
+            <a:avLst/>
+          </a:prstGeom>
+          <a:noFill/>
+          <a:ln>
+            <a:noFill/>
+          </a:ln>
+        </p:spPr>
+        <p:txBody>
+          <a:bodyPr wrap="none" rtlCol="0">
+            <a:spAutoFit/>
+          </a:bodyPr>
+          <a:lstStyle/>
+          <a:p>
+            <a:pPr algn="r"/>
+            <a:r>
+              <a:rPr lang="en-US" sz="1200"/>
+              <a:t>getTeam()</a:t>
+            </a:r>
+          </a:p>
+        </p:txBody>
+      </p:sp>
+      <p:cxnSp>
+        <p:nvCxnSpPr>
+          <p:cNvPr id="47" name="Straight Arrow Connector 46">
+            <a:extLst>
+              <a:ext uri="{FF2B5EF4-FFF2-40B4-BE49-F238E27FC236}">
+                <a16:creationId xmlns:a16="http://schemas.microsoft.com/office/drawing/2014/main" id="{E3B9B113-06C3-BD4E-32A5-5C2356F74508}"/>
+              </a:ext>
+            </a:extLst>
+          </p:cNvPr>
+          <p:cNvCxnSpPr>
+            <a:cxnSpLocks/>
+          </p:cNvCxnSpPr>
+          <p:nvPr/>
+        </p:nvCxnSpPr>
+        <p:spPr>
+          <a:xfrm>
+            <a:off x="2980430" y="3597012"/>
+            <a:ext cx="3110053" cy="0"/>
+          </a:xfrm>
+          <a:prstGeom prst="straightConnector1">
+            <a:avLst/>
+          </a:prstGeom>
+          <a:ln w="38100">
+            <a:solidFill>
+              <a:schemeClr val="accent2"/>
+            </a:solidFill>
+            <a:tailEnd type="triangle"/>
+          </a:ln>
+        </p:spPr>
+        <p:style>
+          <a:lnRef idx="1">
+            <a:schemeClr val="accent1"/>
+          </a:lnRef>
+          <a:fillRef idx="0">
+            <a:schemeClr val="accent1"/>
+          </a:fillRef>
+          <a:effectRef idx="0">
+            <a:schemeClr val="accent1"/>
+          </a:effectRef>
+          <a:fontRef idx="minor">
+            <a:schemeClr val="tx1"/>
+          </a:fontRef>
+        </p:style>
+      </p:cxnSp>
+      <p:sp>
+        <p:nvSpPr>
+          <p:cNvPr id="48" name="TextBox 47">
+            <a:extLst>
+              <a:ext uri="{FF2B5EF4-FFF2-40B4-BE49-F238E27FC236}">
+                <a16:creationId xmlns:a16="http://schemas.microsoft.com/office/drawing/2014/main" id="{F9854DD7-B6FE-6CCA-6771-4EBFE48B1580}"/>
+              </a:ext>
+            </a:extLst>
+          </p:cNvPr>
+          <p:cNvSpPr txBox="1"/>
+          <p:nvPr/>
+        </p:nvSpPr>
+        <p:spPr>
+          <a:xfrm>
+            <a:off x="3025121" y="3320013"/>
+            <a:ext cx="1460907" cy="276999"/>
+          </a:xfrm>
+          <a:prstGeom prst="rect">
+            <a:avLst/>
+          </a:prstGeom>
+          <a:noFill/>
+          <a:ln>
+            <a:noFill/>
+          </a:ln>
+        </p:spPr>
+        <p:txBody>
+          <a:bodyPr wrap="square" rtlCol="0">
+            <a:spAutoFit/>
+          </a:bodyPr>
+          <a:lstStyle/>
+          <a:p>
+            <a:r>
+              <a:rPr lang="en-US" sz="1200"/>
+              <a:t>getVersion()</a:t>
+            </a:r>
+          </a:p>
+        </p:txBody>
+      </p:sp>
+      <p:cxnSp>
+        <p:nvCxnSpPr>
+          <p:cNvPr id="59" name="Straight Arrow Connector 58">
+            <a:extLst>
+              <a:ext uri="{FF2B5EF4-FFF2-40B4-BE49-F238E27FC236}">
+                <a16:creationId xmlns:a16="http://schemas.microsoft.com/office/drawing/2014/main" id="{1645F6C0-CA84-5394-53B8-B592528E3F78}"/>
+              </a:ext>
+            </a:extLst>
+          </p:cNvPr>
+          <p:cNvCxnSpPr>
+            <a:cxnSpLocks/>
+          </p:cNvCxnSpPr>
+          <p:nvPr/>
+        </p:nvCxnSpPr>
+        <p:spPr>
+          <a:xfrm flipV="1">
+            <a:off x="6096000" y="3597012"/>
+            <a:ext cx="4643991" cy="4486"/>
+          </a:xfrm>
+          <a:prstGeom prst="straightConnector1">
+            <a:avLst/>
+          </a:prstGeom>
+          <a:ln w="38100">
+            <a:solidFill>
+              <a:schemeClr val="accent2"/>
+            </a:solidFill>
+            <a:tailEnd type="triangle"/>
+          </a:ln>
+        </p:spPr>
+        <p:style>
+          <a:lnRef idx="1">
+            <a:schemeClr val="accent1"/>
+          </a:lnRef>
+          <a:fillRef idx="0">
+            <a:schemeClr val="accent1"/>
+          </a:fillRef>
+          <a:effectRef idx="0">
+            <a:schemeClr val="accent1"/>
+          </a:effectRef>
+          <a:fontRef idx="minor">
+            <a:schemeClr val="tx1"/>
+          </a:fontRef>
+        </p:style>
+      </p:cxnSp>
+      <p:sp>
+        <p:nvSpPr>
+          <p:cNvPr id="60" name="TextBox 59">
+            <a:extLst>
+              <a:ext uri="{FF2B5EF4-FFF2-40B4-BE49-F238E27FC236}">
+                <a16:creationId xmlns:a16="http://schemas.microsoft.com/office/drawing/2014/main" id="{885BC852-D5B6-783B-B78B-03226521A359}"/>
+              </a:ext>
+            </a:extLst>
+          </p:cNvPr>
+          <p:cNvSpPr txBox="1"/>
+          <p:nvPr/>
+        </p:nvSpPr>
+        <p:spPr>
+          <a:xfrm>
+            <a:off x="6097135" y="3324499"/>
+            <a:ext cx="983683" cy="276999"/>
+          </a:xfrm>
+          <a:prstGeom prst="rect">
+            <a:avLst/>
+          </a:prstGeom>
+          <a:noFill/>
+          <a:ln>
+            <a:noFill/>
+          </a:ln>
+        </p:spPr>
+        <p:txBody>
+          <a:bodyPr wrap="square" rtlCol="0">
+            <a:spAutoFit/>
+          </a:bodyPr>
+          <a:lstStyle/>
+          <a:p>
+            <a:r>
+              <a:rPr lang="en-US" sz="1200"/>
+              <a:t>getVersion()</a:t>
+            </a:r>
+          </a:p>
+        </p:txBody>
+      </p:sp>
+      <p:cxnSp>
+        <p:nvCxnSpPr>
+          <p:cNvPr id="61" name="Straight Arrow Connector 60">
+            <a:extLst>
+              <a:ext uri="{FF2B5EF4-FFF2-40B4-BE49-F238E27FC236}">
+                <a16:creationId xmlns:a16="http://schemas.microsoft.com/office/drawing/2014/main" id="{65CB26E0-0CE4-7311-2919-830941AEAFB7}"/>
+              </a:ext>
+            </a:extLst>
+          </p:cNvPr>
+          <p:cNvCxnSpPr>
+            <a:cxnSpLocks/>
+          </p:cNvCxnSpPr>
+          <p:nvPr/>
+        </p:nvCxnSpPr>
+        <p:spPr>
+          <a:xfrm flipV="1">
+            <a:off x="6087170" y="3877287"/>
+            <a:ext cx="4652821" cy="22502"/>
+          </a:xfrm>
+          <a:prstGeom prst="straightConnector1">
+            <a:avLst/>
+          </a:prstGeom>
+          <a:ln w="38100">
+            <a:solidFill>
+              <a:schemeClr val="accent2"/>
+            </a:solidFill>
+            <a:prstDash val="dash"/>
+            <a:headEnd type="triangle"/>
+            <a:tailEnd type="none"/>
+          </a:ln>
+        </p:spPr>
+        <p:style>
+          <a:lnRef idx="1">
+            <a:schemeClr val="accent1"/>
+          </a:lnRef>
+          <a:fillRef idx="0">
+            <a:schemeClr val="accent1"/>
+          </a:fillRef>
+          <a:effectRef idx="0">
+            <a:schemeClr val="accent1"/>
+          </a:effectRef>
+          <a:fontRef idx="minor">
+            <a:schemeClr val="tx1"/>
+          </a:fontRef>
+        </p:style>
+      </p:cxnSp>
+      <p:cxnSp>
+        <p:nvCxnSpPr>
+          <p:cNvPr id="64" name="Straight Arrow Connector 63">
+            <a:extLst>
+              <a:ext uri="{FF2B5EF4-FFF2-40B4-BE49-F238E27FC236}">
+                <a16:creationId xmlns:a16="http://schemas.microsoft.com/office/drawing/2014/main" id="{3B45F5DE-3CEC-084A-37D9-2B0A8D104808}"/>
+              </a:ext>
+            </a:extLst>
+          </p:cNvPr>
+          <p:cNvCxnSpPr>
+            <a:cxnSpLocks/>
+          </p:cNvCxnSpPr>
+          <p:nvPr/>
+        </p:nvCxnSpPr>
+        <p:spPr>
+          <a:xfrm>
+            <a:off x="2980430" y="3899789"/>
+            <a:ext cx="3105065" cy="0"/>
+          </a:xfrm>
+          <a:prstGeom prst="straightConnector1">
+            <a:avLst/>
+          </a:prstGeom>
+          <a:ln w="38100">
+            <a:solidFill>
+              <a:schemeClr val="accent2"/>
+            </a:solidFill>
+            <a:prstDash val="dash"/>
+            <a:headEnd type="triangle"/>
+            <a:tailEnd type="none"/>
+          </a:ln>
+        </p:spPr>
+        <p:style>
+          <a:lnRef idx="1">
+            <a:schemeClr val="accent1"/>
+          </a:lnRef>
+          <a:fillRef idx="0">
+            <a:schemeClr val="accent1"/>
+          </a:fillRef>
+          <a:effectRef idx="0">
+            <a:schemeClr val="accent1"/>
+          </a:effectRef>
+          <a:fontRef idx="minor">
+            <a:schemeClr val="tx1"/>
+          </a:fontRef>
+        </p:style>
+      </p:cxnSp>
+      <p:sp>
+        <p:nvSpPr>
+          <p:cNvPr id="65" name="TextBox 64">
+            <a:extLst>
+              <a:ext uri="{FF2B5EF4-FFF2-40B4-BE49-F238E27FC236}">
+                <a16:creationId xmlns:a16="http://schemas.microsoft.com/office/drawing/2014/main" id="{659BD15C-DE4A-7C07-2287-FC94ED487CCF}"/>
+              </a:ext>
+            </a:extLst>
+          </p:cNvPr>
+          <p:cNvSpPr txBox="1"/>
+          <p:nvPr/>
+        </p:nvSpPr>
+        <p:spPr>
+          <a:xfrm>
+            <a:off x="3593440" y="3600288"/>
+            <a:ext cx="940066" cy="276999"/>
+          </a:xfrm>
+          <a:prstGeom prst="rect">
+            <a:avLst/>
+          </a:prstGeom>
+          <a:noFill/>
+          <a:ln>
+            <a:noFill/>
+          </a:ln>
+        </p:spPr>
+        <p:txBody>
+          <a:bodyPr wrap="none" rtlCol="0">
+            <a:spAutoFit/>
+          </a:bodyPr>
+          <a:lstStyle/>
+          <a:p>
+            <a:pPr algn="r"/>
+            <a:r>
+              <a:rPr lang="en-US" sz="1200"/>
+              <a:t>getVersion()</a:t>
+            </a:r>
+          </a:p>
+        </p:txBody>
+      </p:sp>
+    </p:spTree>
+    <p:extLst>
+      <p:ext uri="{BB962C8B-B14F-4D97-AF65-F5344CB8AC3E}">
+        <p14:creationId xmlns:p14="http://schemas.microsoft.com/office/powerpoint/2010/main" val="1286722102"/>
       </p:ext>
     </p:extLst>
   </p:cSld>

--- a/documentation/AppDesign.pptx
+++ b/documentation/AppDesign.pptx
@@ -8698,7 +8698,7 @@
         <p:spPr>
           <a:xfrm>
             <a:off x="3016038" y="1637237"/>
-            <a:ext cx="954813" cy="276999"/>
+            <a:ext cx="1015727" cy="276999"/>
           </a:xfrm>
           <a:prstGeom prst="rect">
             <a:avLst/>
@@ -8716,7 +8716,7 @@
           <a:p>
             <a:r>
               <a:rPr lang="en-US" sz="1200"/>
-              <a:t>loadProfile()</a:t>
+              <a:t>loadProfiles()</a:t>
             </a:r>
           </a:p>
         </p:txBody>
@@ -8863,7 +8863,7 @@
         <p:spPr>
           <a:xfrm>
             <a:off x="4556634" y="1637237"/>
-            <a:ext cx="954813" cy="276999"/>
+            <a:ext cx="1015727" cy="276999"/>
           </a:xfrm>
           <a:prstGeom prst="rect">
             <a:avLst/>
@@ -8881,7 +8881,7 @@
           <a:p>
             <a:r>
               <a:rPr lang="en-US" sz="1200"/>
-              <a:t>loadProfile()</a:t>
+              <a:t>loadProfiles()</a:t>
             </a:r>
           </a:p>
         </p:txBody>
@@ -13137,7 +13137,7 @@
         </p:nvCxnSpPr>
         <p:spPr>
           <a:xfrm>
-            <a:off x="5207408" y="3787003"/>
+            <a:off x="5207408" y="3961177"/>
             <a:ext cx="3097980" cy="0"/>
           </a:xfrm>
           <a:prstGeom prst="straightConnector1">
@@ -13179,7 +13179,7 @@
         </p:nvSpPr>
         <p:spPr>
           <a:xfrm>
-            <a:off x="5208544" y="3510004"/>
+            <a:off x="5208544" y="3684178"/>
             <a:ext cx="1043491" cy="276999"/>
           </a:xfrm>
           <a:prstGeom prst="rect">
@@ -13217,7 +13217,7 @@
         </p:nvCxnSpPr>
         <p:spPr>
           <a:xfrm>
-            <a:off x="3668197" y="4068854"/>
+            <a:off x="3668197" y="4243028"/>
             <a:ext cx="1545772" cy="0"/>
           </a:xfrm>
           <a:prstGeom prst="straightConnector1">
@@ -13261,7 +13261,7 @@
         </p:nvSpPr>
         <p:spPr>
           <a:xfrm>
-            <a:off x="3705198" y="3791855"/>
+            <a:off x="3705198" y="3966029"/>
             <a:ext cx="1476686" cy="246221"/>
           </a:xfrm>
           <a:prstGeom prst="rect">
@@ -13366,7 +13366,7 @@
         </p:nvSpPr>
         <p:spPr>
           <a:xfrm>
-            <a:off x="775120" y="523220"/>
+            <a:off x="1436729" y="523220"/>
             <a:ext cx="1325971" cy="494492"/>
           </a:xfrm>
           <a:prstGeom prst="rect">
@@ -13425,7 +13425,7 @@
         </p:nvSpPr>
         <p:spPr>
           <a:xfrm>
-            <a:off x="2320892" y="523220"/>
+            <a:off x="2982501" y="523220"/>
             <a:ext cx="1325971" cy="494492"/>
           </a:xfrm>
           <a:prstGeom prst="rect">
@@ -13472,10 +13472,10 @@
       </p:sp>
       <p:sp>
         <p:nvSpPr>
-          <p:cNvPr id="5" name="Rectangle 4">
-            <a:extLst>
-              <a:ext uri="{FF2B5EF4-FFF2-40B4-BE49-F238E27FC236}">
-                <a16:creationId xmlns:a16="http://schemas.microsoft.com/office/drawing/2014/main" id="{7BC51680-E948-C36F-C1AA-5D2957FB752D}"/>
+          <p:cNvPr id="6" name="Rectangle 5">
+            <a:extLst>
+              <a:ext uri="{FF2B5EF4-FFF2-40B4-BE49-F238E27FC236}">
+                <a16:creationId xmlns:a16="http://schemas.microsoft.com/office/drawing/2014/main" id="{BCAB8685-902F-0BFF-F75D-030E2D3A404C}"/>
               </a:ext>
             </a:extLst>
           </p:cNvPr>
@@ -13484,7 +13484,7 @@
         </p:nvSpPr>
         <p:spPr>
           <a:xfrm>
-            <a:off x="5412433" y="523220"/>
+            <a:off x="6096000" y="523220"/>
             <a:ext cx="1325971" cy="494492"/>
           </a:xfrm>
           <a:prstGeom prst="rect">
@@ -13524,17 +13524,17 @@
                   <a:schemeClr val="tx1"/>
                 </a:solidFill>
               </a:rPr>
-              <a:t>AboutController</a:t>
-            </a:r>
-          </a:p>
-        </p:txBody>
-      </p:sp>
-      <p:sp>
-        <p:nvSpPr>
-          <p:cNvPr id="6" name="Rectangle 5">
-            <a:extLst>
-              <a:ext uri="{FF2B5EF4-FFF2-40B4-BE49-F238E27FC236}">
-                <a16:creationId xmlns:a16="http://schemas.microsoft.com/office/drawing/2014/main" id="{BCAB8685-902F-0BFF-F75D-030E2D3A404C}"/>
+              <a:t>Profile</a:t>
+            </a:r>
+          </a:p>
+        </p:txBody>
+      </p:sp>
+      <p:sp>
+        <p:nvSpPr>
+          <p:cNvPr id="7" name="Rectangle 6">
+            <a:extLst>
+              <a:ext uri="{FF2B5EF4-FFF2-40B4-BE49-F238E27FC236}">
+                <a16:creationId xmlns:a16="http://schemas.microsoft.com/office/drawing/2014/main" id="{CD1D4CA1-6BBB-94F9-43ED-D1A98C2DB13C}"/>
               </a:ext>
             </a:extLst>
           </p:cNvPr>
@@ -13543,7 +13543,7 @@
         </p:nvSpPr>
         <p:spPr>
           <a:xfrm>
-            <a:off x="6958205" y="523220"/>
+            <a:off x="7641772" y="523220"/>
             <a:ext cx="1325971" cy="494492"/>
           </a:xfrm>
           <a:prstGeom prst="rect">
@@ -13583,17 +13583,17 @@
                   <a:schemeClr val="tx1"/>
                 </a:solidFill>
               </a:rPr>
-              <a:t>Profile</a:t>
-            </a:r>
-          </a:p>
-        </p:txBody>
-      </p:sp>
-      <p:sp>
-        <p:nvSpPr>
-          <p:cNvPr id="7" name="Rectangle 6">
-            <a:extLst>
-              <a:ext uri="{FF2B5EF4-FFF2-40B4-BE49-F238E27FC236}">
-                <a16:creationId xmlns:a16="http://schemas.microsoft.com/office/drawing/2014/main" id="{CD1D4CA1-6BBB-94F9-43ED-D1A98C2DB13C}"/>
+              <a:t>Team</a:t>
+            </a:r>
+          </a:p>
+        </p:txBody>
+      </p:sp>
+      <p:sp>
+        <p:nvSpPr>
+          <p:cNvPr id="8" name="Rectangle 7">
+            <a:extLst>
+              <a:ext uri="{FF2B5EF4-FFF2-40B4-BE49-F238E27FC236}">
+                <a16:creationId xmlns:a16="http://schemas.microsoft.com/office/drawing/2014/main" id="{B544BF9E-BE1B-965A-FDAF-87252A518D67}"/>
               </a:ext>
             </a:extLst>
           </p:cNvPr>
@@ -13602,7 +13602,7 @@
         </p:nvSpPr>
         <p:spPr>
           <a:xfrm>
-            <a:off x="8503977" y="523220"/>
+            <a:off x="9214802" y="523220"/>
             <a:ext cx="1325971" cy="494492"/>
           </a:xfrm>
           <a:prstGeom prst="rect">
@@ -13642,65 +13642,6 @@
                   <a:schemeClr val="tx1"/>
                 </a:solidFill>
               </a:rPr>
-              <a:t>Team</a:t>
-            </a:r>
-          </a:p>
-        </p:txBody>
-      </p:sp>
-      <p:sp>
-        <p:nvSpPr>
-          <p:cNvPr id="8" name="Rectangle 7">
-            <a:extLst>
-              <a:ext uri="{FF2B5EF4-FFF2-40B4-BE49-F238E27FC236}">
-                <a16:creationId xmlns:a16="http://schemas.microsoft.com/office/drawing/2014/main" id="{B544BF9E-BE1B-965A-FDAF-87252A518D67}"/>
-              </a:ext>
-            </a:extLst>
-          </p:cNvPr>
-          <p:cNvSpPr/>
-          <p:nvPr/>
-        </p:nvSpPr>
-        <p:spPr>
-          <a:xfrm>
-            <a:off x="10077007" y="523220"/>
-            <a:ext cx="1325971" cy="494492"/>
-          </a:xfrm>
-          <a:prstGeom prst="rect">
-            <a:avLst/>
-          </a:prstGeom>
-          <a:noFill/>
-          <a:ln w="38100">
-            <a:solidFill>
-              <a:schemeClr val="accent2"/>
-            </a:solidFill>
-          </a:ln>
-        </p:spPr>
-        <p:style>
-          <a:lnRef idx="2">
-            <a:schemeClr val="accent1">
-              <a:shade val="15000"/>
-            </a:schemeClr>
-          </a:lnRef>
-          <a:fillRef idx="1">
-            <a:schemeClr val="accent1"/>
-          </a:fillRef>
-          <a:effectRef idx="0">
-            <a:schemeClr val="accent1"/>
-          </a:effectRef>
-          <a:fontRef idx="minor">
-            <a:schemeClr val="lt1"/>
-          </a:fontRef>
-        </p:style>
-        <p:txBody>
-          <a:bodyPr rtlCol="0" anchor="ctr"/>
-          <a:lstStyle/>
-          <a:p>
-            <a:pPr algn="ctr"/>
-            <a:r>
-              <a:rPr lang="en-US" sz="1200">
-                <a:solidFill>
-                  <a:schemeClr val="tx1"/>
-                </a:solidFill>
-              </a:rPr>
               <a:t>Version</a:t>
             </a:r>
           </a:p>
@@ -13722,7 +13663,7 @@
         </p:nvCxnSpPr>
         <p:spPr>
           <a:xfrm>
-            <a:off x="1438105" y="1367246"/>
+            <a:off x="2099714" y="1367246"/>
             <a:ext cx="1" cy="5490754"/>
           </a:xfrm>
           <a:prstGeom prst="line">
@@ -13766,51 +13707,7 @@
         </p:nvCxnSpPr>
         <p:spPr>
           <a:xfrm>
-            <a:off x="2983877" y="1367246"/>
-            <a:ext cx="1" cy="5490754"/>
-          </a:xfrm>
-          <a:prstGeom prst="line">
-            <a:avLst/>
-          </a:prstGeom>
-          <a:ln w="38100">
-            <a:solidFill>
-              <a:schemeClr val="tx2"/>
-            </a:solidFill>
-            <a:prstDash val="dash"/>
-          </a:ln>
-        </p:spPr>
-        <p:style>
-          <a:lnRef idx="1">
-            <a:schemeClr val="accent1"/>
-          </a:lnRef>
-          <a:fillRef idx="0">
-            <a:schemeClr val="accent1"/>
-          </a:fillRef>
-          <a:effectRef idx="0">
-            <a:schemeClr val="accent1"/>
-          </a:effectRef>
-          <a:fontRef idx="minor">
-            <a:schemeClr val="tx1"/>
-          </a:fontRef>
-        </p:style>
-      </p:cxnSp>
-      <p:cxnSp>
-        <p:nvCxnSpPr>
-          <p:cNvPr id="14" name="Straight Connector 13">
-            <a:extLst>
-              <a:ext uri="{FF2B5EF4-FFF2-40B4-BE49-F238E27FC236}">
-                <a16:creationId xmlns:a16="http://schemas.microsoft.com/office/drawing/2014/main" id="{9B29D4B6-083E-7436-DFB1-B4BD81C61A86}"/>
-              </a:ext>
-            </a:extLst>
-          </p:cNvPr>
-          <p:cNvCxnSpPr>
-            <a:cxnSpLocks/>
-          </p:cNvCxnSpPr>
-          <p:nvPr/>
-        </p:nvCxnSpPr>
-        <p:spPr>
-          <a:xfrm>
-            <a:off x="6075418" y="1367246"/>
+            <a:off x="3645486" y="1367246"/>
             <a:ext cx="1" cy="5490754"/>
           </a:xfrm>
           <a:prstGeom prst="line">
@@ -13854,7 +13751,7 @@
         </p:nvCxnSpPr>
         <p:spPr>
           <a:xfrm>
-            <a:off x="7621190" y="1367246"/>
+            <a:off x="6758985" y="1367246"/>
             <a:ext cx="1" cy="5490754"/>
           </a:xfrm>
           <a:prstGeom prst="line">
@@ -13898,7 +13795,7 @@
         </p:nvCxnSpPr>
         <p:spPr>
           <a:xfrm>
-            <a:off x="9166962" y="1367246"/>
+            <a:off x="8304757" y="1367246"/>
             <a:ext cx="1" cy="5490754"/>
           </a:xfrm>
           <a:prstGeom prst="line">
@@ -13942,7 +13839,7 @@
         </p:nvCxnSpPr>
         <p:spPr>
           <a:xfrm>
-            <a:off x="10739991" y="1367246"/>
+            <a:off x="9877786" y="1367246"/>
             <a:ext cx="1" cy="5490754"/>
           </a:xfrm>
           <a:prstGeom prst="line">
@@ -13984,7 +13881,7 @@
         </p:nvSpPr>
         <p:spPr>
           <a:xfrm>
-            <a:off x="3866663" y="523220"/>
+            <a:off x="4528272" y="523220"/>
             <a:ext cx="1325971" cy="494492"/>
           </a:xfrm>
           <a:prstGeom prst="rect">
@@ -14045,7 +13942,7 @@
         </p:nvCxnSpPr>
         <p:spPr>
           <a:xfrm>
-            <a:off x="4529648" y="1367246"/>
+            <a:off x="5191257" y="1367246"/>
             <a:ext cx="1" cy="5490754"/>
           </a:xfrm>
           <a:prstGeom prst="line">
@@ -14087,7 +13984,7 @@
         </p:nvCxnSpPr>
         <p:spPr>
           <a:xfrm>
-            <a:off x="1438105" y="1872343"/>
+            <a:off x="2099714" y="1872343"/>
             <a:ext cx="1545772" cy="0"/>
           </a:xfrm>
           <a:prstGeom prst="straightConnector1">
@@ -14129,7 +14026,7 @@
         </p:nvSpPr>
         <p:spPr>
           <a:xfrm>
-            <a:off x="1465368" y="1595344"/>
+            <a:off x="2126977" y="1595344"/>
             <a:ext cx="1513428" cy="276999"/>
           </a:xfrm>
           <a:prstGeom prst="rect">
@@ -14167,7 +14064,7 @@
         </p:nvCxnSpPr>
         <p:spPr>
           <a:xfrm>
-            <a:off x="2982739" y="2196389"/>
+            <a:off x="3644348" y="2196389"/>
             <a:ext cx="1545772" cy="0"/>
           </a:xfrm>
           <a:prstGeom prst="straightConnector1">
@@ -14209,7 +14106,7 @@
         </p:nvSpPr>
         <p:spPr>
           <a:xfrm>
-            <a:off x="2983875" y="1919390"/>
+            <a:off x="3645484" y="1919390"/>
             <a:ext cx="849400" cy="276999"/>
           </a:xfrm>
           <a:prstGeom prst="rect">
@@ -14249,7 +14146,7 @@
         </p:nvCxnSpPr>
         <p:spPr>
           <a:xfrm>
-            <a:off x="4523210" y="2483169"/>
+            <a:off x="5184819" y="2483169"/>
             <a:ext cx="3105065" cy="0"/>
           </a:xfrm>
           <a:prstGeom prst="straightConnector1">
@@ -14293,7 +14190,7 @@
         </p:nvSpPr>
         <p:spPr>
           <a:xfrm>
-            <a:off x="3673810" y="2206170"/>
+            <a:off x="4335419" y="2206170"/>
             <a:ext cx="849400" cy="276999"/>
           </a:xfrm>
           <a:prstGeom prst="rect">
@@ -14334,8 +14231,8 @@
         </p:nvCxnSpPr>
         <p:spPr>
           <a:xfrm>
-            <a:off x="2965365" y="2895456"/>
-            <a:ext cx="3110053" cy="0"/>
+            <a:off x="3626974" y="2895456"/>
+            <a:ext cx="4687991" cy="0"/>
           </a:xfrm>
           <a:prstGeom prst="straightConnector1">
             <a:avLst/>
@@ -14376,7 +14273,7 @@
         </p:nvSpPr>
         <p:spPr>
           <a:xfrm>
-            <a:off x="3010056" y="2618457"/>
+            <a:off x="3671665" y="2618457"/>
             <a:ext cx="1460907" cy="276999"/>
           </a:xfrm>
           <a:prstGeom prst="rect">
@@ -14416,7 +14313,7 @@
         </p:nvCxnSpPr>
         <p:spPr>
           <a:xfrm>
-            <a:off x="4526390" y="2196389"/>
+            <a:off x="5187999" y="2196389"/>
             <a:ext cx="3098248" cy="0"/>
           </a:xfrm>
           <a:prstGeom prst="straightConnector1">
@@ -14458,7 +14355,7 @@
         </p:nvSpPr>
         <p:spPr>
           <a:xfrm>
-            <a:off x="4527526" y="1919390"/>
+            <a:off x="5189135" y="1919390"/>
             <a:ext cx="849400" cy="276999"/>
           </a:xfrm>
           <a:prstGeom prst="rect">
@@ -14496,7 +14393,7 @@
         </p:nvCxnSpPr>
         <p:spPr>
           <a:xfrm>
-            <a:off x="2978796" y="2483169"/>
+            <a:off x="3640405" y="2483169"/>
             <a:ext cx="1545772" cy="0"/>
           </a:xfrm>
           <a:prstGeom prst="straightConnector1">
@@ -14528,10 +14425,10 @@
       </p:cxnSp>
       <p:cxnSp>
         <p:nvCxnSpPr>
-          <p:cNvPr id="35" name="Straight Arrow Connector 34">
-            <a:extLst>
-              <a:ext uri="{FF2B5EF4-FFF2-40B4-BE49-F238E27FC236}">
-                <a16:creationId xmlns:a16="http://schemas.microsoft.com/office/drawing/2014/main" id="{08481B59-2773-ADD7-32F8-7DAFCD47E47B}"/>
+          <p:cNvPr id="39" name="Straight Arrow Connector 38">
+            <a:extLst>
+              <a:ext uri="{FF2B5EF4-FFF2-40B4-BE49-F238E27FC236}">
+                <a16:creationId xmlns:a16="http://schemas.microsoft.com/office/drawing/2014/main" id="{13855CD0-DA52-99FF-AB64-D0B117E94328}"/>
               </a:ext>
             </a:extLst>
           </p:cNvPr>
@@ -14542,89 +14439,7 @@
         </p:nvCxnSpPr>
         <p:spPr>
           <a:xfrm>
-            <a:off x="6080935" y="2899942"/>
-            <a:ext cx="3098248" cy="0"/>
-          </a:xfrm>
-          <a:prstGeom prst="straightConnector1">
-            <a:avLst/>
-          </a:prstGeom>
-          <a:ln w="38100">
-            <a:solidFill>
-              <a:schemeClr val="accent2"/>
-            </a:solidFill>
-            <a:tailEnd type="triangle"/>
-          </a:ln>
-        </p:spPr>
-        <p:style>
-          <a:lnRef idx="1">
-            <a:schemeClr val="accent1"/>
-          </a:lnRef>
-          <a:fillRef idx="0">
-            <a:schemeClr val="accent1"/>
-          </a:fillRef>
-          <a:effectRef idx="0">
-            <a:schemeClr val="accent1"/>
-          </a:effectRef>
-          <a:fontRef idx="minor">
-            <a:schemeClr val="tx1"/>
-          </a:fontRef>
-        </p:style>
-      </p:cxnSp>
-      <p:sp>
-        <p:nvSpPr>
-          <p:cNvPr id="36" name="TextBox 35">
-            <a:extLst>
-              <a:ext uri="{FF2B5EF4-FFF2-40B4-BE49-F238E27FC236}">
-                <a16:creationId xmlns:a16="http://schemas.microsoft.com/office/drawing/2014/main" id="{F0B9A04B-4C03-E72C-0301-25AA51369867}"/>
-              </a:ext>
-            </a:extLst>
-          </p:cNvPr>
-          <p:cNvSpPr txBox="1"/>
-          <p:nvPr/>
-        </p:nvSpPr>
-        <p:spPr>
-          <a:xfrm>
-            <a:off x="6082071" y="2622943"/>
-            <a:ext cx="849400" cy="276999"/>
-          </a:xfrm>
-          <a:prstGeom prst="rect">
-            <a:avLst/>
-          </a:prstGeom>
-          <a:noFill/>
-          <a:ln>
-            <a:noFill/>
-          </a:ln>
-        </p:spPr>
-        <p:txBody>
-          <a:bodyPr wrap="square" rtlCol="0">
-            <a:spAutoFit/>
-          </a:bodyPr>
-          <a:lstStyle/>
-          <a:p>
-            <a:r>
-              <a:rPr lang="en-US" sz="1200"/>
-              <a:t>getTeam()</a:t>
-            </a:r>
-          </a:p>
-        </p:txBody>
-      </p:sp>
-      <p:cxnSp>
-        <p:nvCxnSpPr>
-          <p:cNvPr id="39" name="Straight Arrow Connector 38">
-            <a:extLst>
-              <a:ext uri="{FF2B5EF4-FFF2-40B4-BE49-F238E27FC236}">
-                <a16:creationId xmlns:a16="http://schemas.microsoft.com/office/drawing/2014/main" id="{13855CD0-DA52-99FF-AB64-D0B117E94328}"/>
-              </a:ext>
-            </a:extLst>
-          </p:cNvPr>
-          <p:cNvCxnSpPr>
-            <a:cxnSpLocks/>
-          </p:cNvCxnSpPr>
-          <p:nvPr/>
-        </p:nvCxnSpPr>
-        <p:spPr>
-          <a:xfrm>
-            <a:off x="6072105" y="3207198"/>
+            <a:off x="5209900" y="3207198"/>
             <a:ext cx="3105065" cy="0"/>
           </a:xfrm>
           <a:prstGeom prst="straightConnector1">
@@ -14670,7 +14485,7 @@
         </p:nvCxnSpPr>
         <p:spPr>
           <a:xfrm>
-            <a:off x="2965365" y="3207198"/>
+            <a:off x="3626974" y="3207198"/>
             <a:ext cx="3105065" cy="0"/>
           </a:xfrm>
           <a:prstGeom prst="straightConnector1">
@@ -14714,7 +14529,7 @@
         </p:nvSpPr>
         <p:spPr>
           <a:xfrm>
-            <a:off x="3706744" y="2907697"/>
+            <a:off x="4368353" y="2907697"/>
             <a:ext cx="811697" cy="276999"/>
           </a:xfrm>
           <a:prstGeom prst="rect">
@@ -14755,8 +14570,8 @@
         </p:nvCxnSpPr>
         <p:spPr>
           <a:xfrm>
-            <a:off x="2980430" y="3597012"/>
-            <a:ext cx="3110053" cy="0"/>
+            <a:off x="3642039" y="3597012"/>
+            <a:ext cx="6235747" cy="0"/>
           </a:xfrm>
           <a:prstGeom prst="straightConnector1">
             <a:avLst/>
@@ -14797,7 +14612,7 @@
         </p:nvSpPr>
         <p:spPr>
           <a:xfrm>
-            <a:off x="3025121" y="3320013"/>
+            <a:off x="3686730" y="3320013"/>
             <a:ext cx="1460907" cy="276999"/>
           </a:xfrm>
           <a:prstGeom prst="rect">
@@ -14823,10 +14638,10 @@
       </p:sp>
       <p:cxnSp>
         <p:nvCxnSpPr>
-          <p:cNvPr id="59" name="Straight Arrow Connector 58">
-            <a:extLst>
-              <a:ext uri="{FF2B5EF4-FFF2-40B4-BE49-F238E27FC236}">
-                <a16:creationId xmlns:a16="http://schemas.microsoft.com/office/drawing/2014/main" id="{1645F6C0-CA84-5394-53B8-B592528E3F78}"/>
+          <p:cNvPr id="61" name="Straight Arrow Connector 60">
+            <a:extLst>
+              <a:ext uri="{FF2B5EF4-FFF2-40B4-BE49-F238E27FC236}">
+                <a16:creationId xmlns:a16="http://schemas.microsoft.com/office/drawing/2014/main" id="{65CB26E0-0CE4-7311-2919-830941AEAFB7}"/>
               </a:ext>
             </a:extLst>
           </p:cNvPr>
@@ -14836,91 +14651,9 @@
           <p:nvPr/>
         </p:nvCxnSpPr>
         <p:spPr>
-          <a:xfrm flipV="1">
-            <a:off x="6096000" y="3597012"/>
-            <a:ext cx="4643991" cy="4486"/>
-          </a:xfrm>
-          <a:prstGeom prst="straightConnector1">
-            <a:avLst/>
-          </a:prstGeom>
-          <a:ln w="38100">
-            <a:solidFill>
-              <a:schemeClr val="accent2"/>
-            </a:solidFill>
-            <a:tailEnd type="triangle"/>
-          </a:ln>
-        </p:spPr>
-        <p:style>
-          <a:lnRef idx="1">
-            <a:schemeClr val="accent1"/>
-          </a:lnRef>
-          <a:fillRef idx="0">
-            <a:schemeClr val="accent1"/>
-          </a:fillRef>
-          <a:effectRef idx="0">
-            <a:schemeClr val="accent1"/>
-          </a:effectRef>
-          <a:fontRef idx="minor">
-            <a:schemeClr val="tx1"/>
-          </a:fontRef>
-        </p:style>
-      </p:cxnSp>
-      <p:sp>
-        <p:nvSpPr>
-          <p:cNvPr id="60" name="TextBox 59">
-            <a:extLst>
-              <a:ext uri="{FF2B5EF4-FFF2-40B4-BE49-F238E27FC236}">
-                <a16:creationId xmlns:a16="http://schemas.microsoft.com/office/drawing/2014/main" id="{885BC852-D5B6-783B-B78B-03226521A359}"/>
-              </a:ext>
-            </a:extLst>
-          </p:cNvPr>
-          <p:cNvSpPr txBox="1"/>
-          <p:nvPr/>
-        </p:nvSpPr>
-        <p:spPr>
-          <a:xfrm>
-            <a:off x="6097135" y="3324499"/>
-            <a:ext cx="983683" cy="276999"/>
-          </a:xfrm>
-          <a:prstGeom prst="rect">
-            <a:avLst/>
-          </a:prstGeom>
-          <a:noFill/>
-          <a:ln>
-            <a:noFill/>
-          </a:ln>
-        </p:spPr>
-        <p:txBody>
-          <a:bodyPr wrap="square" rtlCol="0">
-            <a:spAutoFit/>
-          </a:bodyPr>
-          <a:lstStyle/>
-          <a:p>
-            <a:r>
-              <a:rPr lang="en-US" sz="1200"/>
-              <a:t>getVersion()</a:t>
-            </a:r>
-          </a:p>
-        </p:txBody>
-      </p:sp>
-      <p:cxnSp>
-        <p:nvCxnSpPr>
-          <p:cNvPr id="61" name="Straight Arrow Connector 60">
-            <a:extLst>
-              <a:ext uri="{FF2B5EF4-FFF2-40B4-BE49-F238E27FC236}">
-                <a16:creationId xmlns:a16="http://schemas.microsoft.com/office/drawing/2014/main" id="{65CB26E0-0CE4-7311-2919-830941AEAFB7}"/>
-              </a:ext>
-            </a:extLst>
-          </p:cNvPr>
-          <p:cNvCxnSpPr>
-            <a:cxnSpLocks/>
-          </p:cNvCxnSpPr>
-          <p:nvPr/>
-        </p:nvCxnSpPr>
-        <p:spPr>
-          <a:xfrm flipV="1">
-            <a:off x="6087170" y="3877287"/>
-            <a:ext cx="4652821" cy="22502"/>
+          <a:xfrm>
+            <a:off x="3640405" y="3877287"/>
+            <a:ext cx="6237381" cy="0"/>
           </a:xfrm>
           <a:prstGeom prst="straightConnector1">
             <a:avLst/>
@@ -14949,52 +14682,6 @@
           </a:fontRef>
         </p:style>
       </p:cxnSp>
-      <p:cxnSp>
-        <p:nvCxnSpPr>
-          <p:cNvPr id="64" name="Straight Arrow Connector 63">
-            <a:extLst>
-              <a:ext uri="{FF2B5EF4-FFF2-40B4-BE49-F238E27FC236}">
-                <a16:creationId xmlns:a16="http://schemas.microsoft.com/office/drawing/2014/main" id="{3B45F5DE-3CEC-084A-37D9-2B0A8D104808}"/>
-              </a:ext>
-            </a:extLst>
-          </p:cNvPr>
-          <p:cNvCxnSpPr>
-            <a:cxnSpLocks/>
-          </p:cNvCxnSpPr>
-          <p:nvPr/>
-        </p:nvCxnSpPr>
-        <p:spPr>
-          <a:xfrm>
-            <a:off x="2980430" y="3899789"/>
-            <a:ext cx="3105065" cy="0"/>
-          </a:xfrm>
-          <a:prstGeom prst="straightConnector1">
-            <a:avLst/>
-          </a:prstGeom>
-          <a:ln w="38100">
-            <a:solidFill>
-              <a:schemeClr val="accent2"/>
-            </a:solidFill>
-            <a:prstDash val="dash"/>
-            <a:headEnd type="triangle"/>
-            <a:tailEnd type="none"/>
-          </a:ln>
-        </p:spPr>
-        <p:style>
-          <a:lnRef idx="1">
-            <a:schemeClr val="accent1"/>
-          </a:lnRef>
-          <a:fillRef idx="0">
-            <a:schemeClr val="accent1"/>
-          </a:fillRef>
-          <a:effectRef idx="0">
-            <a:schemeClr val="accent1"/>
-          </a:effectRef>
-          <a:fontRef idx="minor">
-            <a:schemeClr val="tx1"/>
-          </a:fontRef>
-        </p:style>
-      </p:cxnSp>
       <p:sp>
         <p:nvSpPr>
           <p:cNvPr id="65" name="TextBox 64">
@@ -15009,7 +14696,7 @@
         </p:nvSpPr>
         <p:spPr>
           <a:xfrm>
-            <a:off x="3593440" y="3600288"/>
+            <a:off x="4255049" y="3600288"/>
             <a:ext cx="940066" cy="276999"/>
           </a:xfrm>
           <a:prstGeom prst="rect">

--- a/documentation/AppDesign.pptx
+++ b/documentation/AppDesign.pptx
@@ -205,7 +205,7 @@
           </a:lstStyle>
           <a:p>
             <a:fld id="{7258A54E-126E-9F44-BB91-7E6D295A013E}" type="datetimeFigureOut">
-              <a:t>11/28/23</a:t>
+              <a:t>12/3/23</a:t>
             </a:fld>
             <a:endParaRPr lang="en-US"/>
           </a:p>
@@ -1281,7 +1281,7 @@
           <a:lstStyle/>
           <a:p>
             <a:fld id="{814779F6-DF54-A74A-B093-E4E0AB693425}" type="datetimeFigureOut">
-              <a:t>11/28/23</a:t>
+              <a:t>12/3/23</a:t>
             </a:fld>
             <a:endParaRPr lang="en-US"/>
           </a:p>
@@ -1477,7 +1477,7 @@
           <a:lstStyle/>
           <a:p>
             <a:fld id="{814779F6-DF54-A74A-B093-E4E0AB693425}" type="datetimeFigureOut">
-              <a:t>11/28/23</a:t>
+              <a:t>12/3/23</a:t>
             </a:fld>
             <a:endParaRPr lang="en-US"/>
           </a:p>
@@ -1683,7 +1683,7 @@
           <a:lstStyle/>
           <a:p>
             <a:fld id="{814779F6-DF54-A74A-B093-E4E0AB693425}" type="datetimeFigureOut">
-              <a:t>11/28/23</a:t>
+              <a:t>12/3/23</a:t>
             </a:fld>
             <a:endParaRPr lang="en-US"/>
           </a:p>
@@ -1879,7 +1879,7 @@
           <a:lstStyle/>
           <a:p>
             <a:fld id="{814779F6-DF54-A74A-B093-E4E0AB693425}" type="datetimeFigureOut">
-              <a:t>11/28/23</a:t>
+              <a:t>12/3/23</a:t>
             </a:fld>
             <a:endParaRPr lang="en-US"/>
           </a:p>
@@ -2152,7 +2152,7 @@
           <a:lstStyle/>
           <a:p>
             <a:fld id="{814779F6-DF54-A74A-B093-E4E0AB693425}" type="datetimeFigureOut">
-              <a:t>11/28/23</a:t>
+              <a:t>12/3/23</a:t>
             </a:fld>
             <a:endParaRPr lang="en-US"/>
           </a:p>
@@ -2415,7 +2415,7 @@
           <a:lstStyle/>
           <a:p>
             <a:fld id="{814779F6-DF54-A74A-B093-E4E0AB693425}" type="datetimeFigureOut">
-              <a:t>11/28/23</a:t>
+              <a:t>12/3/23</a:t>
             </a:fld>
             <a:endParaRPr lang="en-US"/>
           </a:p>
@@ -2825,7 +2825,7 @@
           <a:lstStyle/>
           <a:p>
             <a:fld id="{814779F6-DF54-A74A-B093-E4E0AB693425}" type="datetimeFigureOut">
-              <a:t>11/28/23</a:t>
+              <a:t>12/3/23</a:t>
             </a:fld>
             <a:endParaRPr lang="en-US"/>
           </a:p>
@@ -2964,7 +2964,7 @@
           <a:lstStyle/>
           <a:p>
             <a:fld id="{814779F6-DF54-A74A-B093-E4E0AB693425}" type="datetimeFigureOut">
-              <a:t>11/28/23</a:t>
+              <a:t>12/3/23</a:t>
             </a:fld>
             <a:endParaRPr lang="en-US"/>
           </a:p>
@@ -3075,7 +3075,7 @@
           <a:lstStyle/>
           <a:p>
             <a:fld id="{814779F6-DF54-A74A-B093-E4E0AB693425}" type="datetimeFigureOut">
-              <a:t>11/28/23</a:t>
+              <a:t>12/3/23</a:t>
             </a:fld>
             <a:endParaRPr lang="en-US"/>
           </a:p>
@@ -3384,7 +3384,7 @@
           <a:lstStyle/>
           <a:p>
             <a:fld id="{814779F6-DF54-A74A-B093-E4E0AB693425}" type="datetimeFigureOut">
-              <a:t>11/28/23</a:t>
+              <a:t>12/3/23</a:t>
             </a:fld>
             <a:endParaRPr lang="en-US"/>
           </a:p>
@@ -3670,7 +3670,7 @@
           <a:lstStyle/>
           <a:p>
             <a:fld id="{814779F6-DF54-A74A-B093-E4E0AB693425}" type="datetimeFigureOut">
-              <a:t>11/28/23</a:t>
+              <a:t>12/3/23</a:t>
             </a:fld>
             <a:endParaRPr lang="en-US"/>
           </a:p>
@@ -3909,7 +3909,7 @@
           </a:lstStyle>
           <a:p>
             <a:fld id="{814779F6-DF54-A74A-B093-E4E0AB693425}" type="datetimeFigureOut">
-              <a:t>11/28/23</a:t>
+              <a:t>12/3/23</a:t>
             </a:fld>
             <a:endParaRPr lang="en-US"/>
           </a:p>
@@ -6715,7 +6715,7 @@
                     <a:schemeClr val="tx1"/>
                   </a:solidFill>
                 </a:rPr>
-                <a:t>Item</a:t>
+                <a:t>Entry</a:t>
               </a:r>
             </a:p>
           </p:txBody>

--- a/documentation/AppDesign.pptx
+++ b/documentation/AppDesign.pptx
@@ -6622,7 +6622,7 @@
                     <a:schemeClr val="tx1"/>
                   </a:solidFill>
                 </a:rPr>
-                <a:t>-items : LinkedList&lt;Item&gt;</a:t>
+                <a:t>-entries : LinkedList&lt;Entry&gt;</a:t>
               </a:r>
             </a:p>
             <a:p>
@@ -6632,7 +6632,7 @@
                     <a:schemeClr val="tx1"/>
                   </a:solidFill>
                 </a:rPr>
-                <a:t>+addItem(cost, name) : Item</a:t>
+                <a:t>+addEntry(cost, name) : Entry</a:t>
               </a:r>
             </a:p>
           </p:txBody>
@@ -8613,7 +8613,8 @@
             <a:solidFill>
               <a:schemeClr val="tx1"/>
             </a:solidFill>
-            <a:tailEnd type="triangle"/>
+            <a:headEnd type="triangle"/>
+            <a:tailEnd type="none"/>
           </a:ln>
         </p:spPr>
         <p:style>

--- a/documentation/AppDesign.pptx
+++ b/documentation/AppDesign.pptx
@@ -5,7 +5,7 @@
     <p:sldMasterId id="2147483648" r:id="rId1"/>
   </p:sldMasterIdLst>
   <p:notesMasterIdLst>
-    <p:notesMasterId r:id="rId12"/>
+    <p:notesMasterId r:id="rId13"/>
   </p:notesMasterIdLst>
   <p:sldIdLst>
     <p:sldId id="269" r:id="rId2"/>
@@ -18,6 +18,7 @@
     <p:sldId id="265" r:id="rId9"/>
     <p:sldId id="266" r:id="rId10"/>
     <p:sldId id="267" r:id="rId11"/>
+    <p:sldId id="270" r:id="rId12"/>
   </p:sldIdLst>
   <p:sldSz cx="12192000" cy="6858000"/>
   <p:notesSz cx="6858000" cy="9144000"/>
@@ -205,7 +206,7 @@
           </a:lstStyle>
           <a:p>
             <a:fld id="{7258A54E-126E-9F44-BB91-7E6D295A013E}" type="datetimeFigureOut">
-              <a:t>12/3/23</a:t>
+              <a:t>12/5/23</a:t>
             </a:fld>
             <a:endParaRPr lang="en-US"/>
           </a:p>
@@ -1281,7 +1282,7 @@
           <a:lstStyle/>
           <a:p>
             <a:fld id="{814779F6-DF54-A74A-B093-E4E0AB693425}" type="datetimeFigureOut">
-              <a:t>12/3/23</a:t>
+              <a:t>12/5/23</a:t>
             </a:fld>
             <a:endParaRPr lang="en-US"/>
           </a:p>
@@ -1477,7 +1478,7 @@
           <a:lstStyle/>
           <a:p>
             <a:fld id="{814779F6-DF54-A74A-B093-E4E0AB693425}" type="datetimeFigureOut">
-              <a:t>12/3/23</a:t>
+              <a:t>12/5/23</a:t>
             </a:fld>
             <a:endParaRPr lang="en-US"/>
           </a:p>
@@ -1683,7 +1684,7 @@
           <a:lstStyle/>
           <a:p>
             <a:fld id="{814779F6-DF54-A74A-B093-E4E0AB693425}" type="datetimeFigureOut">
-              <a:t>12/3/23</a:t>
+              <a:t>12/5/23</a:t>
             </a:fld>
             <a:endParaRPr lang="en-US"/>
           </a:p>
@@ -1879,7 +1880,7 @@
           <a:lstStyle/>
           <a:p>
             <a:fld id="{814779F6-DF54-A74A-B093-E4E0AB693425}" type="datetimeFigureOut">
-              <a:t>12/3/23</a:t>
+              <a:t>12/5/23</a:t>
             </a:fld>
             <a:endParaRPr lang="en-US"/>
           </a:p>
@@ -2152,7 +2153,7 @@
           <a:lstStyle/>
           <a:p>
             <a:fld id="{814779F6-DF54-A74A-B093-E4E0AB693425}" type="datetimeFigureOut">
-              <a:t>12/3/23</a:t>
+              <a:t>12/5/23</a:t>
             </a:fld>
             <a:endParaRPr lang="en-US"/>
           </a:p>
@@ -2415,7 +2416,7 @@
           <a:lstStyle/>
           <a:p>
             <a:fld id="{814779F6-DF54-A74A-B093-E4E0AB693425}" type="datetimeFigureOut">
-              <a:t>12/3/23</a:t>
+              <a:t>12/5/23</a:t>
             </a:fld>
             <a:endParaRPr lang="en-US"/>
           </a:p>
@@ -2825,7 +2826,7 @@
           <a:lstStyle/>
           <a:p>
             <a:fld id="{814779F6-DF54-A74A-B093-E4E0AB693425}" type="datetimeFigureOut">
-              <a:t>12/3/23</a:t>
+              <a:t>12/5/23</a:t>
             </a:fld>
             <a:endParaRPr lang="en-US"/>
           </a:p>
@@ -2964,7 +2965,7 @@
           <a:lstStyle/>
           <a:p>
             <a:fld id="{814779F6-DF54-A74A-B093-E4E0AB693425}" type="datetimeFigureOut">
-              <a:t>12/3/23</a:t>
+              <a:t>12/5/23</a:t>
             </a:fld>
             <a:endParaRPr lang="en-US"/>
           </a:p>
@@ -3075,7 +3076,7 @@
           <a:lstStyle/>
           <a:p>
             <a:fld id="{814779F6-DF54-A74A-B093-E4E0AB693425}" type="datetimeFigureOut">
-              <a:t>12/3/23</a:t>
+              <a:t>12/5/23</a:t>
             </a:fld>
             <a:endParaRPr lang="en-US"/>
           </a:p>
@@ -3384,7 +3385,7 @@
           <a:lstStyle/>
           <a:p>
             <a:fld id="{814779F6-DF54-A74A-B093-E4E0AB693425}" type="datetimeFigureOut">
-              <a:t>12/3/23</a:t>
+              <a:t>12/5/23</a:t>
             </a:fld>
             <a:endParaRPr lang="en-US"/>
           </a:p>
@@ -3670,7 +3671,7 @@
           <a:lstStyle/>
           <a:p>
             <a:fld id="{814779F6-DF54-A74A-B093-E4E0AB693425}" type="datetimeFigureOut">
-              <a:t>12/3/23</a:t>
+              <a:t>12/5/23</a:t>
             </a:fld>
             <a:endParaRPr lang="en-US"/>
           </a:p>
@@ -3909,7 +3910,7 @@
           </a:lstStyle>
           <a:p>
             <a:fld id="{814779F6-DF54-A74A-B093-E4E0AB693425}" type="datetimeFigureOut">
-              <a:t>12/3/23</a:t>
+              <a:t>12/5/23</a:t>
             </a:fld>
             <a:endParaRPr lang="en-US"/>
           </a:p>
@@ -5715,6 +5716,775 @@
     <p:extLst>
       <p:ext uri="{BB962C8B-B14F-4D97-AF65-F5344CB8AC3E}">
         <p14:creationId xmlns:p14="http://schemas.microsoft.com/office/powerpoint/2010/main" val="4048841378"/>
+      </p:ext>
+    </p:extLst>
+  </p:cSld>
+  <p:clrMapOvr>
+    <a:masterClrMapping/>
+  </p:clrMapOvr>
+</p:sld>
+</file>
+
+<file path=ppt/slides/slide11.xml><?xml version="1.0" encoding="utf-8"?>
+<p:sld xmlns:a="http://schemas.openxmlformats.org/drawingml/2006/main" xmlns:r="http://schemas.openxmlformats.org/officeDocument/2006/relationships" xmlns:p="http://schemas.openxmlformats.org/presentationml/2006/main">
+  <p:cSld>
+    <p:spTree>
+      <p:nvGrpSpPr>
+        <p:cNvPr id="1" name=""/>
+        <p:cNvGrpSpPr/>
+        <p:nvPr/>
+      </p:nvGrpSpPr>
+      <p:grpSpPr>
+        <a:xfrm>
+          <a:off x="0" y="0"/>
+          <a:ext cx="0" cy="0"/>
+          <a:chOff x="0" y="0"/>
+          <a:chExt cx="0" cy="0"/>
+        </a:xfrm>
+      </p:grpSpPr>
+      <p:sp>
+        <p:nvSpPr>
+          <p:cNvPr id="2" name="TextBox 1">
+            <a:extLst>
+              <a:ext uri="{FF2B5EF4-FFF2-40B4-BE49-F238E27FC236}">
+                <a16:creationId xmlns:a16="http://schemas.microsoft.com/office/drawing/2014/main" id="{E85616ED-91E9-7F0A-7516-A29B83BC5C96}"/>
+              </a:ext>
+            </a:extLst>
+          </p:cNvPr>
+          <p:cNvSpPr txBox="1"/>
+          <p:nvPr/>
+        </p:nvSpPr>
+        <p:spPr>
+          <a:xfrm>
+            <a:off x="2094411" y="0"/>
+            <a:ext cx="8003177" cy="400110"/>
+          </a:xfrm>
+          <a:prstGeom prst="rect">
+            <a:avLst/>
+          </a:prstGeom>
+          <a:noFill/>
+        </p:spPr>
+        <p:txBody>
+          <a:bodyPr wrap="square" rtlCol="0">
+            <a:spAutoFit/>
+          </a:bodyPr>
+          <a:lstStyle/>
+          <a:p>
+            <a:pPr algn="ctr"/>
+            <a:r>
+              <a:rPr lang="en-US" sz="2000"/>
+              <a:t>Database Design</a:t>
+            </a:r>
+          </a:p>
+        </p:txBody>
+      </p:sp>
+      <p:graphicFrame>
+        <p:nvGraphicFramePr>
+          <p:cNvPr id="3" name="Table 2">
+            <a:extLst>
+              <a:ext uri="{FF2B5EF4-FFF2-40B4-BE49-F238E27FC236}">
+                <a16:creationId xmlns:a16="http://schemas.microsoft.com/office/drawing/2014/main" id="{8B76A834-0708-97F6-2975-8BCC9F0168F0}"/>
+              </a:ext>
+            </a:extLst>
+          </p:cNvPr>
+          <p:cNvGraphicFramePr>
+            <a:graphicFrameLocks noGrp="1"/>
+          </p:cNvGraphicFramePr>
+          <p:nvPr>
+            <p:extLst>
+              <p:ext uri="{D42A27DB-BD31-4B8C-83A1-F6EECF244321}">
+                <p14:modId xmlns:p14="http://schemas.microsoft.com/office/powerpoint/2010/main" val="1468604298"/>
+              </p:ext>
+            </p:extLst>
+          </p:nvPr>
+        </p:nvGraphicFramePr>
+        <p:xfrm>
+          <a:off x="116115" y="767897"/>
+          <a:ext cx="6345645" cy="731520"/>
+        </p:xfrm>
+        <a:graphic>
+          <a:graphicData uri="http://schemas.openxmlformats.org/drawingml/2006/table">
+            <a:tbl>
+              <a:tblPr firstRow="1" bandRow="1">
+                <a:tableStyleId>{073A0DAA-6AF3-43AB-8588-CEC1D06C72B9}</a:tableStyleId>
+              </a:tblPr>
+              <a:tblGrid>
+                <a:gridCol w="2115215">
+                  <a:extLst>
+                    <a:ext uri="{9D8B030D-6E8A-4147-A177-3AD203B41FA5}">
+                      <a16:colId xmlns:a16="http://schemas.microsoft.com/office/drawing/2014/main" val="3068686176"/>
+                    </a:ext>
+                  </a:extLst>
+                </a:gridCol>
+                <a:gridCol w="2115215">
+                  <a:extLst>
+                    <a:ext uri="{9D8B030D-6E8A-4147-A177-3AD203B41FA5}">
+                      <a16:colId xmlns:a16="http://schemas.microsoft.com/office/drawing/2014/main" val="1683873501"/>
+                    </a:ext>
+                  </a:extLst>
+                </a:gridCol>
+                <a:gridCol w="2115215">
+                  <a:extLst>
+                    <a:ext uri="{9D8B030D-6E8A-4147-A177-3AD203B41FA5}">
+                      <a16:colId xmlns:a16="http://schemas.microsoft.com/office/drawing/2014/main" val="3757862378"/>
+                    </a:ext>
+                  </a:extLst>
+                </a:gridCol>
+              </a:tblGrid>
+              <a:tr h="259201">
+                <a:tc>
+                  <a:txBody>
+                    <a:bodyPr/>
+                    <a:lstStyle/>
+                    <a:p>
+                      <a:r>
+                        <a:rPr lang="en-US" sz="1800"/>
+                        <a:t>Name</a:t>
+                      </a:r>
+                    </a:p>
+                  </a:txBody>
+                  <a:tcPr/>
+                </a:tc>
+                <a:tc>
+                  <a:txBody>
+                    <a:bodyPr/>
+                    <a:lstStyle/>
+                    <a:p>
+                      <a:r>
+                        <a:rPr lang="en-US" sz="1800"/>
+                        <a:t>Email</a:t>
+                      </a:r>
+                    </a:p>
+                  </a:txBody>
+                  <a:tcPr/>
+                </a:tc>
+                <a:tc>
+                  <a:txBody>
+                    <a:bodyPr/>
+                    <a:lstStyle/>
+                    <a:p>
+                      <a:r>
+                        <a:rPr lang="en-US" sz="1800"/>
+                        <a:t>Privilege</a:t>
+                      </a:r>
+                    </a:p>
+                  </a:txBody>
+                  <a:tcPr/>
+                </a:tc>
+                <a:extLst>
+                  <a:ext uri="{0D108BD9-81ED-4DB2-BD59-A6C34878D82A}">
+                    <a16:rowId xmlns:a16="http://schemas.microsoft.com/office/drawing/2014/main" val="3137828674"/>
+                  </a:ext>
+                </a:extLst>
+              </a:tr>
+              <a:tr h="259201">
+                <a:tc>
+                  <a:txBody>
+                    <a:bodyPr/>
+                    <a:lstStyle/>
+                    <a:p>
+                      <a:r>
+                        <a:rPr lang="en-US" sz="1800"/>
+                        <a:t>String</a:t>
+                      </a:r>
+                    </a:p>
+                  </a:txBody>
+                  <a:tcPr/>
+                </a:tc>
+                <a:tc>
+                  <a:txBody>
+                    <a:bodyPr/>
+                    <a:lstStyle/>
+                    <a:p>
+                      <a:r>
+                        <a:rPr lang="en-US" sz="1800"/>
+                        <a:t>String</a:t>
+                      </a:r>
+                    </a:p>
+                  </a:txBody>
+                  <a:tcPr/>
+                </a:tc>
+                <a:tc>
+                  <a:txBody>
+                    <a:bodyPr/>
+                    <a:lstStyle/>
+                    <a:p>
+                      <a:r>
+                        <a:rPr lang="en-US" sz="1800"/>
+                        <a:t>int enum</a:t>
+                      </a:r>
+                    </a:p>
+                  </a:txBody>
+                  <a:tcPr/>
+                </a:tc>
+                <a:extLst>
+                  <a:ext uri="{0D108BD9-81ED-4DB2-BD59-A6C34878D82A}">
+                    <a16:rowId xmlns:a16="http://schemas.microsoft.com/office/drawing/2014/main" val="1304545983"/>
+                  </a:ext>
+                </a:extLst>
+              </a:tr>
+            </a:tbl>
+          </a:graphicData>
+        </a:graphic>
+      </p:graphicFrame>
+      <p:graphicFrame>
+        <p:nvGraphicFramePr>
+          <p:cNvPr id="4" name="Table 3">
+            <a:extLst>
+              <a:ext uri="{FF2B5EF4-FFF2-40B4-BE49-F238E27FC236}">
+                <a16:creationId xmlns:a16="http://schemas.microsoft.com/office/drawing/2014/main" id="{89664CA5-C4AA-AB54-1199-BE02D5CFA8E6}"/>
+              </a:ext>
+            </a:extLst>
+          </p:cNvPr>
+          <p:cNvGraphicFramePr>
+            <a:graphicFrameLocks noGrp="1"/>
+          </p:cNvGraphicFramePr>
+          <p:nvPr>
+            <p:extLst>
+              <p:ext uri="{D42A27DB-BD31-4B8C-83A1-F6EECF244321}">
+                <p14:modId xmlns:p14="http://schemas.microsoft.com/office/powerpoint/2010/main" val="1080297328"/>
+              </p:ext>
+            </p:extLst>
+          </p:nvPr>
+        </p:nvGraphicFramePr>
+        <p:xfrm>
+          <a:off x="116115" y="2032967"/>
+          <a:ext cx="4230430" cy="741680"/>
+        </p:xfrm>
+        <a:graphic>
+          <a:graphicData uri="http://schemas.openxmlformats.org/drawingml/2006/table">
+            <a:tbl>
+              <a:tblPr firstRow="1" bandRow="1">
+                <a:tableStyleId>{073A0DAA-6AF3-43AB-8588-CEC1D06C72B9}</a:tableStyleId>
+              </a:tblPr>
+              <a:tblGrid>
+                <a:gridCol w="2115215">
+                  <a:extLst>
+                    <a:ext uri="{9D8B030D-6E8A-4147-A177-3AD203B41FA5}">
+                      <a16:colId xmlns:a16="http://schemas.microsoft.com/office/drawing/2014/main" val="3068686176"/>
+                    </a:ext>
+                  </a:extLst>
+                </a:gridCol>
+                <a:gridCol w="2115215">
+                  <a:extLst>
+                    <a:ext uri="{9D8B030D-6E8A-4147-A177-3AD203B41FA5}">
+                      <a16:colId xmlns:a16="http://schemas.microsoft.com/office/drawing/2014/main" val="1683873501"/>
+                    </a:ext>
+                  </a:extLst>
+                </a:gridCol>
+              </a:tblGrid>
+              <a:tr h="370840">
+                <a:tc>
+                  <a:txBody>
+                    <a:bodyPr/>
+                    <a:lstStyle/>
+                    <a:p>
+                      <a:r>
+                        <a:rPr lang="en-US"/>
+                        <a:t>Name</a:t>
+                      </a:r>
+                    </a:p>
+                  </a:txBody>
+                  <a:tcPr/>
+                </a:tc>
+                <a:tc>
+                  <a:txBody>
+                    <a:bodyPr/>
+                    <a:lstStyle/>
+                    <a:p>
+                      <a:r>
+                        <a:rPr lang="en-US"/>
+                        <a:t>Detail:Text</a:t>
+                      </a:r>
+                    </a:p>
+                  </a:txBody>
+                  <a:tcPr/>
+                </a:tc>
+                <a:extLst>
+                  <a:ext uri="{0D108BD9-81ED-4DB2-BD59-A6C34878D82A}">
+                    <a16:rowId xmlns:a16="http://schemas.microsoft.com/office/drawing/2014/main" val="3137828674"/>
+                  </a:ext>
+                </a:extLst>
+              </a:tr>
+              <a:tr h="370840">
+                <a:tc>
+                  <a:txBody>
+                    <a:bodyPr/>
+                    <a:lstStyle/>
+                    <a:p>
+                      <a:r>
+                        <a:rPr lang="en-US"/>
+                        <a:t>String</a:t>
+                      </a:r>
+                    </a:p>
+                  </a:txBody>
+                  <a:tcPr/>
+                </a:tc>
+                <a:tc>
+                  <a:txBody>
+                    <a:bodyPr/>
+                    <a:lstStyle/>
+                    <a:p>
+                      <a:r>
+                        <a:rPr lang="en-US"/>
+                        <a:t>String</a:t>
+                      </a:r>
+                    </a:p>
+                  </a:txBody>
+                  <a:tcPr/>
+                </a:tc>
+                <a:extLst>
+                  <a:ext uri="{0D108BD9-81ED-4DB2-BD59-A6C34878D82A}">
+                    <a16:rowId xmlns:a16="http://schemas.microsoft.com/office/drawing/2014/main" val="1304545983"/>
+                  </a:ext>
+                </a:extLst>
+              </a:tr>
+            </a:tbl>
+          </a:graphicData>
+        </a:graphic>
+      </p:graphicFrame>
+      <p:graphicFrame>
+        <p:nvGraphicFramePr>
+          <p:cNvPr id="5" name="Table 4">
+            <a:extLst>
+              <a:ext uri="{FF2B5EF4-FFF2-40B4-BE49-F238E27FC236}">
+                <a16:creationId xmlns:a16="http://schemas.microsoft.com/office/drawing/2014/main" id="{4774D234-8296-78E8-FF90-6E2CA872D7E0}"/>
+              </a:ext>
+            </a:extLst>
+          </p:cNvPr>
+          <p:cNvGraphicFramePr>
+            <a:graphicFrameLocks noGrp="1"/>
+          </p:cNvGraphicFramePr>
+          <p:nvPr>
+            <p:extLst>
+              <p:ext uri="{D42A27DB-BD31-4B8C-83A1-F6EECF244321}">
+                <p14:modId xmlns:p14="http://schemas.microsoft.com/office/powerpoint/2010/main" val="2816148839"/>
+              </p:ext>
+            </p:extLst>
+          </p:nvPr>
+        </p:nvGraphicFramePr>
+        <p:xfrm>
+          <a:off x="116114" y="3240555"/>
+          <a:ext cx="6345645" cy="741680"/>
+        </p:xfrm>
+        <a:graphic>
+          <a:graphicData uri="http://schemas.openxmlformats.org/drawingml/2006/table">
+            <a:tbl>
+              <a:tblPr firstRow="1" bandRow="1">
+                <a:tableStyleId>{073A0DAA-6AF3-43AB-8588-CEC1D06C72B9}</a:tableStyleId>
+              </a:tblPr>
+              <a:tblGrid>
+                <a:gridCol w="2115215">
+                  <a:extLst>
+                    <a:ext uri="{9D8B030D-6E8A-4147-A177-3AD203B41FA5}">
+                      <a16:colId xmlns:a16="http://schemas.microsoft.com/office/drawing/2014/main" val="3068686176"/>
+                    </a:ext>
+                  </a:extLst>
+                </a:gridCol>
+                <a:gridCol w="2115215">
+                  <a:extLst>
+                    <a:ext uri="{9D8B030D-6E8A-4147-A177-3AD203B41FA5}">
+                      <a16:colId xmlns:a16="http://schemas.microsoft.com/office/drawing/2014/main" val="1683873501"/>
+                    </a:ext>
+                  </a:extLst>
+                </a:gridCol>
+                <a:gridCol w="2115215">
+                  <a:extLst>
+                    <a:ext uri="{9D8B030D-6E8A-4147-A177-3AD203B41FA5}">
+                      <a16:colId xmlns:a16="http://schemas.microsoft.com/office/drawing/2014/main" val="144515935"/>
+                    </a:ext>
+                  </a:extLst>
+                </a:gridCol>
+              </a:tblGrid>
+              <a:tr h="370840">
+                <a:tc>
+                  <a:txBody>
+                    <a:bodyPr/>
+                    <a:lstStyle/>
+                    <a:p>
+                      <a:r>
+                        <a:rPr lang="en-US"/>
+                        <a:t>Name</a:t>
+                      </a:r>
+                    </a:p>
+                  </a:txBody>
+                  <a:tcPr/>
+                </a:tc>
+                <a:tc>
+                  <a:txBody>
+                    <a:bodyPr/>
+                    <a:lstStyle/>
+                    <a:p>
+                      <a:r>
+                        <a:rPr lang="en-US"/>
+                        <a:t>Item:Text</a:t>
+                      </a:r>
+                    </a:p>
+                  </a:txBody>
+                  <a:tcPr/>
+                </a:tc>
+                <a:tc>
+                  <a:txBody>
+                    <a:bodyPr/>
+                    <a:lstStyle/>
+                    <a:p>
+                      <a:r>
+                        <a:rPr lang="en-US"/>
+                        <a:t>Item:Done</a:t>
+                      </a:r>
+                    </a:p>
+                  </a:txBody>
+                  <a:tcPr/>
+                </a:tc>
+                <a:extLst>
+                  <a:ext uri="{0D108BD9-81ED-4DB2-BD59-A6C34878D82A}">
+                    <a16:rowId xmlns:a16="http://schemas.microsoft.com/office/drawing/2014/main" val="3137828674"/>
+                  </a:ext>
+                </a:extLst>
+              </a:tr>
+              <a:tr h="370840">
+                <a:tc>
+                  <a:txBody>
+                    <a:bodyPr/>
+                    <a:lstStyle/>
+                    <a:p>
+                      <a:r>
+                        <a:rPr lang="en-US"/>
+                        <a:t>String</a:t>
+                      </a:r>
+                    </a:p>
+                  </a:txBody>
+                  <a:tcPr/>
+                </a:tc>
+                <a:tc>
+                  <a:txBody>
+                    <a:bodyPr/>
+                    <a:lstStyle/>
+                    <a:p>
+                      <a:r>
+                        <a:rPr lang="en-US"/>
+                        <a:t>String</a:t>
+                      </a:r>
+                    </a:p>
+                  </a:txBody>
+                  <a:tcPr/>
+                </a:tc>
+                <a:tc>
+                  <a:txBody>
+                    <a:bodyPr/>
+                    <a:lstStyle/>
+                    <a:p>
+                      <a:r>
+                        <a:rPr lang="en-US"/>
+                        <a:t>boolean</a:t>
+                      </a:r>
+                    </a:p>
+                  </a:txBody>
+                  <a:tcPr/>
+                </a:tc>
+                <a:extLst>
+                  <a:ext uri="{0D108BD9-81ED-4DB2-BD59-A6C34878D82A}">
+                    <a16:rowId xmlns:a16="http://schemas.microsoft.com/office/drawing/2014/main" val="1304545983"/>
+                  </a:ext>
+                </a:extLst>
+              </a:tr>
+            </a:tbl>
+          </a:graphicData>
+        </a:graphic>
+      </p:graphicFrame>
+      <p:graphicFrame>
+        <p:nvGraphicFramePr>
+          <p:cNvPr id="6" name="Table 5">
+            <a:extLst>
+              <a:ext uri="{FF2B5EF4-FFF2-40B4-BE49-F238E27FC236}">
+                <a16:creationId xmlns:a16="http://schemas.microsoft.com/office/drawing/2014/main" id="{83181151-E399-FEBA-BE1C-79C7AC3722F3}"/>
+              </a:ext>
+            </a:extLst>
+          </p:cNvPr>
+          <p:cNvGraphicFramePr>
+            <a:graphicFrameLocks noGrp="1"/>
+          </p:cNvGraphicFramePr>
+          <p:nvPr>
+            <p:extLst>
+              <p:ext uri="{D42A27DB-BD31-4B8C-83A1-F6EECF244321}">
+                <p14:modId xmlns:p14="http://schemas.microsoft.com/office/powerpoint/2010/main" val="4265461638"/>
+              </p:ext>
+            </p:extLst>
+          </p:nvPr>
+        </p:nvGraphicFramePr>
+        <p:xfrm>
+          <a:off x="116112" y="4448143"/>
+          <a:ext cx="6345645" cy="741680"/>
+        </p:xfrm>
+        <a:graphic>
+          <a:graphicData uri="http://schemas.openxmlformats.org/drawingml/2006/table">
+            <a:tbl>
+              <a:tblPr firstRow="1" bandRow="1">
+                <a:tableStyleId>{073A0DAA-6AF3-43AB-8588-CEC1D06C72B9}</a:tableStyleId>
+              </a:tblPr>
+              <a:tblGrid>
+                <a:gridCol w="2115215">
+                  <a:extLst>
+                    <a:ext uri="{9D8B030D-6E8A-4147-A177-3AD203B41FA5}">
+                      <a16:colId xmlns:a16="http://schemas.microsoft.com/office/drawing/2014/main" val="3068686176"/>
+                    </a:ext>
+                  </a:extLst>
+                </a:gridCol>
+                <a:gridCol w="2115215">
+                  <a:extLst>
+                    <a:ext uri="{9D8B030D-6E8A-4147-A177-3AD203B41FA5}">
+                      <a16:colId xmlns:a16="http://schemas.microsoft.com/office/drawing/2014/main" val="1683873501"/>
+                    </a:ext>
+                  </a:extLst>
+                </a:gridCol>
+                <a:gridCol w="2115215">
+                  <a:extLst>
+                    <a:ext uri="{9D8B030D-6E8A-4147-A177-3AD203B41FA5}">
+                      <a16:colId xmlns:a16="http://schemas.microsoft.com/office/drawing/2014/main" val="144515935"/>
+                    </a:ext>
+                  </a:extLst>
+                </a:gridCol>
+              </a:tblGrid>
+              <a:tr h="370840">
+                <a:tc>
+                  <a:txBody>
+                    <a:bodyPr/>
+                    <a:lstStyle/>
+                    <a:p>
+                      <a:r>
+                        <a:rPr lang="en-US"/>
+                        <a:t>Name</a:t>
+                      </a:r>
+                    </a:p>
+                  </a:txBody>
+                  <a:tcPr/>
+                </a:tc>
+                <a:tc>
+                  <a:txBody>
+                    <a:bodyPr/>
+                    <a:lstStyle/>
+                    <a:p>
+                      <a:r>
+                        <a:rPr lang="en-US"/>
+                        <a:t>Entry:Cost</a:t>
+                      </a:r>
+                    </a:p>
+                  </a:txBody>
+                  <a:tcPr/>
+                </a:tc>
+                <a:tc>
+                  <a:txBody>
+                    <a:bodyPr/>
+                    <a:lstStyle/>
+                    <a:p>
+                      <a:r>
+                        <a:rPr lang="en-US"/>
+                        <a:t>Entry:Name</a:t>
+                      </a:r>
+                    </a:p>
+                  </a:txBody>
+                  <a:tcPr/>
+                </a:tc>
+                <a:extLst>
+                  <a:ext uri="{0D108BD9-81ED-4DB2-BD59-A6C34878D82A}">
+                    <a16:rowId xmlns:a16="http://schemas.microsoft.com/office/drawing/2014/main" val="3137828674"/>
+                  </a:ext>
+                </a:extLst>
+              </a:tr>
+              <a:tr h="370840">
+                <a:tc>
+                  <a:txBody>
+                    <a:bodyPr/>
+                    <a:lstStyle/>
+                    <a:p>
+                      <a:r>
+                        <a:rPr lang="en-US"/>
+                        <a:t>String</a:t>
+                      </a:r>
+                    </a:p>
+                  </a:txBody>
+                  <a:tcPr/>
+                </a:tc>
+                <a:tc>
+                  <a:txBody>
+                    <a:bodyPr/>
+                    <a:lstStyle/>
+                    <a:p>
+                      <a:r>
+                        <a:rPr lang="en-US"/>
+                        <a:t>double</a:t>
+                      </a:r>
+                    </a:p>
+                  </a:txBody>
+                  <a:tcPr/>
+                </a:tc>
+                <a:tc>
+                  <a:txBody>
+                    <a:bodyPr/>
+                    <a:lstStyle/>
+                    <a:p>
+                      <a:r>
+                        <a:rPr lang="en-US"/>
+                        <a:t>String</a:t>
+                      </a:r>
+                    </a:p>
+                  </a:txBody>
+                  <a:tcPr/>
+                </a:tc>
+                <a:extLst>
+                  <a:ext uri="{0D108BD9-81ED-4DB2-BD59-A6C34878D82A}">
+                    <a16:rowId xmlns:a16="http://schemas.microsoft.com/office/drawing/2014/main" val="1304545983"/>
+                  </a:ext>
+                </a:extLst>
+              </a:tr>
+            </a:tbl>
+          </a:graphicData>
+        </a:graphic>
+      </p:graphicFrame>
+      <p:sp>
+        <p:nvSpPr>
+          <p:cNvPr id="8" name="TextBox 7">
+            <a:extLst>
+              <a:ext uri="{FF2B5EF4-FFF2-40B4-BE49-F238E27FC236}">
+                <a16:creationId xmlns:a16="http://schemas.microsoft.com/office/drawing/2014/main" id="{80531E4F-73F4-7A2C-4875-6CDE75925AEF}"/>
+              </a:ext>
+            </a:extLst>
+          </p:cNvPr>
+          <p:cNvSpPr txBox="1"/>
+          <p:nvPr/>
+        </p:nvSpPr>
+        <p:spPr>
+          <a:xfrm>
+            <a:off x="2892290" y="398565"/>
+            <a:ext cx="793294" cy="369332"/>
+          </a:xfrm>
+          <a:prstGeom prst="rect">
+            <a:avLst/>
+          </a:prstGeom>
+          <a:noFill/>
+        </p:spPr>
+        <p:txBody>
+          <a:bodyPr wrap="none" rtlCol="0">
+            <a:spAutoFit/>
+          </a:bodyPr>
+          <a:lstStyle/>
+          <a:p>
+            <a:r>
+              <a:rPr lang="en-US"/>
+              <a:t>Profile</a:t>
+            </a:r>
+          </a:p>
+        </p:txBody>
+      </p:sp>
+      <p:sp>
+        <p:nvSpPr>
+          <p:cNvPr id="11" name="TextBox 10">
+            <a:extLst>
+              <a:ext uri="{FF2B5EF4-FFF2-40B4-BE49-F238E27FC236}">
+                <a16:creationId xmlns:a16="http://schemas.microsoft.com/office/drawing/2014/main" id="{6D7A5341-15A1-75EF-BB01-D30D2B4D7A74}"/>
+              </a:ext>
+            </a:extLst>
+          </p:cNvPr>
+          <p:cNvSpPr txBox="1"/>
+          <p:nvPr/>
+        </p:nvSpPr>
+        <p:spPr>
+          <a:xfrm>
+            <a:off x="1865300" y="1660491"/>
+            <a:ext cx="732060" cy="369332"/>
+          </a:xfrm>
+          <a:prstGeom prst="rect">
+            <a:avLst/>
+          </a:prstGeom>
+          <a:noFill/>
+        </p:spPr>
+        <p:txBody>
+          <a:bodyPr wrap="none" rtlCol="0">
+            <a:spAutoFit/>
+          </a:bodyPr>
+          <a:lstStyle/>
+          <a:p>
+            <a:r>
+              <a:rPr lang="en-US"/>
+              <a:t>Detail</a:t>
+            </a:r>
+          </a:p>
+        </p:txBody>
+      </p:sp>
+      <p:sp>
+        <p:nvSpPr>
+          <p:cNvPr id="12" name="TextBox 11">
+            <a:extLst>
+              <a:ext uri="{FF2B5EF4-FFF2-40B4-BE49-F238E27FC236}">
+                <a16:creationId xmlns:a16="http://schemas.microsoft.com/office/drawing/2014/main" id="{2E40DC91-0094-CF55-849C-3BE4BB4FF881}"/>
+              </a:ext>
+            </a:extLst>
+          </p:cNvPr>
+          <p:cNvSpPr txBox="1"/>
+          <p:nvPr/>
+        </p:nvSpPr>
+        <p:spPr>
+          <a:xfrm>
+            <a:off x="2980646" y="2871223"/>
+            <a:ext cx="616579" cy="369332"/>
+          </a:xfrm>
+          <a:prstGeom prst="rect">
+            <a:avLst/>
+          </a:prstGeom>
+          <a:noFill/>
+        </p:spPr>
+        <p:txBody>
+          <a:bodyPr wrap="none" rtlCol="0">
+            <a:spAutoFit/>
+          </a:bodyPr>
+          <a:lstStyle/>
+          <a:p>
+            <a:r>
+              <a:rPr lang="en-US"/>
+              <a:t>Item</a:t>
+            </a:r>
+          </a:p>
+        </p:txBody>
+      </p:sp>
+      <p:sp>
+        <p:nvSpPr>
+          <p:cNvPr id="13" name="TextBox 12">
+            <a:extLst>
+              <a:ext uri="{FF2B5EF4-FFF2-40B4-BE49-F238E27FC236}">
+                <a16:creationId xmlns:a16="http://schemas.microsoft.com/office/drawing/2014/main" id="{F681E4C0-0126-5FCF-5FFC-C70661666C4A}"/>
+              </a:ext>
+            </a:extLst>
+          </p:cNvPr>
+          <p:cNvSpPr txBox="1"/>
+          <p:nvPr/>
+        </p:nvSpPr>
+        <p:spPr>
+          <a:xfrm>
+            <a:off x="2949418" y="4078811"/>
+            <a:ext cx="679032" cy="369332"/>
+          </a:xfrm>
+          <a:prstGeom prst="rect">
+            <a:avLst/>
+          </a:prstGeom>
+          <a:noFill/>
+        </p:spPr>
+        <p:txBody>
+          <a:bodyPr wrap="none" rtlCol="0">
+            <a:spAutoFit/>
+          </a:bodyPr>
+          <a:lstStyle/>
+          <a:p>
+            <a:r>
+              <a:rPr lang="en-US"/>
+              <a:t>Entry</a:t>
+            </a:r>
+          </a:p>
+        </p:txBody>
+      </p:sp>
+    </p:spTree>
+    <p:extLst>
+      <p:ext uri="{BB962C8B-B14F-4D97-AF65-F5344CB8AC3E}">
+        <p14:creationId xmlns:p14="http://schemas.microsoft.com/office/powerpoint/2010/main" val="813544368"/>
       </p:ext>
     </p:extLst>
   </p:cSld>

--- a/documentation/AppDesign.pptx
+++ b/documentation/AppDesign.pptx
@@ -5,7 +5,7 @@
     <p:sldMasterId id="2147483648" r:id="rId1"/>
   </p:sldMasterIdLst>
   <p:notesMasterIdLst>
-    <p:notesMasterId r:id="rId12"/>
+    <p:notesMasterId r:id="rId13"/>
   </p:notesMasterIdLst>
   <p:sldIdLst>
     <p:sldId id="269" r:id="rId2"/>
@@ -18,6 +18,7 @@
     <p:sldId id="265" r:id="rId9"/>
     <p:sldId id="266" r:id="rId10"/>
     <p:sldId id="267" r:id="rId11"/>
+    <p:sldId id="270" r:id="rId12"/>
   </p:sldIdLst>
   <p:sldSz cx="12192000" cy="6858000"/>
   <p:notesSz cx="6858000" cy="9144000"/>
@@ -205,7 +206,7 @@
           </a:lstStyle>
           <a:p>
             <a:fld id="{7258A54E-126E-9F44-BB91-7E6D295A013E}" type="datetimeFigureOut">
-              <a:t>11/28/23</a:t>
+              <a:t>12/5/23</a:t>
             </a:fld>
             <a:endParaRPr lang="en-US"/>
           </a:p>
@@ -1281,7 +1282,7 @@
           <a:lstStyle/>
           <a:p>
             <a:fld id="{814779F6-DF54-A74A-B093-E4E0AB693425}" type="datetimeFigureOut">
-              <a:t>11/28/23</a:t>
+              <a:t>12/5/23</a:t>
             </a:fld>
             <a:endParaRPr lang="en-US"/>
           </a:p>
@@ -1477,7 +1478,7 @@
           <a:lstStyle/>
           <a:p>
             <a:fld id="{814779F6-DF54-A74A-B093-E4E0AB693425}" type="datetimeFigureOut">
-              <a:t>11/28/23</a:t>
+              <a:t>12/5/23</a:t>
             </a:fld>
             <a:endParaRPr lang="en-US"/>
           </a:p>
@@ -1683,7 +1684,7 @@
           <a:lstStyle/>
           <a:p>
             <a:fld id="{814779F6-DF54-A74A-B093-E4E0AB693425}" type="datetimeFigureOut">
-              <a:t>11/28/23</a:t>
+              <a:t>12/5/23</a:t>
             </a:fld>
             <a:endParaRPr lang="en-US"/>
           </a:p>
@@ -1879,7 +1880,7 @@
           <a:lstStyle/>
           <a:p>
             <a:fld id="{814779F6-DF54-A74A-B093-E4E0AB693425}" type="datetimeFigureOut">
-              <a:t>11/28/23</a:t>
+              <a:t>12/5/23</a:t>
             </a:fld>
             <a:endParaRPr lang="en-US"/>
           </a:p>
@@ -2152,7 +2153,7 @@
           <a:lstStyle/>
           <a:p>
             <a:fld id="{814779F6-DF54-A74A-B093-E4E0AB693425}" type="datetimeFigureOut">
-              <a:t>11/28/23</a:t>
+              <a:t>12/5/23</a:t>
             </a:fld>
             <a:endParaRPr lang="en-US"/>
           </a:p>
@@ -2415,7 +2416,7 @@
           <a:lstStyle/>
           <a:p>
             <a:fld id="{814779F6-DF54-A74A-B093-E4E0AB693425}" type="datetimeFigureOut">
-              <a:t>11/28/23</a:t>
+              <a:t>12/5/23</a:t>
             </a:fld>
             <a:endParaRPr lang="en-US"/>
           </a:p>
@@ -2825,7 +2826,7 @@
           <a:lstStyle/>
           <a:p>
             <a:fld id="{814779F6-DF54-A74A-B093-E4E0AB693425}" type="datetimeFigureOut">
-              <a:t>11/28/23</a:t>
+              <a:t>12/5/23</a:t>
             </a:fld>
             <a:endParaRPr lang="en-US"/>
           </a:p>
@@ -2964,7 +2965,7 @@
           <a:lstStyle/>
           <a:p>
             <a:fld id="{814779F6-DF54-A74A-B093-E4E0AB693425}" type="datetimeFigureOut">
-              <a:t>11/28/23</a:t>
+              <a:t>12/5/23</a:t>
             </a:fld>
             <a:endParaRPr lang="en-US"/>
           </a:p>
@@ -3075,7 +3076,7 @@
           <a:lstStyle/>
           <a:p>
             <a:fld id="{814779F6-DF54-A74A-B093-E4E0AB693425}" type="datetimeFigureOut">
-              <a:t>11/28/23</a:t>
+              <a:t>12/5/23</a:t>
             </a:fld>
             <a:endParaRPr lang="en-US"/>
           </a:p>
@@ -3384,7 +3385,7 @@
           <a:lstStyle/>
           <a:p>
             <a:fld id="{814779F6-DF54-A74A-B093-E4E0AB693425}" type="datetimeFigureOut">
-              <a:t>11/28/23</a:t>
+              <a:t>12/5/23</a:t>
             </a:fld>
             <a:endParaRPr lang="en-US"/>
           </a:p>
@@ -3670,7 +3671,7 @@
           <a:lstStyle/>
           <a:p>
             <a:fld id="{814779F6-DF54-A74A-B093-E4E0AB693425}" type="datetimeFigureOut">
-              <a:t>11/28/23</a:t>
+              <a:t>12/5/23</a:t>
             </a:fld>
             <a:endParaRPr lang="en-US"/>
           </a:p>
@@ -3909,7 +3910,7 @@
           </a:lstStyle>
           <a:p>
             <a:fld id="{814779F6-DF54-A74A-B093-E4E0AB693425}" type="datetimeFigureOut">
-              <a:t>11/28/23</a:t>
+              <a:t>12/5/23</a:t>
             </a:fld>
             <a:endParaRPr lang="en-US"/>
           </a:p>
@@ -5724,6 +5725,775 @@
 </p:sld>
 </file>
 
+<file path=ppt/slides/slide11.xml><?xml version="1.0" encoding="utf-8"?>
+<p:sld xmlns:a="http://schemas.openxmlformats.org/drawingml/2006/main" xmlns:r="http://schemas.openxmlformats.org/officeDocument/2006/relationships" xmlns:p="http://schemas.openxmlformats.org/presentationml/2006/main">
+  <p:cSld>
+    <p:spTree>
+      <p:nvGrpSpPr>
+        <p:cNvPr id="1" name=""/>
+        <p:cNvGrpSpPr/>
+        <p:nvPr/>
+      </p:nvGrpSpPr>
+      <p:grpSpPr>
+        <a:xfrm>
+          <a:off x="0" y="0"/>
+          <a:ext cx="0" cy="0"/>
+          <a:chOff x="0" y="0"/>
+          <a:chExt cx="0" cy="0"/>
+        </a:xfrm>
+      </p:grpSpPr>
+      <p:sp>
+        <p:nvSpPr>
+          <p:cNvPr id="2" name="TextBox 1">
+            <a:extLst>
+              <a:ext uri="{FF2B5EF4-FFF2-40B4-BE49-F238E27FC236}">
+                <a16:creationId xmlns:a16="http://schemas.microsoft.com/office/drawing/2014/main" id="{E85616ED-91E9-7F0A-7516-A29B83BC5C96}"/>
+              </a:ext>
+            </a:extLst>
+          </p:cNvPr>
+          <p:cNvSpPr txBox="1"/>
+          <p:nvPr/>
+        </p:nvSpPr>
+        <p:spPr>
+          <a:xfrm>
+            <a:off x="2094411" y="0"/>
+            <a:ext cx="8003177" cy="400110"/>
+          </a:xfrm>
+          <a:prstGeom prst="rect">
+            <a:avLst/>
+          </a:prstGeom>
+          <a:noFill/>
+        </p:spPr>
+        <p:txBody>
+          <a:bodyPr wrap="square" rtlCol="0">
+            <a:spAutoFit/>
+          </a:bodyPr>
+          <a:lstStyle/>
+          <a:p>
+            <a:pPr algn="ctr"/>
+            <a:r>
+              <a:rPr lang="en-US" sz="2000"/>
+              <a:t>Database Design</a:t>
+            </a:r>
+          </a:p>
+        </p:txBody>
+      </p:sp>
+      <p:graphicFrame>
+        <p:nvGraphicFramePr>
+          <p:cNvPr id="3" name="Table 2">
+            <a:extLst>
+              <a:ext uri="{FF2B5EF4-FFF2-40B4-BE49-F238E27FC236}">
+                <a16:creationId xmlns:a16="http://schemas.microsoft.com/office/drawing/2014/main" id="{8B76A834-0708-97F6-2975-8BCC9F0168F0}"/>
+              </a:ext>
+            </a:extLst>
+          </p:cNvPr>
+          <p:cNvGraphicFramePr>
+            <a:graphicFrameLocks noGrp="1"/>
+          </p:cNvGraphicFramePr>
+          <p:nvPr>
+            <p:extLst>
+              <p:ext uri="{D42A27DB-BD31-4B8C-83A1-F6EECF244321}">
+                <p14:modId xmlns:p14="http://schemas.microsoft.com/office/powerpoint/2010/main" val="1468604298"/>
+              </p:ext>
+            </p:extLst>
+          </p:nvPr>
+        </p:nvGraphicFramePr>
+        <p:xfrm>
+          <a:off x="116115" y="767897"/>
+          <a:ext cx="6345645" cy="731520"/>
+        </p:xfrm>
+        <a:graphic>
+          <a:graphicData uri="http://schemas.openxmlformats.org/drawingml/2006/table">
+            <a:tbl>
+              <a:tblPr firstRow="1" bandRow="1">
+                <a:tableStyleId>{073A0DAA-6AF3-43AB-8588-CEC1D06C72B9}</a:tableStyleId>
+              </a:tblPr>
+              <a:tblGrid>
+                <a:gridCol w="2115215">
+                  <a:extLst>
+                    <a:ext uri="{9D8B030D-6E8A-4147-A177-3AD203B41FA5}">
+                      <a16:colId xmlns:a16="http://schemas.microsoft.com/office/drawing/2014/main" val="3068686176"/>
+                    </a:ext>
+                  </a:extLst>
+                </a:gridCol>
+                <a:gridCol w="2115215">
+                  <a:extLst>
+                    <a:ext uri="{9D8B030D-6E8A-4147-A177-3AD203B41FA5}">
+                      <a16:colId xmlns:a16="http://schemas.microsoft.com/office/drawing/2014/main" val="1683873501"/>
+                    </a:ext>
+                  </a:extLst>
+                </a:gridCol>
+                <a:gridCol w="2115215">
+                  <a:extLst>
+                    <a:ext uri="{9D8B030D-6E8A-4147-A177-3AD203B41FA5}">
+                      <a16:colId xmlns:a16="http://schemas.microsoft.com/office/drawing/2014/main" val="3757862378"/>
+                    </a:ext>
+                  </a:extLst>
+                </a:gridCol>
+              </a:tblGrid>
+              <a:tr h="259201">
+                <a:tc>
+                  <a:txBody>
+                    <a:bodyPr/>
+                    <a:lstStyle/>
+                    <a:p>
+                      <a:r>
+                        <a:rPr lang="en-US" sz="1800"/>
+                        <a:t>Name</a:t>
+                      </a:r>
+                    </a:p>
+                  </a:txBody>
+                  <a:tcPr/>
+                </a:tc>
+                <a:tc>
+                  <a:txBody>
+                    <a:bodyPr/>
+                    <a:lstStyle/>
+                    <a:p>
+                      <a:r>
+                        <a:rPr lang="en-US" sz="1800"/>
+                        <a:t>Email</a:t>
+                      </a:r>
+                    </a:p>
+                  </a:txBody>
+                  <a:tcPr/>
+                </a:tc>
+                <a:tc>
+                  <a:txBody>
+                    <a:bodyPr/>
+                    <a:lstStyle/>
+                    <a:p>
+                      <a:r>
+                        <a:rPr lang="en-US" sz="1800"/>
+                        <a:t>Privilege</a:t>
+                      </a:r>
+                    </a:p>
+                  </a:txBody>
+                  <a:tcPr/>
+                </a:tc>
+                <a:extLst>
+                  <a:ext uri="{0D108BD9-81ED-4DB2-BD59-A6C34878D82A}">
+                    <a16:rowId xmlns:a16="http://schemas.microsoft.com/office/drawing/2014/main" val="3137828674"/>
+                  </a:ext>
+                </a:extLst>
+              </a:tr>
+              <a:tr h="259201">
+                <a:tc>
+                  <a:txBody>
+                    <a:bodyPr/>
+                    <a:lstStyle/>
+                    <a:p>
+                      <a:r>
+                        <a:rPr lang="en-US" sz="1800"/>
+                        <a:t>String</a:t>
+                      </a:r>
+                    </a:p>
+                  </a:txBody>
+                  <a:tcPr/>
+                </a:tc>
+                <a:tc>
+                  <a:txBody>
+                    <a:bodyPr/>
+                    <a:lstStyle/>
+                    <a:p>
+                      <a:r>
+                        <a:rPr lang="en-US" sz="1800"/>
+                        <a:t>String</a:t>
+                      </a:r>
+                    </a:p>
+                  </a:txBody>
+                  <a:tcPr/>
+                </a:tc>
+                <a:tc>
+                  <a:txBody>
+                    <a:bodyPr/>
+                    <a:lstStyle/>
+                    <a:p>
+                      <a:r>
+                        <a:rPr lang="en-US" sz="1800"/>
+                        <a:t>int enum</a:t>
+                      </a:r>
+                    </a:p>
+                  </a:txBody>
+                  <a:tcPr/>
+                </a:tc>
+                <a:extLst>
+                  <a:ext uri="{0D108BD9-81ED-4DB2-BD59-A6C34878D82A}">
+                    <a16:rowId xmlns:a16="http://schemas.microsoft.com/office/drawing/2014/main" val="1304545983"/>
+                  </a:ext>
+                </a:extLst>
+              </a:tr>
+            </a:tbl>
+          </a:graphicData>
+        </a:graphic>
+      </p:graphicFrame>
+      <p:graphicFrame>
+        <p:nvGraphicFramePr>
+          <p:cNvPr id="4" name="Table 3">
+            <a:extLst>
+              <a:ext uri="{FF2B5EF4-FFF2-40B4-BE49-F238E27FC236}">
+                <a16:creationId xmlns:a16="http://schemas.microsoft.com/office/drawing/2014/main" id="{89664CA5-C4AA-AB54-1199-BE02D5CFA8E6}"/>
+              </a:ext>
+            </a:extLst>
+          </p:cNvPr>
+          <p:cNvGraphicFramePr>
+            <a:graphicFrameLocks noGrp="1"/>
+          </p:cNvGraphicFramePr>
+          <p:nvPr>
+            <p:extLst>
+              <p:ext uri="{D42A27DB-BD31-4B8C-83A1-F6EECF244321}">
+                <p14:modId xmlns:p14="http://schemas.microsoft.com/office/powerpoint/2010/main" val="1080297328"/>
+              </p:ext>
+            </p:extLst>
+          </p:nvPr>
+        </p:nvGraphicFramePr>
+        <p:xfrm>
+          <a:off x="116115" y="2032967"/>
+          <a:ext cx="4230430" cy="741680"/>
+        </p:xfrm>
+        <a:graphic>
+          <a:graphicData uri="http://schemas.openxmlformats.org/drawingml/2006/table">
+            <a:tbl>
+              <a:tblPr firstRow="1" bandRow="1">
+                <a:tableStyleId>{073A0DAA-6AF3-43AB-8588-CEC1D06C72B9}</a:tableStyleId>
+              </a:tblPr>
+              <a:tblGrid>
+                <a:gridCol w="2115215">
+                  <a:extLst>
+                    <a:ext uri="{9D8B030D-6E8A-4147-A177-3AD203B41FA5}">
+                      <a16:colId xmlns:a16="http://schemas.microsoft.com/office/drawing/2014/main" val="3068686176"/>
+                    </a:ext>
+                  </a:extLst>
+                </a:gridCol>
+                <a:gridCol w="2115215">
+                  <a:extLst>
+                    <a:ext uri="{9D8B030D-6E8A-4147-A177-3AD203B41FA5}">
+                      <a16:colId xmlns:a16="http://schemas.microsoft.com/office/drawing/2014/main" val="1683873501"/>
+                    </a:ext>
+                  </a:extLst>
+                </a:gridCol>
+              </a:tblGrid>
+              <a:tr h="370840">
+                <a:tc>
+                  <a:txBody>
+                    <a:bodyPr/>
+                    <a:lstStyle/>
+                    <a:p>
+                      <a:r>
+                        <a:rPr lang="en-US"/>
+                        <a:t>Name</a:t>
+                      </a:r>
+                    </a:p>
+                  </a:txBody>
+                  <a:tcPr/>
+                </a:tc>
+                <a:tc>
+                  <a:txBody>
+                    <a:bodyPr/>
+                    <a:lstStyle/>
+                    <a:p>
+                      <a:r>
+                        <a:rPr lang="en-US"/>
+                        <a:t>Detail:Text</a:t>
+                      </a:r>
+                    </a:p>
+                  </a:txBody>
+                  <a:tcPr/>
+                </a:tc>
+                <a:extLst>
+                  <a:ext uri="{0D108BD9-81ED-4DB2-BD59-A6C34878D82A}">
+                    <a16:rowId xmlns:a16="http://schemas.microsoft.com/office/drawing/2014/main" val="3137828674"/>
+                  </a:ext>
+                </a:extLst>
+              </a:tr>
+              <a:tr h="370840">
+                <a:tc>
+                  <a:txBody>
+                    <a:bodyPr/>
+                    <a:lstStyle/>
+                    <a:p>
+                      <a:r>
+                        <a:rPr lang="en-US"/>
+                        <a:t>String</a:t>
+                      </a:r>
+                    </a:p>
+                  </a:txBody>
+                  <a:tcPr/>
+                </a:tc>
+                <a:tc>
+                  <a:txBody>
+                    <a:bodyPr/>
+                    <a:lstStyle/>
+                    <a:p>
+                      <a:r>
+                        <a:rPr lang="en-US"/>
+                        <a:t>String</a:t>
+                      </a:r>
+                    </a:p>
+                  </a:txBody>
+                  <a:tcPr/>
+                </a:tc>
+                <a:extLst>
+                  <a:ext uri="{0D108BD9-81ED-4DB2-BD59-A6C34878D82A}">
+                    <a16:rowId xmlns:a16="http://schemas.microsoft.com/office/drawing/2014/main" val="1304545983"/>
+                  </a:ext>
+                </a:extLst>
+              </a:tr>
+            </a:tbl>
+          </a:graphicData>
+        </a:graphic>
+      </p:graphicFrame>
+      <p:graphicFrame>
+        <p:nvGraphicFramePr>
+          <p:cNvPr id="5" name="Table 4">
+            <a:extLst>
+              <a:ext uri="{FF2B5EF4-FFF2-40B4-BE49-F238E27FC236}">
+                <a16:creationId xmlns:a16="http://schemas.microsoft.com/office/drawing/2014/main" id="{4774D234-8296-78E8-FF90-6E2CA872D7E0}"/>
+              </a:ext>
+            </a:extLst>
+          </p:cNvPr>
+          <p:cNvGraphicFramePr>
+            <a:graphicFrameLocks noGrp="1"/>
+          </p:cNvGraphicFramePr>
+          <p:nvPr>
+            <p:extLst>
+              <p:ext uri="{D42A27DB-BD31-4B8C-83A1-F6EECF244321}">
+                <p14:modId xmlns:p14="http://schemas.microsoft.com/office/powerpoint/2010/main" val="2816148839"/>
+              </p:ext>
+            </p:extLst>
+          </p:nvPr>
+        </p:nvGraphicFramePr>
+        <p:xfrm>
+          <a:off x="116114" y="3240555"/>
+          <a:ext cx="6345645" cy="741680"/>
+        </p:xfrm>
+        <a:graphic>
+          <a:graphicData uri="http://schemas.openxmlformats.org/drawingml/2006/table">
+            <a:tbl>
+              <a:tblPr firstRow="1" bandRow="1">
+                <a:tableStyleId>{073A0DAA-6AF3-43AB-8588-CEC1D06C72B9}</a:tableStyleId>
+              </a:tblPr>
+              <a:tblGrid>
+                <a:gridCol w="2115215">
+                  <a:extLst>
+                    <a:ext uri="{9D8B030D-6E8A-4147-A177-3AD203B41FA5}">
+                      <a16:colId xmlns:a16="http://schemas.microsoft.com/office/drawing/2014/main" val="3068686176"/>
+                    </a:ext>
+                  </a:extLst>
+                </a:gridCol>
+                <a:gridCol w="2115215">
+                  <a:extLst>
+                    <a:ext uri="{9D8B030D-6E8A-4147-A177-3AD203B41FA5}">
+                      <a16:colId xmlns:a16="http://schemas.microsoft.com/office/drawing/2014/main" val="1683873501"/>
+                    </a:ext>
+                  </a:extLst>
+                </a:gridCol>
+                <a:gridCol w="2115215">
+                  <a:extLst>
+                    <a:ext uri="{9D8B030D-6E8A-4147-A177-3AD203B41FA5}">
+                      <a16:colId xmlns:a16="http://schemas.microsoft.com/office/drawing/2014/main" val="144515935"/>
+                    </a:ext>
+                  </a:extLst>
+                </a:gridCol>
+              </a:tblGrid>
+              <a:tr h="370840">
+                <a:tc>
+                  <a:txBody>
+                    <a:bodyPr/>
+                    <a:lstStyle/>
+                    <a:p>
+                      <a:r>
+                        <a:rPr lang="en-US"/>
+                        <a:t>Name</a:t>
+                      </a:r>
+                    </a:p>
+                  </a:txBody>
+                  <a:tcPr/>
+                </a:tc>
+                <a:tc>
+                  <a:txBody>
+                    <a:bodyPr/>
+                    <a:lstStyle/>
+                    <a:p>
+                      <a:r>
+                        <a:rPr lang="en-US"/>
+                        <a:t>Item:Text</a:t>
+                      </a:r>
+                    </a:p>
+                  </a:txBody>
+                  <a:tcPr/>
+                </a:tc>
+                <a:tc>
+                  <a:txBody>
+                    <a:bodyPr/>
+                    <a:lstStyle/>
+                    <a:p>
+                      <a:r>
+                        <a:rPr lang="en-US"/>
+                        <a:t>Item:Done</a:t>
+                      </a:r>
+                    </a:p>
+                  </a:txBody>
+                  <a:tcPr/>
+                </a:tc>
+                <a:extLst>
+                  <a:ext uri="{0D108BD9-81ED-4DB2-BD59-A6C34878D82A}">
+                    <a16:rowId xmlns:a16="http://schemas.microsoft.com/office/drawing/2014/main" val="3137828674"/>
+                  </a:ext>
+                </a:extLst>
+              </a:tr>
+              <a:tr h="370840">
+                <a:tc>
+                  <a:txBody>
+                    <a:bodyPr/>
+                    <a:lstStyle/>
+                    <a:p>
+                      <a:r>
+                        <a:rPr lang="en-US"/>
+                        <a:t>String</a:t>
+                      </a:r>
+                    </a:p>
+                  </a:txBody>
+                  <a:tcPr/>
+                </a:tc>
+                <a:tc>
+                  <a:txBody>
+                    <a:bodyPr/>
+                    <a:lstStyle/>
+                    <a:p>
+                      <a:r>
+                        <a:rPr lang="en-US"/>
+                        <a:t>String</a:t>
+                      </a:r>
+                    </a:p>
+                  </a:txBody>
+                  <a:tcPr/>
+                </a:tc>
+                <a:tc>
+                  <a:txBody>
+                    <a:bodyPr/>
+                    <a:lstStyle/>
+                    <a:p>
+                      <a:r>
+                        <a:rPr lang="en-US"/>
+                        <a:t>boolean</a:t>
+                      </a:r>
+                    </a:p>
+                  </a:txBody>
+                  <a:tcPr/>
+                </a:tc>
+                <a:extLst>
+                  <a:ext uri="{0D108BD9-81ED-4DB2-BD59-A6C34878D82A}">
+                    <a16:rowId xmlns:a16="http://schemas.microsoft.com/office/drawing/2014/main" val="1304545983"/>
+                  </a:ext>
+                </a:extLst>
+              </a:tr>
+            </a:tbl>
+          </a:graphicData>
+        </a:graphic>
+      </p:graphicFrame>
+      <p:graphicFrame>
+        <p:nvGraphicFramePr>
+          <p:cNvPr id="6" name="Table 5">
+            <a:extLst>
+              <a:ext uri="{FF2B5EF4-FFF2-40B4-BE49-F238E27FC236}">
+                <a16:creationId xmlns:a16="http://schemas.microsoft.com/office/drawing/2014/main" id="{83181151-E399-FEBA-BE1C-79C7AC3722F3}"/>
+              </a:ext>
+            </a:extLst>
+          </p:cNvPr>
+          <p:cNvGraphicFramePr>
+            <a:graphicFrameLocks noGrp="1"/>
+          </p:cNvGraphicFramePr>
+          <p:nvPr>
+            <p:extLst>
+              <p:ext uri="{D42A27DB-BD31-4B8C-83A1-F6EECF244321}">
+                <p14:modId xmlns:p14="http://schemas.microsoft.com/office/powerpoint/2010/main" val="4265461638"/>
+              </p:ext>
+            </p:extLst>
+          </p:nvPr>
+        </p:nvGraphicFramePr>
+        <p:xfrm>
+          <a:off x="116112" y="4448143"/>
+          <a:ext cx="6345645" cy="741680"/>
+        </p:xfrm>
+        <a:graphic>
+          <a:graphicData uri="http://schemas.openxmlformats.org/drawingml/2006/table">
+            <a:tbl>
+              <a:tblPr firstRow="1" bandRow="1">
+                <a:tableStyleId>{073A0DAA-6AF3-43AB-8588-CEC1D06C72B9}</a:tableStyleId>
+              </a:tblPr>
+              <a:tblGrid>
+                <a:gridCol w="2115215">
+                  <a:extLst>
+                    <a:ext uri="{9D8B030D-6E8A-4147-A177-3AD203B41FA5}">
+                      <a16:colId xmlns:a16="http://schemas.microsoft.com/office/drawing/2014/main" val="3068686176"/>
+                    </a:ext>
+                  </a:extLst>
+                </a:gridCol>
+                <a:gridCol w="2115215">
+                  <a:extLst>
+                    <a:ext uri="{9D8B030D-6E8A-4147-A177-3AD203B41FA5}">
+                      <a16:colId xmlns:a16="http://schemas.microsoft.com/office/drawing/2014/main" val="1683873501"/>
+                    </a:ext>
+                  </a:extLst>
+                </a:gridCol>
+                <a:gridCol w="2115215">
+                  <a:extLst>
+                    <a:ext uri="{9D8B030D-6E8A-4147-A177-3AD203B41FA5}">
+                      <a16:colId xmlns:a16="http://schemas.microsoft.com/office/drawing/2014/main" val="144515935"/>
+                    </a:ext>
+                  </a:extLst>
+                </a:gridCol>
+              </a:tblGrid>
+              <a:tr h="370840">
+                <a:tc>
+                  <a:txBody>
+                    <a:bodyPr/>
+                    <a:lstStyle/>
+                    <a:p>
+                      <a:r>
+                        <a:rPr lang="en-US"/>
+                        <a:t>Name</a:t>
+                      </a:r>
+                    </a:p>
+                  </a:txBody>
+                  <a:tcPr/>
+                </a:tc>
+                <a:tc>
+                  <a:txBody>
+                    <a:bodyPr/>
+                    <a:lstStyle/>
+                    <a:p>
+                      <a:r>
+                        <a:rPr lang="en-US"/>
+                        <a:t>Entry:Cost</a:t>
+                      </a:r>
+                    </a:p>
+                  </a:txBody>
+                  <a:tcPr/>
+                </a:tc>
+                <a:tc>
+                  <a:txBody>
+                    <a:bodyPr/>
+                    <a:lstStyle/>
+                    <a:p>
+                      <a:r>
+                        <a:rPr lang="en-US"/>
+                        <a:t>Entry:Name</a:t>
+                      </a:r>
+                    </a:p>
+                  </a:txBody>
+                  <a:tcPr/>
+                </a:tc>
+                <a:extLst>
+                  <a:ext uri="{0D108BD9-81ED-4DB2-BD59-A6C34878D82A}">
+                    <a16:rowId xmlns:a16="http://schemas.microsoft.com/office/drawing/2014/main" val="3137828674"/>
+                  </a:ext>
+                </a:extLst>
+              </a:tr>
+              <a:tr h="370840">
+                <a:tc>
+                  <a:txBody>
+                    <a:bodyPr/>
+                    <a:lstStyle/>
+                    <a:p>
+                      <a:r>
+                        <a:rPr lang="en-US"/>
+                        <a:t>String</a:t>
+                      </a:r>
+                    </a:p>
+                  </a:txBody>
+                  <a:tcPr/>
+                </a:tc>
+                <a:tc>
+                  <a:txBody>
+                    <a:bodyPr/>
+                    <a:lstStyle/>
+                    <a:p>
+                      <a:r>
+                        <a:rPr lang="en-US"/>
+                        <a:t>double</a:t>
+                      </a:r>
+                    </a:p>
+                  </a:txBody>
+                  <a:tcPr/>
+                </a:tc>
+                <a:tc>
+                  <a:txBody>
+                    <a:bodyPr/>
+                    <a:lstStyle/>
+                    <a:p>
+                      <a:r>
+                        <a:rPr lang="en-US"/>
+                        <a:t>String</a:t>
+                      </a:r>
+                    </a:p>
+                  </a:txBody>
+                  <a:tcPr/>
+                </a:tc>
+                <a:extLst>
+                  <a:ext uri="{0D108BD9-81ED-4DB2-BD59-A6C34878D82A}">
+                    <a16:rowId xmlns:a16="http://schemas.microsoft.com/office/drawing/2014/main" val="1304545983"/>
+                  </a:ext>
+                </a:extLst>
+              </a:tr>
+            </a:tbl>
+          </a:graphicData>
+        </a:graphic>
+      </p:graphicFrame>
+      <p:sp>
+        <p:nvSpPr>
+          <p:cNvPr id="8" name="TextBox 7">
+            <a:extLst>
+              <a:ext uri="{FF2B5EF4-FFF2-40B4-BE49-F238E27FC236}">
+                <a16:creationId xmlns:a16="http://schemas.microsoft.com/office/drawing/2014/main" id="{80531E4F-73F4-7A2C-4875-6CDE75925AEF}"/>
+              </a:ext>
+            </a:extLst>
+          </p:cNvPr>
+          <p:cNvSpPr txBox="1"/>
+          <p:nvPr/>
+        </p:nvSpPr>
+        <p:spPr>
+          <a:xfrm>
+            <a:off x="2892290" y="398565"/>
+            <a:ext cx="793294" cy="369332"/>
+          </a:xfrm>
+          <a:prstGeom prst="rect">
+            <a:avLst/>
+          </a:prstGeom>
+          <a:noFill/>
+        </p:spPr>
+        <p:txBody>
+          <a:bodyPr wrap="none" rtlCol="0">
+            <a:spAutoFit/>
+          </a:bodyPr>
+          <a:lstStyle/>
+          <a:p>
+            <a:r>
+              <a:rPr lang="en-US"/>
+              <a:t>Profile</a:t>
+            </a:r>
+          </a:p>
+        </p:txBody>
+      </p:sp>
+      <p:sp>
+        <p:nvSpPr>
+          <p:cNvPr id="11" name="TextBox 10">
+            <a:extLst>
+              <a:ext uri="{FF2B5EF4-FFF2-40B4-BE49-F238E27FC236}">
+                <a16:creationId xmlns:a16="http://schemas.microsoft.com/office/drawing/2014/main" id="{6D7A5341-15A1-75EF-BB01-D30D2B4D7A74}"/>
+              </a:ext>
+            </a:extLst>
+          </p:cNvPr>
+          <p:cNvSpPr txBox="1"/>
+          <p:nvPr/>
+        </p:nvSpPr>
+        <p:spPr>
+          <a:xfrm>
+            <a:off x="1865300" y="1660491"/>
+            <a:ext cx="732060" cy="369332"/>
+          </a:xfrm>
+          <a:prstGeom prst="rect">
+            <a:avLst/>
+          </a:prstGeom>
+          <a:noFill/>
+        </p:spPr>
+        <p:txBody>
+          <a:bodyPr wrap="none" rtlCol="0">
+            <a:spAutoFit/>
+          </a:bodyPr>
+          <a:lstStyle/>
+          <a:p>
+            <a:r>
+              <a:rPr lang="en-US"/>
+              <a:t>Detail</a:t>
+            </a:r>
+          </a:p>
+        </p:txBody>
+      </p:sp>
+      <p:sp>
+        <p:nvSpPr>
+          <p:cNvPr id="12" name="TextBox 11">
+            <a:extLst>
+              <a:ext uri="{FF2B5EF4-FFF2-40B4-BE49-F238E27FC236}">
+                <a16:creationId xmlns:a16="http://schemas.microsoft.com/office/drawing/2014/main" id="{2E40DC91-0094-CF55-849C-3BE4BB4FF881}"/>
+              </a:ext>
+            </a:extLst>
+          </p:cNvPr>
+          <p:cNvSpPr txBox="1"/>
+          <p:nvPr/>
+        </p:nvSpPr>
+        <p:spPr>
+          <a:xfrm>
+            <a:off x="2980646" y="2871223"/>
+            <a:ext cx="616579" cy="369332"/>
+          </a:xfrm>
+          <a:prstGeom prst="rect">
+            <a:avLst/>
+          </a:prstGeom>
+          <a:noFill/>
+        </p:spPr>
+        <p:txBody>
+          <a:bodyPr wrap="none" rtlCol="0">
+            <a:spAutoFit/>
+          </a:bodyPr>
+          <a:lstStyle/>
+          <a:p>
+            <a:r>
+              <a:rPr lang="en-US"/>
+              <a:t>Item</a:t>
+            </a:r>
+          </a:p>
+        </p:txBody>
+      </p:sp>
+      <p:sp>
+        <p:nvSpPr>
+          <p:cNvPr id="13" name="TextBox 12">
+            <a:extLst>
+              <a:ext uri="{FF2B5EF4-FFF2-40B4-BE49-F238E27FC236}">
+                <a16:creationId xmlns:a16="http://schemas.microsoft.com/office/drawing/2014/main" id="{F681E4C0-0126-5FCF-5FFC-C70661666C4A}"/>
+              </a:ext>
+            </a:extLst>
+          </p:cNvPr>
+          <p:cNvSpPr txBox="1"/>
+          <p:nvPr/>
+        </p:nvSpPr>
+        <p:spPr>
+          <a:xfrm>
+            <a:off x="2949418" y="4078811"/>
+            <a:ext cx="679032" cy="369332"/>
+          </a:xfrm>
+          <a:prstGeom prst="rect">
+            <a:avLst/>
+          </a:prstGeom>
+          <a:noFill/>
+        </p:spPr>
+        <p:txBody>
+          <a:bodyPr wrap="none" rtlCol="0">
+            <a:spAutoFit/>
+          </a:bodyPr>
+          <a:lstStyle/>
+          <a:p>
+            <a:r>
+              <a:rPr lang="en-US"/>
+              <a:t>Entry</a:t>
+            </a:r>
+          </a:p>
+        </p:txBody>
+      </p:sp>
+    </p:spTree>
+    <p:extLst>
+      <p:ext uri="{BB962C8B-B14F-4D97-AF65-F5344CB8AC3E}">
+        <p14:creationId xmlns:p14="http://schemas.microsoft.com/office/powerpoint/2010/main" val="813544368"/>
+      </p:ext>
+    </p:extLst>
+  </p:cSld>
+  <p:clrMapOvr>
+    <a:masterClrMapping/>
+  </p:clrMapOvr>
+</p:sld>
+</file>
+
 <file path=ppt/slides/slide2.xml><?xml version="1.0" encoding="utf-8"?>
 <p:sld xmlns:a="http://schemas.openxmlformats.org/drawingml/2006/main" xmlns:r="http://schemas.openxmlformats.org/officeDocument/2006/relationships" xmlns:p="http://schemas.openxmlformats.org/presentationml/2006/main">
   <p:cSld>
@@ -6622,7 +7392,7 @@
                     <a:schemeClr val="tx1"/>
                   </a:solidFill>
                 </a:rPr>
-                <a:t>-items : LinkedList&lt;Item&gt;</a:t>
+                <a:t>-entries : LinkedList&lt;Entry&gt;</a:t>
               </a:r>
             </a:p>
             <a:p>
@@ -6632,7 +7402,7 @@
                     <a:schemeClr val="tx1"/>
                   </a:solidFill>
                 </a:rPr>
-                <a:t>+addItem(cost, name) : Item</a:t>
+                <a:t>+addEntry(cost, name) : Entry</a:t>
               </a:r>
             </a:p>
           </p:txBody>
@@ -6715,7 +7485,7 @@
                     <a:schemeClr val="tx1"/>
                   </a:solidFill>
                 </a:rPr>
-                <a:t>Item</a:t>
+                <a:t>Entry</a:t>
               </a:r>
             </a:p>
           </p:txBody>
@@ -8613,7 +9383,8 @@
             <a:solidFill>
               <a:schemeClr val="tx1"/>
             </a:solidFill>
-            <a:tailEnd type="triangle"/>
+            <a:headEnd type="triangle"/>
+            <a:tailEnd type="none"/>
           </a:ln>
         </p:spPr>
         <p:style>

--- a/documentation/AppDesign.pptx
+++ b/documentation/AppDesign.pptx
@@ -206,7 +206,7 @@
           </a:lstStyle>
           <a:p>
             <a:fld id="{7258A54E-126E-9F44-BB91-7E6D295A013E}" type="datetimeFigureOut">
-              <a:t>12/5/23</a:t>
+              <a:t>12/9/23</a:t>
             </a:fld>
             <a:endParaRPr lang="en-US"/>
           </a:p>
@@ -1282,7 +1282,7 @@
           <a:lstStyle/>
           <a:p>
             <a:fld id="{814779F6-DF54-A74A-B093-E4E0AB693425}" type="datetimeFigureOut">
-              <a:t>12/5/23</a:t>
+              <a:t>12/9/23</a:t>
             </a:fld>
             <a:endParaRPr lang="en-US"/>
           </a:p>
@@ -1478,7 +1478,7 @@
           <a:lstStyle/>
           <a:p>
             <a:fld id="{814779F6-DF54-A74A-B093-E4E0AB693425}" type="datetimeFigureOut">
-              <a:t>12/5/23</a:t>
+              <a:t>12/9/23</a:t>
             </a:fld>
             <a:endParaRPr lang="en-US"/>
           </a:p>
@@ -1684,7 +1684,7 @@
           <a:lstStyle/>
           <a:p>
             <a:fld id="{814779F6-DF54-A74A-B093-E4E0AB693425}" type="datetimeFigureOut">
-              <a:t>12/5/23</a:t>
+              <a:t>12/9/23</a:t>
             </a:fld>
             <a:endParaRPr lang="en-US"/>
           </a:p>
@@ -1880,7 +1880,7 @@
           <a:lstStyle/>
           <a:p>
             <a:fld id="{814779F6-DF54-A74A-B093-E4E0AB693425}" type="datetimeFigureOut">
-              <a:t>12/5/23</a:t>
+              <a:t>12/9/23</a:t>
             </a:fld>
             <a:endParaRPr lang="en-US"/>
           </a:p>
@@ -2153,7 +2153,7 @@
           <a:lstStyle/>
           <a:p>
             <a:fld id="{814779F6-DF54-A74A-B093-E4E0AB693425}" type="datetimeFigureOut">
-              <a:t>12/5/23</a:t>
+              <a:t>12/9/23</a:t>
             </a:fld>
             <a:endParaRPr lang="en-US"/>
           </a:p>
@@ -2416,7 +2416,7 @@
           <a:lstStyle/>
           <a:p>
             <a:fld id="{814779F6-DF54-A74A-B093-E4E0AB693425}" type="datetimeFigureOut">
-              <a:t>12/5/23</a:t>
+              <a:t>12/9/23</a:t>
             </a:fld>
             <a:endParaRPr lang="en-US"/>
           </a:p>
@@ -2826,7 +2826,7 @@
           <a:lstStyle/>
           <a:p>
             <a:fld id="{814779F6-DF54-A74A-B093-E4E0AB693425}" type="datetimeFigureOut">
-              <a:t>12/5/23</a:t>
+              <a:t>12/9/23</a:t>
             </a:fld>
             <a:endParaRPr lang="en-US"/>
           </a:p>
@@ -2965,7 +2965,7 @@
           <a:lstStyle/>
           <a:p>
             <a:fld id="{814779F6-DF54-A74A-B093-E4E0AB693425}" type="datetimeFigureOut">
-              <a:t>12/5/23</a:t>
+              <a:t>12/9/23</a:t>
             </a:fld>
             <a:endParaRPr lang="en-US"/>
           </a:p>
@@ -3076,7 +3076,7 @@
           <a:lstStyle/>
           <a:p>
             <a:fld id="{814779F6-DF54-A74A-B093-E4E0AB693425}" type="datetimeFigureOut">
-              <a:t>12/5/23</a:t>
+              <a:t>12/9/23</a:t>
             </a:fld>
             <a:endParaRPr lang="en-US"/>
           </a:p>
@@ -3385,7 +3385,7 @@
           <a:lstStyle/>
           <a:p>
             <a:fld id="{814779F6-DF54-A74A-B093-E4E0AB693425}" type="datetimeFigureOut">
-              <a:t>12/5/23</a:t>
+              <a:t>12/9/23</a:t>
             </a:fld>
             <a:endParaRPr lang="en-US"/>
           </a:p>
@@ -3671,7 +3671,7 @@
           <a:lstStyle/>
           <a:p>
             <a:fld id="{814779F6-DF54-A74A-B093-E4E0AB693425}" type="datetimeFigureOut">
-              <a:t>12/5/23</a:t>
+              <a:t>12/9/23</a:t>
             </a:fld>
             <a:endParaRPr lang="en-US"/>
           </a:p>
@@ -3910,7 +3910,7 @@
           </a:lstStyle>
           <a:p>
             <a:fld id="{814779F6-DF54-A74A-B093-E4E0AB693425}" type="datetimeFigureOut">
-              <a:t>12/5/23</a:t>
+              <a:t>12/9/23</a:t>
             </a:fld>
             <a:endParaRPr lang="en-US"/>
           </a:p>
@@ -5942,13 +5942,13 @@
           <p:nvPr>
             <p:extLst>
               <p:ext uri="{D42A27DB-BD31-4B8C-83A1-F6EECF244321}">
-                <p14:modId xmlns:p14="http://schemas.microsoft.com/office/powerpoint/2010/main" val="1080297328"/>
+                <p14:modId xmlns:p14="http://schemas.microsoft.com/office/powerpoint/2010/main" val="4131719439"/>
               </p:ext>
             </p:extLst>
           </p:nvPr>
         </p:nvGraphicFramePr>
         <p:xfrm>
-          <a:off x="116115" y="2032967"/>
+          <a:off x="116111" y="2963071"/>
           <a:ext cx="4230430" cy="741680"/>
         </p:xfrm>
         <a:graphic>
@@ -5981,7 +5981,7 @@
                     <a:p>
                       <a:r>
                         <a:rPr lang="en-US"/>
-                        <a:t>Name</a:t>
+                        <a:t>Profile:Name</a:t>
                       </a:r>
                     </a:p>
                   </a:txBody>
@@ -5994,7 +5994,7 @@
                     <a:p>
                       <a:r>
                         <a:rPr lang="en-US"/>
-                        <a:t>Detail:Text</a:t>
+                        <a:t>Text</a:t>
                       </a:r>
                     </a:p>
                   </a:txBody>
@@ -6058,13 +6058,13 @@
           <p:nvPr>
             <p:extLst>
               <p:ext uri="{D42A27DB-BD31-4B8C-83A1-F6EECF244321}">
-                <p14:modId xmlns:p14="http://schemas.microsoft.com/office/powerpoint/2010/main" val="2816148839"/>
+                <p14:modId xmlns:p14="http://schemas.microsoft.com/office/powerpoint/2010/main" val="1231598006"/>
               </p:ext>
             </p:extLst>
           </p:nvPr>
         </p:nvGraphicFramePr>
         <p:xfrm>
-          <a:off x="116114" y="3240555"/>
+          <a:off x="116111" y="4074083"/>
           <a:ext cx="6345645" cy="741680"/>
         </p:xfrm>
         <a:graphic>
@@ -6104,7 +6104,7 @@
                     <a:p>
                       <a:r>
                         <a:rPr lang="en-US"/>
-                        <a:t>Name</a:t>
+                        <a:t>Profile:Name</a:t>
                       </a:r>
                     </a:p>
                   </a:txBody>
@@ -6117,7 +6117,7 @@
                     <a:p>
                       <a:r>
                         <a:rPr lang="en-US"/>
-                        <a:t>Item:Text</a:t>
+                        <a:t>Text</a:t>
                       </a:r>
                     </a:p>
                   </a:txBody>
@@ -6130,7 +6130,7 @@
                     <a:p>
                       <a:r>
                         <a:rPr lang="en-US"/>
-                        <a:t>Item:Done</a:t>
+                        <a:t>Done</a:t>
                       </a:r>
                     </a:p>
                   </a:txBody>
@@ -6207,14 +6207,14 @@
           <p:nvPr>
             <p:extLst>
               <p:ext uri="{D42A27DB-BD31-4B8C-83A1-F6EECF244321}">
-                <p14:modId xmlns:p14="http://schemas.microsoft.com/office/powerpoint/2010/main" val="4265461638"/>
+                <p14:modId xmlns:p14="http://schemas.microsoft.com/office/powerpoint/2010/main" val="3486142198"/>
               </p:ext>
             </p:extLst>
           </p:nvPr>
         </p:nvGraphicFramePr>
         <p:xfrm>
-          <a:off x="116112" y="4448143"/>
-          <a:ext cx="6345645" cy="741680"/>
+          <a:off x="116111" y="5181894"/>
+          <a:ext cx="6345644" cy="741680"/>
         </p:xfrm>
         <a:graphic>
           <a:graphicData uri="http://schemas.openxmlformats.org/drawingml/2006/table">
@@ -6223,29 +6223,62 @@
                 <a:tableStyleId>{073A0DAA-6AF3-43AB-8588-CEC1D06C72B9}</a:tableStyleId>
               </a:tblPr>
               <a:tblGrid>
-                <a:gridCol w="2115215">
+                <a:gridCol w="1586411">
                   <a:extLst>
                     <a:ext uri="{9D8B030D-6E8A-4147-A177-3AD203B41FA5}">
                       <a16:colId xmlns:a16="http://schemas.microsoft.com/office/drawing/2014/main" val="3068686176"/>
                     </a:ext>
                   </a:extLst>
                 </a:gridCol>
-                <a:gridCol w="2115215">
+                <a:gridCol w="1586411">
                   <a:extLst>
                     <a:ext uri="{9D8B030D-6E8A-4147-A177-3AD203B41FA5}">
                       <a16:colId xmlns:a16="http://schemas.microsoft.com/office/drawing/2014/main" val="1683873501"/>
                     </a:ext>
                   </a:extLst>
                 </a:gridCol>
-                <a:gridCol w="2115215">
+                <a:gridCol w="1586411">
                   <a:extLst>
                     <a:ext uri="{9D8B030D-6E8A-4147-A177-3AD203B41FA5}">
                       <a16:colId xmlns:a16="http://schemas.microsoft.com/office/drawing/2014/main" val="144515935"/>
                     </a:ext>
                   </a:extLst>
                 </a:gridCol>
+                <a:gridCol w="1586411">
+                  <a:extLst>
+                    <a:ext uri="{9D8B030D-6E8A-4147-A177-3AD203B41FA5}">
+                      <a16:colId xmlns:a16="http://schemas.microsoft.com/office/drawing/2014/main" val="1679609105"/>
+                    </a:ext>
+                  </a:extLst>
+                </a:gridCol>
               </a:tblGrid>
               <a:tr h="370840">
+                <a:tc>
+                  <a:txBody>
+                    <a:bodyPr/>
+                    <a:lstStyle/>
+                    <a:p>
+                      <a:r>
+                        <a:rPr lang="en-US"/>
+                        <a:t>Profile:Name</a:t>
+                      </a:r>
+                    </a:p>
+                  </a:txBody>
+                  <a:tcPr/>
+                </a:tc>
+                <a:tc>
+                  <a:txBody>
+                    <a:bodyPr/>
+                    <a:lstStyle/>
+                    <a:p>
+                      <a:r>
+                        <a:rPr lang="en-US"/>
+                        <a:t>Cost</a:t>
+                      </a:r>
+                    </a:p>
+                  </a:txBody>
+                  <a:tcPr/>
+                </a:tc>
                 <a:tc>
                   <a:txBody>
                     <a:bodyPr/>
@@ -6266,20 +6299,7 @@
                     <a:p>
                       <a:r>
                         <a:rPr lang="en-US"/>
-                        <a:t>Entry:Cost</a:t>
-                      </a:r>
-                    </a:p>
-                  </a:txBody>
-                  <a:tcPr/>
-                </a:tc>
-                <a:tc>
-                  <a:txBody>
-                    <a:bodyPr/>
-                    <a:lstStyle/>
-                    <a:p>
-                      <a:r>
-                        <a:rPr lang="en-US"/>
-                        <a:t>Entry:Name</a:t>
+                        <a:t>Quantity</a:t>
                       </a:r>
                     </a:p>
                   </a:txBody>
@@ -6331,6 +6351,19 @@
                   </a:txBody>
                   <a:tcPr/>
                 </a:tc>
+                <a:tc>
+                  <a:txBody>
+                    <a:bodyPr/>
+                    <a:lstStyle/>
+                    <a:p>
+                      <a:r>
+                        <a:rPr lang="en-US"/>
+                        <a:t>int</a:t>
+                      </a:r>
+                    </a:p>
+                  </a:txBody>
+                  <a:tcPr/>
+                </a:tc>
                 <a:extLst>
                   <a:ext uri="{0D108BD9-81ED-4DB2-BD59-A6C34878D82A}">
                     <a16:rowId xmlns:a16="http://schemas.microsoft.com/office/drawing/2014/main" val="1304545983"/>
@@ -6390,7 +6423,7 @@
         </p:nvSpPr>
         <p:spPr>
           <a:xfrm>
-            <a:off x="1865300" y="1660491"/>
+            <a:off x="1865296" y="2590595"/>
             <a:ext cx="732060" cy="369332"/>
           </a:xfrm>
           <a:prstGeom prst="rect">
@@ -6425,7 +6458,7 @@
         </p:nvSpPr>
         <p:spPr>
           <a:xfrm>
-            <a:off x="2980646" y="2871223"/>
+            <a:off x="2980643" y="3704751"/>
             <a:ext cx="616579" cy="369332"/>
           </a:xfrm>
           <a:prstGeom prst="rect">
@@ -6460,7 +6493,7 @@
         </p:nvSpPr>
         <p:spPr>
           <a:xfrm>
-            <a:off x="2949418" y="4078811"/>
+            <a:off x="2949417" y="4812562"/>
             <a:ext cx="679032" cy="369332"/>
           </a:xfrm>
           <a:prstGeom prst="rect">
@@ -6477,6 +6510,194 @@
             <a:r>
               <a:rPr lang="en-US"/>
               <a:t>Entry</a:t>
+            </a:r>
+          </a:p>
+        </p:txBody>
+      </p:sp>
+      <p:graphicFrame>
+        <p:nvGraphicFramePr>
+          <p:cNvPr id="7" name="Table 6">
+            <a:extLst>
+              <a:ext uri="{FF2B5EF4-FFF2-40B4-BE49-F238E27FC236}">
+                <a16:creationId xmlns:a16="http://schemas.microsoft.com/office/drawing/2014/main" id="{5436155D-5B65-2C93-750C-61B63907B0E7}"/>
+              </a:ext>
+            </a:extLst>
+          </p:cNvPr>
+          <p:cNvGraphicFramePr>
+            <a:graphicFrameLocks noGrp="1"/>
+          </p:cNvGraphicFramePr>
+          <p:nvPr>
+            <p:extLst>
+              <p:ext uri="{D42A27DB-BD31-4B8C-83A1-F6EECF244321}">
+                <p14:modId xmlns:p14="http://schemas.microsoft.com/office/powerpoint/2010/main" val="2524626030"/>
+              </p:ext>
+            </p:extLst>
+          </p:nvPr>
+        </p:nvGraphicFramePr>
+        <p:xfrm>
+          <a:off x="116111" y="1863912"/>
+          <a:ext cx="6345645" cy="731520"/>
+        </p:xfrm>
+        <a:graphic>
+          <a:graphicData uri="http://schemas.openxmlformats.org/drawingml/2006/table">
+            <a:tbl>
+              <a:tblPr firstRow="1" bandRow="1">
+                <a:tableStyleId>{073A0DAA-6AF3-43AB-8588-CEC1D06C72B9}</a:tableStyleId>
+              </a:tblPr>
+              <a:tblGrid>
+                <a:gridCol w="2115215">
+                  <a:extLst>
+                    <a:ext uri="{9D8B030D-6E8A-4147-A177-3AD203B41FA5}">
+                      <a16:colId xmlns:a16="http://schemas.microsoft.com/office/drawing/2014/main" val="3068686176"/>
+                    </a:ext>
+                  </a:extLst>
+                </a:gridCol>
+                <a:gridCol w="2115215">
+                  <a:extLst>
+                    <a:ext uri="{9D8B030D-6E8A-4147-A177-3AD203B41FA5}">
+                      <a16:colId xmlns:a16="http://schemas.microsoft.com/office/drawing/2014/main" val="1683873501"/>
+                    </a:ext>
+                  </a:extLst>
+                </a:gridCol>
+                <a:gridCol w="2115215">
+                  <a:extLst>
+                    <a:ext uri="{9D8B030D-6E8A-4147-A177-3AD203B41FA5}">
+                      <a16:colId xmlns:a16="http://schemas.microsoft.com/office/drawing/2014/main" val="3757862378"/>
+                    </a:ext>
+                  </a:extLst>
+                </a:gridCol>
+              </a:tblGrid>
+              <a:tr h="259201">
+                <a:tc>
+                  <a:txBody>
+                    <a:bodyPr/>
+                    <a:lstStyle/>
+                    <a:p>
+                      <a:r>
+                        <a:rPr lang="en-US" sz="1800"/>
+                        <a:t>Profile:Name</a:t>
+                      </a:r>
+                    </a:p>
+                  </a:txBody>
+                  <a:tcPr/>
+                </a:tc>
+                <a:tc>
+                  <a:txBody>
+                    <a:bodyPr/>
+                    <a:lstStyle/>
+                    <a:p>
+                      <a:r>
+                        <a:rPr lang="en-US" sz="1800"/>
+                        <a:t>1:Name</a:t>
+                      </a:r>
+                    </a:p>
+                  </a:txBody>
+                  <a:tcPr/>
+                </a:tc>
+                <a:tc>
+                  <a:txBody>
+                    <a:bodyPr/>
+                    <a:lstStyle/>
+                    <a:p>
+                      <a:r>
+                        <a:rPr lang="en-US" sz="1800" i="1"/>
+                        <a:t>n</a:t>
+                      </a:r>
+                      <a:r>
+                        <a:rPr lang="en-US" sz="1800"/>
+                        <a:t>:Name</a:t>
+                      </a:r>
+                    </a:p>
+                  </a:txBody>
+                  <a:tcPr/>
+                </a:tc>
+                <a:extLst>
+                  <a:ext uri="{0D108BD9-81ED-4DB2-BD59-A6C34878D82A}">
+                    <a16:rowId xmlns:a16="http://schemas.microsoft.com/office/drawing/2014/main" val="3137828674"/>
+                  </a:ext>
+                </a:extLst>
+              </a:tr>
+              <a:tr h="259201">
+                <a:tc>
+                  <a:txBody>
+                    <a:bodyPr/>
+                    <a:lstStyle/>
+                    <a:p>
+                      <a:r>
+                        <a:rPr lang="en-US" sz="1800"/>
+                        <a:t>String</a:t>
+                      </a:r>
+                    </a:p>
+                  </a:txBody>
+                  <a:tcPr/>
+                </a:tc>
+                <a:tc>
+                  <a:txBody>
+                    <a:bodyPr/>
+                    <a:lstStyle/>
+                    <a:p>
+                      <a:r>
+                        <a:rPr lang="en-US" sz="1800"/>
+                        <a:t>String</a:t>
+                      </a:r>
+                    </a:p>
+                  </a:txBody>
+                  <a:tcPr/>
+                </a:tc>
+                <a:tc>
+                  <a:txBody>
+                    <a:bodyPr/>
+                    <a:lstStyle/>
+                    <a:p>
+                      <a:r>
+                        <a:rPr lang="en-US" sz="1800"/>
+                        <a:t>String</a:t>
+                      </a:r>
+                    </a:p>
+                  </a:txBody>
+                  <a:tcPr/>
+                </a:tc>
+                <a:extLst>
+                  <a:ext uri="{0D108BD9-81ED-4DB2-BD59-A6C34878D82A}">
+                    <a16:rowId xmlns:a16="http://schemas.microsoft.com/office/drawing/2014/main" val="1304545983"/>
+                  </a:ext>
+                </a:extLst>
+              </a:tr>
+            </a:tbl>
+          </a:graphicData>
+        </a:graphic>
+      </p:graphicFrame>
+      <p:sp>
+        <p:nvSpPr>
+          <p:cNvPr id="9" name="TextBox 8">
+            <a:extLst>
+              <a:ext uri="{FF2B5EF4-FFF2-40B4-BE49-F238E27FC236}">
+                <a16:creationId xmlns:a16="http://schemas.microsoft.com/office/drawing/2014/main" id="{9FDD9F94-BF47-BB6D-FECA-6B6CBC9B4429}"/>
+              </a:ext>
+            </a:extLst>
+          </p:cNvPr>
+          <p:cNvSpPr txBox="1"/>
+          <p:nvPr/>
+        </p:nvSpPr>
+        <p:spPr>
+          <a:xfrm>
+            <a:off x="2892286" y="1494580"/>
+            <a:ext cx="846194" cy="369332"/>
+          </a:xfrm>
+          <a:prstGeom prst="rect">
+            <a:avLst/>
+          </a:prstGeom>
+          <a:noFill/>
+        </p:spPr>
+        <p:txBody>
+          <a:bodyPr wrap="none" rtlCol="0">
+            <a:spAutoFit/>
+          </a:bodyPr>
+          <a:lstStyle/>
+          <a:p>
+            <a:r>
+              <a:rPr lang="en-US"/>
+              <a:t>Project</a:t>
             </a:r>
           </a:p>
         </p:txBody>

--- a/documentation/AppDesign.pptx
+++ b/documentation/AppDesign.pptx
@@ -5793,14 +5793,14 @@
           <p:nvPr>
             <p:extLst>
               <p:ext uri="{D42A27DB-BD31-4B8C-83A1-F6EECF244321}">
-                <p14:modId xmlns:p14="http://schemas.microsoft.com/office/powerpoint/2010/main" val="1468604298"/>
+                <p14:modId xmlns:p14="http://schemas.microsoft.com/office/powerpoint/2010/main" val="2446961987"/>
               </p:ext>
             </p:extLst>
           </p:nvPr>
         </p:nvGraphicFramePr>
         <p:xfrm>
           <a:off x="116115" y="767897"/>
-          <a:ext cx="6345645" cy="731520"/>
+          <a:ext cx="7460337" cy="731520"/>
         </p:xfrm>
         <a:graphic>
           <a:graphicData uri="http://schemas.openxmlformats.org/drawingml/2006/table">
@@ -5809,21 +5809,21 @@
                 <a:tableStyleId>{073A0DAA-6AF3-43AB-8588-CEC1D06C72B9}</a:tableStyleId>
               </a:tblPr>
               <a:tblGrid>
-                <a:gridCol w="2115215">
+                <a:gridCol w="2486779">
                   <a:extLst>
                     <a:ext uri="{9D8B030D-6E8A-4147-A177-3AD203B41FA5}">
                       <a16:colId xmlns:a16="http://schemas.microsoft.com/office/drawing/2014/main" val="3068686176"/>
                     </a:ext>
                   </a:extLst>
                 </a:gridCol>
-                <a:gridCol w="2115215">
+                <a:gridCol w="2486779">
                   <a:extLst>
                     <a:ext uri="{9D8B030D-6E8A-4147-A177-3AD203B41FA5}">
                       <a16:colId xmlns:a16="http://schemas.microsoft.com/office/drawing/2014/main" val="1683873501"/>
                     </a:ext>
                   </a:extLst>
                 </a:gridCol>
-                <a:gridCol w="2115215">
+                <a:gridCol w="2486779">
                   <a:extLst>
                     <a:ext uri="{9D8B030D-6E8A-4147-A177-3AD203B41FA5}">
                       <a16:colId xmlns:a16="http://schemas.microsoft.com/office/drawing/2014/main" val="3757862378"/>
@@ -5942,7 +5942,7 @@
           <p:nvPr>
             <p:extLst>
               <p:ext uri="{D42A27DB-BD31-4B8C-83A1-F6EECF244321}">
-                <p14:modId xmlns:p14="http://schemas.microsoft.com/office/powerpoint/2010/main" val="4131719439"/>
+                <p14:modId xmlns:p14="http://schemas.microsoft.com/office/powerpoint/2010/main" val="4235676289"/>
               </p:ext>
             </p:extLst>
           </p:nvPr>
@@ -5981,7 +5981,7 @@
                     <a:p>
                       <a:r>
                         <a:rPr lang="en-US"/>
-                        <a:t>Profile:Name</a:t>
+                        <a:t>Project:Name</a:t>
                       </a:r>
                     </a:p>
                   </a:txBody>
@@ -6058,14 +6058,14 @@
           <p:nvPr>
             <p:extLst>
               <p:ext uri="{D42A27DB-BD31-4B8C-83A1-F6EECF244321}">
-                <p14:modId xmlns:p14="http://schemas.microsoft.com/office/powerpoint/2010/main" val="1231598006"/>
+                <p14:modId xmlns:p14="http://schemas.microsoft.com/office/powerpoint/2010/main" val="2247017452"/>
               </p:ext>
             </p:extLst>
           </p:nvPr>
         </p:nvGraphicFramePr>
         <p:xfrm>
-          <a:off x="116111" y="4074083"/>
-          <a:ext cx="6345645" cy="741680"/>
+          <a:off x="116109" y="4074083"/>
+          <a:ext cx="7460344" cy="741680"/>
         </p:xfrm>
         <a:graphic>
           <a:graphicData uri="http://schemas.openxmlformats.org/drawingml/2006/table">
@@ -6074,21 +6074,28 @@
                 <a:tableStyleId>{073A0DAA-6AF3-43AB-8588-CEC1D06C72B9}</a:tableStyleId>
               </a:tblPr>
               <a:tblGrid>
-                <a:gridCol w="2115215">
+                <a:gridCol w="1865086">
                   <a:extLst>
                     <a:ext uri="{9D8B030D-6E8A-4147-A177-3AD203B41FA5}">
                       <a16:colId xmlns:a16="http://schemas.microsoft.com/office/drawing/2014/main" val="3068686176"/>
                     </a:ext>
                   </a:extLst>
                 </a:gridCol>
-                <a:gridCol w="2115215">
+                <a:gridCol w="1865086">
+                  <a:extLst>
+                    <a:ext uri="{9D8B030D-6E8A-4147-A177-3AD203B41FA5}">
+                      <a16:colId xmlns:a16="http://schemas.microsoft.com/office/drawing/2014/main" val="1195341086"/>
+                    </a:ext>
+                  </a:extLst>
+                </a:gridCol>
+                <a:gridCol w="1865086">
                   <a:extLst>
                     <a:ext uri="{9D8B030D-6E8A-4147-A177-3AD203B41FA5}">
                       <a16:colId xmlns:a16="http://schemas.microsoft.com/office/drawing/2014/main" val="1683873501"/>
                     </a:ext>
                   </a:extLst>
                 </a:gridCol>
-                <a:gridCol w="2115215">
+                <a:gridCol w="1865086">
                   <a:extLst>
                     <a:ext uri="{9D8B030D-6E8A-4147-A177-3AD203B41FA5}">
                       <a16:colId xmlns:a16="http://schemas.microsoft.com/office/drawing/2014/main" val="144515935"/>
@@ -6104,7 +6111,20 @@
                     <a:p>
                       <a:r>
                         <a:rPr lang="en-US"/>
-                        <a:t>Profile:Name</a:t>
+                        <a:t>Project:Name</a:t>
+                      </a:r>
+                    </a:p>
+                  </a:txBody>
+                  <a:tcPr/>
+                </a:tc>
+                <a:tc>
+                  <a:txBody>
+                    <a:bodyPr/>
+                    <a:lstStyle/>
+                    <a:p>
+                      <a:r>
+                        <a:rPr lang="en-US"/>
+                        <a:t>Index</a:t>
                       </a:r>
                     </a:p>
                   </a:txBody>
@@ -6163,6 +6183,19 @@
                     <a:p>
                       <a:r>
                         <a:rPr lang="en-US"/>
+                        <a:t>int</a:t>
+                      </a:r>
+                    </a:p>
+                  </a:txBody>
+                  <a:tcPr/>
+                </a:tc>
+                <a:tc>
+                  <a:txBody>
+                    <a:bodyPr/>
+                    <a:lstStyle/>
+                    <a:p>
+                      <a:r>
+                        <a:rPr lang="en-US"/>
                         <a:t>String</a:t>
                       </a:r>
                     </a:p>
@@ -6207,14 +6240,14 @@
           <p:nvPr>
             <p:extLst>
               <p:ext uri="{D42A27DB-BD31-4B8C-83A1-F6EECF244321}">
-                <p14:modId xmlns:p14="http://schemas.microsoft.com/office/powerpoint/2010/main" val="3486142198"/>
+                <p14:modId xmlns:p14="http://schemas.microsoft.com/office/powerpoint/2010/main" val="3841564002"/>
               </p:ext>
             </p:extLst>
           </p:nvPr>
         </p:nvGraphicFramePr>
         <p:xfrm>
           <a:off x="116111" y="5181894"/>
-          <a:ext cx="6345644" cy="741680"/>
+          <a:ext cx="7460345" cy="741680"/>
         </p:xfrm>
         <a:graphic>
           <a:graphicData uri="http://schemas.openxmlformats.org/drawingml/2006/table">
@@ -6223,28 +6256,35 @@
                 <a:tableStyleId>{073A0DAA-6AF3-43AB-8588-CEC1D06C72B9}</a:tableStyleId>
               </a:tblPr>
               <a:tblGrid>
-                <a:gridCol w="1586411">
+                <a:gridCol w="1492069">
                   <a:extLst>
                     <a:ext uri="{9D8B030D-6E8A-4147-A177-3AD203B41FA5}">
                       <a16:colId xmlns:a16="http://schemas.microsoft.com/office/drawing/2014/main" val="3068686176"/>
                     </a:ext>
                   </a:extLst>
                 </a:gridCol>
-                <a:gridCol w="1586411">
+                <a:gridCol w="1492069">
+                  <a:extLst>
+                    <a:ext uri="{9D8B030D-6E8A-4147-A177-3AD203B41FA5}">
+                      <a16:colId xmlns:a16="http://schemas.microsoft.com/office/drawing/2014/main" val="874062442"/>
+                    </a:ext>
+                  </a:extLst>
+                </a:gridCol>
+                <a:gridCol w="1492069">
                   <a:extLst>
                     <a:ext uri="{9D8B030D-6E8A-4147-A177-3AD203B41FA5}">
                       <a16:colId xmlns:a16="http://schemas.microsoft.com/office/drawing/2014/main" val="1683873501"/>
                     </a:ext>
                   </a:extLst>
                 </a:gridCol>
-                <a:gridCol w="1586411">
+                <a:gridCol w="1492069">
                   <a:extLst>
                     <a:ext uri="{9D8B030D-6E8A-4147-A177-3AD203B41FA5}">
                       <a16:colId xmlns:a16="http://schemas.microsoft.com/office/drawing/2014/main" val="144515935"/>
                     </a:ext>
                   </a:extLst>
                 </a:gridCol>
-                <a:gridCol w="1586411">
+                <a:gridCol w="1492069">
                   <a:extLst>
                     <a:ext uri="{9D8B030D-6E8A-4147-A177-3AD203B41FA5}">
                       <a16:colId xmlns:a16="http://schemas.microsoft.com/office/drawing/2014/main" val="1679609105"/>
@@ -6260,7 +6300,20 @@
                     <a:p>
                       <a:r>
                         <a:rPr lang="en-US"/>
-                        <a:t>Profile:Name</a:t>
+                        <a:t>Project:Name</a:t>
+                      </a:r>
+                    </a:p>
+                  </a:txBody>
+                  <a:tcPr/>
+                </a:tc>
+                <a:tc>
+                  <a:txBody>
+                    <a:bodyPr/>
+                    <a:lstStyle/>
+                    <a:p>
+                      <a:r>
+                        <a:rPr lang="en-US"/>
+                        <a:t>Index</a:t>
                       </a:r>
                     </a:p>
                   </a:txBody>
@@ -6332,6 +6385,19 @@
                     <a:p>
                       <a:r>
                         <a:rPr lang="en-US"/>
+                        <a:t>int</a:t>
+                      </a:r>
+                    </a:p>
+                  </a:txBody>
+                  <a:tcPr/>
+                </a:tc>
+                <a:tc>
+                  <a:txBody>
+                    <a:bodyPr/>
+                    <a:lstStyle/>
+                    <a:p>
+                      <a:r>
+                        <a:rPr lang="en-US"/>
                         <a:t>double</a:t>
                       </a:r>
                     </a:p>
@@ -6388,7 +6454,7 @@
         </p:nvSpPr>
         <p:spPr>
           <a:xfrm>
-            <a:off x="2892290" y="398565"/>
+            <a:off x="116109" y="398565"/>
             <a:ext cx="793294" cy="369332"/>
           </a:xfrm>
           <a:prstGeom prst="rect">
@@ -6423,7 +6489,7 @@
         </p:nvSpPr>
         <p:spPr>
           <a:xfrm>
-            <a:off x="1865296" y="2590595"/>
+            <a:off x="116109" y="2607592"/>
             <a:ext cx="732060" cy="369332"/>
           </a:xfrm>
           <a:prstGeom prst="rect">
@@ -6458,7 +6524,7 @@
         </p:nvSpPr>
         <p:spPr>
           <a:xfrm>
-            <a:off x="2980643" y="3704751"/>
+            <a:off x="116109" y="3707838"/>
             <a:ext cx="616579" cy="369332"/>
           </a:xfrm>
           <a:prstGeom prst="rect">
@@ -6493,8 +6559,8 @@
         </p:nvSpPr>
         <p:spPr>
           <a:xfrm>
-            <a:off x="2949417" y="4812562"/>
-            <a:ext cx="679032" cy="369332"/>
+            <a:off x="113201" y="4806407"/>
+            <a:ext cx="687864" cy="369332"/>
           </a:xfrm>
           <a:prstGeom prst="rect">
             <a:avLst/>
@@ -6502,7 +6568,7 @@
           <a:noFill/>
         </p:spPr>
         <p:txBody>
-          <a:bodyPr wrap="none" rtlCol="0">
+          <a:bodyPr wrap="square" rtlCol="0">
             <a:spAutoFit/>
           </a:bodyPr>
           <a:lstStyle/>
@@ -6529,14 +6595,14 @@
           <p:nvPr>
             <p:extLst>
               <p:ext uri="{D42A27DB-BD31-4B8C-83A1-F6EECF244321}">
-                <p14:modId xmlns:p14="http://schemas.microsoft.com/office/powerpoint/2010/main" val="2524626030"/>
+                <p14:modId xmlns:p14="http://schemas.microsoft.com/office/powerpoint/2010/main" val="1782960227"/>
               </p:ext>
             </p:extLst>
           </p:nvPr>
         </p:nvGraphicFramePr>
         <p:xfrm>
           <a:off x="116111" y="1863912"/>
-          <a:ext cx="6345645" cy="731520"/>
+          <a:ext cx="7460343" cy="731520"/>
         </p:xfrm>
         <a:graphic>
           <a:graphicData uri="http://schemas.openxmlformats.org/drawingml/2006/table">
@@ -6545,21 +6611,21 @@
                 <a:tableStyleId>{073A0DAA-6AF3-43AB-8588-CEC1D06C72B9}</a:tableStyleId>
               </a:tblPr>
               <a:tblGrid>
-                <a:gridCol w="2115215">
+                <a:gridCol w="2486781">
                   <a:extLst>
                     <a:ext uri="{9D8B030D-6E8A-4147-A177-3AD203B41FA5}">
                       <a16:colId xmlns:a16="http://schemas.microsoft.com/office/drawing/2014/main" val="3068686176"/>
                     </a:ext>
                   </a:extLst>
                 </a:gridCol>
-                <a:gridCol w="2115215">
+                <a:gridCol w="2486781">
                   <a:extLst>
                     <a:ext uri="{9D8B030D-6E8A-4147-A177-3AD203B41FA5}">
                       <a16:colId xmlns:a16="http://schemas.microsoft.com/office/drawing/2014/main" val="1683873501"/>
                     </a:ext>
                   </a:extLst>
                 </a:gridCol>
-                <a:gridCol w="2115215">
+                <a:gridCol w="2486781">
                   <a:extLst>
                     <a:ext uri="{9D8B030D-6E8A-4147-A177-3AD203B41FA5}">
                       <a16:colId xmlns:a16="http://schemas.microsoft.com/office/drawing/2014/main" val="3757862378"/>
@@ -6681,7 +6747,7 @@
         </p:nvSpPr>
         <p:spPr>
           <a:xfrm>
-            <a:off x="2892286" y="1494580"/>
+            <a:off x="116109" y="1507130"/>
             <a:ext cx="846194" cy="369332"/>
           </a:xfrm>
           <a:prstGeom prst="rect">

--- a/documentation/AppDesign.pptx
+++ b/documentation/AppDesign.pptx
@@ -206,7 +206,7 @@
           </a:lstStyle>
           <a:p>
             <a:fld id="{7258A54E-126E-9F44-BB91-7E6D295A013E}" type="datetimeFigureOut">
-              <a:t>12/5/23</a:t>
+              <a:t>12/9/23</a:t>
             </a:fld>
             <a:endParaRPr lang="en-US"/>
           </a:p>
@@ -1282,7 +1282,7 @@
           <a:lstStyle/>
           <a:p>
             <a:fld id="{814779F6-DF54-A74A-B093-E4E0AB693425}" type="datetimeFigureOut">
-              <a:t>12/5/23</a:t>
+              <a:t>12/9/23</a:t>
             </a:fld>
             <a:endParaRPr lang="en-US"/>
           </a:p>
@@ -1478,7 +1478,7 @@
           <a:lstStyle/>
           <a:p>
             <a:fld id="{814779F6-DF54-A74A-B093-E4E0AB693425}" type="datetimeFigureOut">
-              <a:t>12/5/23</a:t>
+              <a:t>12/9/23</a:t>
             </a:fld>
             <a:endParaRPr lang="en-US"/>
           </a:p>
@@ -1684,7 +1684,7 @@
           <a:lstStyle/>
           <a:p>
             <a:fld id="{814779F6-DF54-A74A-B093-E4E0AB693425}" type="datetimeFigureOut">
-              <a:t>12/5/23</a:t>
+              <a:t>12/9/23</a:t>
             </a:fld>
             <a:endParaRPr lang="en-US"/>
           </a:p>
@@ -1880,7 +1880,7 @@
           <a:lstStyle/>
           <a:p>
             <a:fld id="{814779F6-DF54-A74A-B093-E4E0AB693425}" type="datetimeFigureOut">
-              <a:t>12/5/23</a:t>
+              <a:t>12/9/23</a:t>
             </a:fld>
             <a:endParaRPr lang="en-US"/>
           </a:p>
@@ -2153,7 +2153,7 @@
           <a:lstStyle/>
           <a:p>
             <a:fld id="{814779F6-DF54-A74A-B093-E4E0AB693425}" type="datetimeFigureOut">
-              <a:t>12/5/23</a:t>
+              <a:t>12/9/23</a:t>
             </a:fld>
             <a:endParaRPr lang="en-US"/>
           </a:p>
@@ -2416,7 +2416,7 @@
           <a:lstStyle/>
           <a:p>
             <a:fld id="{814779F6-DF54-A74A-B093-E4E0AB693425}" type="datetimeFigureOut">
-              <a:t>12/5/23</a:t>
+              <a:t>12/9/23</a:t>
             </a:fld>
             <a:endParaRPr lang="en-US"/>
           </a:p>
@@ -2826,7 +2826,7 @@
           <a:lstStyle/>
           <a:p>
             <a:fld id="{814779F6-DF54-A74A-B093-E4E0AB693425}" type="datetimeFigureOut">
-              <a:t>12/5/23</a:t>
+              <a:t>12/9/23</a:t>
             </a:fld>
             <a:endParaRPr lang="en-US"/>
           </a:p>
@@ -2965,7 +2965,7 @@
           <a:lstStyle/>
           <a:p>
             <a:fld id="{814779F6-DF54-A74A-B093-E4E0AB693425}" type="datetimeFigureOut">
-              <a:t>12/5/23</a:t>
+              <a:t>12/9/23</a:t>
             </a:fld>
             <a:endParaRPr lang="en-US"/>
           </a:p>
@@ -3076,7 +3076,7 @@
           <a:lstStyle/>
           <a:p>
             <a:fld id="{814779F6-DF54-A74A-B093-E4E0AB693425}" type="datetimeFigureOut">
-              <a:t>12/5/23</a:t>
+              <a:t>12/9/23</a:t>
             </a:fld>
             <a:endParaRPr lang="en-US"/>
           </a:p>
@@ -3385,7 +3385,7 @@
           <a:lstStyle/>
           <a:p>
             <a:fld id="{814779F6-DF54-A74A-B093-E4E0AB693425}" type="datetimeFigureOut">
-              <a:t>12/5/23</a:t>
+              <a:t>12/9/23</a:t>
             </a:fld>
             <a:endParaRPr lang="en-US"/>
           </a:p>
@@ -3671,7 +3671,7 @@
           <a:lstStyle/>
           <a:p>
             <a:fld id="{814779F6-DF54-A74A-B093-E4E0AB693425}" type="datetimeFigureOut">
-              <a:t>12/5/23</a:t>
+              <a:t>12/9/23</a:t>
             </a:fld>
             <a:endParaRPr lang="en-US"/>
           </a:p>
@@ -3910,7 +3910,7 @@
           </a:lstStyle>
           <a:p>
             <a:fld id="{814779F6-DF54-A74A-B093-E4E0AB693425}" type="datetimeFigureOut">
-              <a:t>12/5/23</a:t>
+              <a:t>12/9/23</a:t>
             </a:fld>
             <a:endParaRPr lang="en-US"/>
           </a:p>
@@ -5793,14 +5793,14 @@
           <p:nvPr>
             <p:extLst>
               <p:ext uri="{D42A27DB-BD31-4B8C-83A1-F6EECF244321}">
-                <p14:modId xmlns:p14="http://schemas.microsoft.com/office/powerpoint/2010/main" val="1468604298"/>
+                <p14:modId xmlns:p14="http://schemas.microsoft.com/office/powerpoint/2010/main" val="2446961987"/>
               </p:ext>
             </p:extLst>
           </p:nvPr>
         </p:nvGraphicFramePr>
         <p:xfrm>
           <a:off x="116115" y="767897"/>
-          <a:ext cx="6345645" cy="731520"/>
+          <a:ext cx="7460337" cy="731520"/>
         </p:xfrm>
         <a:graphic>
           <a:graphicData uri="http://schemas.openxmlformats.org/drawingml/2006/table">
@@ -5809,21 +5809,21 @@
                 <a:tableStyleId>{073A0DAA-6AF3-43AB-8588-CEC1D06C72B9}</a:tableStyleId>
               </a:tblPr>
               <a:tblGrid>
-                <a:gridCol w="2115215">
+                <a:gridCol w="2486779">
                   <a:extLst>
                     <a:ext uri="{9D8B030D-6E8A-4147-A177-3AD203B41FA5}">
                       <a16:colId xmlns:a16="http://schemas.microsoft.com/office/drawing/2014/main" val="3068686176"/>
                     </a:ext>
                   </a:extLst>
                 </a:gridCol>
-                <a:gridCol w="2115215">
+                <a:gridCol w="2486779">
                   <a:extLst>
                     <a:ext uri="{9D8B030D-6E8A-4147-A177-3AD203B41FA5}">
                       <a16:colId xmlns:a16="http://schemas.microsoft.com/office/drawing/2014/main" val="1683873501"/>
                     </a:ext>
                   </a:extLst>
                 </a:gridCol>
-                <a:gridCol w="2115215">
+                <a:gridCol w="2486779">
                   <a:extLst>
                     <a:ext uri="{9D8B030D-6E8A-4147-A177-3AD203B41FA5}">
                       <a16:colId xmlns:a16="http://schemas.microsoft.com/office/drawing/2014/main" val="3757862378"/>
@@ -5942,13 +5942,13 @@
           <p:nvPr>
             <p:extLst>
               <p:ext uri="{D42A27DB-BD31-4B8C-83A1-F6EECF244321}">
-                <p14:modId xmlns:p14="http://schemas.microsoft.com/office/powerpoint/2010/main" val="1080297328"/>
+                <p14:modId xmlns:p14="http://schemas.microsoft.com/office/powerpoint/2010/main" val="4235676289"/>
               </p:ext>
             </p:extLst>
           </p:nvPr>
         </p:nvGraphicFramePr>
         <p:xfrm>
-          <a:off x="116115" y="2032967"/>
+          <a:off x="116111" y="2963071"/>
           <a:ext cx="4230430" cy="741680"/>
         </p:xfrm>
         <a:graphic>
@@ -5981,7 +5981,7 @@
                     <a:p>
                       <a:r>
                         <a:rPr lang="en-US"/>
-                        <a:t>Name</a:t>
+                        <a:t>Project:Name</a:t>
                       </a:r>
                     </a:p>
                   </a:txBody>
@@ -5994,7 +5994,7 @@
                     <a:p>
                       <a:r>
                         <a:rPr lang="en-US"/>
-                        <a:t>Detail:Text</a:t>
+                        <a:t>Text</a:t>
                       </a:r>
                     </a:p>
                   </a:txBody>
@@ -6058,14 +6058,14 @@
           <p:nvPr>
             <p:extLst>
               <p:ext uri="{D42A27DB-BD31-4B8C-83A1-F6EECF244321}">
-                <p14:modId xmlns:p14="http://schemas.microsoft.com/office/powerpoint/2010/main" val="2816148839"/>
+                <p14:modId xmlns:p14="http://schemas.microsoft.com/office/powerpoint/2010/main" val="2247017452"/>
               </p:ext>
             </p:extLst>
           </p:nvPr>
         </p:nvGraphicFramePr>
         <p:xfrm>
-          <a:off x="116114" y="3240555"/>
-          <a:ext cx="6345645" cy="741680"/>
+          <a:off x="116109" y="4074083"/>
+          <a:ext cx="7460344" cy="741680"/>
         </p:xfrm>
         <a:graphic>
           <a:graphicData uri="http://schemas.openxmlformats.org/drawingml/2006/table">
@@ -6074,21 +6074,28 @@
                 <a:tableStyleId>{073A0DAA-6AF3-43AB-8588-CEC1D06C72B9}</a:tableStyleId>
               </a:tblPr>
               <a:tblGrid>
-                <a:gridCol w="2115215">
+                <a:gridCol w="1865086">
                   <a:extLst>
                     <a:ext uri="{9D8B030D-6E8A-4147-A177-3AD203B41FA5}">
                       <a16:colId xmlns:a16="http://schemas.microsoft.com/office/drawing/2014/main" val="3068686176"/>
                     </a:ext>
                   </a:extLst>
                 </a:gridCol>
-                <a:gridCol w="2115215">
+                <a:gridCol w="1865086">
+                  <a:extLst>
+                    <a:ext uri="{9D8B030D-6E8A-4147-A177-3AD203B41FA5}">
+                      <a16:colId xmlns:a16="http://schemas.microsoft.com/office/drawing/2014/main" val="1195341086"/>
+                    </a:ext>
+                  </a:extLst>
+                </a:gridCol>
+                <a:gridCol w="1865086">
                   <a:extLst>
                     <a:ext uri="{9D8B030D-6E8A-4147-A177-3AD203B41FA5}">
                       <a16:colId xmlns:a16="http://schemas.microsoft.com/office/drawing/2014/main" val="1683873501"/>
                     </a:ext>
                   </a:extLst>
                 </a:gridCol>
-                <a:gridCol w="2115215">
+                <a:gridCol w="1865086">
                   <a:extLst>
                     <a:ext uri="{9D8B030D-6E8A-4147-A177-3AD203B41FA5}">
                       <a16:colId xmlns:a16="http://schemas.microsoft.com/office/drawing/2014/main" val="144515935"/>
@@ -6104,7 +6111,7 @@
                     <a:p>
                       <a:r>
                         <a:rPr lang="en-US"/>
-                        <a:t>Name</a:t>
+                        <a:t>Project:Name</a:t>
                       </a:r>
                     </a:p>
                   </a:txBody>
@@ -6117,7 +6124,7 @@
                     <a:p>
                       <a:r>
                         <a:rPr lang="en-US"/>
-                        <a:t>Item:Text</a:t>
+                        <a:t>Index</a:t>
                       </a:r>
                     </a:p>
                   </a:txBody>
@@ -6130,7 +6137,20 @@
                     <a:p>
                       <a:r>
                         <a:rPr lang="en-US"/>
-                        <a:t>Item:Done</a:t>
+                        <a:t>Text</a:t>
+                      </a:r>
+                    </a:p>
+                  </a:txBody>
+                  <a:tcPr/>
+                </a:tc>
+                <a:tc>
+                  <a:txBody>
+                    <a:bodyPr/>
+                    <a:lstStyle/>
+                    <a:p>
+                      <a:r>
+                        <a:rPr lang="en-US"/>
+                        <a:t>Done</a:t>
                       </a:r>
                     </a:p>
                   </a:txBody>
@@ -6151,6 +6171,19 @@
                       <a:r>
                         <a:rPr lang="en-US"/>
                         <a:t>String</a:t>
+                      </a:r>
+                    </a:p>
+                  </a:txBody>
+                  <a:tcPr/>
+                </a:tc>
+                <a:tc>
+                  <a:txBody>
+                    <a:bodyPr/>
+                    <a:lstStyle/>
+                    <a:p>
+                      <a:r>
+                        <a:rPr lang="en-US"/>
+                        <a:t>int</a:t>
                       </a:r>
                     </a:p>
                   </a:txBody>
@@ -6207,14 +6240,14 @@
           <p:nvPr>
             <p:extLst>
               <p:ext uri="{D42A27DB-BD31-4B8C-83A1-F6EECF244321}">
-                <p14:modId xmlns:p14="http://schemas.microsoft.com/office/powerpoint/2010/main" val="4265461638"/>
+                <p14:modId xmlns:p14="http://schemas.microsoft.com/office/powerpoint/2010/main" val="3841564002"/>
               </p:ext>
             </p:extLst>
           </p:nvPr>
         </p:nvGraphicFramePr>
         <p:xfrm>
-          <a:off x="116112" y="4448143"/>
-          <a:ext cx="6345645" cy="741680"/>
+          <a:off x="116111" y="5181894"/>
+          <a:ext cx="7460345" cy="741680"/>
         </p:xfrm>
         <a:graphic>
           <a:graphicData uri="http://schemas.openxmlformats.org/drawingml/2006/table">
@@ -6223,29 +6256,82 @@
                 <a:tableStyleId>{073A0DAA-6AF3-43AB-8588-CEC1D06C72B9}</a:tableStyleId>
               </a:tblPr>
               <a:tblGrid>
-                <a:gridCol w="2115215">
+                <a:gridCol w="1492069">
                   <a:extLst>
                     <a:ext uri="{9D8B030D-6E8A-4147-A177-3AD203B41FA5}">
                       <a16:colId xmlns:a16="http://schemas.microsoft.com/office/drawing/2014/main" val="3068686176"/>
                     </a:ext>
                   </a:extLst>
                 </a:gridCol>
-                <a:gridCol w="2115215">
+                <a:gridCol w="1492069">
+                  <a:extLst>
+                    <a:ext uri="{9D8B030D-6E8A-4147-A177-3AD203B41FA5}">
+                      <a16:colId xmlns:a16="http://schemas.microsoft.com/office/drawing/2014/main" val="874062442"/>
+                    </a:ext>
+                  </a:extLst>
+                </a:gridCol>
+                <a:gridCol w="1492069">
                   <a:extLst>
                     <a:ext uri="{9D8B030D-6E8A-4147-A177-3AD203B41FA5}">
                       <a16:colId xmlns:a16="http://schemas.microsoft.com/office/drawing/2014/main" val="1683873501"/>
                     </a:ext>
                   </a:extLst>
                 </a:gridCol>
-                <a:gridCol w="2115215">
+                <a:gridCol w="1492069">
                   <a:extLst>
                     <a:ext uri="{9D8B030D-6E8A-4147-A177-3AD203B41FA5}">
                       <a16:colId xmlns:a16="http://schemas.microsoft.com/office/drawing/2014/main" val="144515935"/>
                     </a:ext>
                   </a:extLst>
                 </a:gridCol>
+                <a:gridCol w="1492069">
+                  <a:extLst>
+                    <a:ext uri="{9D8B030D-6E8A-4147-A177-3AD203B41FA5}">
+                      <a16:colId xmlns:a16="http://schemas.microsoft.com/office/drawing/2014/main" val="1679609105"/>
+                    </a:ext>
+                  </a:extLst>
+                </a:gridCol>
               </a:tblGrid>
               <a:tr h="370840">
+                <a:tc>
+                  <a:txBody>
+                    <a:bodyPr/>
+                    <a:lstStyle/>
+                    <a:p>
+                      <a:r>
+                        <a:rPr lang="en-US"/>
+                        <a:t>Project:Name</a:t>
+                      </a:r>
+                    </a:p>
+                  </a:txBody>
+                  <a:tcPr/>
+                </a:tc>
+                <a:tc>
+                  <a:txBody>
+                    <a:bodyPr/>
+                    <a:lstStyle/>
+                    <a:p>
+                      <a:r>
+                        <a:rPr lang="en-US"/>
+                        <a:t>Index</a:t>
+                      </a:r>
+                    </a:p>
+                  </a:txBody>
+                  <a:tcPr/>
+                </a:tc>
+                <a:tc>
+                  <a:txBody>
+                    <a:bodyPr/>
+                    <a:lstStyle/>
+                    <a:p>
+                      <a:r>
+                        <a:rPr lang="en-US"/>
+                        <a:t>Cost</a:t>
+                      </a:r>
+                    </a:p>
+                  </a:txBody>
+                  <a:tcPr/>
+                </a:tc>
                 <a:tc>
                   <a:txBody>
                     <a:bodyPr/>
@@ -6266,20 +6352,7 @@
                     <a:p>
                       <a:r>
                         <a:rPr lang="en-US"/>
-                        <a:t>Entry:Cost</a:t>
-                      </a:r>
-                    </a:p>
-                  </a:txBody>
-                  <a:tcPr/>
-                </a:tc>
-                <a:tc>
-                  <a:txBody>
-                    <a:bodyPr/>
-                    <a:lstStyle/>
-                    <a:p>
-                      <a:r>
-                        <a:rPr lang="en-US"/>
-                        <a:t>Entry:Name</a:t>
+                        <a:t>Quantity</a:t>
                       </a:r>
                     </a:p>
                   </a:txBody>
@@ -6312,6 +6385,19 @@
                     <a:p>
                       <a:r>
                         <a:rPr lang="en-US"/>
+                        <a:t>int</a:t>
+                      </a:r>
+                    </a:p>
+                  </a:txBody>
+                  <a:tcPr/>
+                </a:tc>
+                <a:tc>
+                  <a:txBody>
+                    <a:bodyPr/>
+                    <a:lstStyle/>
+                    <a:p>
+                      <a:r>
+                        <a:rPr lang="en-US"/>
                         <a:t>double</a:t>
                       </a:r>
                     </a:p>
@@ -6331,6 +6417,19 @@
                   </a:txBody>
                   <a:tcPr/>
                 </a:tc>
+                <a:tc>
+                  <a:txBody>
+                    <a:bodyPr/>
+                    <a:lstStyle/>
+                    <a:p>
+                      <a:r>
+                        <a:rPr lang="en-US"/>
+                        <a:t>int</a:t>
+                      </a:r>
+                    </a:p>
+                  </a:txBody>
+                  <a:tcPr/>
+                </a:tc>
                 <a:extLst>
                   <a:ext uri="{0D108BD9-81ED-4DB2-BD59-A6C34878D82A}">
                     <a16:rowId xmlns:a16="http://schemas.microsoft.com/office/drawing/2014/main" val="1304545983"/>
@@ -6355,7 +6454,7 @@
         </p:nvSpPr>
         <p:spPr>
           <a:xfrm>
-            <a:off x="2892290" y="398565"/>
+            <a:off x="116109" y="398565"/>
             <a:ext cx="793294" cy="369332"/>
           </a:xfrm>
           <a:prstGeom prst="rect">
@@ -6390,7 +6489,7 @@
         </p:nvSpPr>
         <p:spPr>
           <a:xfrm>
-            <a:off x="1865300" y="1660491"/>
+            <a:off x="116109" y="2607592"/>
             <a:ext cx="732060" cy="369332"/>
           </a:xfrm>
           <a:prstGeom prst="rect">
@@ -6425,7 +6524,7 @@
         </p:nvSpPr>
         <p:spPr>
           <a:xfrm>
-            <a:off x="2980646" y="2871223"/>
+            <a:off x="116109" y="3707838"/>
             <a:ext cx="616579" cy="369332"/>
           </a:xfrm>
           <a:prstGeom prst="rect">
@@ -6460,8 +6559,196 @@
         </p:nvSpPr>
         <p:spPr>
           <a:xfrm>
-            <a:off x="2949418" y="4078811"/>
-            <a:ext cx="679032" cy="369332"/>
+            <a:off x="113201" y="4806407"/>
+            <a:ext cx="687864" cy="369332"/>
+          </a:xfrm>
+          <a:prstGeom prst="rect">
+            <a:avLst/>
+          </a:prstGeom>
+          <a:noFill/>
+        </p:spPr>
+        <p:txBody>
+          <a:bodyPr wrap="square" rtlCol="0">
+            <a:spAutoFit/>
+          </a:bodyPr>
+          <a:lstStyle/>
+          <a:p>
+            <a:r>
+              <a:rPr lang="en-US"/>
+              <a:t>Entry</a:t>
+            </a:r>
+          </a:p>
+        </p:txBody>
+      </p:sp>
+      <p:graphicFrame>
+        <p:nvGraphicFramePr>
+          <p:cNvPr id="7" name="Table 6">
+            <a:extLst>
+              <a:ext uri="{FF2B5EF4-FFF2-40B4-BE49-F238E27FC236}">
+                <a16:creationId xmlns:a16="http://schemas.microsoft.com/office/drawing/2014/main" id="{5436155D-5B65-2C93-750C-61B63907B0E7}"/>
+              </a:ext>
+            </a:extLst>
+          </p:cNvPr>
+          <p:cNvGraphicFramePr>
+            <a:graphicFrameLocks noGrp="1"/>
+          </p:cNvGraphicFramePr>
+          <p:nvPr>
+            <p:extLst>
+              <p:ext uri="{D42A27DB-BD31-4B8C-83A1-F6EECF244321}">
+                <p14:modId xmlns:p14="http://schemas.microsoft.com/office/powerpoint/2010/main" val="1782960227"/>
+              </p:ext>
+            </p:extLst>
+          </p:nvPr>
+        </p:nvGraphicFramePr>
+        <p:xfrm>
+          <a:off x="116111" y="1863912"/>
+          <a:ext cx="7460343" cy="731520"/>
+        </p:xfrm>
+        <a:graphic>
+          <a:graphicData uri="http://schemas.openxmlformats.org/drawingml/2006/table">
+            <a:tbl>
+              <a:tblPr firstRow="1" bandRow="1">
+                <a:tableStyleId>{073A0DAA-6AF3-43AB-8588-CEC1D06C72B9}</a:tableStyleId>
+              </a:tblPr>
+              <a:tblGrid>
+                <a:gridCol w="2486781">
+                  <a:extLst>
+                    <a:ext uri="{9D8B030D-6E8A-4147-A177-3AD203B41FA5}">
+                      <a16:colId xmlns:a16="http://schemas.microsoft.com/office/drawing/2014/main" val="3068686176"/>
+                    </a:ext>
+                  </a:extLst>
+                </a:gridCol>
+                <a:gridCol w="2486781">
+                  <a:extLst>
+                    <a:ext uri="{9D8B030D-6E8A-4147-A177-3AD203B41FA5}">
+                      <a16:colId xmlns:a16="http://schemas.microsoft.com/office/drawing/2014/main" val="1683873501"/>
+                    </a:ext>
+                  </a:extLst>
+                </a:gridCol>
+                <a:gridCol w="2486781">
+                  <a:extLst>
+                    <a:ext uri="{9D8B030D-6E8A-4147-A177-3AD203B41FA5}">
+                      <a16:colId xmlns:a16="http://schemas.microsoft.com/office/drawing/2014/main" val="3757862378"/>
+                    </a:ext>
+                  </a:extLst>
+                </a:gridCol>
+              </a:tblGrid>
+              <a:tr h="259201">
+                <a:tc>
+                  <a:txBody>
+                    <a:bodyPr/>
+                    <a:lstStyle/>
+                    <a:p>
+                      <a:r>
+                        <a:rPr lang="en-US" sz="1800"/>
+                        <a:t>Profile:Name</a:t>
+                      </a:r>
+                    </a:p>
+                  </a:txBody>
+                  <a:tcPr/>
+                </a:tc>
+                <a:tc>
+                  <a:txBody>
+                    <a:bodyPr/>
+                    <a:lstStyle/>
+                    <a:p>
+                      <a:r>
+                        <a:rPr lang="en-US" sz="1800"/>
+                        <a:t>1:Name</a:t>
+                      </a:r>
+                    </a:p>
+                  </a:txBody>
+                  <a:tcPr/>
+                </a:tc>
+                <a:tc>
+                  <a:txBody>
+                    <a:bodyPr/>
+                    <a:lstStyle/>
+                    <a:p>
+                      <a:r>
+                        <a:rPr lang="en-US" sz="1800" i="1"/>
+                        <a:t>n</a:t>
+                      </a:r>
+                      <a:r>
+                        <a:rPr lang="en-US" sz="1800"/>
+                        <a:t>:Name</a:t>
+                      </a:r>
+                    </a:p>
+                  </a:txBody>
+                  <a:tcPr/>
+                </a:tc>
+                <a:extLst>
+                  <a:ext uri="{0D108BD9-81ED-4DB2-BD59-A6C34878D82A}">
+                    <a16:rowId xmlns:a16="http://schemas.microsoft.com/office/drawing/2014/main" val="3137828674"/>
+                  </a:ext>
+                </a:extLst>
+              </a:tr>
+              <a:tr h="259201">
+                <a:tc>
+                  <a:txBody>
+                    <a:bodyPr/>
+                    <a:lstStyle/>
+                    <a:p>
+                      <a:r>
+                        <a:rPr lang="en-US" sz="1800"/>
+                        <a:t>String</a:t>
+                      </a:r>
+                    </a:p>
+                  </a:txBody>
+                  <a:tcPr/>
+                </a:tc>
+                <a:tc>
+                  <a:txBody>
+                    <a:bodyPr/>
+                    <a:lstStyle/>
+                    <a:p>
+                      <a:r>
+                        <a:rPr lang="en-US" sz="1800"/>
+                        <a:t>String</a:t>
+                      </a:r>
+                    </a:p>
+                  </a:txBody>
+                  <a:tcPr/>
+                </a:tc>
+                <a:tc>
+                  <a:txBody>
+                    <a:bodyPr/>
+                    <a:lstStyle/>
+                    <a:p>
+                      <a:r>
+                        <a:rPr lang="en-US" sz="1800"/>
+                        <a:t>String</a:t>
+                      </a:r>
+                    </a:p>
+                  </a:txBody>
+                  <a:tcPr/>
+                </a:tc>
+                <a:extLst>
+                  <a:ext uri="{0D108BD9-81ED-4DB2-BD59-A6C34878D82A}">
+                    <a16:rowId xmlns:a16="http://schemas.microsoft.com/office/drawing/2014/main" val="1304545983"/>
+                  </a:ext>
+                </a:extLst>
+              </a:tr>
+            </a:tbl>
+          </a:graphicData>
+        </a:graphic>
+      </p:graphicFrame>
+      <p:sp>
+        <p:nvSpPr>
+          <p:cNvPr id="9" name="TextBox 8">
+            <a:extLst>
+              <a:ext uri="{FF2B5EF4-FFF2-40B4-BE49-F238E27FC236}">
+                <a16:creationId xmlns:a16="http://schemas.microsoft.com/office/drawing/2014/main" id="{9FDD9F94-BF47-BB6D-FECA-6B6CBC9B4429}"/>
+              </a:ext>
+            </a:extLst>
+          </p:cNvPr>
+          <p:cNvSpPr txBox="1"/>
+          <p:nvPr/>
+        </p:nvSpPr>
+        <p:spPr>
+          <a:xfrm>
+            <a:off x="116109" y="1507130"/>
+            <a:ext cx="846194" cy="369332"/>
           </a:xfrm>
           <a:prstGeom prst="rect">
             <a:avLst/>
@@ -6476,7 +6763,7 @@
           <a:p>
             <a:r>
               <a:rPr lang="en-US"/>
-              <a:t>Entry</a:t>
+              <a:t>Project</a:t>
             </a:r>
           </a:p>
         </p:txBody>

--- a/documentation/AppDesign.pptx
+++ b/documentation/AppDesign.pptx
@@ -206,7 +206,7 @@
           </a:lstStyle>
           <a:p>
             <a:fld id="{7258A54E-126E-9F44-BB91-7E6D295A013E}" type="datetimeFigureOut">
-              <a:t>12/9/23</a:t>
+              <a:t>12/10/23</a:t>
             </a:fld>
             <a:endParaRPr lang="en-US"/>
           </a:p>
@@ -1282,7 +1282,7 @@
           <a:lstStyle/>
           <a:p>
             <a:fld id="{814779F6-DF54-A74A-B093-E4E0AB693425}" type="datetimeFigureOut">
-              <a:t>12/9/23</a:t>
+              <a:t>12/10/23</a:t>
             </a:fld>
             <a:endParaRPr lang="en-US"/>
           </a:p>
@@ -1478,7 +1478,7 @@
           <a:lstStyle/>
           <a:p>
             <a:fld id="{814779F6-DF54-A74A-B093-E4E0AB693425}" type="datetimeFigureOut">
-              <a:t>12/9/23</a:t>
+              <a:t>12/10/23</a:t>
             </a:fld>
             <a:endParaRPr lang="en-US"/>
           </a:p>
@@ -1684,7 +1684,7 @@
           <a:lstStyle/>
           <a:p>
             <a:fld id="{814779F6-DF54-A74A-B093-E4E0AB693425}" type="datetimeFigureOut">
-              <a:t>12/9/23</a:t>
+              <a:t>12/10/23</a:t>
             </a:fld>
             <a:endParaRPr lang="en-US"/>
           </a:p>
@@ -1880,7 +1880,7 @@
           <a:lstStyle/>
           <a:p>
             <a:fld id="{814779F6-DF54-A74A-B093-E4E0AB693425}" type="datetimeFigureOut">
-              <a:t>12/9/23</a:t>
+              <a:t>12/10/23</a:t>
             </a:fld>
             <a:endParaRPr lang="en-US"/>
           </a:p>
@@ -2153,7 +2153,7 @@
           <a:lstStyle/>
           <a:p>
             <a:fld id="{814779F6-DF54-A74A-B093-E4E0AB693425}" type="datetimeFigureOut">
-              <a:t>12/9/23</a:t>
+              <a:t>12/10/23</a:t>
             </a:fld>
             <a:endParaRPr lang="en-US"/>
           </a:p>
@@ -2416,7 +2416,7 @@
           <a:lstStyle/>
           <a:p>
             <a:fld id="{814779F6-DF54-A74A-B093-E4E0AB693425}" type="datetimeFigureOut">
-              <a:t>12/9/23</a:t>
+              <a:t>12/10/23</a:t>
             </a:fld>
             <a:endParaRPr lang="en-US"/>
           </a:p>
@@ -2826,7 +2826,7 @@
           <a:lstStyle/>
           <a:p>
             <a:fld id="{814779F6-DF54-A74A-B093-E4E0AB693425}" type="datetimeFigureOut">
-              <a:t>12/9/23</a:t>
+              <a:t>12/10/23</a:t>
             </a:fld>
             <a:endParaRPr lang="en-US"/>
           </a:p>
@@ -2965,7 +2965,7 @@
           <a:lstStyle/>
           <a:p>
             <a:fld id="{814779F6-DF54-A74A-B093-E4E0AB693425}" type="datetimeFigureOut">
-              <a:t>12/9/23</a:t>
+              <a:t>12/10/23</a:t>
             </a:fld>
             <a:endParaRPr lang="en-US"/>
           </a:p>
@@ -3076,7 +3076,7 @@
           <a:lstStyle/>
           <a:p>
             <a:fld id="{814779F6-DF54-A74A-B093-E4E0AB693425}" type="datetimeFigureOut">
-              <a:t>12/9/23</a:t>
+              <a:t>12/10/23</a:t>
             </a:fld>
             <a:endParaRPr lang="en-US"/>
           </a:p>
@@ -3385,7 +3385,7 @@
           <a:lstStyle/>
           <a:p>
             <a:fld id="{814779F6-DF54-A74A-B093-E4E0AB693425}" type="datetimeFigureOut">
-              <a:t>12/9/23</a:t>
+              <a:t>12/10/23</a:t>
             </a:fld>
             <a:endParaRPr lang="en-US"/>
           </a:p>
@@ -3671,7 +3671,7 @@
           <a:lstStyle/>
           <a:p>
             <a:fld id="{814779F6-DF54-A74A-B093-E4E0AB693425}" type="datetimeFigureOut">
-              <a:t>12/9/23</a:t>
+              <a:t>12/10/23</a:t>
             </a:fld>
             <a:endParaRPr lang="en-US"/>
           </a:p>
@@ -3910,7 +3910,7 @@
           </a:lstStyle>
           <a:p>
             <a:fld id="{814779F6-DF54-A74A-B093-E4E0AB693425}" type="datetimeFigureOut">
-              <a:t>12/9/23</a:t>
+              <a:t>12/10/23</a:t>
             </a:fld>
             <a:endParaRPr lang="en-US"/>
           </a:p>
@@ -6058,7 +6058,7 @@
           <p:nvPr>
             <p:extLst>
               <p:ext uri="{D42A27DB-BD31-4B8C-83A1-F6EECF244321}">
-                <p14:modId xmlns:p14="http://schemas.microsoft.com/office/powerpoint/2010/main" val="2247017452"/>
+                <p14:modId xmlns:p14="http://schemas.microsoft.com/office/powerpoint/2010/main" val="2202243766"/>
               </p:ext>
             </p:extLst>
           </p:nvPr>
@@ -6150,7 +6150,7 @@
                     <a:p>
                       <a:r>
                         <a:rPr lang="en-US"/>
-                        <a:t>Done</a:t>
+                        <a:t>isDone</a:t>
                       </a:r>
                     </a:p>
                   </a:txBody>

--- a/documentation/AppDesign.pptx
+++ b/documentation/AppDesign.pptx
@@ -206,7 +206,7 @@
           </a:lstStyle>
           <a:p>
             <a:fld id="{7258A54E-126E-9F44-BB91-7E6D295A013E}" type="datetimeFigureOut">
-              <a:t>12/10/23</a:t>
+              <a:t>12/11/23</a:t>
             </a:fld>
             <a:endParaRPr lang="en-US"/>
           </a:p>
@@ -1282,7 +1282,7 @@
           <a:lstStyle/>
           <a:p>
             <a:fld id="{814779F6-DF54-A74A-B093-E4E0AB693425}" type="datetimeFigureOut">
-              <a:t>12/10/23</a:t>
+              <a:t>12/11/23</a:t>
             </a:fld>
             <a:endParaRPr lang="en-US"/>
           </a:p>
@@ -1478,7 +1478,7 @@
           <a:lstStyle/>
           <a:p>
             <a:fld id="{814779F6-DF54-A74A-B093-E4E0AB693425}" type="datetimeFigureOut">
-              <a:t>12/10/23</a:t>
+              <a:t>12/11/23</a:t>
             </a:fld>
             <a:endParaRPr lang="en-US"/>
           </a:p>
@@ -1684,7 +1684,7 @@
           <a:lstStyle/>
           <a:p>
             <a:fld id="{814779F6-DF54-A74A-B093-E4E0AB693425}" type="datetimeFigureOut">
-              <a:t>12/10/23</a:t>
+              <a:t>12/11/23</a:t>
             </a:fld>
             <a:endParaRPr lang="en-US"/>
           </a:p>
@@ -1880,7 +1880,7 @@
           <a:lstStyle/>
           <a:p>
             <a:fld id="{814779F6-DF54-A74A-B093-E4E0AB693425}" type="datetimeFigureOut">
-              <a:t>12/10/23</a:t>
+              <a:t>12/11/23</a:t>
             </a:fld>
             <a:endParaRPr lang="en-US"/>
           </a:p>
@@ -2153,7 +2153,7 @@
           <a:lstStyle/>
           <a:p>
             <a:fld id="{814779F6-DF54-A74A-B093-E4E0AB693425}" type="datetimeFigureOut">
-              <a:t>12/10/23</a:t>
+              <a:t>12/11/23</a:t>
             </a:fld>
             <a:endParaRPr lang="en-US"/>
           </a:p>
@@ -2416,7 +2416,7 @@
           <a:lstStyle/>
           <a:p>
             <a:fld id="{814779F6-DF54-A74A-B093-E4E0AB693425}" type="datetimeFigureOut">
-              <a:t>12/10/23</a:t>
+              <a:t>12/11/23</a:t>
             </a:fld>
             <a:endParaRPr lang="en-US"/>
           </a:p>
@@ -2826,7 +2826,7 @@
           <a:lstStyle/>
           <a:p>
             <a:fld id="{814779F6-DF54-A74A-B093-E4E0AB693425}" type="datetimeFigureOut">
-              <a:t>12/10/23</a:t>
+              <a:t>12/11/23</a:t>
             </a:fld>
             <a:endParaRPr lang="en-US"/>
           </a:p>
@@ -2965,7 +2965,7 @@
           <a:lstStyle/>
           <a:p>
             <a:fld id="{814779F6-DF54-A74A-B093-E4E0AB693425}" type="datetimeFigureOut">
-              <a:t>12/10/23</a:t>
+              <a:t>12/11/23</a:t>
             </a:fld>
             <a:endParaRPr lang="en-US"/>
           </a:p>
@@ -3076,7 +3076,7 @@
           <a:lstStyle/>
           <a:p>
             <a:fld id="{814779F6-DF54-A74A-B093-E4E0AB693425}" type="datetimeFigureOut">
-              <a:t>12/10/23</a:t>
+              <a:t>12/11/23</a:t>
             </a:fld>
             <a:endParaRPr lang="en-US"/>
           </a:p>
@@ -3385,7 +3385,7 @@
           <a:lstStyle/>
           <a:p>
             <a:fld id="{814779F6-DF54-A74A-B093-E4E0AB693425}" type="datetimeFigureOut">
-              <a:t>12/10/23</a:t>
+              <a:t>12/11/23</a:t>
             </a:fld>
             <a:endParaRPr lang="en-US"/>
           </a:p>
@@ -3671,7 +3671,7 @@
           <a:lstStyle/>
           <a:p>
             <a:fld id="{814779F6-DF54-A74A-B093-E4E0AB693425}" type="datetimeFigureOut">
-              <a:t>12/10/23</a:t>
+              <a:t>12/11/23</a:t>
             </a:fld>
             <a:endParaRPr lang="en-US"/>
           </a:p>
@@ -3910,7 +3910,7 @@
           </a:lstStyle>
           <a:p>
             <a:fld id="{814779F6-DF54-A74A-B093-E4E0AB693425}" type="datetimeFigureOut">
-              <a:t>12/10/23</a:t>
+              <a:t>12/11/23</a:t>
             </a:fld>
             <a:endParaRPr lang="en-US"/>
           </a:p>
@@ -15822,7 +15822,7 @@
             <a:pPr algn="ctr"/>
             <a:r>
               <a:rPr lang="en-US" sz="1400"/>
-              <a:t>USX04: As a user I want to see the version of the software and other information such as the names of the developers.</a:t>
+              <a:t>USX04: As a user, I want to see the version of the software and other information such as the names of the developers.</a:t>
             </a:r>
           </a:p>
         </p:txBody>
